--- a/trunk/slides/sep2017/01-strings.pptx
+++ b/trunk/slides/sep2017/01-strings.pptx
@@ -5,7 +5,7 @@
     <p:sldMasterId id="2147483684" r:id="rId1"/>
   </p:sldMasterIdLst>
   <p:notesMasterIdLst>
-    <p:notesMasterId r:id="rId62"/>
+    <p:notesMasterId r:id="rId63"/>
   </p:notesMasterIdLst>
   <p:sldIdLst>
     <p:sldId id="256" r:id="rId2"/>
@@ -46,28 +46,29 @@
     <p:sldId id="309" r:id="rId37"/>
     <p:sldId id="310" r:id="rId38"/>
     <p:sldId id="290" r:id="rId39"/>
-    <p:sldId id="291" r:id="rId40"/>
-    <p:sldId id="298" r:id="rId41"/>
-    <p:sldId id="317" r:id="rId42"/>
-    <p:sldId id="299" r:id="rId43"/>
-    <p:sldId id="300" r:id="rId44"/>
-    <p:sldId id="301" r:id="rId45"/>
-    <p:sldId id="302" r:id="rId46"/>
-    <p:sldId id="293" r:id="rId47"/>
-    <p:sldId id="305" r:id="rId48"/>
-    <p:sldId id="303" r:id="rId49"/>
-    <p:sldId id="306" r:id="rId50"/>
-    <p:sldId id="307" r:id="rId51"/>
-    <p:sldId id="308" r:id="rId52"/>
-    <p:sldId id="289" r:id="rId53"/>
-    <p:sldId id="292" r:id="rId54"/>
-    <p:sldId id="311" r:id="rId55"/>
-    <p:sldId id="312" r:id="rId56"/>
-    <p:sldId id="313" r:id="rId57"/>
-    <p:sldId id="314" r:id="rId58"/>
-    <p:sldId id="315" r:id="rId59"/>
-    <p:sldId id="316" r:id="rId60"/>
-    <p:sldId id="258" r:id="rId61"/>
+    <p:sldId id="318" r:id="rId40"/>
+    <p:sldId id="291" r:id="rId41"/>
+    <p:sldId id="298" r:id="rId42"/>
+    <p:sldId id="317" r:id="rId43"/>
+    <p:sldId id="299" r:id="rId44"/>
+    <p:sldId id="300" r:id="rId45"/>
+    <p:sldId id="301" r:id="rId46"/>
+    <p:sldId id="302" r:id="rId47"/>
+    <p:sldId id="293" r:id="rId48"/>
+    <p:sldId id="305" r:id="rId49"/>
+    <p:sldId id="303" r:id="rId50"/>
+    <p:sldId id="306" r:id="rId51"/>
+    <p:sldId id="307" r:id="rId52"/>
+    <p:sldId id="308" r:id="rId53"/>
+    <p:sldId id="289" r:id="rId54"/>
+    <p:sldId id="292" r:id="rId55"/>
+    <p:sldId id="311" r:id="rId56"/>
+    <p:sldId id="312" r:id="rId57"/>
+    <p:sldId id="313" r:id="rId58"/>
+    <p:sldId id="314" r:id="rId59"/>
+    <p:sldId id="315" r:id="rId60"/>
+    <p:sldId id="316" r:id="rId61"/>
+    <p:sldId id="258" r:id="rId62"/>
   </p:sldIdLst>
   <p:sldSz cx="12192000" cy="6858000"/>
   <p:notesSz cx="6858000" cy="9144000"/>
@@ -256,7 +257,7 @@
           <a:p>
             <a:fld id="{D0F53610-742D-41DE-86D1-B4A263AA8643}" type="datetimeFigureOut">
               <a:rPr lang="en-US" smtClean="0"/>
-              <a:t>7/28/2017</a:t>
+              <a:t>8/15/2017</a:t>
             </a:fld>
             <a:endParaRPr lang="en-US"/>
           </a:p>
@@ -805,7 +806,7 @@
             <a:fld id="{96DFF08F-DC6B-4601-B491-B0F83F6DD2DA}" type="datetimeFigureOut">
               <a:rPr lang="en-US" dirty="0"/>
               <a:pPr/>
-              <a:t>7/28/2017</a:t>
+              <a:t>8/15/2017</a:t>
             </a:fld>
             <a:endParaRPr lang="en-US" dirty="0"/>
           </a:p>
@@ -1022,7 +1023,7 @@
           <a:p>
             <a:fld id="{96DFF08F-DC6B-4601-B491-B0F83F6DD2DA}" type="datetimeFigureOut">
               <a:rPr lang="en-US" dirty="0"/>
-              <a:t>7/28/2017</a:t>
+              <a:t>8/15/2017</a:t>
             </a:fld>
             <a:endParaRPr lang="en-US" dirty="0"/>
           </a:p>
@@ -1197,7 +1198,7 @@
           <a:p>
             <a:fld id="{96DFF08F-DC6B-4601-B491-B0F83F6DD2DA}" type="datetimeFigureOut">
               <a:rPr lang="en-US" dirty="0"/>
-              <a:t>7/28/2017</a:t>
+              <a:t>8/15/2017</a:t>
             </a:fld>
             <a:endParaRPr lang="en-US" dirty="0"/>
           </a:p>
@@ -1362,7 +1363,7 @@
           <a:p>
             <a:fld id="{96DFF08F-DC6B-4601-B491-B0F83F6DD2DA}" type="datetimeFigureOut">
               <a:rPr lang="en-US" dirty="0"/>
-              <a:t>7/28/2017</a:t>
+              <a:t>8/15/2017</a:t>
             </a:fld>
             <a:endParaRPr lang="en-US" dirty="0"/>
           </a:p>
@@ -1608,7 +1609,7 @@
           <a:p>
             <a:fld id="{96DFF08F-DC6B-4601-B491-B0F83F6DD2DA}" type="datetimeFigureOut">
               <a:rPr lang="en-US" dirty="0"/>
-              <a:t>7/28/2017</a:t>
+              <a:t>8/15/2017</a:t>
             </a:fld>
             <a:endParaRPr lang="en-US" dirty="0"/>
           </a:p>
@@ -1926,7 +1927,7 @@
           <a:p>
             <a:fld id="{96DFF08F-DC6B-4601-B491-B0F83F6DD2DA}" type="datetimeFigureOut">
               <a:rPr lang="en-US" dirty="0"/>
-              <a:t>7/28/2017</a:t>
+              <a:t>8/15/2017</a:t>
             </a:fld>
             <a:endParaRPr lang="en-US" dirty="0"/>
           </a:p>
@@ -2345,7 +2346,7 @@
           <a:p>
             <a:fld id="{96DFF08F-DC6B-4601-B491-B0F83F6DD2DA}" type="datetimeFigureOut">
               <a:rPr lang="en-US" dirty="0"/>
-              <a:t>7/28/2017</a:t>
+              <a:t>8/15/2017</a:t>
             </a:fld>
             <a:endParaRPr lang="en-US" dirty="0"/>
           </a:p>
@@ -2458,7 +2459,7 @@
           <a:p>
             <a:fld id="{96DFF08F-DC6B-4601-B491-B0F83F6DD2DA}" type="datetimeFigureOut">
               <a:rPr lang="en-US" dirty="0"/>
-              <a:t>7/28/2017</a:t>
+              <a:t>8/15/2017</a:t>
             </a:fld>
             <a:endParaRPr lang="en-US" dirty="0"/>
           </a:p>
@@ -2548,7 +2549,7 @@
           <a:p>
             <a:fld id="{96DFF08F-DC6B-4601-B491-B0F83F6DD2DA}" type="datetimeFigureOut">
               <a:rPr lang="en-US" dirty="0"/>
-              <a:t>7/28/2017</a:t>
+              <a:t>8/15/2017</a:t>
             </a:fld>
             <a:endParaRPr lang="en-US" dirty="0"/>
           </a:p>
@@ -2833,7 +2834,7 @@
           <a:p>
             <a:fld id="{96DFF08F-DC6B-4601-B491-B0F83F6DD2DA}" type="datetimeFigureOut">
               <a:rPr lang="en-US" dirty="0"/>
-              <a:t>7/28/2017</a:t>
+              <a:t>8/15/2017</a:t>
             </a:fld>
             <a:endParaRPr lang="en-US" dirty="0"/>
           </a:p>
@@ -3100,7 +3101,7 @@
           <a:p>
             <a:fld id="{96DFF08F-DC6B-4601-B491-B0F83F6DD2DA}" type="datetimeFigureOut">
               <a:rPr lang="en-US" dirty="0"/>
-              <a:t>7/28/2017</a:t>
+              <a:t>8/15/2017</a:t>
             </a:fld>
             <a:endParaRPr lang="en-US" dirty="0"/>
           </a:p>
@@ -3349,7 +3350,7 @@
             <a:fld id="{96DFF08F-DC6B-4601-B491-B0F83F6DD2DA}" type="datetimeFigureOut">
               <a:rPr lang="en-US" dirty="0"/>
               <a:pPr/>
-              <a:t>7/28/2017</a:t>
+              <a:t>8/15/2017</a:t>
             </a:fld>
             <a:endParaRPr lang="en-US" dirty="0"/>
           </a:p>
@@ -19705,13 +19706,7 @@
               <a:rPr lang="en-US" sz="2000">
                 <a:latin typeface="Consolas" panose="020B0609020204030204" pitchFamily="49" charset="0"/>
               </a:rPr>
-              <a:t>string str = "   trim </a:t>
-            </a:r>
-            <a:r>
-              <a:rPr lang="en-US" sz="2000">
-                <a:latin typeface="Consolas" panose="020B0609020204030204" pitchFamily="49" charset="0"/>
-              </a:rPr>
-              <a:t>me  </a:t>
+              <a:t>string str = "   trim me  </a:t>
             </a:r>
             <a:r>
               <a:rPr lang="en-US" sz="2000" smtClean="0">
@@ -19734,13 +19729,7 @@
               <a:rPr lang="en-US" sz="2000">
                 <a:latin typeface="Consolas" panose="020B0609020204030204" pitchFamily="49" charset="0"/>
               </a:rPr>
-              <a:t>vtrim = </a:t>
-            </a:r>
-            <a:r>
-              <a:rPr lang="en-US" sz="2000">
-                <a:latin typeface="Consolas" panose="020B0609020204030204" pitchFamily="49" charset="0"/>
-              </a:rPr>
-              <a:t>str</a:t>
+              <a:t>vtrim = str</a:t>
             </a:r>
             <a:r>
               <a:rPr lang="en-US" sz="2000" smtClean="0">
@@ -19763,13 +19752,7 @@
               <a:rPr lang="en-US" sz="2000">
                 <a:latin typeface="Consolas" panose="020B0609020204030204" pitchFamily="49" charset="0"/>
               </a:rPr>
-              <a:t>trimfst = vtrim.find_first_not_of</a:t>
-            </a:r>
-            <a:r>
-              <a:rPr lang="en-US" sz="2000">
-                <a:latin typeface="Consolas" panose="020B0609020204030204" pitchFamily="49" charset="0"/>
-              </a:rPr>
-              <a:t>(" </a:t>
+              <a:t>trimfst = vtrim.find_first_not_of(" </a:t>
             </a:r>
             <a:r>
               <a:rPr lang="en-US" sz="2000" smtClean="0">
@@ -19792,13 +19775,7 @@
               <a:rPr lang="en-US" sz="2000">
                 <a:latin typeface="Consolas" panose="020B0609020204030204" pitchFamily="49" charset="0"/>
               </a:rPr>
-              <a:t>, </a:t>
-            </a:r>
-            <a:r>
-              <a:rPr lang="en-US" sz="2000">
-                <a:latin typeface="Consolas" panose="020B0609020204030204" pitchFamily="49" charset="0"/>
-              </a:rPr>
-              <a:t>vtrim.size</a:t>
+              <a:t>, vtrim.size</a:t>
             </a:r>
             <a:r>
               <a:rPr lang="en-US" sz="2000" smtClean="0">
@@ -19821,13 +19798,7 @@
               <a:rPr lang="en-US" sz="2000">
                 <a:latin typeface="Consolas" panose="020B0609020204030204" pitchFamily="49" charset="0"/>
               </a:rPr>
-              <a:t>trimlst = vtrim.find_last_not_of</a:t>
-            </a:r>
-            <a:r>
-              <a:rPr lang="en-US" sz="2000">
-                <a:latin typeface="Consolas" panose="020B0609020204030204" pitchFamily="49" charset="0"/>
-              </a:rPr>
-              <a:t>(" </a:t>
+              <a:t>trimlst = vtrim.find_last_not_of(" </a:t>
             </a:r>
             <a:r>
               <a:rPr lang="en-US" sz="2000" smtClean="0">
@@ -19863,9 +19834,6 @@
               </a:rPr>
               <a:t>() - min(trimlst, vtrim.size()));</a:t>
             </a:r>
-            <a:endParaRPr lang="en-US" sz="2000">
-              <a:latin typeface="Consolas" panose="020B0609020204030204" pitchFamily="49" charset="0"/>
-            </a:endParaRPr>
           </a:p>
         </p:txBody>
       </p:sp>
@@ -20159,11 +20127,7 @@
             </a:r>
             <a:r>
               <a:rPr lang="ru-RU" smtClean="0"/>
-              <a:t>В стандарте ничего такого нет</a:t>
-            </a:r>
-            <a:r>
-              <a:rPr lang="ru-RU" smtClean="0"/>
-              <a:t>....</a:t>
+              <a:t>В стандарте ничего такого нет....</a:t>
             </a:r>
             <a:endParaRPr lang="en-US" smtClean="0"/>
           </a:p>
@@ -22004,6 +21968,29 @@
       </p:grpSpPr>
       <p:sp>
         <p:nvSpPr>
+          <p:cNvPr id="2" name="Title 1"/>
+          <p:cNvSpPr>
+            <a:spLocks noGrp="1"/>
+          </p:cNvSpPr>
+          <p:nvPr>
+            <p:ph type="title"/>
+          </p:nvPr>
+        </p:nvSpPr>
+        <p:spPr/>
+        <p:txBody>
+          <a:bodyPr/>
+          <a:lstStyle/>
+          <a:p>
+            <a:r>
+              <a:rPr lang="ru-RU" smtClean="0"/>
+              <a:t>Обсуждение</a:t>
+            </a:r>
+            <a:endParaRPr lang="en-US"/>
+          </a:p>
+        </p:txBody>
+      </p:sp>
+      <p:sp>
+        <p:nvSpPr>
           <p:cNvPr id="3" name="Content Placeholder 2"/>
           <p:cNvSpPr>
             <a:spLocks noGrp="1"/>
@@ -22012,93 +21999,23 @@
             <p:ph idx="1"/>
           </p:nvPr>
         </p:nvSpPr>
-        <p:spPr>
-          <a:xfrm>
-            <a:off x="1143000" y="742122"/>
-            <a:ext cx="9872871" cy="5353878"/>
-          </a:xfrm>
-        </p:spPr>
-        <p:txBody>
-          <a:bodyPr>
-            <a:noAutofit/>
-          </a:bodyPr>
-          <a:lstStyle/>
-          <a:p>
-            <a:pPr>
-              <a:lnSpc>
-                <a:spcPct val="150000"/>
-              </a:lnSpc>
-              <a:buFont typeface="Wingdings" panose="05000000000000000000" pitchFamily="2" charset="2"/>
-              <a:buChar char="q"/>
-            </a:pPr>
-            <a:r>
-              <a:rPr lang="ru-RU" sz="4800" smtClean="0"/>
-              <a:t> Строки в стиле </a:t>
-            </a:r>
-            <a:r>
-              <a:rPr lang="en-US" sz="4800" smtClean="0"/>
-              <a:t>C</a:t>
-            </a:r>
-            <a:endParaRPr lang="ru-RU" sz="4800" smtClean="0"/>
-          </a:p>
-          <a:p>
-            <a:pPr>
-              <a:lnSpc>
-                <a:spcPct val="150000"/>
-              </a:lnSpc>
-              <a:buFont typeface="Wingdings" panose="05000000000000000000" pitchFamily="2" charset="2"/>
-              <a:buChar char="q"/>
-            </a:pPr>
-            <a:r>
-              <a:rPr lang="ru-RU" sz="4800" smtClean="0"/>
-              <a:t> Класс строки</a:t>
-            </a:r>
-          </a:p>
-          <a:p>
-            <a:pPr>
-              <a:lnSpc>
-                <a:spcPct val="150000"/>
-              </a:lnSpc>
-              <a:buFont typeface="Wingdings" panose="05000000000000000000" pitchFamily="2" charset="2"/>
-              <a:buChar char="Ø"/>
-            </a:pPr>
-            <a:r>
-              <a:rPr lang="ru-RU" sz="4800" smtClean="0"/>
-              <a:t> Оптимизации: </a:t>
-            </a:r>
-            <a:r>
-              <a:rPr lang="en-US" sz="4800" smtClean="0"/>
-              <a:t>COW </a:t>
-            </a:r>
-            <a:r>
-              <a:rPr lang="ru-RU" sz="4800" smtClean="0"/>
-              <a:t>и </a:t>
-            </a:r>
-            <a:r>
-              <a:rPr lang="en-US" sz="4800" smtClean="0"/>
-              <a:t>SSO</a:t>
-            </a:r>
-            <a:endParaRPr lang="ru-RU" sz="4800" smtClean="0"/>
-          </a:p>
-          <a:p>
-            <a:pPr>
-              <a:lnSpc>
-                <a:spcPct val="150000"/>
-              </a:lnSpc>
-              <a:buFont typeface="Wingdings" panose="05000000000000000000" pitchFamily="2" charset="2"/>
-              <a:buChar char="q"/>
-            </a:pPr>
-            <a:r>
-              <a:rPr lang="ru-RU" sz="4800" smtClean="0"/>
-              <a:t> Шаблон класса строки</a:t>
-            </a:r>
+        <p:spPr/>
+        <p:txBody>
+          <a:bodyPr/>
+          <a:lstStyle/>
+          <a:p>
+            <a:r>
+              <a:rPr lang="ru-RU" smtClean="0"/>
+              <a:t>Является ли проблема утекания строки по копированию вообще проблемой класса строки?</a:t>
+            </a:r>
+            <a:endParaRPr lang="en-US"/>
           </a:p>
         </p:txBody>
       </p:sp>
     </p:spTree>
     <p:extLst>
       <p:ext uri="{BB962C8B-B14F-4D97-AF65-F5344CB8AC3E}">
-        <p14:creationId xmlns:p14="http://schemas.microsoft.com/office/powerpoint/2010/main" val="3198873213"/>
+        <p14:creationId xmlns:p14="http://schemas.microsoft.com/office/powerpoint/2010/main" val="1138812358"/>
       </p:ext>
     </p:extLst>
   </p:cSld>
@@ -22255,6 +22172,129 @@
 </file>
 
 <file path=ppt/slides/slide40.xml><?xml version="1.0" encoding="utf-8"?>
+<p:sld xmlns:a="http://schemas.openxmlformats.org/drawingml/2006/main" xmlns:r="http://schemas.openxmlformats.org/officeDocument/2006/relationships" xmlns:p="http://schemas.openxmlformats.org/presentationml/2006/main">
+  <p:cSld>
+    <p:spTree>
+      <p:nvGrpSpPr>
+        <p:cNvPr id="1" name=""/>
+        <p:cNvGrpSpPr/>
+        <p:nvPr/>
+      </p:nvGrpSpPr>
+      <p:grpSpPr>
+        <a:xfrm>
+          <a:off x="0" y="0"/>
+          <a:ext cx="0" cy="0"/>
+          <a:chOff x="0" y="0"/>
+          <a:chExt cx="0" cy="0"/>
+        </a:xfrm>
+      </p:grpSpPr>
+      <p:sp>
+        <p:nvSpPr>
+          <p:cNvPr id="3" name="Content Placeholder 2"/>
+          <p:cNvSpPr>
+            <a:spLocks noGrp="1"/>
+          </p:cNvSpPr>
+          <p:nvPr>
+            <p:ph idx="1"/>
+          </p:nvPr>
+        </p:nvSpPr>
+        <p:spPr>
+          <a:xfrm>
+            <a:off x="1143000" y="742122"/>
+            <a:ext cx="9872871" cy="5353878"/>
+          </a:xfrm>
+        </p:spPr>
+        <p:txBody>
+          <a:bodyPr>
+            <a:noAutofit/>
+          </a:bodyPr>
+          <a:lstStyle/>
+          <a:p>
+            <a:pPr>
+              <a:lnSpc>
+                <a:spcPct val="150000"/>
+              </a:lnSpc>
+              <a:buFont typeface="Wingdings" panose="05000000000000000000" pitchFamily="2" charset="2"/>
+              <a:buChar char="q"/>
+            </a:pPr>
+            <a:r>
+              <a:rPr lang="ru-RU" sz="4800" smtClean="0"/>
+              <a:t> Строки в стиле </a:t>
+            </a:r>
+            <a:r>
+              <a:rPr lang="en-US" sz="4800" smtClean="0"/>
+              <a:t>C</a:t>
+            </a:r>
+            <a:endParaRPr lang="ru-RU" sz="4800" smtClean="0"/>
+          </a:p>
+          <a:p>
+            <a:pPr>
+              <a:lnSpc>
+                <a:spcPct val="150000"/>
+              </a:lnSpc>
+              <a:buFont typeface="Wingdings" panose="05000000000000000000" pitchFamily="2" charset="2"/>
+              <a:buChar char="q"/>
+            </a:pPr>
+            <a:r>
+              <a:rPr lang="ru-RU" sz="4800" smtClean="0"/>
+              <a:t> Класс строки</a:t>
+            </a:r>
+          </a:p>
+          <a:p>
+            <a:pPr>
+              <a:lnSpc>
+                <a:spcPct val="150000"/>
+              </a:lnSpc>
+              <a:buFont typeface="Wingdings" panose="05000000000000000000" pitchFamily="2" charset="2"/>
+              <a:buChar char="Ø"/>
+            </a:pPr>
+            <a:r>
+              <a:rPr lang="ru-RU" sz="4800" smtClean="0"/>
+              <a:t> Оптимизации: </a:t>
+            </a:r>
+            <a:r>
+              <a:rPr lang="en-US" sz="4800" smtClean="0"/>
+              <a:t>COW </a:t>
+            </a:r>
+            <a:r>
+              <a:rPr lang="ru-RU" sz="4800" smtClean="0"/>
+              <a:t>и </a:t>
+            </a:r>
+            <a:r>
+              <a:rPr lang="en-US" sz="4800" smtClean="0"/>
+              <a:t>SSO</a:t>
+            </a:r>
+            <a:endParaRPr lang="ru-RU" sz="4800" smtClean="0"/>
+          </a:p>
+          <a:p>
+            <a:pPr>
+              <a:lnSpc>
+                <a:spcPct val="150000"/>
+              </a:lnSpc>
+              <a:buFont typeface="Wingdings" panose="05000000000000000000" pitchFamily="2" charset="2"/>
+              <a:buChar char="q"/>
+            </a:pPr>
+            <a:r>
+              <a:rPr lang="ru-RU" sz="4800" smtClean="0"/>
+              <a:t> Шаблон класса строки</a:t>
+            </a:r>
+          </a:p>
+        </p:txBody>
+      </p:sp>
+    </p:spTree>
+    <p:extLst>
+      <p:ext uri="{BB962C8B-B14F-4D97-AF65-F5344CB8AC3E}">
+        <p14:creationId xmlns:p14="http://schemas.microsoft.com/office/powerpoint/2010/main" val="3198873213"/>
+      </p:ext>
+    </p:extLst>
+  </p:cSld>
+  <p:clrMapOvr>
+    <a:masterClrMapping/>
+  </p:clrMapOvr>
+</p:sld>
+</file>
+
+<file path=ppt/slides/slide41.xml><?xml version="1.0" encoding="utf-8"?>
 <p:sld xmlns:a="http://schemas.openxmlformats.org/drawingml/2006/main" xmlns:r="http://schemas.openxmlformats.org/officeDocument/2006/relationships" xmlns:p="http://schemas.openxmlformats.org/presentationml/2006/main">
   <p:cSld>
     <p:spTree>
@@ -23544,1135 +23584,6 @@
 </p:sld>
 </file>
 
-<file path=ppt/slides/slide41.xml><?xml version="1.0" encoding="utf-8"?>
-<p:sld xmlns:a="http://schemas.openxmlformats.org/drawingml/2006/main" xmlns:r="http://schemas.openxmlformats.org/officeDocument/2006/relationships" xmlns:p="http://schemas.openxmlformats.org/presentationml/2006/main">
-  <p:cSld>
-    <p:spTree>
-      <p:nvGrpSpPr>
-        <p:cNvPr id="1" name=""/>
-        <p:cNvGrpSpPr/>
-        <p:nvPr/>
-      </p:nvGrpSpPr>
-      <p:grpSpPr>
-        <a:xfrm>
-          <a:off x="0" y="0"/>
-          <a:ext cx="0" cy="0"/>
-          <a:chOff x="0" y="0"/>
-          <a:chExt cx="0" cy="0"/>
-        </a:xfrm>
-      </p:grpSpPr>
-      <p:sp>
-        <p:nvSpPr>
-          <p:cNvPr id="2" name="Title 1"/>
-          <p:cNvSpPr>
-            <a:spLocks noGrp="1"/>
-          </p:cNvSpPr>
-          <p:nvPr>
-            <p:ph type="title"/>
-          </p:nvPr>
-        </p:nvSpPr>
-        <p:spPr/>
-        <p:txBody>
-          <a:bodyPr/>
-          <a:lstStyle/>
-          <a:p>
-            <a:r>
-              <a:rPr lang="en-US" smtClean="0"/>
-              <a:t>GCC string (version &lt; 5)</a:t>
-            </a:r>
-            <a:endParaRPr lang="en-US"/>
-          </a:p>
-        </p:txBody>
-      </p:sp>
-      <p:sp>
-        <p:nvSpPr>
-          <p:cNvPr id="4" name="Rectangle 3"/>
-          <p:cNvSpPr/>
-          <p:nvPr/>
-        </p:nvSpPr>
-        <p:spPr>
-          <a:xfrm>
-            <a:off x="4183076" y="3919462"/>
-            <a:ext cx="371421" cy="497149"/>
-          </a:xfrm>
-          <a:prstGeom prst="rect">
-            <a:avLst/>
-          </a:prstGeom>
-          <a:solidFill>
-            <a:schemeClr val="bg1"/>
-          </a:solidFill>
-          <a:ln w="22225">
-            <a:solidFill>
-              <a:schemeClr val="tx1"/>
-            </a:solidFill>
-          </a:ln>
-        </p:spPr>
-        <p:style>
-          <a:lnRef idx="1">
-            <a:schemeClr val="accent4"/>
-          </a:lnRef>
-          <a:fillRef idx="2">
-            <a:schemeClr val="accent4"/>
-          </a:fillRef>
-          <a:effectRef idx="1">
-            <a:schemeClr val="accent4"/>
-          </a:effectRef>
-          <a:fontRef idx="minor">
-            <a:schemeClr val="dk1"/>
-          </a:fontRef>
-        </p:style>
-        <p:txBody>
-          <a:bodyPr rtlCol="0" anchor="ctr"/>
-          <a:lstStyle/>
-          <a:p>
-            <a:pPr algn="ctr"/>
-            <a:r>
-              <a:rPr lang="en-US" sz="1600" smtClean="0">
-                <a:latin typeface="Consolas" panose="020B0609020204030204" pitchFamily="49" charset="0"/>
-              </a:rPr>
-              <a:t>H</a:t>
-            </a:r>
-            <a:endParaRPr lang="en-US" sz="1600">
-              <a:latin typeface="Consolas" panose="020B0609020204030204" pitchFamily="49" charset="0"/>
-            </a:endParaRPr>
-          </a:p>
-        </p:txBody>
-      </p:sp>
-      <p:sp>
-        <p:nvSpPr>
-          <p:cNvPr id="5" name="Rectangle 4"/>
-          <p:cNvSpPr/>
-          <p:nvPr/>
-        </p:nvSpPr>
-        <p:spPr>
-          <a:xfrm>
-            <a:off x="4558963" y="3919462"/>
-            <a:ext cx="371421" cy="497149"/>
-          </a:xfrm>
-          <a:prstGeom prst="rect">
-            <a:avLst/>
-          </a:prstGeom>
-          <a:solidFill>
-            <a:schemeClr val="bg1"/>
-          </a:solidFill>
-          <a:ln w="22225">
-            <a:solidFill>
-              <a:schemeClr val="tx1"/>
-            </a:solidFill>
-          </a:ln>
-        </p:spPr>
-        <p:style>
-          <a:lnRef idx="1">
-            <a:schemeClr val="accent4"/>
-          </a:lnRef>
-          <a:fillRef idx="2">
-            <a:schemeClr val="accent4"/>
-          </a:fillRef>
-          <a:effectRef idx="1">
-            <a:schemeClr val="accent4"/>
-          </a:effectRef>
-          <a:fontRef idx="minor">
-            <a:schemeClr val="dk1"/>
-          </a:fontRef>
-        </p:style>
-        <p:txBody>
-          <a:bodyPr rtlCol="0" anchor="ctr"/>
-          <a:lstStyle/>
-          <a:p>
-            <a:pPr algn="ctr"/>
-            <a:r>
-              <a:rPr lang="en-US" sz="1600" smtClean="0">
-                <a:latin typeface="Consolas" panose="020B0609020204030204" pitchFamily="49" charset="0"/>
-              </a:rPr>
-              <a:t>e</a:t>
-            </a:r>
-            <a:endParaRPr lang="en-US" sz="1600">
-              <a:latin typeface="Consolas" panose="020B0609020204030204" pitchFamily="49" charset="0"/>
-            </a:endParaRPr>
-          </a:p>
-        </p:txBody>
-      </p:sp>
-      <p:sp>
-        <p:nvSpPr>
-          <p:cNvPr id="6" name="Rectangle 5"/>
-          <p:cNvSpPr/>
-          <p:nvPr/>
-        </p:nvSpPr>
-        <p:spPr>
-          <a:xfrm>
-            <a:off x="4933103" y="3919462"/>
-            <a:ext cx="371421" cy="497149"/>
-          </a:xfrm>
-          <a:prstGeom prst="rect">
-            <a:avLst/>
-          </a:prstGeom>
-          <a:solidFill>
-            <a:schemeClr val="bg1"/>
-          </a:solidFill>
-          <a:ln w="22225">
-            <a:solidFill>
-              <a:schemeClr val="tx1"/>
-            </a:solidFill>
-          </a:ln>
-        </p:spPr>
-        <p:style>
-          <a:lnRef idx="1">
-            <a:schemeClr val="accent4"/>
-          </a:lnRef>
-          <a:fillRef idx="2">
-            <a:schemeClr val="accent4"/>
-          </a:fillRef>
-          <a:effectRef idx="1">
-            <a:schemeClr val="accent4"/>
-          </a:effectRef>
-          <a:fontRef idx="minor">
-            <a:schemeClr val="dk1"/>
-          </a:fontRef>
-        </p:style>
-        <p:txBody>
-          <a:bodyPr rtlCol="0" anchor="ctr"/>
-          <a:lstStyle/>
-          <a:p>
-            <a:pPr algn="ctr"/>
-            <a:r>
-              <a:rPr lang="en-US" sz="1600" smtClean="0">
-                <a:latin typeface="Consolas" panose="020B0609020204030204" pitchFamily="49" charset="0"/>
-              </a:rPr>
-              <a:t>l</a:t>
-            </a:r>
-            <a:endParaRPr lang="en-US" sz="1600">
-              <a:latin typeface="Consolas" panose="020B0609020204030204" pitchFamily="49" charset="0"/>
-            </a:endParaRPr>
-          </a:p>
-        </p:txBody>
-      </p:sp>
-      <p:sp>
-        <p:nvSpPr>
-          <p:cNvPr id="7" name="Rectangle 6"/>
-          <p:cNvSpPr/>
-          <p:nvPr/>
-        </p:nvSpPr>
-        <p:spPr>
-          <a:xfrm>
-            <a:off x="5307244" y="3919462"/>
-            <a:ext cx="371421" cy="497149"/>
-          </a:xfrm>
-          <a:prstGeom prst="rect">
-            <a:avLst/>
-          </a:prstGeom>
-          <a:solidFill>
-            <a:schemeClr val="bg1"/>
-          </a:solidFill>
-          <a:ln w="22225">
-            <a:solidFill>
-              <a:schemeClr val="tx1"/>
-            </a:solidFill>
-          </a:ln>
-        </p:spPr>
-        <p:style>
-          <a:lnRef idx="1">
-            <a:schemeClr val="accent4"/>
-          </a:lnRef>
-          <a:fillRef idx="2">
-            <a:schemeClr val="accent4"/>
-          </a:fillRef>
-          <a:effectRef idx="1">
-            <a:schemeClr val="accent4"/>
-          </a:effectRef>
-          <a:fontRef idx="minor">
-            <a:schemeClr val="dk1"/>
-          </a:fontRef>
-        </p:style>
-        <p:txBody>
-          <a:bodyPr rtlCol="0" anchor="ctr"/>
-          <a:lstStyle/>
-          <a:p>
-            <a:pPr algn="ctr"/>
-            <a:r>
-              <a:rPr lang="en-US" sz="1600">
-                <a:latin typeface="Consolas" panose="020B0609020204030204" pitchFamily="49" charset="0"/>
-              </a:rPr>
-              <a:t>l</a:t>
-            </a:r>
-          </a:p>
-        </p:txBody>
-      </p:sp>
-      <p:sp>
-        <p:nvSpPr>
-          <p:cNvPr id="8" name="Rectangle 7"/>
-          <p:cNvSpPr/>
-          <p:nvPr/>
-        </p:nvSpPr>
-        <p:spPr>
-          <a:xfrm>
-            <a:off x="5678665" y="3919460"/>
-            <a:ext cx="371421" cy="497149"/>
-          </a:xfrm>
-          <a:prstGeom prst="rect">
-            <a:avLst/>
-          </a:prstGeom>
-          <a:solidFill>
-            <a:schemeClr val="bg1"/>
-          </a:solidFill>
-          <a:ln w="22225">
-            <a:solidFill>
-              <a:schemeClr val="tx1"/>
-            </a:solidFill>
-          </a:ln>
-        </p:spPr>
-        <p:style>
-          <a:lnRef idx="1">
-            <a:schemeClr val="accent4"/>
-          </a:lnRef>
-          <a:fillRef idx="2">
-            <a:schemeClr val="accent4"/>
-          </a:fillRef>
-          <a:effectRef idx="1">
-            <a:schemeClr val="accent4"/>
-          </a:effectRef>
-          <a:fontRef idx="minor">
-            <a:schemeClr val="dk1"/>
-          </a:fontRef>
-        </p:style>
-        <p:txBody>
-          <a:bodyPr rtlCol="0" anchor="ctr"/>
-          <a:lstStyle/>
-          <a:p>
-            <a:pPr algn="ctr"/>
-            <a:r>
-              <a:rPr lang="en-US" sz="1600" smtClean="0">
-                <a:latin typeface="Consolas" panose="020B0609020204030204" pitchFamily="49" charset="0"/>
-              </a:rPr>
-              <a:t>o</a:t>
-            </a:r>
-            <a:endParaRPr lang="en-US" sz="1600">
-              <a:latin typeface="Consolas" panose="020B0609020204030204" pitchFamily="49" charset="0"/>
-            </a:endParaRPr>
-          </a:p>
-        </p:txBody>
-      </p:sp>
-      <p:sp>
-        <p:nvSpPr>
-          <p:cNvPr id="9" name="Rectangle 8"/>
-          <p:cNvSpPr/>
-          <p:nvPr/>
-        </p:nvSpPr>
-        <p:spPr>
-          <a:xfrm>
-            <a:off x="6044568" y="3919460"/>
-            <a:ext cx="371421" cy="497149"/>
-          </a:xfrm>
-          <a:prstGeom prst="rect">
-            <a:avLst/>
-          </a:prstGeom>
-          <a:solidFill>
-            <a:schemeClr val="bg1"/>
-          </a:solidFill>
-          <a:ln w="22225">
-            <a:solidFill>
-              <a:schemeClr val="tx1"/>
-            </a:solidFill>
-          </a:ln>
-        </p:spPr>
-        <p:style>
-          <a:lnRef idx="1">
-            <a:schemeClr val="accent4"/>
-          </a:lnRef>
-          <a:fillRef idx="2">
-            <a:schemeClr val="accent4"/>
-          </a:fillRef>
-          <a:effectRef idx="1">
-            <a:schemeClr val="accent4"/>
-          </a:effectRef>
-          <a:fontRef idx="minor">
-            <a:schemeClr val="dk1"/>
-          </a:fontRef>
-        </p:style>
-        <p:txBody>
-          <a:bodyPr rtlCol="0" anchor="ctr"/>
-          <a:lstStyle/>
-          <a:p>
-            <a:pPr algn="ctr"/>
-            <a:r>
-              <a:rPr lang="en-US" sz="1600" smtClean="0">
-                <a:latin typeface="Consolas" panose="020B0609020204030204" pitchFamily="49" charset="0"/>
-              </a:rPr>
-              <a:t>,</a:t>
-            </a:r>
-            <a:endParaRPr lang="en-US" sz="1600">
-              <a:latin typeface="Consolas" panose="020B0609020204030204" pitchFamily="49" charset="0"/>
-            </a:endParaRPr>
-          </a:p>
-        </p:txBody>
-      </p:sp>
-      <p:sp>
-        <p:nvSpPr>
-          <p:cNvPr id="10" name="Rectangle 9"/>
-          <p:cNvSpPr/>
-          <p:nvPr/>
-        </p:nvSpPr>
-        <p:spPr>
-          <a:xfrm>
-            <a:off x="6418708" y="3919460"/>
-            <a:ext cx="371421" cy="497149"/>
-          </a:xfrm>
-          <a:prstGeom prst="rect">
-            <a:avLst/>
-          </a:prstGeom>
-          <a:solidFill>
-            <a:schemeClr val="bg1"/>
-          </a:solidFill>
-          <a:ln w="22225">
-            <a:solidFill>
-              <a:schemeClr val="tx1"/>
-            </a:solidFill>
-          </a:ln>
-        </p:spPr>
-        <p:style>
-          <a:lnRef idx="1">
-            <a:schemeClr val="accent4"/>
-          </a:lnRef>
-          <a:fillRef idx="2">
-            <a:schemeClr val="accent4"/>
-          </a:fillRef>
-          <a:effectRef idx="1">
-            <a:schemeClr val="accent4"/>
-          </a:effectRef>
-          <a:fontRef idx="minor">
-            <a:schemeClr val="dk1"/>
-          </a:fontRef>
-        </p:style>
-        <p:txBody>
-          <a:bodyPr rtlCol="0" anchor="ctr"/>
-          <a:lstStyle/>
-          <a:p>
-            <a:pPr algn="ctr"/>
-            <a:endParaRPr lang="en-US" sz="1600">
-              <a:latin typeface="Consolas" panose="020B0609020204030204" pitchFamily="49" charset="0"/>
-            </a:endParaRPr>
-          </a:p>
-        </p:txBody>
-      </p:sp>
-      <p:sp>
-        <p:nvSpPr>
-          <p:cNvPr id="11" name="Rectangle 10"/>
-          <p:cNvSpPr/>
-          <p:nvPr/>
-        </p:nvSpPr>
-        <p:spPr>
-          <a:xfrm>
-            <a:off x="6784611" y="3919460"/>
-            <a:ext cx="371421" cy="497149"/>
-          </a:xfrm>
-          <a:prstGeom prst="rect">
-            <a:avLst/>
-          </a:prstGeom>
-          <a:solidFill>
-            <a:schemeClr val="bg1"/>
-          </a:solidFill>
-          <a:ln w="22225">
-            <a:solidFill>
-              <a:schemeClr val="tx1"/>
-            </a:solidFill>
-          </a:ln>
-        </p:spPr>
-        <p:style>
-          <a:lnRef idx="1">
-            <a:schemeClr val="accent4"/>
-          </a:lnRef>
-          <a:fillRef idx="2">
-            <a:schemeClr val="accent4"/>
-          </a:fillRef>
-          <a:effectRef idx="1">
-            <a:schemeClr val="accent4"/>
-          </a:effectRef>
-          <a:fontRef idx="minor">
-            <a:schemeClr val="dk1"/>
-          </a:fontRef>
-        </p:style>
-        <p:txBody>
-          <a:bodyPr rtlCol="0" anchor="ctr"/>
-          <a:lstStyle/>
-          <a:p>
-            <a:pPr algn="ctr"/>
-            <a:r>
-              <a:rPr lang="en-US" sz="1600" smtClean="0">
-                <a:latin typeface="Consolas" panose="020B0609020204030204" pitchFamily="49" charset="0"/>
-              </a:rPr>
-              <a:t>w</a:t>
-            </a:r>
-            <a:endParaRPr lang="en-US" sz="1600">
-              <a:latin typeface="Consolas" panose="020B0609020204030204" pitchFamily="49" charset="0"/>
-            </a:endParaRPr>
-          </a:p>
-        </p:txBody>
-      </p:sp>
-      <p:sp>
-        <p:nvSpPr>
-          <p:cNvPr id="12" name="Rectangle 11"/>
-          <p:cNvSpPr/>
-          <p:nvPr/>
-        </p:nvSpPr>
-        <p:spPr>
-          <a:xfrm>
-            <a:off x="7158751" y="3919460"/>
-            <a:ext cx="371421" cy="497149"/>
-          </a:xfrm>
-          <a:prstGeom prst="rect">
-            <a:avLst/>
-          </a:prstGeom>
-          <a:solidFill>
-            <a:schemeClr val="bg1"/>
-          </a:solidFill>
-          <a:ln w="22225">
-            <a:solidFill>
-              <a:schemeClr val="tx1"/>
-            </a:solidFill>
-          </a:ln>
-        </p:spPr>
-        <p:style>
-          <a:lnRef idx="1">
-            <a:schemeClr val="accent4"/>
-          </a:lnRef>
-          <a:fillRef idx="2">
-            <a:schemeClr val="accent4"/>
-          </a:fillRef>
-          <a:effectRef idx="1">
-            <a:schemeClr val="accent4"/>
-          </a:effectRef>
-          <a:fontRef idx="minor">
-            <a:schemeClr val="dk1"/>
-          </a:fontRef>
-        </p:style>
-        <p:txBody>
-          <a:bodyPr rtlCol="0" anchor="ctr"/>
-          <a:lstStyle/>
-          <a:p>
-            <a:pPr algn="ctr"/>
-            <a:r>
-              <a:rPr lang="en-US" sz="1600">
-                <a:latin typeface="Consolas" panose="020B0609020204030204" pitchFamily="49" charset="0"/>
-              </a:rPr>
-              <a:t>o</a:t>
-            </a:r>
-          </a:p>
-        </p:txBody>
-      </p:sp>
-      <p:sp>
-        <p:nvSpPr>
-          <p:cNvPr id="13" name="Rectangle 12"/>
-          <p:cNvSpPr/>
-          <p:nvPr/>
-        </p:nvSpPr>
-        <p:spPr>
-          <a:xfrm>
-            <a:off x="7532891" y="3919460"/>
-            <a:ext cx="371421" cy="497149"/>
-          </a:xfrm>
-          <a:prstGeom prst="rect">
-            <a:avLst/>
-          </a:prstGeom>
-          <a:solidFill>
-            <a:schemeClr val="bg1"/>
-          </a:solidFill>
-          <a:ln w="22225">
-            <a:solidFill>
-              <a:schemeClr val="tx1"/>
-            </a:solidFill>
-          </a:ln>
-        </p:spPr>
-        <p:style>
-          <a:lnRef idx="1">
-            <a:schemeClr val="accent4"/>
-          </a:lnRef>
-          <a:fillRef idx="2">
-            <a:schemeClr val="accent4"/>
-          </a:fillRef>
-          <a:effectRef idx="1">
-            <a:schemeClr val="accent4"/>
-          </a:effectRef>
-          <a:fontRef idx="minor">
-            <a:schemeClr val="dk1"/>
-          </a:fontRef>
-        </p:style>
-        <p:txBody>
-          <a:bodyPr rtlCol="0" anchor="ctr"/>
-          <a:lstStyle/>
-          <a:p>
-            <a:pPr algn="ctr"/>
-            <a:r>
-              <a:rPr lang="en-US" sz="1600" smtClean="0">
-                <a:latin typeface="Consolas" panose="020B0609020204030204" pitchFamily="49" charset="0"/>
-              </a:rPr>
-              <a:t>r</a:t>
-            </a:r>
-            <a:endParaRPr lang="en-US" sz="1600">
-              <a:latin typeface="Consolas" panose="020B0609020204030204" pitchFamily="49" charset="0"/>
-            </a:endParaRPr>
-          </a:p>
-        </p:txBody>
-      </p:sp>
-      <p:sp>
-        <p:nvSpPr>
-          <p:cNvPr id="14" name="Rectangle 13"/>
-          <p:cNvSpPr/>
-          <p:nvPr/>
-        </p:nvSpPr>
-        <p:spPr>
-          <a:xfrm>
-            <a:off x="7904312" y="3919460"/>
-            <a:ext cx="371421" cy="497149"/>
-          </a:xfrm>
-          <a:prstGeom prst="rect">
-            <a:avLst/>
-          </a:prstGeom>
-          <a:solidFill>
-            <a:schemeClr val="bg1"/>
-          </a:solidFill>
-          <a:ln w="22225">
-            <a:solidFill>
-              <a:schemeClr val="tx1"/>
-            </a:solidFill>
-          </a:ln>
-        </p:spPr>
-        <p:style>
-          <a:lnRef idx="1">
-            <a:schemeClr val="accent4"/>
-          </a:lnRef>
-          <a:fillRef idx="2">
-            <a:schemeClr val="accent4"/>
-          </a:fillRef>
-          <a:effectRef idx="1">
-            <a:schemeClr val="accent4"/>
-          </a:effectRef>
-          <a:fontRef idx="minor">
-            <a:schemeClr val="dk1"/>
-          </a:fontRef>
-        </p:style>
-        <p:txBody>
-          <a:bodyPr rtlCol="0" anchor="ctr"/>
-          <a:lstStyle/>
-          <a:p>
-            <a:pPr algn="ctr"/>
-            <a:r>
-              <a:rPr lang="en-US" sz="1600">
-                <a:latin typeface="Consolas" panose="020B0609020204030204" pitchFamily="49" charset="0"/>
-              </a:rPr>
-              <a:t>l</a:t>
-            </a:r>
-          </a:p>
-        </p:txBody>
-      </p:sp>
-      <p:sp>
-        <p:nvSpPr>
-          <p:cNvPr id="15" name="Rectangle 14"/>
-          <p:cNvSpPr/>
-          <p:nvPr/>
-        </p:nvSpPr>
-        <p:spPr>
-          <a:xfrm>
-            <a:off x="8275733" y="3919460"/>
-            <a:ext cx="371421" cy="497149"/>
-          </a:xfrm>
-          <a:prstGeom prst="rect">
-            <a:avLst/>
-          </a:prstGeom>
-          <a:solidFill>
-            <a:schemeClr val="bg1"/>
-          </a:solidFill>
-          <a:ln w="22225">
-            <a:solidFill>
-              <a:schemeClr val="tx1"/>
-            </a:solidFill>
-          </a:ln>
-        </p:spPr>
-        <p:style>
-          <a:lnRef idx="1">
-            <a:schemeClr val="accent4"/>
-          </a:lnRef>
-          <a:fillRef idx="2">
-            <a:schemeClr val="accent4"/>
-          </a:fillRef>
-          <a:effectRef idx="1">
-            <a:schemeClr val="accent4"/>
-          </a:effectRef>
-          <a:fontRef idx="minor">
-            <a:schemeClr val="dk1"/>
-          </a:fontRef>
-        </p:style>
-        <p:txBody>
-          <a:bodyPr rtlCol="0" anchor="ctr"/>
-          <a:lstStyle/>
-          <a:p>
-            <a:pPr algn="ctr"/>
-            <a:r>
-              <a:rPr lang="en-US" sz="1600" smtClean="0">
-                <a:latin typeface="Consolas" panose="020B0609020204030204" pitchFamily="49" charset="0"/>
-              </a:rPr>
-              <a:t>d</a:t>
-            </a:r>
-            <a:endParaRPr lang="en-US" sz="1600">
-              <a:latin typeface="Consolas" panose="020B0609020204030204" pitchFamily="49" charset="0"/>
-            </a:endParaRPr>
-          </a:p>
-        </p:txBody>
-      </p:sp>
-      <p:sp>
-        <p:nvSpPr>
-          <p:cNvPr id="16" name="Rectangle 15"/>
-          <p:cNvSpPr/>
-          <p:nvPr/>
-        </p:nvSpPr>
-        <p:spPr>
-          <a:xfrm>
-            <a:off x="8647154" y="3919460"/>
-            <a:ext cx="371421" cy="497149"/>
-          </a:xfrm>
-          <a:prstGeom prst="rect">
-            <a:avLst/>
-          </a:prstGeom>
-          <a:solidFill>
-            <a:schemeClr val="bg1"/>
-          </a:solidFill>
-          <a:ln w="22225">
-            <a:solidFill>
-              <a:schemeClr val="tx1"/>
-            </a:solidFill>
-          </a:ln>
-        </p:spPr>
-        <p:style>
-          <a:lnRef idx="1">
-            <a:schemeClr val="accent4"/>
-          </a:lnRef>
-          <a:fillRef idx="2">
-            <a:schemeClr val="accent4"/>
-          </a:fillRef>
-          <a:effectRef idx="1">
-            <a:schemeClr val="accent4"/>
-          </a:effectRef>
-          <a:fontRef idx="minor">
-            <a:schemeClr val="dk1"/>
-          </a:fontRef>
-        </p:style>
-        <p:txBody>
-          <a:bodyPr rtlCol="0" anchor="ctr"/>
-          <a:lstStyle/>
-          <a:p>
-            <a:pPr algn="ctr"/>
-            <a:r>
-              <a:rPr lang="en-US" sz="1600" smtClean="0">
-                <a:latin typeface="Consolas" panose="020B0609020204030204" pitchFamily="49" charset="0"/>
-              </a:rPr>
-              <a:t>!</a:t>
-            </a:r>
-            <a:endParaRPr lang="en-US" sz="1600">
-              <a:latin typeface="Consolas" panose="020B0609020204030204" pitchFamily="49" charset="0"/>
-            </a:endParaRPr>
-          </a:p>
-        </p:txBody>
-      </p:sp>
-      <p:sp>
-        <p:nvSpPr>
-          <p:cNvPr id="17" name="Rectangle 16"/>
-          <p:cNvSpPr/>
-          <p:nvPr/>
-        </p:nvSpPr>
-        <p:spPr>
-          <a:xfrm>
-            <a:off x="9018575" y="3919460"/>
-            <a:ext cx="447405" cy="497149"/>
-          </a:xfrm>
-          <a:prstGeom prst="rect">
-            <a:avLst/>
-          </a:prstGeom>
-          <a:solidFill>
-            <a:schemeClr val="bg1"/>
-          </a:solidFill>
-          <a:ln w="22225">
-            <a:solidFill>
-              <a:schemeClr val="tx1"/>
-            </a:solidFill>
-          </a:ln>
-        </p:spPr>
-        <p:style>
-          <a:lnRef idx="1">
-            <a:schemeClr val="accent4"/>
-          </a:lnRef>
-          <a:fillRef idx="2">
-            <a:schemeClr val="accent4"/>
-          </a:fillRef>
-          <a:effectRef idx="1">
-            <a:schemeClr val="accent4"/>
-          </a:effectRef>
-          <a:fontRef idx="minor">
-            <a:schemeClr val="dk1"/>
-          </a:fontRef>
-        </p:style>
-        <p:txBody>
-          <a:bodyPr rtlCol="0" anchor="ctr"/>
-          <a:lstStyle/>
-          <a:p>
-            <a:pPr algn="ctr"/>
-            <a:r>
-              <a:rPr lang="en-US" sz="1600" smtClean="0">
-                <a:latin typeface="Consolas" panose="020B0609020204030204" pitchFamily="49" charset="0"/>
-              </a:rPr>
-              <a:t>\0</a:t>
-            </a:r>
-            <a:endParaRPr lang="en-US" sz="1600">
-              <a:latin typeface="Consolas" panose="020B0609020204030204" pitchFamily="49" charset="0"/>
-            </a:endParaRPr>
-          </a:p>
-        </p:txBody>
-      </p:sp>
-      <p:sp>
-        <p:nvSpPr>
-          <p:cNvPr id="18" name="Rectangle 17"/>
-          <p:cNvSpPr/>
-          <p:nvPr/>
-        </p:nvSpPr>
-        <p:spPr>
-          <a:xfrm>
-            <a:off x="903062" y="3919460"/>
-            <a:ext cx="1093172" cy="497149"/>
-          </a:xfrm>
-          <a:prstGeom prst="rect">
-            <a:avLst/>
-          </a:prstGeom>
-          <a:solidFill>
-            <a:schemeClr val="bg1"/>
-          </a:solidFill>
-          <a:ln w="22225">
-            <a:solidFill>
-              <a:schemeClr val="tx1"/>
-            </a:solidFill>
-          </a:ln>
-        </p:spPr>
-        <p:style>
-          <a:lnRef idx="1">
-            <a:schemeClr val="accent4"/>
-          </a:lnRef>
-          <a:fillRef idx="2">
-            <a:schemeClr val="accent4"/>
-          </a:fillRef>
-          <a:effectRef idx="1">
-            <a:schemeClr val="accent4"/>
-          </a:effectRef>
-          <a:fontRef idx="minor">
-            <a:schemeClr val="dk1"/>
-          </a:fontRef>
-        </p:style>
-        <p:txBody>
-          <a:bodyPr rtlCol="0" anchor="ctr"/>
-          <a:lstStyle/>
-          <a:p>
-            <a:pPr algn="ctr"/>
-            <a:r>
-              <a:rPr lang="en-US" sz="1600" smtClean="0">
-                <a:latin typeface="Consolas" panose="020B0609020204030204" pitchFamily="49" charset="0"/>
-              </a:rPr>
-              <a:t>size:14</a:t>
-            </a:r>
-            <a:endParaRPr lang="en-US" sz="1600">
-              <a:latin typeface="Consolas" panose="020B0609020204030204" pitchFamily="49" charset="0"/>
-            </a:endParaRPr>
-          </a:p>
-        </p:txBody>
-      </p:sp>
-      <p:sp>
-        <p:nvSpPr>
-          <p:cNvPr id="19" name="Rectangle 18"/>
-          <p:cNvSpPr/>
-          <p:nvPr/>
-        </p:nvSpPr>
-        <p:spPr>
-          <a:xfrm>
-            <a:off x="1989176" y="3922899"/>
-            <a:ext cx="1093172" cy="493711"/>
-          </a:xfrm>
-          <a:prstGeom prst="rect">
-            <a:avLst/>
-          </a:prstGeom>
-          <a:solidFill>
-            <a:schemeClr val="bg1"/>
-          </a:solidFill>
-          <a:ln w="22225">
-            <a:solidFill>
-              <a:schemeClr val="tx1"/>
-            </a:solidFill>
-          </a:ln>
-        </p:spPr>
-        <p:style>
-          <a:lnRef idx="1">
-            <a:schemeClr val="accent4"/>
-          </a:lnRef>
-          <a:fillRef idx="2">
-            <a:schemeClr val="accent4"/>
-          </a:fillRef>
-          <a:effectRef idx="1">
-            <a:schemeClr val="accent4"/>
-          </a:effectRef>
-          <a:fontRef idx="minor">
-            <a:schemeClr val="dk1"/>
-          </a:fontRef>
-        </p:style>
-        <p:txBody>
-          <a:bodyPr rtlCol="0" anchor="ctr"/>
-          <a:lstStyle/>
-          <a:p>
-            <a:pPr algn="ctr"/>
-            <a:r>
-              <a:rPr lang="en-US" sz="1600" smtClean="0">
-                <a:latin typeface="Consolas" panose="020B0609020204030204" pitchFamily="49" charset="0"/>
-              </a:rPr>
-              <a:t>capacity</a:t>
-            </a:r>
-            <a:endParaRPr lang="en-US" sz="1600">
-              <a:latin typeface="Consolas" panose="020B0609020204030204" pitchFamily="49" charset="0"/>
-            </a:endParaRPr>
-          </a:p>
-        </p:txBody>
-      </p:sp>
-      <p:sp>
-        <p:nvSpPr>
-          <p:cNvPr id="20" name="Pentagon 19"/>
-          <p:cNvSpPr/>
-          <p:nvPr/>
-        </p:nvSpPr>
-        <p:spPr>
-          <a:xfrm>
-            <a:off x="1158284" y="2349077"/>
-            <a:ext cx="1340060" cy="497149"/>
-          </a:xfrm>
-          <a:prstGeom prst="homePlate">
-            <a:avLst/>
-          </a:prstGeom>
-          <a:ln w="22225"/>
-        </p:spPr>
-        <p:style>
-          <a:lnRef idx="2">
-            <a:schemeClr val="accent6"/>
-          </a:lnRef>
-          <a:fillRef idx="1">
-            <a:schemeClr val="lt1"/>
-          </a:fillRef>
-          <a:effectRef idx="0">
-            <a:schemeClr val="accent6"/>
-          </a:effectRef>
-          <a:fontRef idx="minor">
-            <a:schemeClr val="dk1"/>
-          </a:fontRef>
-        </p:style>
-        <p:txBody>
-          <a:bodyPr rtlCol="0" anchor="ctr"/>
-          <a:lstStyle/>
-          <a:p>
-            <a:pPr algn="ctr"/>
-            <a:r>
-              <a:rPr lang="en-US" smtClean="0"/>
-              <a:t>data</a:t>
-            </a:r>
-            <a:endParaRPr lang="en-US"/>
-          </a:p>
-        </p:txBody>
-      </p:sp>
-      <p:cxnSp>
-        <p:nvCxnSpPr>
-          <p:cNvPr id="21" name="Straight Arrow Connector 20"/>
-          <p:cNvCxnSpPr>
-            <a:stCxn id="20" idx="3"/>
-            <a:endCxn id="4" idx="0"/>
-          </p:cNvCxnSpPr>
-          <p:nvPr/>
-        </p:nvCxnSpPr>
-        <p:spPr>
-          <a:xfrm>
-            <a:off x="2498344" y="2597652"/>
-            <a:ext cx="1870443" cy="1321810"/>
-          </a:xfrm>
-          <a:prstGeom prst="bentConnector2">
-            <a:avLst/>
-          </a:prstGeom>
-          <a:ln w="22225">
-            <a:tailEnd type="triangle" w="lg" len="lg"/>
-          </a:ln>
-        </p:spPr>
-        <p:style>
-          <a:lnRef idx="1">
-            <a:schemeClr val="dk1"/>
-          </a:lnRef>
-          <a:fillRef idx="0">
-            <a:schemeClr val="dk1"/>
-          </a:fillRef>
-          <a:effectRef idx="0">
-            <a:schemeClr val="dk1"/>
-          </a:effectRef>
-          <a:fontRef idx="minor">
-            <a:schemeClr val="tx1"/>
-          </a:fontRef>
-        </p:style>
-      </p:cxnSp>
-      <p:sp>
-        <p:nvSpPr>
-          <p:cNvPr id="22" name="Rectangle 21"/>
-          <p:cNvSpPr/>
-          <p:nvPr/>
-        </p:nvSpPr>
-        <p:spPr>
-          <a:xfrm>
-            <a:off x="886586" y="1883664"/>
-            <a:ext cx="1958214" cy="1238477"/>
-          </a:xfrm>
-          <a:prstGeom prst="rect">
-            <a:avLst/>
-          </a:prstGeom>
-          <a:noFill/>
-          <a:ln w="22225">
-            <a:solidFill>
-              <a:schemeClr val="tx1"/>
-            </a:solidFill>
-          </a:ln>
-        </p:spPr>
-        <p:style>
-          <a:lnRef idx="1">
-            <a:schemeClr val="accent4"/>
-          </a:lnRef>
-          <a:fillRef idx="2">
-            <a:schemeClr val="accent4"/>
-          </a:fillRef>
-          <a:effectRef idx="1">
-            <a:schemeClr val="accent4"/>
-          </a:effectRef>
-          <a:fontRef idx="minor">
-            <a:schemeClr val="dk1"/>
-          </a:fontRef>
-        </p:style>
-        <p:txBody>
-          <a:bodyPr rtlCol="0" anchor="t" anchorCtr="0"/>
-          <a:lstStyle/>
-          <a:p>
-            <a:pPr algn="ctr"/>
-            <a:r>
-              <a:rPr lang="en-US" smtClean="0"/>
-              <a:t>string</a:t>
-            </a:r>
-            <a:endParaRPr lang="en-US"/>
-          </a:p>
-        </p:txBody>
-      </p:sp>
-      <p:sp>
-        <p:nvSpPr>
-          <p:cNvPr id="31" name="Rectangle 30"/>
-          <p:cNvSpPr/>
-          <p:nvPr/>
-        </p:nvSpPr>
-        <p:spPr>
-          <a:xfrm>
-            <a:off x="3082348" y="3919461"/>
-            <a:ext cx="1105876" cy="497149"/>
-          </a:xfrm>
-          <a:prstGeom prst="rect">
-            <a:avLst/>
-          </a:prstGeom>
-          <a:solidFill>
-            <a:schemeClr val="bg1"/>
-          </a:solidFill>
-          <a:ln w="22225">
-            <a:solidFill>
-              <a:schemeClr val="tx1"/>
-            </a:solidFill>
-          </a:ln>
-        </p:spPr>
-        <p:style>
-          <a:lnRef idx="1">
-            <a:schemeClr val="accent4"/>
-          </a:lnRef>
-          <a:fillRef idx="2">
-            <a:schemeClr val="accent4"/>
-          </a:fillRef>
-          <a:effectRef idx="1">
-            <a:schemeClr val="accent4"/>
-          </a:effectRef>
-          <a:fontRef idx="minor">
-            <a:schemeClr val="dk1"/>
-          </a:fontRef>
-        </p:style>
-        <p:txBody>
-          <a:bodyPr rtlCol="0" anchor="ctr"/>
-          <a:lstStyle/>
-          <a:p>
-            <a:pPr algn="ctr"/>
-            <a:r>
-              <a:rPr lang="en-US" sz="1600" smtClean="0">
-                <a:latin typeface="Consolas" panose="020B0609020204030204" pitchFamily="49" charset="0"/>
-              </a:rPr>
-              <a:t>ref:0</a:t>
-            </a:r>
-            <a:endParaRPr lang="en-US" sz="1600">
-              <a:latin typeface="Consolas" panose="020B0609020204030204" pitchFamily="49" charset="0"/>
-            </a:endParaRPr>
-          </a:p>
-        </p:txBody>
-      </p:sp>
-      <p:sp>
-        <p:nvSpPr>
-          <p:cNvPr id="32" name="Content Placeholder 2"/>
-          <p:cNvSpPr>
-            <a:spLocks noGrp="1"/>
-          </p:cNvSpPr>
-          <p:nvPr>
-            <p:ph idx="1"/>
-          </p:nvPr>
-        </p:nvSpPr>
-        <p:spPr>
-          <a:xfrm>
-            <a:off x="1143000" y="4716781"/>
-            <a:ext cx="9872871" cy="950852"/>
-          </a:xfrm>
-        </p:spPr>
-        <p:txBody>
-          <a:bodyPr/>
-          <a:lstStyle/>
-          <a:p>
-            <a:r>
-              <a:rPr lang="ru-RU" smtClean="0"/>
-              <a:t>Хранится счётчик ссылок - 1,</a:t>
-            </a:r>
-            <a:r>
-              <a:rPr lang="en-US" smtClean="0"/>
-              <a:t> </a:t>
-            </a:r>
-            <a:r>
-              <a:rPr lang="ru-RU" smtClean="0"/>
-              <a:t>поэтому на рисунке он нулевой</a:t>
-            </a:r>
-          </a:p>
-          <a:p>
-            <a:r>
-              <a:rPr lang="ru-RU" smtClean="0"/>
-              <a:t>Активно используется </a:t>
-            </a:r>
-            <a:r>
-              <a:rPr lang="en-US" smtClean="0"/>
-              <a:t>COW</a:t>
-            </a:r>
-            <a:endParaRPr lang="en-US"/>
-          </a:p>
-        </p:txBody>
-      </p:sp>
-    </p:spTree>
-    <p:extLst>
-      <p:ext uri="{BB962C8B-B14F-4D97-AF65-F5344CB8AC3E}">
-        <p14:creationId xmlns:p14="http://schemas.microsoft.com/office/powerpoint/2010/main" val="1699450317"/>
-      </p:ext>
-    </p:extLst>
-  </p:cSld>
-  <p:clrMapOvr>
-    <a:masterClrMapping/>
-  </p:clrMapOvr>
-</p:sld>
-</file>
-
 <file path=ppt/slides/slide42.xml><?xml version="1.0" encoding="utf-8"?>
 <p:sld xmlns:a="http://schemas.openxmlformats.org/drawingml/2006/main" xmlns:r="http://schemas.openxmlformats.org/officeDocument/2006/relationships" xmlns:p="http://schemas.openxmlformats.org/presentationml/2006/main">
   <p:cSld>
@@ -24706,12 +23617,8 @@
           <a:lstStyle/>
           <a:p>
             <a:r>
-              <a:rPr lang="ru-RU" smtClean="0"/>
-              <a:t>Обсуждение</a:t>
-            </a:r>
-            <a:r>
-              <a:rPr lang="en-US" smtClean="0"/>
-              <a:t>: COW</a:t>
+              <a:rPr lang="en-US" smtClean="0"/>
+              <a:t>GCC string (version &lt; 5)</a:t>
             </a:r>
             <a:endParaRPr lang="en-US"/>
           </a:p>
@@ -24719,7 +23626,1037 @@
       </p:sp>
       <p:sp>
         <p:nvSpPr>
-          <p:cNvPr id="3" name="Content Placeholder 2"/>
+          <p:cNvPr id="4" name="Rectangle 3"/>
+          <p:cNvSpPr/>
+          <p:nvPr/>
+        </p:nvSpPr>
+        <p:spPr>
+          <a:xfrm>
+            <a:off x="4183076" y="3919462"/>
+            <a:ext cx="371421" cy="497149"/>
+          </a:xfrm>
+          <a:prstGeom prst="rect">
+            <a:avLst/>
+          </a:prstGeom>
+          <a:solidFill>
+            <a:schemeClr val="bg1"/>
+          </a:solidFill>
+          <a:ln w="22225">
+            <a:solidFill>
+              <a:schemeClr val="tx1"/>
+            </a:solidFill>
+          </a:ln>
+        </p:spPr>
+        <p:style>
+          <a:lnRef idx="1">
+            <a:schemeClr val="accent4"/>
+          </a:lnRef>
+          <a:fillRef idx="2">
+            <a:schemeClr val="accent4"/>
+          </a:fillRef>
+          <a:effectRef idx="1">
+            <a:schemeClr val="accent4"/>
+          </a:effectRef>
+          <a:fontRef idx="minor">
+            <a:schemeClr val="dk1"/>
+          </a:fontRef>
+        </p:style>
+        <p:txBody>
+          <a:bodyPr rtlCol="0" anchor="ctr"/>
+          <a:lstStyle/>
+          <a:p>
+            <a:pPr algn="ctr"/>
+            <a:r>
+              <a:rPr lang="en-US" sz="1600" smtClean="0">
+                <a:latin typeface="Consolas" panose="020B0609020204030204" pitchFamily="49" charset="0"/>
+              </a:rPr>
+              <a:t>H</a:t>
+            </a:r>
+            <a:endParaRPr lang="en-US" sz="1600">
+              <a:latin typeface="Consolas" panose="020B0609020204030204" pitchFamily="49" charset="0"/>
+            </a:endParaRPr>
+          </a:p>
+        </p:txBody>
+      </p:sp>
+      <p:sp>
+        <p:nvSpPr>
+          <p:cNvPr id="5" name="Rectangle 4"/>
+          <p:cNvSpPr/>
+          <p:nvPr/>
+        </p:nvSpPr>
+        <p:spPr>
+          <a:xfrm>
+            <a:off x="4558963" y="3919462"/>
+            <a:ext cx="371421" cy="497149"/>
+          </a:xfrm>
+          <a:prstGeom prst="rect">
+            <a:avLst/>
+          </a:prstGeom>
+          <a:solidFill>
+            <a:schemeClr val="bg1"/>
+          </a:solidFill>
+          <a:ln w="22225">
+            <a:solidFill>
+              <a:schemeClr val="tx1"/>
+            </a:solidFill>
+          </a:ln>
+        </p:spPr>
+        <p:style>
+          <a:lnRef idx="1">
+            <a:schemeClr val="accent4"/>
+          </a:lnRef>
+          <a:fillRef idx="2">
+            <a:schemeClr val="accent4"/>
+          </a:fillRef>
+          <a:effectRef idx="1">
+            <a:schemeClr val="accent4"/>
+          </a:effectRef>
+          <a:fontRef idx="minor">
+            <a:schemeClr val="dk1"/>
+          </a:fontRef>
+        </p:style>
+        <p:txBody>
+          <a:bodyPr rtlCol="0" anchor="ctr"/>
+          <a:lstStyle/>
+          <a:p>
+            <a:pPr algn="ctr"/>
+            <a:r>
+              <a:rPr lang="en-US" sz="1600" smtClean="0">
+                <a:latin typeface="Consolas" panose="020B0609020204030204" pitchFamily="49" charset="0"/>
+              </a:rPr>
+              <a:t>e</a:t>
+            </a:r>
+            <a:endParaRPr lang="en-US" sz="1600">
+              <a:latin typeface="Consolas" panose="020B0609020204030204" pitchFamily="49" charset="0"/>
+            </a:endParaRPr>
+          </a:p>
+        </p:txBody>
+      </p:sp>
+      <p:sp>
+        <p:nvSpPr>
+          <p:cNvPr id="6" name="Rectangle 5"/>
+          <p:cNvSpPr/>
+          <p:nvPr/>
+        </p:nvSpPr>
+        <p:spPr>
+          <a:xfrm>
+            <a:off x="4933103" y="3919462"/>
+            <a:ext cx="371421" cy="497149"/>
+          </a:xfrm>
+          <a:prstGeom prst="rect">
+            <a:avLst/>
+          </a:prstGeom>
+          <a:solidFill>
+            <a:schemeClr val="bg1"/>
+          </a:solidFill>
+          <a:ln w="22225">
+            <a:solidFill>
+              <a:schemeClr val="tx1"/>
+            </a:solidFill>
+          </a:ln>
+        </p:spPr>
+        <p:style>
+          <a:lnRef idx="1">
+            <a:schemeClr val="accent4"/>
+          </a:lnRef>
+          <a:fillRef idx="2">
+            <a:schemeClr val="accent4"/>
+          </a:fillRef>
+          <a:effectRef idx="1">
+            <a:schemeClr val="accent4"/>
+          </a:effectRef>
+          <a:fontRef idx="minor">
+            <a:schemeClr val="dk1"/>
+          </a:fontRef>
+        </p:style>
+        <p:txBody>
+          <a:bodyPr rtlCol="0" anchor="ctr"/>
+          <a:lstStyle/>
+          <a:p>
+            <a:pPr algn="ctr"/>
+            <a:r>
+              <a:rPr lang="en-US" sz="1600" smtClean="0">
+                <a:latin typeface="Consolas" panose="020B0609020204030204" pitchFamily="49" charset="0"/>
+              </a:rPr>
+              <a:t>l</a:t>
+            </a:r>
+            <a:endParaRPr lang="en-US" sz="1600">
+              <a:latin typeface="Consolas" panose="020B0609020204030204" pitchFamily="49" charset="0"/>
+            </a:endParaRPr>
+          </a:p>
+        </p:txBody>
+      </p:sp>
+      <p:sp>
+        <p:nvSpPr>
+          <p:cNvPr id="7" name="Rectangle 6"/>
+          <p:cNvSpPr/>
+          <p:nvPr/>
+        </p:nvSpPr>
+        <p:spPr>
+          <a:xfrm>
+            <a:off x="5307244" y="3919462"/>
+            <a:ext cx="371421" cy="497149"/>
+          </a:xfrm>
+          <a:prstGeom prst="rect">
+            <a:avLst/>
+          </a:prstGeom>
+          <a:solidFill>
+            <a:schemeClr val="bg1"/>
+          </a:solidFill>
+          <a:ln w="22225">
+            <a:solidFill>
+              <a:schemeClr val="tx1"/>
+            </a:solidFill>
+          </a:ln>
+        </p:spPr>
+        <p:style>
+          <a:lnRef idx="1">
+            <a:schemeClr val="accent4"/>
+          </a:lnRef>
+          <a:fillRef idx="2">
+            <a:schemeClr val="accent4"/>
+          </a:fillRef>
+          <a:effectRef idx="1">
+            <a:schemeClr val="accent4"/>
+          </a:effectRef>
+          <a:fontRef idx="minor">
+            <a:schemeClr val="dk1"/>
+          </a:fontRef>
+        </p:style>
+        <p:txBody>
+          <a:bodyPr rtlCol="0" anchor="ctr"/>
+          <a:lstStyle/>
+          <a:p>
+            <a:pPr algn="ctr"/>
+            <a:r>
+              <a:rPr lang="en-US" sz="1600">
+                <a:latin typeface="Consolas" panose="020B0609020204030204" pitchFamily="49" charset="0"/>
+              </a:rPr>
+              <a:t>l</a:t>
+            </a:r>
+          </a:p>
+        </p:txBody>
+      </p:sp>
+      <p:sp>
+        <p:nvSpPr>
+          <p:cNvPr id="8" name="Rectangle 7"/>
+          <p:cNvSpPr/>
+          <p:nvPr/>
+        </p:nvSpPr>
+        <p:spPr>
+          <a:xfrm>
+            <a:off x="5678665" y="3919460"/>
+            <a:ext cx="371421" cy="497149"/>
+          </a:xfrm>
+          <a:prstGeom prst="rect">
+            <a:avLst/>
+          </a:prstGeom>
+          <a:solidFill>
+            <a:schemeClr val="bg1"/>
+          </a:solidFill>
+          <a:ln w="22225">
+            <a:solidFill>
+              <a:schemeClr val="tx1"/>
+            </a:solidFill>
+          </a:ln>
+        </p:spPr>
+        <p:style>
+          <a:lnRef idx="1">
+            <a:schemeClr val="accent4"/>
+          </a:lnRef>
+          <a:fillRef idx="2">
+            <a:schemeClr val="accent4"/>
+          </a:fillRef>
+          <a:effectRef idx="1">
+            <a:schemeClr val="accent4"/>
+          </a:effectRef>
+          <a:fontRef idx="minor">
+            <a:schemeClr val="dk1"/>
+          </a:fontRef>
+        </p:style>
+        <p:txBody>
+          <a:bodyPr rtlCol="0" anchor="ctr"/>
+          <a:lstStyle/>
+          <a:p>
+            <a:pPr algn="ctr"/>
+            <a:r>
+              <a:rPr lang="en-US" sz="1600" smtClean="0">
+                <a:latin typeface="Consolas" panose="020B0609020204030204" pitchFamily="49" charset="0"/>
+              </a:rPr>
+              <a:t>o</a:t>
+            </a:r>
+            <a:endParaRPr lang="en-US" sz="1600">
+              <a:latin typeface="Consolas" panose="020B0609020204030204" pitchFamily="49" charset="0"/>
+            </a:endParaRPr>
+          </a:p>
+        </p:txBody>
+      </p:sp>
+      <p:sp>
+        <p:nvSpPr>
+          <p:cNvPr id="9" name="Rectangle 8"/>
+          <p:cNvSpPr/>
+          <p:nvPr/>
+        </p:nvSpPr>
+        <p:spPr>
+          <a:xfrm>
+            <a:off x="6044568" y="3919460"/>
+            <a:ext cx="371421" cy="497149"/>
+          </a:xfrm>
+          <a:prstGeom prst="rect">
+            <a:avLst/>
+          </a:prstGeom>
+          <a:solidFill>
+            <a:schemeClr val="bg1"/>
+          </a:solidFill>
+          <a:ln w="22225">
+            <a:solidFill>
+              <a:schemeClr val="tx1"/>
+            </a:solidFill>
+          </a:ln>
+        </p:spPr>
+        <p:style>
+          <a:lnRef idx="1">
+            <a:schemeClr val="accent4"/>
+          </a:lnRef>
+          <a:fillRef idx="2">
+            <a:schemeClr val="accent4"/>
+          </a:fillRef>
+          <a:effectRef idx="1">
+            <a:schemeClr val="accent4"/>
+          </a:effectRef>
+          <a:fontRef idx="minor">
+            <a:schemeClr val="dk1"/>
+          </a:fontRef>
+        </p:style>
+        <p:txBody>
+          <a:bodyPr rtlCol="0" anchor="ctr"/>
+          <a:lstStyle/>
+          <a:p>
+            <a:pPr algn="ctr"/>
+            <a:r>
+              <a:rPr lang="en-US" sz="1600" smtClean="0">
+                <a:latin typeface="Consolas" panose="020B0609020204030204" pitchFamily="49" charset="0"/>
+              </a:rPr>
+              <a:t>,</a:t>
+            </a:r>
+            <a:endParaRPr lang="en-US" sz="1600">
+              <a:latin typeface="Consolas" panose="020B0609020204030204" pitchFamily="49" charset="0"/>
+            </a:endParaRPr>
+          </a:p>
+        </p:txBody>
+      </p:sp>
+      <p:sp>
+        <p:nvSpPr>
+          <p:cNvPr id="10" name="Rectangle 9"/>
+          <p:cNvSpPr/>
+          <p:nvPr/>
+        </p:nvSpPr>
+        <p:spPr>
+          <a:xfrm>
+            <a:off x="6418708" y="3919460"/>
+            <a:ext cx="371421" cy="497149"/>
+          </a:xfrm>
+          <a:prstGeom prst="rect">
+            <a:avLst/>
+          </a:prstGeom>
+          <a:solidFill>
+            <a:schemeClr val="bg1"/>
+          </a:solidFill>
+          <a:ln w="22225">
+            <a:solidFill>
+              <a:schemeClr val="tx1"/>
+            </a:solidFill>
+          </a:ln>
+        </p:spPr>
+        <p:style>
+          <a:lnRef idx="1">
+            <a:schemeClr val="accent4"/>
+          </a:lnRef>
+          <a:fillRef idx="2">
+            <a:schemeClr val="accent4"/>
+          </a:fillRef>
+          <a:effectRef idx="1">
+            <a:schemeClr val="accent4"/>
+          </a:effectRef>
+          <a:fontRef idx="minor">
+            <a:schemeClr val="dk1"/>
+          </a:fontRef>
+        </p:style>
+        <p:txBody>
+          <a:bodyPr rtlCol="0" anchor="ctr"/>
+          <a:lstStyle/>
+          <a:p>
+            <a:pPr algn="ctr"/>
+            <a:endParaRPr lang="en-US" sz="1600">
+              <a:latin typeface="Consolas" panose="020B0609020204030204" pitchFamily="49" charset="0"/>
+            </a:endParaRPr>
+          </a:p>
+        </p:txBody>
+      </p:sp>
+      <p:sp>
+        <p:nvSpPr>
+          <p:cNvPr id="11" name="Rectangle 10"/>
+          <p:cNvSpPr/>
+          <p:nvPr/>
+        </p:nvSpPr>
+        <p:spPr>
+          <a:xfrm>
+            <a:off x="6784611" y="3919460"/>
+            <a:ext cx="371421" cy="497149"/>
+          </a:xfrm>
+          <a:prstGeom prst="rect">
+            <a:avLst/>
+          </a:prstGeom>
+          <a:solidFill>
+            <a:schemeClr val="bg1"/>
+          </a:solidFill>
+          <a:ln w="22225">
+            <a:solidFill>
+              <a:schemeClr val="tx1"/>
+            </a:solidFill>
+          </a:ln>
+        </p:spPr>
+        <p:style>
+          <a:lnRef idx="1">
+            <a:schemeClr val="accent4"/>
+          </a:lnRef>
+          <a:fillRef idx="2">
+            <a:schemeClr val="accent4"/>
+          </a:fillRef>
+          <a:effectRef idx="1">
+            <a:schemeClr val="accent4"/>
+          </a:effectRef>
+          <a:fontRef idx="minor">
+            <a:schemeClr val="dk1"/>
+          </a:fontRef>
+        </p:style>
+        <p:txBody>
+          <a:bodyPr rtlCol="0" anchor="ctr"/>
+          <a:lstStyle/>
+          <a:p>
+            <a:pPr algn="ctr"/>
+            <a:r>
+              <a:rPr lang="en-US" sz="1600" smtClean="0">
+                <a:latin typeface="Consolas" panose="020B0609020204030204" pitchFamily="49" charset="0"/>
+              </a:rPr>
+              <a:t>w</a:t>
+            </a:r>
+            <a:endParaRPr lang="en-US" sz="1600">
+              <a:latin typeface="Consolas" panose="020B0609020204030204" pitchFamily="49" charset="0"/>
+            </a:endParaRPr>
+          </a:p>
+        </p:txBody>
+      </p:sp>
+      <p:sp>
+        <p:nvSpPr>
+          <p:cNvPr id="12" name="Rectangle 11"/>
+          <p:cNvSpPr/>
+          <p:nvPr/>
+        </p:nvSpPr>
+        <p:spPr>
+          <a:xfrm>
+            <a:off x="7158751" y="3919460"/>
+            <a:ext cx="371421" cy="497149"/>
+          </a:xfrm>
+          <a:prstGeom prst="rect">
+            <a:avLst/>
+          </a:prstGeom>
+          <a:solidFill>
+            <a:schemeClr val="bg1"/>
+          </a:solidFill>
+          <a:ln w="22225">
+            <a:solidFill>
+              <a:schemeClr val="tx1"/>
+            </a:solidFill>
+          </a:ln>
+        </p:spPr>
+        <p:style>
+          <a:lnRef idx="1">
+            <a:schemeClr val="accent4"/>
+          </a:lnRef>
+          <a:fillRef idx="2">
+            <a:schemeClr val="accent4"/>
+          </a:fillRef>
+          <a:effectRef idx="1">
+            <a:schemeClr val="accent4"/>
+          </a:effectRef>
+          <a:fontRef idx="minor">
+            <a:schemeClr val="dk1"/>
+          </a:fontRef>
+        </p:style>
+        <p:txBody>
+          <a:bodyPr rtlCol="0" anchor="ctr"/>
+          <a:lstStyle/>
+          <a:p>
+            <a:pPr algn="ctr"/>
+            <a:r>
+              <a:rPr lang="en-US" sz="1600">
+                <a:latin typeface="Consolas" panose="020B0609020204030204" pitchFamily="49" charset="0"/>
+              </a:rPr>
+              <a:t>o</a:t>
+            </a:r>
+          </a:p>
+        </p:txBody>
+      </p:sp>
+      <p:sp>
+        <p:nvSpPr>
+          <p:cNvPr id="13" name="Rectangle 12"/>
+          <p:cNvSpPr/>
+          <p:nvPr/>
+        </p:nvSpPr>
+        <p:spPr>
+          <a:xfrm>
+            <a:off x="7532891" y="3919460"/>
+            <a:ext cx="371421" cy="497149"/>
+          </a:xfrm>
+          <a:prstGeom prst="rect">
+            <a:avLst/>
+          </a:prstGeom>
+          <a:solidFill>
+            <a:schemeClr val="bg1"/>
+          </a:solidFill>
+          <a:ln w="22225">
+            <a:solidFill>
+              <a:schemeClr val="tx1"/>
+            </a:solidFill>
+          </a:ln>
+        </p:spPr>
+        <p:style>
+          <a:lnRef idx="1">
+            <a:schemeClr val="accent4"/>
+          </a:lnRef>
+          <a:fillRef idx="2">
+            <a:schemeClr val="accent4"/>
+          </a:fillRef>
+          <a:effectRef idx="1">
+            <a:schemeClr val="accent4"/>
+          </a:effectRef>
+          <a:fontRef idx="minor">
+            <a:schemeClr val="dk1"/>
+          </a:fontRef>
+        </p:style>
+        <p:txBody>
+          <a:bodyPr rtlCol="0" anchor="ctr"/>
+          <a:lstStyle/>
+          <a:p>
+            <a:pPr algn="ctr"/>
+            <a:r>
+              <a:rPr lang="en-US" sz="1600" smtClean="0">
+                <a:latin typeface="Consolas" panose="020B0609020204030204" pitchFamily="49" charset="0"/>
+              </a:rPr>
+              <a:t>r</a:t>
+            </a:r>
+            <a:endParaRPr lang="en-US" sz="1600">
+              <a:latin typeface="Consolas" panose="020B0609020204030204" pitchFamily="49" charset="0"/>
+            </a:endParaRPr>
+          </a:p>
+        </p:txBody>
+      </p:sp>
+      <p:sp>
+        <p:nvSpPr>
+          <p:cNvPr id="14" name="Rectangle 13"/>
+          <p:cNvSpPr/>
+          <p:nvPr/>
+        </p:nvSpPr>
+        <p:spPr>
+          <a:xfrm>
+            <a:off x="7904312" y="3919460"/>
+            <a:ext cx="371421" cy="497149"/>
+          </a:xfrm>
+          <a:prstGeom prst="rect">
+            <a:avLst/>
+          </a:prstGeom>
+          <a:solidFill>
+            <a:schemeClr val="bg1"/>
+          </a:solidFill>
+          <a:ln w="22225">
+            <a:solidFill>
+              <a:schemeClr val="tx1"/>
+            </a:solidFill>
+          </a:ln>
+        </p:spPr>
+        <p:style>
+          <a:lnRef idx="1">
+            <a:schemeClr val="accent4"/>
+          </a:lnRef>
+          <a:fillRef idx="2">
+            <a:schemeClr val="accent4"/>
+          </a:fillRef>
+          <a:effectRef idx="1">
+            <a:schemeClr val="accent4"/>
+          </a:effectRef>
+          <a:fontRef idx="minor">
+            <a:schemeClr val="dk1"/>
+          </a:fontRef>
+        </p:style>
+        <p:txBody>
+          <a:bodyPr rtlCol="0" anchor="ctr"/>
+          <a:lstStyle/>
+          <a:p>
+            <a:pPr algn="ctr"/>
+            <a:r>
+              <a:rPr lang="en-US" sz="1600">
+                <a:latin typeface="Consolas" panose="020B0609020204030204" pitchFamily="49" charset="0"/>
+              </a:rPr>
+              <a:t>l</a:t>
+            </a:r>
+          </a:p>
+        </p:txBody>
+      </p:sp>
+      <p:sp>
+        <p:nvSpPr>
+          <p:cNvPr id="15" name="Rectangle 14"/>
+          <p:cNvSpPr/>
+          <p:nvPr/>
+        </p:nvSpPr>
+        <p:spPr>
+          <a:xfrm>
+            <a:off x="8275733" y="3919460"/>
+            <a:ext cx="371421" cy="497149"/>
+          </a:xfrm>
+          <a:prstGeom prst="rect">
+            <a:avLst/>
+          </a:prstGeom>
+          <a:solidFill>
+            <a:schemeClr val="bg1"/>
+          </a:solidFill>
+          <a:ln w="22225">
+            <a:solidFill>
+              <a:schemeClr val="tx1"/>
+            </a:solidFill>
+          </a:ln>
+        </p:spPr>
+        <p:style>
+          <a:lnRef idx="1">
+            <a:schemeClr val="accent4"/>
+          </a:lnRef>
+          <a:fillRef idx="2">
+            <a:schemeClr val="accent4"/>
+          </a:fillRef>
+          <a:effectRef idx="1">
+            <a:schemeClr val="accent4"/>
+          </a:effectRef>
+          <a:fontRef idx="minor">
+            <a:schemeClr val="dk1"/>
+          </a:fontRef>
+        </p:style>
+        <p:txBody>
+          <a:bodyPr rtlCol="0" anchor="ctr"/>
+          <a:lstStyle/>
+          <a:p>
+            <a:pPr algn="ctr"/>
+            <a:r>
+              <a:rPr lang="en-US" sz="1600" smtClean="0">
+                <a:latin typeface="Consolas" panose="020B0609020204030204" pitchFamily="49" charset="0"/>
+              </a:rPr>
+              <a:t>d</a:t>
+            </a:r>
+            <a:endParaRPr lang="en-US" sz="1600">
+              <a:latin typeface="Consolas" panose="020B0609020204030204" pitchFamily="49" charset="0"/>
+            </a:endParaRPr>
+          </a:p>
+        </p:txBody>
+      </p:sp>
+      <p:sp>
+        <p:nvSpPr>
+          <p:cNvPr id="16" name="Rectangle 15"/>
+          <p:cNvSpPr/>
+          <p:nvPr/>
+        </p:nvSpPr>
+        <p:spPr>
+          <a:xfrm>
+            <a:off x="8647154" y="3919460"/>
+            <a:ext cx="371421" cy="497149"/>
+          </a:xfrm>
+          <a:prstGeom prst="rect">
+            <a:avLst/>
+          </a:prstGeom>
+          <a:solidFill>
+            <a:schemeClr val="bg1"/>
+          </a:solidFill>
+          <a:ln w="22225">
+            <a:solidFill>
+              <a:schemeClr val="tx1"/>
+            </a:solidFill>
+          </a:ln>
+        </p:spPr>
+        <p:style>
+          <a:lnRef idx="1">
+            <a:schemeClr val="accent4"/>
+          </a:lnRef>
+          <a:fillRef idx="2">
+            <a:schemeClr val="accent4"/>
+          </a:fillRef>
+          <a:effectRef idx="1">
+            <a:schemeClr val="accent4"/>
+          </a:effectRef>
+          <a:fontRef idx="minor">
+            <a:schemeClr val="dk1"/>
+          </a:fontRef>
+        </p:style>
+        <p:txBody>
+          <a:bodyPr rtlCol="0" anchor="ctr"/>
+          <a:lstStyle/>
+          <a:p>
+            <a:pPr algn="ctr"/>
+            <a:r>
+              <a:rPr lang="en-US" sz="1600" smtClean="0">
+                <a:latin typeface="Consolas" panose="020B0609020204030204" pitchFamily="49" charset="0"/>
+              </a:rPr>
+              <a:t>!</a:t>
+            </a:r>
+            <a:endParaRPr lang="en-US" sz="1600">
+              <a:latin typeface="Consolas" panose="020B0609020204030204" pitchFamily="49" charset="0"/>
+            </a:endParaRPr>
+          </a:p>
+        </p:txBody>
+      </p:sp>
+      <p:sp>
+        <p:nvSpPr>
+          <p:cNvPr id="17" name="Rectangle 16"/>
+          <p:cNvSpPr/>
+          <p:nvPr/>
+        </p:nvSpPr>
+        <p:spPr>
+          <a:xfrm>
+            <a:off x="9018575" y="3919460"/>
+            <a:ext cx="447405" cy="497149"/>
+          </a:xfrm>
+          <a:prstGeom prst="rect">
+            <a:avLst/>
+          </a:prstGeom>
+          <a:solidFill>
+            <a:schemeClr val="bg1"/>
+          </a:solidFill>
+          <a:ln w="22225">
+            <a:solidFill>
+              <a:schemeClr val="tx1"/>
+            </a:solidFill>
+          </a:ln>
+        </p:spPr>
+        <p:style>
+          <a:lnRef idx="1">
+            <a:schemeClr val="accent4"/>
+          </a:lnRef>
+          <a:fillRef idx="2">
+            <a:schemeClr val="accent4"/>
+          </a:fillRef>
+          <a:effectRef idx="1">
+            <a:schemeClr val="accent4"/>
+          </a:effectRef>
+          <a:fontRef idx="minor">
+            <a:schemeClr val="dk1"/>
+          </a:fontRef>
+        </p:style>
+        <p:txBody>
+          <a:bodyPr rtlCol="0" anchor="ctr"/>
+          <a:lstStyle/>
+          <a:p>
+            <a:pPr algn="ctr"/>
+            <a:r>
+              <a:rPr lang="en-US" sz="1600" smtClean="0">
+                <a:latin typeface="Consolas" panose="020B0609020204030204" pitchFamily="49" charset="0"/>
+              </a:rPr>
+              <a:t>\0</a:t>
+            </a:r>
+            <a:endParaRPr lang="en-US" sz="1600">
+              <a:latin typeface="Consolas" panose="020B0609020204030204" pitchFamily="49" charset="0"/>
+            </a:endParaRPr>
+          </a:p>
+        </p:txBody>
+      </p:sp>
+      <p:sp>
+        <p:nvSpPr>
+          <p:cNvPr id="18" name="Rectangle 17"/>
+          <p:cNvSpPr/>
+          <p:nvPr/>
+        </p:nvSpPr>
+        <p:spPr>
+          <a:xfrm>
+            <a:off x="903062" y="3919460"/>
+            <a:ext cx="1093172" cy="497149"/>
+          </a:xfrm>
+          <a:prstGeom prst="rect">
+            <a:avLst/>
+          </a:prstGeom>
+          <a:solidFill>
+            <a:schemeClr val="bg1"/>
+          </a:solidFill>
+          <a:ln w="22225">
+            <a:solidFill>
+              <a:schemeClr val="tx1"/>
+            </a:solidFill>
+          </a:ln>
+        </p:spPr>
+        <p:style>
+          <a:lnRef idx="1">
+            <a:schemeClr val="accent4"/>
+          </a:lnRef>
+          <a:fillRef idx="2">
+            <a:schemeClr val="accent4"/>
+          </a:fillRef>
+          <a:effectRef idx="1">
+            <a:schemeClr val="accent4"/>
+          </a:effectRef>
+          <a:fontRef idx="minor">
+            <a:schemeClr val="dk1"/>
+          </a:fontRef>
+        </p:style>
+        <p:txBody>
+          <a:bodyPr rtlCol="0" anchor="ctr"/>
+          <a:lstStyle/>
+          <a:p>
+            <a:pPr algn="ctr"/>
+            <a:r>
+              <a:rPr lang="en-US" sz="1600" smtClean="0">
+                <a:latin typeface="Consolas" panose="020B0609020204030204" pitchFamily="49" charset="0"/>
+              </a:rPr>
+              <a:t>size:14</a:t>
+            </a:r>
+            <a:endParaRPr lang="en-US" sz="1600">
+              <a:latin typeface="Consolas" panose="020B0609020204030204" pitchFamily="49" charset="0"/>
+            </a:endParaRPr>
+          </a:p>
+        </p:txBody>
+      </p:sp>
+      <p:sp>
+        <p:nvSpPr>
+          <p:cNvPr id="19" name="Rectangle 18"/>
+          <p:cNvSpPr/>
+          <p:nvPr/>
+        </p:nvSpPr>
+        <p:spPr>
+          <a:xfrm>
+            <a:off x="1989176" y="3922899"/>
+            <a:ext cx="1093172" cy="493711"/>
+          </a:xfrm>
+          <a:prstGeom prst="rect">
+            <a:avLst/>
+          </a:prstGeom>
+          <a:solidFill>
+            <a:schemeClr val="bg1"/>
+          </a:solidFill>
+          <a:ln w="22225">
+            <a:solidFill>
+              <a:schemeClr val="tx1"/>
+            </a:solidFill>
+          </a:ln>
+        </p:spPr>
+        <p:style>
+          <a:lnRef idx="1">
+            <a:schemeClr val="accent4"/>
+          </a:lnRef>
+          <a:fillRef idx="2">
+            <a:schemeClr val="accent4"/>
+          </a:fillRef>
+          <a:effectRef idx="1">
+            <a:schemeClr val="accent4"/>
+          </a:effectRef>
+          <a:fontRef idx="minor">
+            <a:schemeClr val="dk1"/>
+          </a:fontRef>
+        </p:style>
+        <p:txBody>
+          <a:bodyPr rtlCol="0" anchor="ctr"/>
+          <a:lstStyle/>
+          <a:p>
+            <a:pPr algn="ctr"/>
+            <a:r>
+              <a:rPr lang="en-US" sz="1600" smtClean="0">
+                <a:latin typeface="Consolas" panose="020B0609020204030204" pitchFamily="49" charset="0"/>
+              </a:rPr>
+              <a:t>capacity</a:t>
+            </a:r>
+            <a:endParaRPr lang="en-US" sz="1600">
+              <a:latin typeface="Consolas" panose="020B0609020204030204" pitchFamily="49" charset="0"/>
+            </a:endParaRPr>
+          </a:p>
+        </p:txBody>
+      </p:sp>
+      <p:sp>
+        <p:nvSpPr>
+          <p:cNvPr id="20" name="Pentagon 19"/>
+          <p:cNvSpPr/>
+          <p:nvPr/>
+        </p:nvSpPr>
+        <p:spPr>
+          <a:xfrm>
+            <a:off x="1158284" y="2349077"/>
+            <a:ext cx="1340060" cy="497149"/>
+          </a:xfrm>
+          <a:prstGeom prst="homePlate">
+            <a:avLst/>
+          </a:prstGeom>
+          <a:ln w="22225"/>
+        </p:spPr>
+        <p:style>
+          <a:lnRef idx="2">
+            <a:schemeClr val="accent6"/>
+          </a:lnRef>
+          <a:fillRef idx="1">
+            <a:schemeClr val="lt1"/>
+          </a:fillRef>
+          <a:effectRef idx="0">
+            <a:schemeClr val="accent6"/>
+          </a:effectRef>
+          <a:fontRef idx="minor">
+            <a:schemeClr val="dk1"/>
+          </a:fontRef>
+        </p:style>
+        <p:txBody>
+          <a:bodyPr rtlCol="0" anchor="ctr"/>
+          <a:lstStyle/>
+          <a:p>
+            <a:pPr algn="ctr"/>
+            <a:r>
+              <a:rPr lang="en-US" smtClean="0"/>
+              <a:t>data</a:t>
+            </a:r>
+            <a:endParaRPr lang="en-US"/>
+          </a:p>
+        </p:txBody>
+      </p:sp>
+      <p:cxnSp>
+        <p:nvCxnSpPr>
+          <p:cNvPr id="21" name="Straight Arrow Connector 20"/>
+          <p:cNvCxnSpPr>
+            <a:stCxn id="20" idx="3"/>
+            <a:endCxn id="4" idx="0"/>
+          </p:cNvCxnSpPr>
+          <p:nvPr/>
+        </p:nvCxnSpPr>
+        <p:spPr>
+          <a:xfrm>
+            <a:off x="2498344" y="2597652"/>
+            <a:ext cx="1870443" cy="1321810"/>
+          </a:xfrm>
+          <a:prstGeom prst="bentConnector2">
+            <a:avLst/>
+          </a:prstGeom>
+          <a:ln w="22225">
+            <a:tailEnd type="triangle" w="lg" len="lg"/>
+          </a:ln>
+        </p:spPr>
+        <p:style>
+          <a:lnRef idx="1">
+            <a:schemeClr val="dk1"/>
+          </a:lnRef>
+          <a:fillRef idx="0">
+            <a:schemeClr val="dk1"/>
+          </a:fillRef>
+          <a:effectRef idx="0">
+            <a:schemeClr val="dk1"/>
+          </a:effectRef>
+          <a:fontRef idx="minor">
+            <a:schemeClr val="tx1"/>
+          </a:fontRef>
+        </p:style>
+      </p:cxnSp>
+      <p:sp>
+        <p:nvSpPr>
+          <p:cNvPr id="22" name="Rectangle 21"/>
+          <p:cNvSpPr/>
+          <p:nvPr/>
+        </p:nvSpPr>
+        <p:spPr>
+          <a:xfrm>
+            <a:off x="886586" y="1883664"/>
+            <a:ext cx="1958214" cy="1238477"/>
+          </a:xfrm>
+          <a:prstGeom prst="rect">
+            <a:avLst/>
+          </a:prstGeom>
+          <a:noFill/>
+          <a:ln w="22225">
+            <a:solidFill>
+              <a:schemeClr val="tx1"/>
+            </a:solidFill>
+          </a:ln>
+        </p:spPr>
+        <p:style>
+          <a:lnRef idx="1">
+            <a:schemeClr val="accent4"/>
+          </a:lnRef>
+          <a:fillRef idx="2">
+            <a:schemeClr val="accent4"/>
+          </a:fillRef>
+          <a:effectRef idx="1">
+            <a:schemeClr val="accent4"/>
+          </a:effectRef>
+          <a:fontRef idx="minor">
+            <a:schemeClr val="dk1"/>
+          </a:fontRef>
+        </p:style>
+        <p:txBody>
+          <a:bodyPr rtlCol="0" anchor="t" anchorCtr="0"/>
+          <a:lstStyle/>
+          <a:p>
+            <a:pPr algn="ctr"/>
+            <a:r>
+              <a:rPr lang="en-US" smtClean="0"/>
+              <a:t>string</a:t>
+            </a:r>
+            <a:endParaRPr lang="en-US"/>
+          </a:p>
+        </p:txBody>
+      </p:sp>
+      <p:sp>
+        <p:nvSpPr>
+          <p:cNvPr id="31" name="Rectangle 30"/>
+          <p:cNvSpPr/>
+          <p:nvPr/>
+        </p:nvSpPr>
+        <p:spPr>
+          <a:xfrm>
+            <a:off x="3082348" y="3919461"/>
+            <a:ext cx="1105876" cy="497149"/>
+          </a:xfrm>
+          <a:prstGeom prst="rect">
+            <a:avLst/>
+          </a:prstGeom>
+          <a:solidFill>
+            <a:schemeClr val="bg1"/>
+          </a:solidFill>
+          <a:ln w="22225">
+            <a:solidFill>
+              <a:schemeClr val="tx1"/>
+            </a:solidFill>
+          </a:ln>
+        </p:spPr>
+        <p:style>
+          <a:lnRef idx="1">
+            <a:schemeClr val="accent4"/>
+          </a:lnRef>
+          <a:fillRef idx="2">
+            <a:schemeClr val="accent4"/>
+          </a:fillRef>
+          <a:effectRef idx="1">
+            <a:schemeClr val="accent4"/>
+          </a:effectRef>
+          <a:fontRef idx="minor">
+            <a:schemeClr val="dk1"/>
+          </a:fontRef>
+        </p:style>
+        <p:txBody>
+          <a:bodyPr rtlCol="0" anchor="ctr"/>
+          <a:lstStyle/>
+          <a:p>
+            <a:pPr algn="ctr"/>
+            <a:r>
+              <a:rPr lang="en-US" sz="1600" smtClean="0">
+                <a:latin typeface="Consolas" panose="020B0609020204030204" pitchFamily="49" charset="0"/>
+              </a:rPr>
+              <a:t>ref:0</a:t>
+            </a:r>
+            <a:endParaRPr lang="en-US" sz="1600">
+              <a:latin typeface="Consolas" panose="020B0609020204030204" pitchFamily="49" charset="0"/>
+            </a:endParaRPr>
+          </a:p>
+        </p:txBody>
+      </p:sp>
+      <p:sp>
+        <p:nvSpPr>
+          <p:cNvPr id="32" name="Content Placeholder 2"/>
           <p:cNvSpPr>
             <a:spLocks noGrp="1"/>
           </p:cNvSpPr>
@@ -24727,20 +24664,37 @@
             <p:ph idx="1"/>
           </p:nvPr>
         </p:nvSpPr>
-        <p:spPr/>
+        <p:spPr>
+          <a:xfrm>
+            <a:off x="1143000" y="4716781"/>
+            <a:ext cx="9872871" cy="950852"/>
+          </a:xfrm>
+        </p:spPr>
         <p:txBody>
           <a:bodyPr/>
           <a:lstStyle/>
           <a:p>
             <a:r>
               <a:rPr lang="ru-RU" smtClean="0"/>
-              <a:t>С самого начала идиома имела своих сторонников и противников</a:t>
-            </a:r>
-          </a:p>
-          <a:p>
+              <a:t>Хранится счётчик ссылок - 1,</a:t>
+            </a:r>
+            <a:r>
+              <a:rPr lang="en-US" smtClean="0"/>
+              <a:t> </a:t>
+            </a:r>
             <a:r>
               <a:rPr lang="ru-RU" smtClean="0"/>
-              <a:t>На какой стороне вы?</a:t>
+              <a:t>поэтому на рисунке он нулевой</a:t>
+            </a:r>
+          </a:p>
+          <a:p>
+            <a:r>
+              <a:rPr lang="ru-RU" smtClean="0"/>
+              <a:t>Активно используется </a:t>
+            </a:r>
+            <a:r>
+              <a:rPr lang="en-US" smtClean="0"/>
+              <a:t>COW</a:t>
             </a:r>
             <a:endParaRPr lang="en-US"/>
           </a:p>
@@ -24749,7 +24703,7 @@
     </p:spTree>
     <p:extLst>
       <p:ext uri="{BB962C8B-B14F-4D97-AF65-F5344CB8AC3E}">
-        <p14:creationId xmlns:p14="http://schemas.microsoft.com/office/powerpoint/2010/main" val="1773892356"/>
+        <p14:creationId xmlns:p14="http://schemas.microsoft.com/office/powerpoint/2010/main" val="1699450317"/>
       </p:ext>
     </p:extLst>
   </p:cSld>
@@ -24825,110 +24779,17 @@
           </a:p>
           <a:p>
             <a:r>
-              <a:rPr lang="ru-RU" smtClean="0">
-                <a:solidFill>
-                  <a:srgbClr val="0000FF"/>
-                </a:solidFill>
-              </a:rPr>
-              <a:t>Экономия памяти</a:t>
-            </a:r>
-          </a:p>
-          <a:p>
-            <a:r>
-              <a:rPr lang="ru-RU" smtClean="0">
-                <a:solidFill>
-                  <a:srgbClr val="0000FF"/>
-                </a:solidFill>
-              </a:rPr>
-              <a:t>Дешёвое копирование (просто инкремент счётчика ссылок)</a:t>
-            </a:r>
-          </a:p>
-          <a:p>
-            <a:r>
-              <a:rPr lang="ru-RU" smtClean="0">
-                <a:solidFill>
-                  <a:srgbClr val="0000FF"/>
-                </a:solidFill>
-              </a:rPr>
-              <a:t>Меньше аллокаций и удалений в куче =</a:t>
-            </a:r>
-            <a:r>
-              <a:rPr lang="en-US" smtClean="0">
-                <a:solidFill>
-                  <a:srgbClr val="0000FF"/>
-                </a:solidFill>
-              </a:rPr>
-              <a:t>&gt; </a:t>
-            </a:r>
-            <a:r>
-              <a:rPr lang="ru-RU" smtClean="0">
-                <a:solidFill>
-                  <a:srgbClr val="0000FF"/>
-                </a:solidFill>
-              </a:rPr>
-              <a:t>прирост производительности</a:t>
-            </a:r>
-          </a:p>
-          <a:p>
-            <a:r>
-              <a:rPr lang="ru-RU" smtClean="0">
-                <a:solidFill>
-                  <a:srgbClr val="FF0000"/>
-                </a:solidFill>
-              </a:rPr>
-              <a:t>Лишний уровень косвенности</a:t>
-            </a:r>
-            <a:endParaRPr lang="en-US" smtClean="0">
-              <a:solidFill>
-                <a:srgbClr val="FF0000"/>
-              </a:solidFill>
-            </a:endParaRPr>
-          </a:p>
-          <a:p>
-            <a:r>
-              <a:rPr lang="ru-RU" smtClean="0">
-                <a:solidFill>
-                  <a:srgbClr val="FF0000"/>
-                </a:solidFill>
-              </a:rPr>
-              <a:t>Вирусное проникновение копирования во все модифицирующие операции</a:t>
-            </a:r>
-          </a:p>
-          <a:p>
-            <a:r>
-              <a:rPr lang="ru-RU" smtClean="0">
-                <a:solidFill>
-                  <a:srgbClr val="FF0000"/>
-                </a:solidFill>
-              </a:rPr>
-              <a:t>Проблемы </a:t>
-            </a:r>
-            <a:r>
-              <a:rPr lang="en-US" smtClean="0">
-                <a:solidFill>
-                  <a:srgbClr val="FF0000"/>
-                </a:solidFill>
-              </a:rPr>
-              <a:t>thread safety (Multithread COW disease)</a:t>
-            </a:r>
-            <a:endParaRPr lang="ru-RU" smtClean="0">
-              <a:solidFill>
-                <a:srgbClr val="FF0000"/>
-              </a:solidFill>
-            </a:endParaRPr>
-          </a:p>
-          <a:p>
-            <a:r>
               <a:rPr lang="ru-RU" smtClean="0"/>
-              <a:t>Однако есть соображение, которое рушит баланс. Это инвалидация указателей</a:t>
-            </a:r>
+              <a:t>На какой стороне вы?</a:t>
+            </a:r>
+            <a:endParaRPr lang="en-US"/>
           </a:p>
         </p:txBody>
       </p:sp>
     </p:spTree>
     <p:extLst>
       <p:ext uri="{BB962C8B-B14F-4D97-AF65-F5344CB8AC3E}">
-        <p14:creationId xmlns:p14="http://schemas.microsoft.com/office/powerpoint/2010/main" val="3057867823"/>
+        <p14:creationId xmlns:p14="http://schemas.microsoft.com/office/powerpoint/2010/main" val="1773892356"/>
       </p:ext>
     </p:extLst>
   </p:cSld>
@@ -24972,7 +24833,11 @@
           <a:p>
             <a:r>
               <a:rPr lang="ru-RU" smtClean="0"/>
-              <a:t>Инвалидация указателей</a:t>
+              <a:t>Обсуждение</a:t>
+            </a:r>
+            <a:r>
+              <a:rPr lang="en-US" smtClean="0"/>
+              <a:t>: COW</a:t>
             </a:r>
             <a:endParaRPr lang="en-US"/>
           </a:p>
@@ -24995,95 +24860,115 @@
           <a:p>
             <a:r>
               <a:rPr lang="ru-RU" smtClean="0"/>
-              <a:t>Операции над строкой могут инвалидировать указатели внутрь строки. Например:</a:t>
-            </a:r>
-          </a:p>
-          <a:p>
-            <a:pPr marL="45720" indent="0">
-              <a:buNone/>
-            </a:pPr>
-            <a:r>
-              <a:rPr lang="en-US" smtClean="0">
-                <a:latin typeface="Consolas" panose="020B0609020204030204" pitchFamily="49" charset="0"/>
-              </a:rPr>
-              <a:t>string s = "Hello";</a:t>
-            </a:r>
-          </a:p>
-          <a:p>
-            <a:pPr marL="45720" indent="0">
-              <a:buNone/>
-            </a:pPr>
-            <a:r>
-              <a:rPr lang="en-US" smtClean="0">
-                <a:latin typeface="Consolas" panose="020B0609020204030204" pitchFamily="49" charset="0"/>
-              </a:rPr>
-              <a:t>const char *p = &amp;s[3];</a:t>
-            </a:r>
-          </a:p>
-          <a:p>
-            <a:pPr marL="45720" indent="0">
-              <a:buNone/>
-            </a:pPr>
-            <a:r>
-              <a:rPr lang="en-US" smtClean="0">
-                <a:latin typeface="Consolas" panose="020B0609020204030204" pitchFamily="49" charset="0"/>
-              </a:rPr>
-              <a:t>s += "world"; // </a:t>
-            </a:r>
+              <a:t>С самого начала идиома имела своих сторонников и противников</a:t>
+            </a:r>
+          </a:p>
+          <a:p>
             <a:r>
               <a:rPr lang="ru-RU" smtClean="0">
-                <a:latin typeface="Consolas" panose="020B0609020204030204" pitchFamily="49" charset="0"/>
-              </a:rPr>
-              <a:t>после этой точки </a:t>
-            </a:r>
-            <a:r>
-              <a:rPr lang="en-US" smtClean="0">
-                <a:latin typeface="Consolas" panose="020B0609020204030204" pitchFamily="49" charset="0"/>
-              </a:rPr>
-              <a:t>p </a:t>
-            </a:r>
+                <a:solidFill>
+                  <a:srgbClr val="0000FF"/>
+                </a:solidFill>
+              </a:rPr>
+              <a:t>Экономия памяти</a:t>
+            </a:r>
+          </a:p>
+          <a:p>
             <a:r>
               <a:rPr lang="ru-RU" smtClean="0">
-                <a:latin typeface="Consolas" panose="020B0609020204030204" pitchFamily="49" charset="0"/>
-              </a:rPr>
-              <a:t>нельзя использовать</a:t>
-            </a:r>
+                <a:solidFill>
+                  <a:srgbClr val="0000FF"/>
+                </a:solidFill>
+              </a:rPr>
+              <a:t>Дешёвое копирование (просто инкремент счётчика ссылок)</a:t>
+            </a:r>
+          </a:p>
+          <a:p>
+            <a:r>
+              <a:rPr lang="ru-RU" smtClean="0">
+                <a:solidFill>
+                  <a:srgbClr val="0000FF"/>
+                </a:solidFill>
+              </a:rPr>
+              <a:t>Меньше аллокаций и удалений в куче =</a:t>
+            </a:r>
+            <a:r>
+              <a:rPr lang="en-US" smtClean="0">
+                <a:solidFill>
+                  <a:srgbClr val="0000FF"/>
+                </a:solidFill>
+              </a:rPr>
+              <a:t>&gt; </a:t>
+            </a:r>
+            <a:r>
+              <a:rPr lang="ru-RU" smtClean="0">
+                <a:solidFill>
+                  <a:srgbClr val="0000FF"/>
+                </a:solidFill>
+              </a:rPr>
+              <a:t>прирост производительности</a:t>
+            </a:r>
+          </a:p>
+          <a:p>
+            <a:r>
+              <a:rPr lang="ru-RU" smtClean="0">
+                <a:solidFill>
+                  <a:srgbClr val="FF0000"/>
+                </a:solidFill>
+              </a:rPr>
+              <a:t>Лишний уровень косвенности</a:t>
+            </a:r>
+            <a:endParaRPr lang="en-US" smtClean="0">
+              <a:solidFill>
+                <a:srgbClr val="FF0000"/>
+              </a:solidFill>
+            </a:endParaRPr>
+          </a:p>
+          <a:p>
+            <a:r>
+              <a:rPr lang="ru-RU" smtClean="0">
+                <a:solidFill>
+                  <a:srgbClr val="FF0000"/>
+                </a:solidFill>
+              </a:rPr>
+              <a:t>Вирусное проникновение копирования во все модифицирующие операции</a:t>
+            </a:r>
+          </a:p>
+          <a:p>
+            <a:r>
+              <a:rPr lang="ru-RU" smtClean="0">
+                <a:solidFill>
+                  <a:srgbClr val="FF0000"/>
+                </a:solidFill>
+              </a:rPr>
+              <a:t>Проблемы </a:t>
+            </a:r>
+            <a:r>
+              <a:rPr lang="en-US" smtClean="0">
+                <a:solidFill>
+                  <a:srgbClr val="FF0000"/>
+                </a:solidFill>
+              </a:rPr>
+              <a:t>thread safety (Multithread COW disease)</a:t>
+            </a:r>
+            <a:endParaRPr lang="ru-RU" smtClean="0">
+              <a:solidFill>
+                <a:srgbClr val="FF0000"/>
+              </a:solidFill>
+            </a:endParaRPr>
           </a:p>
           <a:p>
             <a:r>
               <a:rPr lang="ru-RU" smtClean="0"/>
-              <a:t>Здесь нет проблем</a:t>
-            </a:r>
-          </a:p>
-          <a:p>
-            <a:r>
-              <a:rPr lang="ru-RU" smtClean="0"/>
-              <a:t>Проблема в том, что в случае </a:t>
-            </a:r>
-            <a:r>
-              <a:rPr lang="en-US" smtClean="0"/>
-              <a:t>COW</a:t>
-            </a:r>
-            <a:r>
-              <a:rPr lang="ru-RU" smtClean="0"/>
-              <a:t> указатели</a:t>
-            </a:r>
-            <a:r>
-              <a:rPr lang="en-US" smtClean="0"/>
-              <a:t> </a:t>
-            </a:r>
-            <a:r>
-              <a:rPr lang="ru-RU" smtClean="0"/>
-              <a:t>инвалидируются при совершенно безобидных операциях</a:t>
-            </a:r>
-            <a:endParaRPr lang="en-US"/>
+              <a:t>Однако есть соображение, которое рушит баланс. Это инвалидация указателей</a:t>
+            </a:r>
           </a:p>
         </p:txBody>
       </p:sp>
     </p:spTree>
     <p:extLst>
       <p:ext uri="{BB962C8B-B14F-4D97-AF65-F5344CB8AC3E}">
-        <p14:creationId xmlns:p14="http://schemas.microsoft.com/office/powerpoint/2010/main" val="4294759528"/>
+        <p14:creationId xmlns:p14="http://schemas.microsoft.com/office/powerpoint/2010/main" val="3057867823"/>
       </p:ext>
     </p:extLst>
   </p:cSld>
@@ -25183,114 +25068,53 @@
               <a:rPr lang="en-US" smtClean="0">
                 <a:latin typeface="Consolas" panose="020B0609020204030204" pitchFamily="49" charset="0"/>
               </a:rPr>
-              <a:t>s[0] = 'h'; // </a:t>
+              <a:t>s += "world"; // </a:t>
             </a:r>
             <a:r>
               <a:rPr lang="ru-RU" smtClean="0">
                 <a:latin typeface="Consolas" panose="020B0609020204030204" pitchFamily="49" charset="0"/>
               </a:rPr>
-              <a:t>для </a:t>
-            </a:r>
-            <a:r>
-              <a:rPr lang="en-US" smtClean="0">
-                <a:latin typeface="Consolas" panose="020B0609020204030204" pitchFamily="49" charset="0"/>
-              </a:rPr>
-              <a:t>non-COW </a:t>
+              <a:t>после этой точки </a:t>
+            </a:r>
+            <a:r>
+              <a:rPr lang="en-US" smtClean="0">
+                <a:latin typeface="Consolas" panose="020B0609020204030204" pitchFamily="49" charset="0"/>
+              </a:rPr>
+              <a:t>p </a:t>
             </a:r>
             <a:r>
               <a:rPr lang="ru-RU" smtClean="0">
                 <a:latin typeface="Consolas" panose="020B0609020204030204" pitchFamily="49" charset="0"/>
               </a:rPr>
-              <a:t>строк </a:t>
-            </a:r>
-            <a:r>
-              <a:rPr lang="en-US" smtClean="0">
-                <a:latin typeface="Consolas" panose="020B0609020204030204" pitchFamily="49" charset="0"/>
-              </a:rPr>
-              <a:t>p </a:t>
-            </a:r>
-            <a:r>
-              <a:rPr lang="ru-RU" smtClean="0">
-                <a:latin typeface="Consolas" panose="020B0609020204030204" pitchFamily="49" charset="0"/>
-              </a:rPr>
-              <a:t>ещё валиден</a:t>
-            </a:r>
-          </a:p>
-          <a:p>
-            <a:pPr marL="45720" indent="0">
-              <a:buNone/>
-            </a:pPr>
-            <a:r>
-              <a:rPr lang="ru-RU">
-                <a:latin typeface="Consolas" panose="020B0609020204030204" pitchFamily="49" charset="0"/>
-              </a:rPr>
+              <a:t>нельзя использовать</a:t>
+            </a:r>
+          </a:p>
+          <a:p>
+            <a:r>
+              <a:rPr lang="ru-RU" smtClean="0"/>
+              <a:t>Здесь нет проблем</a:t>
+            </a:r>
+          </a:p>
+          <a:p>
+            <a:r>
+              <a:rPr lang="ru-RU" smtClean="0"/>
+              <a:t>Проблема в том, что в случае </a:t>
+            </a:r>
+            <a:r>
+              <a:rPr lang="en-US" smtClean="0"/>
+              <a:t>COW</a:t>
+            </a:r>
+            <a:r>
+              <a:rPr lang="ru-RU" smtClean="0"/>
+              <a:t> указатели</a:t>
+            </a:r>
+            <a:r>
+              <a:rPr lang="en-US" smtClean="0"/>
               <a:t> </a:t>
             </a:r>
             <a:r>
-              <a:rPr lang="ru-RU" smtClean="0">
-                <a:latin typeface="Consolas" panose="020B0609020204030204" pitchFamily="49" charset="0"/>
-              </a:rPr>
-              <a:t>           </a:t>
-            </a:r>
-            <a:r>
-              <a:rPr lang="en-US" smtClean="0">
-                <a:latin typeface="Consolas" panose="020B0609020204030204" pitchFamily="49" charset="0"/>
-              </a:rPr>
-              <a:t>// </a:t>
-            </a:r>
-            <a:r>
-              <a:rPr lang="ru-RU" smtClean="0">
-                <a:latin typeface="Consolas" panose="020B0609020204030204" pitchFamily="49" charset="0"/>
-              </a:rPr>
-              <a:t>но для </a:t>
-            </a:r>
-            <a:r>
-              <a:rPr lang="en-US" smtClean="0">
-                <a:latin typeface="Consolas" panose="020B0609020204030204" pitchFamily="49" charset="0"/>
-              </a:rPr>
-              <a:t>COW </a:t>
-            </a:r>
-            <a:r>
-              <a:rPr lang="ru-RU" smtClean="0">
-                <a:latin typeface="Consolas" panose="020B0609020204030204" pitchFamily="49" charset="0"/>
-              </a:rPr>
-              <a:t>может быть уже и нет</a:t>
-            </a:r>
-          </a:p>
-          <a:p>
-            <a:r>
               <a:rPr lang="ru-RU" smtClean="0"/>
-              <a:t>В 2011 году официально было запрещено инвалидировать указатели при выполнении </a:t>
-            </a:r>
-            <a:r>
-              <a:rPr lang="en-US" smtClean="0"/>
-              <a:t>operator[], </a:t>
-            </a:r>
-            <a:r>
-              <a:rPr lang="ru-RU" smtClean="0"/>
-              <a:t>что исключает </a:t>
-            </a:r>
-            <a:r>
-              <a:rPr lang="en-US" smtClean="0"/>
-              <a:t>COW-</a:t>
-            </a:r>
-            <a:r>
-              <a:rPr lang="ru-RU" smtClean="0"/>
-              <a:t>реализации </a:t>
-            </a:r>
-            <a:r>
-              <a:rPr lang="en-US" smtClean="0"/>
-              <a:t>std::string.</a:t>
-            </a:r>
-          </a:p>
-          <a:p>
-            <a:r>
-              <a:rPr lang="ru-RU" smtClean="0"/>
-              <a:t>Как итог: </a:t>
-            </a:r>
-            <a:r>
-              <a:rPr lang="en-US" smtClean="0"/>
-              <a:t>COW is (almost) dead</a:t>
+              <a:t>инвалидируются при совершенно безобидных операциях</a:t>
             </a:r>
             <a:endParaRPr lang="en-US"/>
           </a:p>
@@ -25299,7 +25123,7 @@
     </p:spTree>
     <p:extLst>
       <p:ext uri="{BB962C8B-B14F-4D97-AF65-F5344CB8AC3E}">
-        <p14:creationId xmlns:p14="http://schemas.microsoft.com/office/powerpoint/2010/main" val="345713613"/>
+        <p14:creationId xmlns:p14="http://schemas.microsoft.com/office/powerpoint/2010/main" val="4294759528"/>
       </p:ext>
     </p:extLst>
   </p:cSld>
@@ -25338,6 +25162,222 @@
         </p:nvSpPr>
         <p:spPr/>
         <p:txBody>
+          <a:bodyPr/>
+          <a:lstStyle/>
+          <a:p>
+            <a:r>
+              <a:rPr lang="ru-RU" smtClean="0"/>
+              <a:t>Инвалидация указателей</a:t>
+            </a:r>
+            <a:endParaRPr lang="en-US"/>
+          </a:p>
+        </p:txBody>
+      </p:sp>
+      <p:sp>
+        <p:nvSpPr>
+          <p:cNvPr id="3" name="Content Placeholder 2"/>
+          <p:cNvSpPr>
+            <a:spLocks noGrp="1"/>
+          </p:cNvSpPr>
+          <p:nvPr>
+            <p:ph idx="1"/>
+          </p:nvPr>
+        </p:nvSpPr>
+        <p:spPr/>
+        <p:txBody>
+          <a:bodyPr/>
+          <a:lstStyle/>
+          <a:p>
+            <a:r>
+              <a:rPr lang="ru-RU" smtClean="0"/>
+              <a:t>Операции над строкой могут инвалидировать указатели внутрь строки. Например:</a:t>
+            </a:r>
+          </a:p>
+          <a:p>
+            <a:pPr marL="45720" indent="0">
+              <a:buNone/>
+            </a:pPr>
+            <a:r>
+              <a:rPr lang="en-US" smtClean="0">
+                <a:latin typeface="Consolas" panose="020B0609020204030204" pitchFamily="49" charset="0"/>
+              </a:rPr>
+              <a:t>string s = "Hello";</a:t>
+            </a:r>
+          </a:p>
+          <a:p>
+            <a:pPr marL="45720" indent="0">
+              <a:buNone/>
+            </a:pPr>
+            <a:r>
+              <a:rPr lang="en-US" smtClean="0">
+                <a:latin typeface="Consolas" panose="020B0609020204030204" pitchFamily="49" charset="0"/>
+              </a:rPr>
+              <a:t>const char *p = &amp;s[3];</a:t>
+            </a:r>
+          </a:p>
+          <a:p>
+            <a:pPr marL="45720" indent="0">
+              <a:buNone/>
+            </a:pPr>
+            <a:r>
+              <a:rPr lang="en-US" smtClean="0">
+                <a:latin typeface="Consolas" panose="020B0609020204030204" pitchFamily="49" charset="0"/>
+              </a:rPr>
+              <a:t>s[0] = 'h'; // </a:t>
+            </a:r>
+            <a:r>
+              <a:rPr lang="ru-RU" smtClean="0">
+                <a:latin typeface="Consolas" panose="020B0609020204030204" pitchFamily="49" charset="0"/>
+              </a:rPr>
+              <a:t>для </a:t>
+            </a:r>
+            <a:r>
+              <a:rPr lang="en-US" smtClean="0">
+                <a:latin typeface="Consolas" panose="020B0609020204030204" pitchFamily="49" charset="0"/>
+              </a:rPr>
+              <a:t>non-COW </a:t>
+            </a:r>
+            <a:r>
+              <a:rPr lang="ru-RU" smtClean="0">
+                <a:latin typeface="Consolas" panose="020B0609020204030204" pitchFamily="49" charset="0"/>
+              </a:rPr>
+              <a:t>строк </a:t>
+            </a:r>
+            <a:r>
+              <a:rPr lang="en-US" smtClean="0">
+                <a:latin typeface="Consolas" panose="020B0609020204030204" pitchFamily="49" charset="0"/>
+              </a:rPr>
+              <a:t>p </a:t>
+            </a:r>
+            <a:r>
+              <a:rPr lang="ru-RU" smtClean="0">
+                <a:latin typeface="Consolas" panose="020B0609020204030204" pitchFamily="49" charset="0"/>
+              </a:rPr>
+              <a:t>ещё валиден</a:t>
+            </a:r>
+          </a:p>
+          <a:p>
+            <a:pPr marL="45720" indent="0">
+              <a:buNone/>
+            </a:pPr>
+            <a:r>
+              <a:rPr lang="ru-RU">
+                <a:latin typeface="Consolas" panose="020B0609020204030204" pitchFamily="49" charset="0"/>
+              </a:rPr>
+              <a:t> </a:t>
+            </a:r>
+            <a:r>
+              <a:rPr lang="ru-RU" smtClean="0">
+                <a:latin typeface="Consolas" panose="020B0609020204030204" pitchFamily="49" charset="0"/>
+              </a:rPr>
+              <a:t>           </a:t>
+            </a:r>
+            <a:r>
+              <a:rPr lang="en-US" smtClean="0">
+                <a:latin typeface="Consolas" panose="020B0609020204030204" pitchFamily="49" charset="0"/>
+              </a:rPr>
+              <a:t>// </a:t>
+            </a:r>
+            <a:r>
+              <a:rPr lang="ru-RU" smtClean="0">
+                <a:latin typeface="Consolas" panose="020B0609020204030204" pitchFamily="49" charset="0"/>
+              </a:rPr>
+              <a:t>но для </a:t>
+            </a:r>
+            <a:r>
+              <a:rPr lang="en-US" smtClean="0">
+                <a:latin typeface="Consolas" panose="020B0609020204030204" pitchFamily="49" charset="0"/>
+              </a:rPr>
+              <a:t>COW </a:t>
+            </a:r>
+            <a:r>
+              <a:rPr lang="ru-RU" smtClean="0">
+                <a:latin typeface="Consolas" panose="020B0609020204030204" pitchFamily="49" charset="0"/>
+              </a:rPr>
+              <a:t>может быть уже и нет</a:t>
+            </a:r>
+          </a:p>
+          <a:p>
+            <a:r>
+              <a:rPr lang="ru-RU" smtClean="0"/>
+              <a:t>В 2011 году официально было запрещено инвалидировать указатели при выполнении </a:t>
+            </a:r>
+            <a:r>
+              <a:rPr lang="en-US" smtClean="0"/>
+              <a:t>operator[], </a:t>
+            </a:r>
+            <a:r>
+              <a:rPr lang="ru-RU" smtClean="0"/>
+              <a:t>что исключает </a:t>
+            </a:r>
+            <a:r>
+              <a:rPr lang="en-US" smtClean="0"/>
+              <a:t>COW-</a:t>
+            </a:r>
+            <a:r>
+              <a:rPr lang="ru-RU" smtClean="0"/>
+              <a:t>реализации </a:t>
+            </a:r>
+            <a:r>
+              <a:rPr lang="en-US" smtClean="0"/>
+              <a:t>std::string.</a:t>
+            </a:r>
+          </a:p>
+          <a:p>
+            <a:r>
+              <a:rPr lang="ru-RU" smtClean="0"/>
+              <a:t>Как итог: </a:t>
+            </a:r>
+            <a:r>
+              <a:rPr lang="en-US" smtClean="0"/>
+              <a:t>COW is (almost) dead</a:t>
+            </a:r>
+            <a:endParaRPr lang="en-US"/>
+          </a:p>
+        </p:txBody>
+      </p:sp>
+    </p:spTree>
+    <p:extLst>
+      <p:ext uri="{BB962C8B-B14F-4D97-AF65-F5344CB8AC3E}">
+        <p14:creationId xmlns:p14="http://schemas.microsoft.com/office/powerpoint/2010/main" val="345713613"/>
+      </p:ext>
+    </p:extLst>
+  </p:cSld>
+  <p:clrMapOvr>
+    <a:masterClrMapping/>
+  </p:clrMapOvr>
+</p:sld>
+</file>
+
+<file path=ppt/slides/slide47.xml><?xml version="1.0" encoding="utf-8"?>
+<p:sld xmlns:a="http://schemas.openxmlformats.org/drawingml/2006/main" xmlns:r="http://schemas.openxmlformats.org/officeDocument/2006/relationships" xmlns:p="http://schemas.openxmlformats.org/presentationml/2006/main">
+  <p:cSld>
+    <p:spTree>
+      <p:nvGrpSpPr>
+        <p:cNvPr id="1" name=""/>
+        <p:cNvGrpSpPr/>
+        <p:nvPr/>
+      </p:nvGrpSpPr>
+      <p:grpSpPr>
+        <a:xfrm>
+          <a:off x="0" y="0"/>
+          <a:ext cx="0" cy="0"/>
+          <a:chOff x="0" y="0"/>
+          <a:chExt cx="0" cy="0"/>
+        </a:xfrm>
+      </p:grpSpPr>
+      <p:sp>
+        <p:nvSpPr>
+          <p:cNvPr id="2" name="Title 1"/>
+          <p:cNvSpPr>
+            <a:spLocks noGrp="1"/>
+          </p:cNvSpPr>
+          <p:nvPr>
+            <p:ph type="title"/>
+          </p:nvPr>
+        </p:nvSpPr>
+        <p:spPr/>
+        <p:txBody>
           <a:bodyPr>
             <a:normAutofit/>
           </a:bodyPr>
@@ -25523,7 +25563,7 @@
 </p:sld>
 </file>
 
-<file path=ppt/slides/slide47.xml><?xml version="1.0" encoding="utf-8"?>
+<file path=ppt/slides/slide48.xml><?xml version="1.0" encoding="utf-8"?>
 <p:sld xmlns:a="http://schemas.openxmlformats.org/drawingml/2006/main" xmlns:r="http://schemas.openxmlformats.org/officeDocument/2006/relationships" xmlns:p="http://schemas.openxmlformats.org/presentationml/2006/main">
   <p:cSld>
     <p:spTree>
@@ -27074,277 +27114,6 @@
 </p:sld>
 </file>
 
-<file path=ppt/slides/slide48.xml><?xml version="1.0" encoding="utf-8"?>
-<p:sld xmlns:a="http://schemas.openxmlformats.org/drawingml/2006/main" xmlns:r="http://schemas.openxmlformats.org/officeDocument/2006/relationships" xmlns:p="http://schemas.openxmlformats.org/presentationml/2006/main">
-  <p:cSld>
-    <p:spTree>
-      <p:nvGrpSpPr>
-        <p:cNvPr id="1" name=""/>
-        <p:cNvGrpSpPr/>
-        <p:nvPr/>
-      </p:nvGrpSpPr>
-      <p:grpSpPr>
-        <a:xfrm>
-          <a:off x="0" y="0"/>
-          <a:ext cx="0" cy="0"/>
-          <a:chOff x="0" y="0"/>
-          <a:chExt cx="0" cy="0"/>
-        </a:xfrm>
-      </p:grpSpPr>
-      <p:sp>
-        <p:nvSpPr>
-          <p:cNvPr id="2" name="Title 1"/>
-          <p:cNvSpPr>
-            <a:spLocks noGrp="1"/>
-          </p:cNvSpPr>
-          <p:nvPr>
-            <p:ph type="title"/>
-          </p:nvPr>
-        </p:nvSpPr>
-        <p:spPr/>
-        <p:txBody>
-          <a:bodyPr/>
-          <a:lstStyle/>
-          <a:p>
-            <a:r>
-              <a:rPr lang="en-US"/>
-              <a:t>Small string optimizations (SSO)</a:t>
-            </a:r>
-          </a:p>
-        </p:txBody>
-      </p:sp>
-      <p:sp>
-        <p:nvSpPr>
-          <p:cNvPr id="3" name="Content Placeholder 2"/>
-          <p:cNvSpPr>
-            <a:spLocks noGrp="1"/>
-          </p:cNvSpPr>
-          <p:nvPr>
-            <p:ph idx="1"/>
-          </p:nvPr>
-        </p:nvSpPr>
-        <p:spPr/>
-        <p:txBody>
-          <a:bodyPr/>
-          <a:lstStyle/>
-          <a:p>
-            <a:r>
-              <a:rPr lang="ru-RU" smtClean="0"/>
-              <a:t>Идея в целом была изложена на прошлом слайде: иногда настоящего выделения динамической памяти не нужно.</a:t>
-            </a:r>
-          </a:p>
-          <a:p>
-            <a:pPr marL="45720" indent="0">
-              <a:buNone/>
-            </a:pPr>
-            <a:r>
-              <a:rPr lang="en-US">
-                <a:latin typeface="Consolas" panose="020B0609020204030204" pitchFamily="49" charset="0"/>
-              </a:rPr>
-              <a:t>class string </a:t>
-            </a:r>
-            <a:r>
-              <a:rPr lang="en-US" smtClean="0">
-                <a:latin typeface="Consolas" panose="020B0609020204030204" pitchFamily="49" charset="0"/>
-              </a:rPr>
-              <a:t>{</a:t>
-            </a:r>
-            <a:br>
-              <a:rPr lang="en-US" smtClean="0">
-                <a:latin typeface="Consolas" panose="020B0609020204030204" pitchFamily="49" charset="0"/>
-              </a:rPr>
-            </a:br>
-            <a:r>
-              <a:rPr lang="en-US" smtClean="0">
-                <a:latin typeface="Consolas" panose="020B0609020204030204" pitchFamily="49" charset="0"/>
-              </a:rPr>
-              <a:t>  </a:t>
-            </a:r>
-            <a:r>
-              <a:rPr lang="en-US">
-                <a:latin typeface="Consolas" panose="020B0609020204030204" pitchFamily="49" charset="0"/>
-              </a:rPr>
-              <a:t>size_type m_size</a:t>
-            </a:r>
-            <a:r>
-              <a:rPr lang="en-US" smtClean="0">
-                <a:latin typeface="Consolas" panose="020B0609020204030204" pitchFamily="49" charset="0"/>
-              </a:rPr>
-              <a:t>;</a:t>
-            </a:r>
-            <a:br>
-              <a:rPr lang="en-US" smtClean="0">
-                <a:latin typeface="Consolas" panose="020B0609020204030204" pitchFamily="49" charset="0"/>
-              </a:rPr>
-            </a:br>
-            <a:r>
-              <a:rPr lang="en-US" smtClean="0">
-                <a:latin typeface="Consolas" panose="020B0609020204030204" pitchFamily="49" charset="0"/>
-              </a:rPr>
-              <a:t>  </a:t>
-            </a:r>
-            <a:r>
-              <a:rPr lang="en-US">
-                <a:latin typeface="Consolas" panose="020B0609020204030204" pitchFamily="49" charset="0"/>
-              </a:rPr>
-              <a:t>union </a:t>
-            </a:r>
-            <a:r>
-              <a:rPr lang="en-US" smtClean="0">
-                <a:latin typeface="Consolas" panose="020B0609020204030204" pitchFamily="49" charset="0"/>
-              </a:rPr>
-              <a:t>{</a:t>
-            </a:r>
-            <a:br>
-              <a:rPr lang="en-US" smtClean="0">
-                <a:latin typeface="Consolas" panose="020B0609020204030204" pitchFamily="49" charset="0"/>
-              </a:rPr>
-            </a:br>
-            <a:r>
-              <a:rPr lang="en-US" smtClean="0">
-                <a:latin typeface="Consolas" panose="020B0609020204030204" pitchFamily="49" charset="0"/>
-              </a:rPr>
-              <a:t>    </a:t>
-            </a:r>
-            <a:r>
-              <a:rPr lang="en-US">
-                <a:latin typeface="Consolas" panose="020B0609020204030204" pitchFamily="49" charset="0"/>
-              </a:rPr>
-              <a:t>class </a:t>
-            </a:r>
-            <a:r>
-              <a:rPr lang="en-US" smtClean="0">
-                <a:latin typeface="Consolas" panose="020B0609020204030204" pitchFamily="49" charset="0"/>
-              </a:rPr>
-              <a:t>{</a:t>
-            </a:r>
-            <a:br>
-              <a:rPr lang="en-US" smtClean="0">
-                <a:latin typeface="Consolas" panose="020B0609020204030204" pitchFamily="49" charset="0"/>
-              </a:rPr>
-            </a:br>
-            <a:r>
-              <a:rPr lang="en-US" smtClean="0">
-                <a:latin typeface="Consolas" panose="020B0609020204030204" pitchFamily="49" charset="0"/>
-              </a:rPr>
-              <a:t>      char *m_data;</a:t>
-            </a:r>
-            <a:br>
-              <a:rPr lang="en-US" smtClean="0">
-                <a:latin typeface="Consolas" panose="020B0609020204030204" pitchFamily="49" charset="0"/>
-              </a:rPr>
-            </a:br>
-            <a:r>
-              <a:rPr lang="en-US" smtClean="0">
-                <a:latin typeface="Consolas" panose="020B0609020204030204" pitchFamily="49" charset="0"/>
-              </a:rPr>
-              <a:t>      </a:t>
-            </a:r>
-            <a:r>
-              <a:rPr lang="en-US">
-                <a:latin typeface="Consolas" panose="020B0609020204030204" pitchFamily="49" charset="0"/>
-              </a:rPr>
-              <a:t>size_type m_capacity</a:t>
-            </a:r>
-            <a:r>
-              <a:rPr lang="en-US" smtClean="0">
-                <a:latin typeface="Consolas" panose="020B0609020204030204" pitchFamily="49" charset="0"/>
-              </a:rPr>
-              <a:t>;</a:t>
-            </a:r>
-            <a:br>
-              <a:rPr lang="en-US" smtClean="0">
-                <a:latin typeface="Consolas" panose="020B0609020204030204" pitchFamily="49" charset="0"/>
-              </a:rPr>
-            </a:br>
-            <a:r>
-              <a:rPr lang="en-US" smtClean="0">
-                <a:latin typeface="Consolas" panose="020B0609020204030204" pitchFamily="49" charset="0"/>
-              </a:rPr>
-              <a:t>    </a:t>
-            </a:r>
-            <a:r>
-              <a:rPr lang="en-US">
-                <a:latin typeface="Consolas" panose="020B0609020204030204" pitchFamily="49" charset="0"/>
-              </a:rPr>
-              <a:t>} m_large</a:t>
-            </a:r>
-            <a:r>
-              <a:rPr lang="en-US" smtClean="0">
-                <a:latin typeface="Consolas" panose="020B0609020204030204" pitchFamily="49" charset="0"/>
-              </a:rPr>
-              <a:t>;</a:t>
-            </a:r>
-            <a:br>
-              <a:rPr lang="en-US" smtClean="0">
-                <a:latin typeface="Consolas" panose="020B0609020204030204" pitchFamily="49" charset="0"/>
-              </a:rPr>
-            </a:br>
-            <a:r>
-              <a:rPr lang="en-US" smtClean="0">
-                <a:latin typeface="Consolas" panose="020B0609020204030204" pitchFamily="49" charset="0"/>
-              </a:rPr>
-              <a:t>    char </a:t>
-            </a:r>
-            <a:r>
-              <a:rPr lang="en-US">
-                <a:latin typeface="Consolas" panose="020B0609020204030204" pitchFamily="49" charset="0"/>
-              </a:rPr>
-              <a:t>m_small[sizeof(m_large)];</a:t>
-            </a:r>
-            <a:r>
-              <a:rPr lang="en-US" smtClean="0">
-                <a:latin typeface="Consolas" panose="020B0609020204030204" pitchFamily="49" charset="0"/>
-              </a:rPr>
-              <a:t/>
-            </a:r>
-            <a:br>
-              <a:rPr lang="en-US" smtClean="0">
-                <a:latin typeface="Consolas" panose="020B0609020204030204" pitchFamily="49" charset="0"/>
-              </a:rPr>
-            </a:br>
-            <a:r>
-              <a:rPr lang="en-US" smtClean="0">
-                <a:latin typeface="Consolas" panose="020B0609020204030204" pitchFamily="49" charset="0"/>
-              </a:rPr>
-              <a:t>  };</a:t>
-            </a:r>
-            <a:br>
-              <a:rPr lang="en-US" smtClean="0">
-                <a:latin typeface="Consolas" panose="020B0609020204030204" pitchFamily="49" charset="0"/>
-              </a:rPr>
-            </a:br>
-            <a:r>
-              <a:rPr lang="en-US" smtClean="0">
-                <a:latin typeface="Consolas" panose="020B0609020204030204" pitchFamily="49" charset="0"/>
-              </a:rPr>
-              <a:t>// </a:t>
-            </a:r>
-            <a:r>
-              <a:rPr lang="ru-RU" smtClean="0">
-                <a:latin typeface="Consolas" panose="020B0609020204030204" pitchFamily="49" charset="0"/>
-              </a:rPr>
-              <a:t>ну и так далее</a:t>
-            </a:r>
-            <a:endParaRPr lang="en-US">
-              <a:latin typeface="Consolas" panose="020B0609020204030204" pitchFamily="49" charset="0"/>
-            </a:endParaRPr>
-          </a:p>
-        </p:txBody>
-      </p:sp>
-    </p:spTree>
-    <p:extLst>
-      <p:ext uri="{BB962C8B-B14F-4D97-AF65-F5344CB8AC3E}">
-        <p14:creationId xmlns:p14="http://schemas.microsoft.com/office/powerpoint/2010/main" val="5741272"/>
-      </p:ext>
-    </p:extLst>
-  </p:cSld>
-  <p:clrMapOvr>
-    <a:masterClrMapping/>
-  </p:clrMapOvr>
-</p:sld>
-</file>
-
 <file path=ppt/slides/slide49.xml><?xml version="1.0" encoding="utf-8"?>
 <p:sld xmlns:a="http://schemas.openxmlformats.org/drawingml/2006/main" xmlns:r="http://schemas.openxmlformats.org/officeDocument/2006/relationships" xmlns:p="http://schemas.openxmlformats.org/presentationml/2006/main">
   <p:cSld>
@@ -27378,10 +27147,9 @@
           <a:lstStyle/>
           <a:p>
             <a:r>
-              <a:rPr lang="ru-RU" smtClean="0"/>
-              <a:t>Обсуждение</a:t>
-            </a:r>
-            <a:endParaRPr lang="en-US"/>
+              <a:rPr lang="en-US"/>
+              <a:t>Small string optimizations (SSO)</a:t>
+            </a:r>
           </a:p>
         </p:txBody>
       </p:sp>
@@ -27402,28 +27170,212 @@
           <a:p>
             <a:r>
               <a:rPr lang="ru-RU" smtClean="0"/>
-              <a:t>Какие </a:t>
-            </a:r>
-            <a:r>
-              <a:rPr lang="ru-RU" b="1" smtClean="0"/>
-              <a:t>минусы</a:t>
-            </a:r>
-            <a:r>
-              <a:rPr lang="ru-RU" smtClean="0"/>
-              <a:t> вы видите в </a:t>
-            </a:r>
-            <a:r>
-              <a:rPr lang="en-US" smtClean="0"/>
-              <a:t>SSO?</a:t>
-            </a:r>
-            <a:endParaRPr lang="en-US"/>
+              <a:t>Идея в целом была изложена на прошлом слайде: иногда настоящего выделения динамической памяти не нужно.</a:t>
+            </a:r>
+          </a:p>
+          <a:p>
+            <a:pPr marL="45720" indent="0">
+              <a:buNone/>
+            </a:pPr>
+            <a:r>
+              <a:rPr lang="en-US">
+                <a:latin typeface="Consolas" panose="020B0609020204030204" pitchFamily="49" charset="0"/>
+              </a:rPr>
+              <a:t>class string </a:t>
+            </a:r>
+            <a:r>
+              <a:rPr lang="en-US" smtClean="0">
+                <a:latin typeface="Consolas" panose="020B0609020204030204" pitchFamily="49" charset="0"/>
+              </a:rPr>
+              <a:t>{</a:t>
+            </a:r>
+            <a:br>
+              <a:rPr lang="en-US" smtClean="0">
+                <a:latin typeface="Consolas" panose="020B0609020204030204" pitchFamily="49" charset="0"/>
+              </a:rPr>
+            </a:br>
+            <a:r>
+              <a:rPr lang="en-US" smtClean="0">
+                <a:latin typeface="Consolas" panose="020B0609020204030204" pitchFamily="49" charset="0"/>
+              </a:rPr>
+              <a:t>  </a:t>
+            </a:r>
+            <a:r>
+              <a:rPr lang="en-US">
+                <a:latin typeface="Consolas" panose="020B0609020204030204" pitchFamily="49" charset="0"/>
+              </a:rPr>
+              <a:t>size_type m_size</a:t>
+            </a:r>
+            <a:r>
+              <a:rPr lang="en-US" smtClean="0">
+                <a:latin typeface="Consolas" panose="020B0609020204030204" pitchFamily="49" charset="0"/>
+              </a:rPr>
+              <a:t>;</a:t>
+            </a:r>
+            <a:br>
+              <a:rPr lang="en-US" smtClean="0">
+                <a:latin typeface="Consolas" panose="020B0609020204030204" pitchFamily="49" charset="0"/>
+              </a:rPr>
+            </a:br>
+            <a:r>
+              <a:rPr lang="en-US" smtClean="0">
+                <a:latin typeface="Consolas" panose="020B0609020204030204" pitchFamily="49" charset="0"/>
+              </a:rPr>
+              <a:t>  </a:t>
+            </a:r>
+            <a:r>
+              <a:rPr lang="en-US">
+                <a:latin typeface="Consolas" panose="020B0609020204030204" pitchFamily="49" charset="0"/>
+              </a:rPr>
+              <a:t>union </a:t>
+            </a:r>
+            <a:r>
+              <a:rPr lang="en-US" smtClean="0">
+                <a:latin typeface="Consolas" panose="020B0609020204030204" pitchFamily="49" charset="0"/>
+              </a:rPr>
+              <a:t>{</a:t>
+            </a:r>
+            <a:br>
+              <a:rPr lang="en-US" smtClean="0">
+                <a:latin typeface="Consolas" panose="020B0609020204030204" pitchFamily="49" charset="0"/>
+              </a:rPr>
+            </a:br>
+            <a:r>
+              <a:rPr lang="en-US" smtClean="0">
+                <a:latin typeface="Consolas" panose="020B0609020204030204" pitchFamily="49" charset="0"/>
+              </a:rPr>
+              <a:t>    </a:t>
+            </a:r>
+            <a:r>
+              <a:rPr lang="en-US">
+                <a:latin typeface="Consolas" panose="020B0609020204030204" pitchFamily="49" charset="0"/>
+              </a:rPr>
+              <a:t>class </a:t>
+            </a:r>
+            <a:r>
+              <a:rPr lang="en-US" smtClean="0">
+                <a:latin typeface="Consolas" panose="020B0609020204030204" pitchFamily="49" charset="0"/>
+              </a:rPr>
+              <a:t>{</a:t>
+            </a:r>
+            <a:br>
+              <a:rPr lang="en-US" smtClean="0">
+                <a:latin typeface="Consolas" panose="020B0609020204030204" pitchFamily="49" charset="0"/>
+              </a:rPr>
+            </a:br>
+            <a:r>
+              <a:rPr lang="en-US" smtClean="0">
+                <a:latin typeface="Consolas" panose="020B0609020204030204" pitchFamily="49" charset="0"/>
+              </a:rPr>
+              <a:t>      char *m_data;</a:t>
+            </a:r>
+            <a:br>
+              <a:rPr lang="en-US" smtClean="0">
+                <a:latin typeface="Consolas" panose="020B0609020204030204" pitchFamily="49" charset="0"/>
+              </a:rPr>
+            </a:br>
+            <a:r>
+              <a:rPr lang="en-US" smtClean="0">
+                <a:latin typeface="Consolas" panose="020B0609020204030204" pitchFamily="49" charset="0"/>
+              </a:rPr>
+              <a:t>      </a:t>
+            </a:r>
+            <a:r>
+              <a:rPr lang="en-US">
+                <a:latin typeface="Consolas" panose="020B0609020204030204" pitchFamily="49" charset="0"/>
+              </a:rPr>
+              <a:t>size_type m_capacity</a:t>
+            </a:r>
+            <a:r>
+              <a:rPr lang="en-US" smtClean="0">
+                <a:latin typeface="Consolas" panose="020B0609020204030204" pitchFamily="49" charset="0"/>
+              </a:rPr>
+              <a:t>;</a:t>
+            </a:r>
+            <a:br>
+              <a:rPr lang="en-US" smtClean="0">
+                <a:latin typeface="Consolas" panose="020B0609020204030204" pitchFamily="49" charset="0"/>
+              </a:rPr>
+            </a:br>
+            <a:r>
+              <a:rPr lang="en-US" smtClean="0">
+                <a:latin typeface="Consolas" panose="020B0609020204030204" pitchFamily="49" charset="0"/>
+              </a:rPr>
+              <a:t>    </a:t>
+            </a:r>
+            <a:r>
+              <a:rPr lang="en-US">
+                <a:latin typeface="Consolas" panose="020B0609020204030204" pitchFamily="49" charset="0"/>
+              </a:rPr>
+              <a:t>} m_large</a:t>
+            </a:r>
+            <a:r>
+              <a:rPr lang="en-US" smtClean="0">
+                <a:latin typeface="Consolas" panose="020B0609020204030204" pitchFamily="49" charset="0"/>
+              </a:rPr>
+              <a:t>;</a:t>
+            </a:r>
+            <a:br>
+              <a:rPr lang="en-US" smtClean="0">
+                <a:latin typeface="Consolas" panose="020B0609020204030204" pitchFamily="49" charset="0"/>
+              </a:rPr>
+            </a:br>
+            <a:r>
+              <a:rPr lang="en-US" smtClean="0">
+                <a:latin typeface="Consolas" panose="020B0609020204030204" pitchFamily="49" charset="0"/>
+              </a:rPr>
+              <a:t>    char </a:t>
+            </a:r>
+            <a:r>
+              <a:rPr lang="en-US">
+                <a:latin typeface="Consolas" panose="020B0609020204030204" pitchFamily="49" charset="0"/>
+              </a:rPr>
+              <a:t>m_small[sizeof(m_large)];</a:t>
+            </a:r>
+            <a:r>
+              <a:rPr lang="en-US" smtClean="0">
+                <a:latin typeface="Consolas" panose="020B0609020204030204" pitchFamily="49" charset="0"/>
+              </a:rPr>
+              <a:t/>
+            </a:r>
+            <a:br>
+              <a:rPr lang="en-US" smtClean="0">
+                <a:latin typeface="Consolas" panose="020B0609020204030204" pitchFamily="49" charset="0"/>
+              </a:rPr>
+            </a:br>
+            <a:r>
+              <a:rPr lang="en-US" smtClean="0">
+                <a:latin typeface="Consolas" panose="020B0609020204030204" pitchFamily="49" charset="0"/>
+              </a:rPr>
+              <a:t>  };</a:t>
+            </a:r>
+            <a:br>
+              <a:rPr lang="en-US" smtClean="0">
+                <a:latin typeface="Consolas" panose="020B0609020204030204" pitchFamily="49" charset="0"/>
+              </a:rPr>
+            </a:br>
+            <a:r>
+              <a:rPr lang="en-US" smtClean="0">
+                <a:latin typeface="Consolas" panose="020B0609020204030204" pitchFamily="49" charset="0"/>
+              </a:rPr>
+              <a:t>// </a:t>
+            </a:r>
+            <a:r>
+              <a:rPr lang="ru-RU" smtClean="0">
+                <a:latin typeface="Consolas" panose="020B0609020204030204" pitchFamily="49" charset="0"/>
+              </a:rPr>
+              <a:t>ну и так далее</a:t>
+            </a:r>
+            <a:endParaRPr lang="en-US">
+              <a:latin typeface="Consolas" panose="020B0609020204030204" pitchFamily="49" charset="0"/>
+            </a:endParaRPr>
           </a:p>
         </p:txBody>
       </p:sp>
     </p:spTree>
     <p:extLst>
       <p:ext uri="{BB962C8B-B14F-4D97-AF65-F5344CB8AC3E}">
-        <p14:creationId xmlns:p14="http://schemas.microsoft.com/office/powerpoint/2010/main" val="3090612456"/>
+        <p14:creationId xmlns:p14="http://schemas.microsoft.com/office/powerpoint/2010/main" val="5741272"/>
       </p:ext>
     </p:extLst>
   </p:cSld>
@@ -28417,60 +28369,14 @@
               <a:rPr lang="en-US" smtClean="0"/>
               <a:t>SSO?</a:t>
             </a:r>
-            <a:endParaRPr lang="ru-RU" smtClean="0"/>
-          </a:p>
-          <a:p>
-            <a:r>
-              <a:rPr lang="ru-RU" smtClean="0"/>
-              <a:t>Усложняется копирование</a:t>
-            </a:r>
-            <a:r>
-              <a:rPr lang="en-US" smtClean="0"/>
-              <a:t> </a:t>
-            </a:r>
-            <a:r>
-              <a:rPr lang="ru-RU" smtClean="0"/>
-              <a:t>и (что важнее) перемещение</a:t>
-            </a:r>
-          </a:p>
-          <a:p>
-            <a:r>
-              <a:rPr lang="ru-RU" smtClean="0">
-                <a:solidFill>
-                  <a:srgbClr val="FF0000"/>
-                </a:solidFill>
-              </a:rPr>
-              <a:t>Добавляется время на выбор </a:t>
-            </a:r>
-            <a:r>
-              <a:rPr lang="en-US" smtClean="0">
-                <a:solidFill>
-                  <a:srgbClr val="FF0000"/>
-                </a:solidFill>
-              </a:rPr>
-              <a:t>m_small / m_large </a:t>
-            </a:r>
-            <a:r>
-              <a:rPr lang="ru-RU" smtClean="0">
-                <a:solidFill>
-                  <a:srgbClr val="FF0000"/>
-                </a:solidFill>
-              </a:rPr>
-              <a:t>при каждом доступе (в том числе чтении) с проверкой размера</a:t>
-            </a:r>
-          </a:p>
-          <a:p>
-            <a:r>
-              <a:rPr lang="ru-RU" smtClean="0"/>
-              <a:t>Вторая проблема серьёзней. Можно ли с этим что-нибудь сделать?</a:t>
-            </a:r>
+            <a:endParaRPr lang="en-US"/>
           </a:p>
         </p:txBody>
       </p:sp>
     </p:spTree>
     <p:extLst>
       <p:ext uri="{BB962C8B-B14F-4D97-AF65-F5344CB8AC3E}">
-        <p14:creationId xmlns:p14="http://schemas.microsoft.com/office/powerpoint/2010/main" val="182304058"/>
+        <p14:creationId xmlns:p14="http://schemas.microsoft.com/office/powerpoint/2010/main" val="3090612456"/>
       </p:ext>
     </p:extLst>
   </p:cSld>
@@ -28514,11 +28420,7 @@
           <a:p>
             <a:r>
               <a:rPr lang="ru-RU" smtClean="0"/>
-              <a:t>Как устроена строка в </a:t>
-            </a:r>
-            <a:r>
-              <a:rPr lang="en-US" smtClean="0"/>
-              <a:t>libstdc++</a:t>
+              <a:t>Обсуждение</a:t>
             </a:r>
             <a:endParaRPr lang="en-US"/>
           </a:p>
@@ -28526,549 +28428,7 @@
       </p:sp>
       <p:sp>
         <p:nvSpPr>
-          <p:cNvPr id="5" name="Rectangle 4"/>
-          <p:cNvSpPr/>
-          <p:nvPr/>
-        </p:nvSpPr>
-        <p:spPr>
-          <a:xfrm>
-            <a:off x="3313453" y="2601814"/>
-            <a:ext cx="2773539" cy="497149"/>
-          </a:xfrm>
-          <a:prstGeom prst="rect">
-            <a:avLst/>
-          </a:prstGeom>
-          <a:solidFill>
-            <a:schemeClr val="bg1"/>
-          </a:solidFill>
-          <a:ln w="22225">
-            <a:solidFill>
-              <a:schemeClr val="tx1"/>
-            </a:solidFill>
-          </a:ln>
-        </p:spPr>
-        <p:style>
-          <a:lnRef idx="1">
-            <a:schemeClr val="accent4"/>
-          </a:lnRef>
-          <a:fillRef idx="2">
-            <a:schemeClr val="accent4"/>
-          </a:fillRef>
-          <a:effectRef idx="1">
-            <a:schemeClr val="accent4"/>
-          </a:effectRef>
-          <a:fontRef idx="minor">
-            <a:schemeClr val="dk1"/>
-          </a:fontRef>
-        </p:style>
-        <p:txBody>
-          <a:bodyPr rtlCol="0" anchor="ctr"/>
-          <a:lstStyle/>
-          <a:p>
-            <a:pPr algn="ctr"/>
-            <a:r>
-              <a:rPr lang="en-US" smtClean="0"/>
-              <a:t>size &gt; 15</a:t>
-            </a:r>
-            <a:endParaRPr lang="en-US"/>
-          </a:p>
-        </p:txBody>
-      </p:sp>
-      <p:sp>
-        <p:nvSpPr>
-          <p:cNvPr id="6" name="Rectangle 5"/>
-          <p:cNvSpPr/>
-          <p:nvPr/>
-        </p:nvSpPr>
-        <p:spPr>
-          <a:xfrm>
-            <a:off x="6081705" y="2599277"/>
-            <a:ext cx="2773541" cy="497149"/>
-          </a:xfrm>
-          <a:prstGeom prst="rect">
-            <a:avLst/>
-          </a:prstGeom>
-          <a:solidFill>
-            <a:schemeClr val="bg1"/>
-          </a:solidFill>
-          <a:ln w="22225">
-            <a:solidFill>
-              <a:schemeClr val="tx1"/>
-            </a:solidFill>
-          </a:ln>
-        </p:spPr>
-        <p:style>
-          <a:lnRef idx="1">
-            <a:schemeClr val="accent4"/>
-          </a:lnRef>
-          <a:fillRef idx="2">
-            <a:schemeClr val="accent4"/>
-          </a:fillRef>
-          <a:effectRef idx="1">
-            <a:schemeClr val="accent4"/>
-          </a:effectRef>
-          <a:fontRef idx="minor">
-            <a:schemeClr val="dk1"/>
-          </a:fontRef>
-        </p:style>
-        <p:txBody>
-          <a:bodyPr rtlCol="0" anchor="ctr"/>
-          <a:lstStyle/>
-          <a:p>
-            <a:pPr algn="ctr"/>
-            <a:r>
-              <a:rPr lang="en-US" smtClean="0"/>
-              <a:t>capacity</a:t>
-            </a:r>
-            <a:endParaRPr lang="en-US"/>
-          </a:p>
-        </p:txBody>
-      </p:sp>
-      <p:sp>
-        <p:nvSpPr>
-          <p:cNvPr id="7" name="Rectangle 6"/>
-          <p:cNvSpPr/>
-          <p:nvPr/>
-        </p:nvSpPr>
-        <p:spPr>
-          <a:xfrm>
-            <a:off x="539914" y="2601815"/>
-            <a:ext cx="2773539" cy="497149"/>
-          </a:xfrm>
-          <a:prstGeom prst="rect">
-            <a:avLst/>
-          </a:prstGeom>
-          <a:solidFill>
-            <a:schemeClr val="bg1"/>
-          </a:solidFill>
-          <a:ln w="22225">
-            <a:solidFill>
-              <a:schemeClr val="tx1"/>
-            </a:solidFill>
-          </a:ln>
-        </p:spPr>
-        <p:style>
-          <a:lnRef idx="1">
-            <a:schemeClr val="accent4"/>
-          </a:lnRef>
-          <a:fillRef idx="2">
-            <a:schemeClr val="accent4"/>
-          </a:fillRef>
-          <a:effectRef idx="1">
-            <a:schemeClr val="accent4"/>
-          </a:effectRef>
-          <a:fontRef idx="minor">
-            <a:schemeClr val="dk1"/>
-          </a:fontRef>
-        </p:style>
-        <p:txBody>
-          <a:bodyPr rtlCol="0" anchor="ctr"/>
-          <a:lstStyle/>
-          <a:p>
-            <a:pPr algn="ctr"/>
-            <a:r>
-              <a:rPr lang="en-US" smtClean="0"/>
-              <a:t>data: points to heap</a:t>
-            </a:r>
-            <a:endParaRPr lang="en-US"/>
-          </a:p>
-        </p:txBody>
-      </p:sp>
-      <p:sp>
-        <p:nvSpPr>
-          <p:cNvPr id="8" name="Rectangle 7"/>
-          <p:cNvSpPr/>
-          <p:nvPr/>
-        </p:nvSpPr>
-        <p:spPr>
-          <a:xfrm>
-            <a:off x="8848067" y="2599277"/>
-            <a:ext cx="2773539" cy="497149"/>
-          </a:xfrm>
-          <a:prstGeom prst="rect">
-            <a:avLst/>
-          </a:prstGeom>
-          <a:solidFill>
-            <a:schemeClr val="bg1"/>
-          </a:solidFill>
-          <a:ln w="22225">
-            <a:solidFill>
-              <a:schemeClr val="tx1"/>
-            </a:solidFill>
-          </a:ln>
-        </p:spPr>
-        <p:style>
-          <a:lnRef idx="1">
-            <a:schemeClr val="accent4"/>
-          </a:lnRef>
-          <a:fillRef idx="2">
-            <a:schemeClr val="accent4"/>
-          </a:fillRef>
-          <a:effectRef idx="1">
-            <a:schemeClr val="accent4"/>
-          </a:effectRef>
-          <a:fontRef idx="minor">
-            <a:schemeClr val="dk1"/>
-          </a:fontRef>
-        </p:style>
-        <p:txBody>
-          <a:bodyPr rtlCol="0" anchor="ctr"/>
-          <a:lstStyle/>
-          <a:p>
-            <a:pPr algn="ctr"/>
-            <a:r>
-              <a:rPr lang="en-US" smtClean="0"/>
-              <a:t>padding</a:t>
-            </a:r>
-            <a:endParaRPr lang="en-US"/>
-          </a:p>
-        </p:txBody>
-      </p:sp>
-      <p:cxnSp>
-        <p:nvCxnSpPr>
-          <p:cNvPr id="9" name="Straight Arrow Connector 8"/>
-          <p:cNvCxnSpPr/>
-          <p:nvPr/>
-        </p:nvCxnSpPr>
-        <p:spPr>
-          <a:xfrm flipV="1">
-            <a:off x="539914" y="2167128"/>
-            <a:ext cx="11081692" cy="0"/>
-          </a:xfrm>
-          <a:prstGeom prst="straightConnector1">
-            <a:avLst/>
-          </a:prstGeom>
-          <a:ln w="22225">
-            <a:headEnd type="triangle" w="lg" len="lg"/>
-            <a:tailEnd type="triangle" w="lg" len="lg"/>
-          </a:ln>
-        </p:spPr>
-        <p:style>
-          <a:lnRef idx="1">
-            <a:schemeClr val="dk1"/>
-          </a:lnRef>
-          <a:fillRef idx="0">
-            <a:schemeClr val="dk1"/>
-          </a:fillRef>
-          <a:effectRef idx="0">
-            <a:schemeClr val="dk1"/>
-          </a:effectRef>
-          <a:fontRef idx="minor">
-            <a:schemeClr val="tx1"/>
-          </a:fontRef>
-        </p:style>
-      </p:cxnSp>
-      <p:sp>
-        <p:nvSpPr>
-          <p:cNvPr id="12" name="Rectangle 11"/>
-          <p:cNvSpPr/>
-          <p:nvPr/>
-        </p:nvSpPr>
-        <p:spPr>
-          <a:xfrm>
-            <a:off x="5020068" y="1678564"/>
-            <a:ext cx="1902571" cy="497149"/>
-          </a:xfrm>
-          <a:prstGeom prst="rect">
-            <a:avLst/>
-          </a:prstGeom>
-          <a:noFill/>
-          <a:ln w="22225">
-            <a:noFill/>
-          </a:ln>
-        </p:spPr>
-        <p:style>
-          <a:lnRef idx="1">
-            <a:schemeClr val="accent4"/>
-          </a:lnRef>
-          <a:fillRef idx="2">
-            <a:schemeClr val="accent4"/>
-          </a:fillRef>
-          <a:effectRef idx="1">
-            <a:schemeClr val="accent4"/>
-          </a:effectRef>
-          <a:fontRef idx="minor">
-            <a:schemeClr val="dk1"/>
-          </a:fontRef>
-        </p:style>
-        <p:txBody>
-          <a:bodyPr rtlCol="0" anchor="ctr"/>
-          <a:lstStyle/>
-          <a:p>
-            <a:pPr algn="ctr"/>
-            <a:r>
-              <a:rPr lang="en-US" smtClean="0"/>
-              <a:t>size</a:t>
-            </a:r>
-            <a:r>
-              <a:rPr lang="ru-RU" smtClean="0"/>
-              <a:t> = </a:t>
-            </a:r>
-            <a:r>
-              <a:rPr lang="en-US" smtClean="0"/>
-              <a:t>3</a:t>
-            </a:r>
-            <a:r>
-              <a:rPr lang="ru-RU" smtClean="0"/>
-              <a:t>2 </a:t>
-            </a:r>
-            <a:r>
-              <a:rPr lang="en-US" smtClean="0"/>
-              <a:t>bytes</a:t>
-            </a:r>
-            <a:endParaRPr lang="en-US"/>
-          </a:p>
-        </p:txBody>
-      </p:sp>
-      <p:sp>
-        <p:nvSpPr>
-          <p:cNvPr id="13" name="Rectangle 12"/>
-          <p:cNvSpPr/>
-          <p:nvPr/>
-        </p:nvSpPr>
-        <p:spPr>
-          <a:xfrm>
-            <a:off x="3313453" y="4196934"/>
-            <a:ext cx="2773539" cy="497149"/>
-          </a:xfrm>
-          <a:prstGeom prst="rect">
-            <a:avLst/>
-          </a:prstGeom>
-          <a:solidFill>
-            <a:schemeClr val="bg1"/>
-          </a:solidFill>
-          <a:ln w="22225">
-            <a:solidFill>
-              <a:schemeClr val="tx1"/>
-            </a:solidFill>
-          </a:ln>
-        </p:spPr>
-        <p:style>
-          <a:lnRef idx="1">
-            <a:schemeClr val="accent4"/>
-          </a:lnRef>
-          <a:fillRef idx="2">
-            <a:schemeClr val="accent4"/>
-          </a:fillRef>
-          <a:effectRef idx="1">
-            <a:schemeClr val="accent4"/>
-          </a:effectRef>
-          <a:fontRef idx="minor">
-            <a:schemeClr val="dk1"/>
-          </a:fontRef>
-        </p:style>
-        <p:txBody>
-          <a:bodyPr rtlCol="0" anchor="ctr"/>
-          <a:lstStyle/>
-          <a:p>
-            <a:pPr algn="ctr"/>
-            <a:r>
-              <a:rPr lang="en-US" smtClean="0"/>
-              <a:t>size &lt;= 15</a:t>
-            </a:r>
-            <a:endParaRPr lang="en-US"/>
-          </a:p>
-        </p:txBody>
-      </p:sp>
-      <p:sp>
-        <p:nvSpPr>
-          <p:cNvPr id="14" name="Rectangle 13"/>
-          <p:cNvSpPr/>
-          <p:nvPr/>
-        </p:nvSpPr>
-        <p:spPr>
-          <a:xfrm>
-            <a:off x="6081705" y="4194397"/>
-            <a:ext cx="5539901" cy="497149"/>
-          </a:xfrm>
-          <a:prstGeom prst="rect">
-            <a:avLst/>
-          </a:prstGeom>
-          <a:solidFill>
-            <a:schemeClr val="bg1"/>
-          </a:solidFill>
-          <a:ln w="22225">
-            <a:solidFill>
-              <a:schemeClr val="tx1"/>
-            </a:solidFill>
-          </a:ln>
-        </p:spPr>
-        <p:style>
-          <a:lnRef idx="1">
-            <a:schemeClr val="accent4"/>
-          </a:lnRef>
-          <a:fillRef idx="2">
-            <a:schemeClr val="accent4"/>
-          </a:fillRef>
-          <a:effectRef idx="1">
-            <a:schemeClr val="accent4"/>
-          </a:effectRef>
-          <a:fontRef idx="minor">
-            <a:schemeClr val="dk1"/>
-          </a:fontRef>
-        </p:style>
-        <p:txBody>
-          <a:bodyPr rtlCol="0" anchor="ctr"/>
-          <a:lstStyle/>
-          <a:p>
-            <a:pPr algn="ctr"/>
-            <a:r>
-              <a:rPr lang="en-US" smtClean="0"/>
-              <a:t>small string</a:t>
-            </a:r>
-            <a:endParaRPr lang="en-US"/>
-          </a:p>
-        </p:txBody>
-      </p:sp>
-      <p:sp>
-        <p:nvSpPr>
-          <p:cNvPr id="15" name="Rectangle 14"/>
-          <p:cNvSpPr/>
-          <p:nvPr/>
-        </p:nvSpPr>
-        <p:spPr>
-          <a:xfrm>
-            <a:off x="539914" y="4196935"/>
-            <a:ext cx="2773539" cy="497149"/>
-          </a:xfrm>
-          <a:prstGeom prst="rect">
-            <a:avLst/>
-          </a:prstGeom>
-          <a:solidFill>
-            <a:schemeClr val="bg1"/>
-          </a:solidFill>
-          <a:ln w="22225">
-            <a:solidFill>
-              <a:schemeClr val="tx1"/>
-            </a:solidFill>
-          </a:ln>
-        </p:spPr>
-        <p:style>
-          <a:lnRef idx="1">
-            <a:schemeClr val="accent4"/>
-          </a:lnRef>
-          <a:fillRef idx="2">
-            <a:schemeClr val="accent4"/>
-          </a:fillRef>
-          <a:effectRef idx="1">
-            <a:schemeClr val="accent4"/>
-          </a:effectRef>
-          <a:fontRef idx="minor">
-            <a:schemeClr val="dk1"/>
-          </a:fontRef>
-        </p:style>
-        <p:txBody>
-          <a:bodyPr rtlCol="0" anchor="ctr"/>
-          <a:lstStyle/>
-          <a:p>
-            <a:pPr algn="ctr"/>
-            <a:r>
-              <a:rPr lang="en-US" smtClean="0"/>
-              <a:t>data: points to small string</a:t>
-            </a:r>
-            <a:endParaRPr lang="en-US"/>
-          </a:p>
-        </p:txBody>
-      </p:sp>
-      <p:cxnSp>
-        <p:nvCxnSpPr>
-          <p:cNvPr id="30" name="Straight Arrow Connector 29"/>
-          <p:cNvCxnSpPr/>
-          <p:nvPr/>
-        </p:nvCxnSpPr>
-        <p:spPr>
-          <a:xfrm flipV="1">
-            <a:off x="6080760" y="3843528"/>
-            <a:ext cx="5540846" cy="0"/>
-          </a:xfrm>
-          <a:prstGeom prst="straightConnector1">
-            <a:avLst/>
-          </a:prstGeom>
-          <a:ln w="22225">
-            <a:headEnd type="triangle" w="lg" len="lg"/>
-            <a:tailEnd type="triangle" w="lg" len="lg"/>
-          </a:ln>
-        </p:spPr>
-        <p:style>
-          <a:lnRef idx="1">
-            <a:schemeClr val="dk1"/>
-          </a:lnRef>
-          <a:fillRef idx="0">
-            <a:schemeClr val="dk1"/>
-          </a:fillRef>
-          <a:effectRef idx="0">
-            <a:schemeClr val="dk1"/>
-          </a:effectRef>
-          <a:fontRef idx="minor">
-            <a:schemeClr val="tx1"/>
-          </a:fontRef>
-        </p:style>
-      </p:cxnSp>
-      <p:sp>
-        <p:nvSpPr>
-          <p:cNvPr id="32" name="Rectangle 31"/>
-          <p:cNvSpPr/>
-          <p:nvPr/>
-        </p:nvSpPr>
-        <p:spPr>
-          <a:xfrm>
-            <a:off x="7702308" y="3343842"/>
-            <a:ext cx="1902571" cy="497149"/>
-          </a:xfrm>
-          <a:prstGeom prst="rect">
-            <a:avLst/>
-          </a:prstGeom>
-          <a:noFill/>
-          <a:ln w="22225">
-            <a:noFill/>
-          </a:ln>
-        </p:spPr>
-        <p:style>
-          <a:lnRef idx="1">
-            <a:schemeClr val="accent4"/>
-          </a:lnRef>
-          <a:fillRef idx="2">
-            <a:schemeClr val="accent4"/>
-          </a:fillRef>
-          <a:effectRef idx="1">
-            <a:schemeClr val="accent4"/>
-          </a:effectRef>
-          <a:fontRef idx="minor">
-            <a:schemeClr val="dk1"/>
-          </a:fontRef>
-        </p:style>
-        <p:txBody>
-          <a:bodyPr rtlCol="0" anchor="ctr"/>
-          <a:lstStyle/>
-          <a:p>
-            <a:pPr algn="ctr"/>
-            <a:r>
-              <a:rPr lang="en-US" smtClean="0"/>
-              <a:t>size</a:t>
-            </a:r>
-            <a:r>
-              <a:rPr lang="ru-RU" smtClean="0"/>
-              <a:t> = </a:t>
-            </a:r>
-            <a:r>
-              <a:rPr lang="en-US" smtClean="0"/>
-              <a:t>16</a:t>
-            </a:r>
-            <a:r>
-              <a:rPr lang="ru-RU" smtClean="0"/>
-              <a:t> </a:t>
-            </a:r>
-            <a:r>
-              <a:rPr lang="en-US" smtClean="0"/>
-              <a:t>bytes</a:t>
-            </a:r>
-            <a:endParaRPr lang="en-US"/>
-          </a:p>
-        </p:txBody>
-      </p:sp>
-      <p:sp>
-        <p:nvSpPr>
-          <p:cNvPr id="33" name="Content Placeholder 2"/>
+          <p:cNvPr id="3" name="Content Placeholder 2"/>
           <p:cNvSpPr>
             <a:spLocks noGrp="1"/>
           </p:cNvSpPr>
@@ -29076,19 +28436,73 @@
             <p:ph idx="1"/>
           </p:nvPr>
         </p:nvSpPr>
-        <p:spPr>
-          <a:xfrm>
-            <a:off x="1143000" y="5120640"/>
-            <a:ext cx="9872871" cy="975360"/>
-          </a:xfrm>
-        </p:spPr>
+        <p:spPr/>
         <p:txBody>
           <a:bodyPr/>
           <a:lstStyle/>
           <a:p>
             <a:r>
               <a:rPr lang="ru-RU" smtClean="0"/>
-              <a:t>Это решение позволяет избежать потерь времени при доступе, но уменьшает размер самой строки</a:t>
+              <a:t>Какие </a:t>
+            </a:r>
+            <a:r>
+              <a:rPr lang="ru-RU" b="1" smtClean="0"/>
+              <a:t>минусы</a:t>
+            </a:r>
+            <a:r>
+              <a:rPr lang="ru-RU" smtClean="0"/>
+              <a:t> вы видите в </a:t>
+            </a:r>
+            <a:r>
+              <a:rPr lang="en-US" smtClean="0"/>
+              <a:t>SSO?</a:t>
+            </a:r>
+            <a:endParaRPr lang="ru-RU" smtClean="0"/>
+          </a:p>
+          <a:p>
+            <a:r>
+              <a:rPr lang="ru-RU" smtClean="0"/>
+              <a:t>Усложняется копирование</a:t>
+            </a:r>
+            <a:r>
+              <a:rPr lang="en-US" smtClean="0"/>
+              <a:t> </a:t>
+            </a:r>
+            <a:r>
+              <a:rPr lang="ru-RU" smtClean="0"/>
+              <a:t>и (что важнее) перемещение</a:t>
+            </a:r>
+          </a:p>
+          <a:p>
+            <a:r>
+              <a:rPr lang="ru-RU" smtClean="0">
+                <a:solidFill>
+                  <a:srgbClr val="FF0000"/>
+                </a:solidFill>
+              </a:rPr>
+              <a:t>Добавляется время на выбор </a:t>
+            </a:r>
+            <a:r>
+              <a:rPr lang="en-US" smtClean="0">
+                <a:solidFill>
+                  <a:srgbClr val="FF0000"/>
+                </a:solidFill>
+              </a:rPr>
+              <a:t>m_small / m_large </a:t>
+            </a:r>
+            <a:r>
+              <a:rPr lang="ru-RU" smtClean="0">
+                <a:solidFill>
+                  <a:srgbClr val="FF0000"/>
+                </a:solidFill>
+              </a:rPr>
+              <a:t>при каждом доступе (в том числе чтении) с проверкой размера</a:t>
+            </a:r>
+          </a:p>
+          <a:p>
+            <a:r>
+              <a:rPr lang="ru-RU" smtClean="0"/>
+              <a:t>Вторая проблема серьёзней. Можно ли с этим что-нибудь сделать?</a:t>
             </a:r>
           </a:p>
         </p:txBody>
@@ -29096,7 +28510,7 @@
     </p:spTree>
     <p:extLst>
       <p:ext uri="{BB962C8B-B14F-4D97-AF65-F5344CB8AC3E}">
-        <p14:creationId xmlns:p14="http://schemas.microsoft.com/office/powerpoint/2010/main" val="1739377952"/>
+        <p14:creationId xmlns:p14="http://schemas.microsoft.com/office/powerpoint/2010/main" val="182304058"/>
       </p:ext>
     </p:extLst>
   </p:cSld>
@@ -29140,11 +28554,11 @@
           <a:p>
             <a:r>
               <a:rPr lang="ru-RU" smtClean="0"/>
-              <a:t>Проблема: а теперь учтём </a:t>
-            </a:r>
-            <a:r>
-              <a:rPr lang="en-US" smtClean="0"/>
-              <a:t>UTF32</a:t>
+              <a:t>Как устроена строка в </a:t>
+            </a:r>
+            <a:r>
+              <a:rPr lang="en-US" smtClean="0"/>
+              <a:t>libstdc++</a:t>
             </a:r>
             <a:endParaRPr lang="en-US"/>
           </a:p>
@@ -29152,7 +28566,549 @@
       </p:sp>
       <p:sp>
         <p:nvSpPr>
-          <p:cNvPr id="3" name="Content Placeholder 2"/>
+          <p:cNvPr id="5" name="Rectangle 4"/>
+          <p:cNvSpPr/>
+          <p:nvPr/>
+        </p:nvSpPr>
+        <p:spPr>
+          <a:xfrm>
+            <a:off x="3313453" y="2601814"/>
+            <a:ext cx="2773539" cy="497149"/>
+          </a:xfrm>
+          <a:prstGeom prst="rect">
+            <a:avLst/>
+          </a:prstGeom>
+          <a:solidFill>
+            <a:schemeClr val="bg1"/>
+          </a:solidFill>
+          <a:ln w="22225">
+            <a:solidFill>
+              <a:schemeClr val="tx1"/>
+            </a:solidFill>
+          </a:ln>
+        </p:spPr>
+        <p:style>
+          <a:lnRef idx="1">
+            <a:schemeClr val="accent4"/>
+          </a:lnRef>
+          <a:fillRef idx="2">
+            <a:schemeClr val="accent4"/>
+          </a:fillRef>
+          <a:effectRef idx="1">
+            <a:schemeClr val="accent4"/>
+          </a:effectRef>
+          <a:fontRef idx="minor">
+            <a:schemeClr val="dk1"/>
+          </a:fontRef>
+        </p:style>
+        <p:txBody>
+          <a:bodyPr rtlCol="0" anchor="ctr"/>
+          <a:lstStyle/>
+          <a:p>
+            <a:pPr algn="ctr"/>
+            <a:r>
+              <a:rPr lang="en-US" smtClean="0"/>
+              <a:t>size &gt; 15</a:t>
+            </a:r>
+            <a:endParaRPr lang="en-US"/>
+          </a:p>
+        </p:txBody>
+      </p:sp>
+      <p:sp>
+        <p:nvSpPr>
+          <p:cNvPr id="6" name="Rectangle 5"/>
+          <p:cNvSpPr/>
+          <p:nvPr/>
+        </p:nvSpPr>
+        <p:spPr>
+          <a:xfrm>
+            <a:off x="6081705" y="2599277"/>
+            <a:ext cx="2773541" cy="497149"/>
+          </a:xfrm>
+          <a:prstGeom prst="rect">
+            <a:avLst/>
+          </a:prstGeom>
+          <a:solidFill>
+            <a:schemeClr val="bg1"/>
+          </a:solidFill>
+          <a:ln w="22225">
+            <a:solidFill>
+              <a:schemeClr val="tx1"/>
+            </a:solidFill>
+          </a:ln>
+        </p:spPr>
+        <p:style>
+          <a:lnRef idx="1">
+            <a:schemeClr val="accent4"/>
+          </a:lnRef>
+          <a:fillRef idx="2">
+            <a:schemeClr val="accent4"/>
+          </a:fillRef>
+          <a:effectRef idx="1">
+            <a:schemeClr val="accent4"/>
+          </a:effectRef>
+          <a:fontRef idx="minor">
+            <a:schemeClr val="dk1"/>
+          </a:fontRef>
+        </p:style>
+        <p:txBody>
+          <a:bodyPr rtlCol="0" anchor="ctr"/>
+          <a:lstStyle/>
+          <a:p>
+            <a:pPr algn="ctr"/>
+            <a:r>
+              <a:rPr lang="en-US" smtClean="0"/>
+              <a:t>capacity</a:t>
+            </a:r>
+            <a:endParaRPr lang="en-US"/>
+          </a:p>
+        </p:txBody>
+      </p:sp>
+      <p:sp>
+        <p:nvSpPr>
+          <p:cNvPr id="7" name="Rectangle 6"/>
+          <p:cNvSpPr/>
+          <p:nvPr/>
+        </p:nvSpPr>
+        <p:spPr>
+          <a:xfrm>
+            <a:off x="539914" y="2601815"/>
+            <a:ext cx="2773539" cy="497149"/>
+          </a:xfrm>
+          <a:prstGeom prst="rect">
+            <a:avLst/>
+          </a:prstGeom>
+          <a:solidFill>
+            <a:schemeClr val="bg1"/>
+          </a:solidFill>
+          <a:ln w="22225">
+            <a:solidFill>
+              <a:schemeClr val="tx1"/>
+            </a:solidFill>
+          </a:ln>
+        </p:spPr>
+        <p:style>
+          <a:lnRef idx="1">
+            <a:schemeClr val="accent4"/>
+          </a:lnRef>
+          <a:fillRef idx="2">
+            <a:schemeClr val="accent4"/>
+          </a:fillRef>
+          <a:effectRef idx="1">
+            <a:schemeClr val="accent4"/>
+          </a:effectRef>
+          <a:fontRef idx="minor">
+            <a:schemeClr val="dk1"/>
+          </a:fontRef>
+        </p:style>
+        <p:txBody>
+          <a:bodyPr rtlCol="0" anchor="ctr"/>
+          <a:lstStyle/>
+          <a:p>
+            <a:pPr algn="ctr"/>
+            <a:r>
+              <a:rPr lang="en-US" smtClean="0"/>
+              <a:t>data: points to heap</a:t>
+            </a:r>
+            <a:endParaRPr lang="en-US"/>
+          </a:p>
+        </p:txBody>
+      </p:sp>
+      <p:sp>
+        <p:nvSpPr>
+          <p:cNvPr id="8" name="Rectangle 7"/>
+          <p:cNvSpPr/>
+          <p:nvPr/>
+        </p:nvSpPr>
+        <p:spPr>
+          <a:xfrm>
+            <a:off x="8848067" y="2599277"/>
+            <a:ext cx="2773539" cy="497149"/>
+          </a:xfrm>
+          <a:prstGeom prst="rect">
+            <a:avLst/>
+          </a:prstGeom>
+          <a:solidFill>
+            <a:schemeClr val="bg1"/>
+          </a:solidFill>
+          <a:ln w="22225">
+            <a:solidFill>
+              <a:schemeClr val="tx1"/>
+            </a:solidFill>
+          </a:ln>
+        </p:spPr>
+        <p:style>
+          <a:lnRef idx="1">
+            <a:schemeClr val="accent4"/>
+          </a:lnRef>
+          <a:fillRef idx="2">
+            <a:schemeClr val="accent4"/>
+          </a:fillRef>
+          <a:effectRef idx="1">
+            <a:schemeClr val="accent4"/>
+          </a:effectRef>
+          <a:fontRef idx="minor">
+            <a:schemeClr val="dk1"/>
+          </a:fontRef>
+        </p:style>
+        <p:txBody>
+          <a:bodyPr rtlCol="0" anchor="ctr"/>
+          <a:lstStyle/>
+          <a:p>
+            <a:pPr algn="ctr"/>
+            <a:r>
+              <a:rPr lang="en-US" smtClean="0"/>
+              <a:t>padding</a:t>
+            </a:r>
+            <a:endParaRPr lang="en-US"/>
+          </a:p>
+        </p:txBody>
+      </p:sp>
+      <p:cxnSp>
+        <p:nvCxnSpPr>
+          <p:cNvPr id="9" name="Straight Arrow Connector 8"/>
+          <p:cNvCxnSpPr/>
+          <p:nvPr/>
+        </p:nvCxnSpPr>
+        <p:spPr>
+          <a:xfrm flipV="1">
+            <a:off x="539914" y="2167128"/>
+            <a:ext cx="11081692" cy="0"/>
+          </a:xfrm>
+          <a:prstGeom prst="straightConnector1">
+            <a:avLst/>
+          </a:prstGeom>
+          <a:ln w="22225">
+            <a:headEnd type="triangle" w="lg" len="lg"/>
+            <a:tailEnd type="triangle" w="lg" len="lg"/>
+          </a:ln>
+        </p:spPr>
+        <p:style>
+          <a:lnRef idx="1">
+            <a:schemeClr val="dk1"/>
+          </a:lnRef>
+          <a:fillRef idx="0">
+            <a:schemeClr val="dk1"/>
+          </a:fillRef>
+          <a:effectRef idx="0">
+            <a:schemeClr val="dk1"/>
+          </a:effectRef>
+          <a:fontRef idx="minor">
+            <a:schemeClr val="tx1"/>
+          </a:fontRef>
+        </p:style>
+      </p:cxnSp>
+      <p:sp>
+        <p:nvSpPr>
+          <p:cNvPr id="12" name="Rectangle 11"/>
+          <p:cNvSpPr/>
+          <p:nvPr/>
+        </p:nvSpPr>
+        <p:spPr>
+          <a:xfrm>
+            <a:off x="5020068" y="1678564"/>
+            <a:ext cx="1902571" cy="497149"/>
+          </a:xfrm>
+          <a:prstGeom prst="rect">
+            <a:avLst/>
+          </a:prstGeom>
+          <a:noFill/>
+          <a:ln w="22225">
+            <a:noFill/>
+          </a:ln>
+        </p:spPr>
+        <p:style>
+          <a:lnRef idx="1">
+            <a:schemeClr val="accent4"/>
+          </a:lnRef>
+          <a:fillRef idx="2">
+            <a:schemeClr val="accent4"/>
+          </a:fillRef>
+          <a:effectRef idx="1">
+            <a:schemeClr val="accent4"/>
+          </a:effectRef>
+          <a:fontRef idx="minor">
+            <a:schemeClr val="dk1"/>
+          </a:fontRef>
+        </p:style>
+        <p:txBody>
+          <a:bodyPr rtlCol="0" anchor="ctr"/>
+          <a:lstStyle/>
+          <a:p>
+            <a:pPr algn="ctr"/>
+            <a:r>
+              <a:rPr lang="en-US" smtClean="0"/>
+              <a:t>size</a:t>
+            </a:r>
+            <a:r>
+              <a:rPr lang="ru-RU" smtClean="0"/>
+              <a:t> = </a:t>
+            </a:r>
+            <a:r>
+              <a:rPr lang="en-US" smtClean="0"/>
+              <a:t>3</a:t>
+            </a:r>
+            <a:r>
+              <a:rPr lang="ru-RU" smtClean="0"/>
+              <a:t>2 </a:t>
+            </a:r>
+            <a:r>
+              <a:rPr lang="en-US" smtClean="0"/>
+              <a:t>bytes</a:t>
+            </a:r>
+            <a:endParaRPr lang="en-US"/>
+          </a:p>
+        </p:txBody>
+      </p:sp>
+      <p:sp>
+        <p:nvSpPr>
+          <p:cNvPr id="13" name="Rectangle 12"/>
+          <p:cNvSpPr/>
+          <p:nvPr/>
+        </p:nvSpPr>
+        <p:spPr>
+          <a:xfrm>
+            <a:off x="3313453" y="4196934"/>
+            <a:ext cx="2773539" cy="497149"/>
+          </a:xfrm>
+          <a:prstGeom prst="rect">
+            <a:avLst/>
+          </a:prstGeom>
+          <a:solidFill>
+            <a:schemeClr val="bg1"/>
+          </a:solidFill>
+          <a:ln w="22225">
+            <a:solidFill>
+              <a:schemeClr val="tx1"/>
+            </a:solidFill>
+          </a:ln>
+        </p:spPr>
+        <p:style>
+          <a:lnRef idx="1">
+            <a:schemeClr val="accent4"/>
+          </a:lnRef>
+          <a:fillRef idx="2">
+            <a:schemeClr val="accent4"/>
+          </a:fillRef>
+          <a:effectRef idx="1">
+            <a:schemeClr val="accent4"/>
+          </a:effectRef>
+          <a:fontRef idx="minor">
+            <a:schemeClr val="dk1"/>
+          </a:fontRef>
+        </p:style>
+        <p:txBody>
+          <a:bodyPr rtlCol="0" anchor="ctr"/>
+          <a:lstStyle/>
+          <a:p>
+            <a:pPr algn="ctr"/>
+            <a:r>
+              <a:rPr lang="en-US" smtClean="0"/>
+              <a:t>size &lt;= 15</a:t>
+            </a:r>
+            <a:endParaRPr lang="en-US"/>
+          </a:p>
+        </p:txBody>
+      </p:sp>
+      <p:sp>
+        <p:nvSpPr>
+          <p:cNvPr id="14" name="Rectangle 13"/>
+          <p:cNvSpPr/>
+          <p:nvPr/>
+        </p:nvSpPr>
+        <p:spPr>
+          <a:xfrm>
+            <a:off x="6081705" y="4194397"/>
+            <a:ext cx="5539901" cy="497149"/>
+          </a:xfrm>
+          <a:prstGeom prst="rect">
+            <a:avLst/>
+          </a:prstGeom>
+          <a:solidFill>
+            <a:schemeClr val="bg1"/>
+          </a:solidFill>
+          <a:ln w="22225">
+            <a:solidFill>
+              <a:schemeClr val="tx1"/>
+            </a:solidFill>
+          </a:ln>
+        </p:spPr>
+        <p:style>
+          <a:lnRef idx="1">
+            <a:schemeClr val="accent4"/>
+          </a:lnRef>
+          <a:fillRef idx="2">
+            <a:schemeClr val="accent4"/>
+          </a:fillRef>
+          <a:effectRef idx="1">
+            <a:schemeClr val="accent4"/>
+          </a:effectRef>
+          <a:fontRef idx="minor">
+            <a:schemeClr val="dk1"/>
+          </a:fontRef>
+        </p:style>
+        <p:txBody>
+          <a:bodyPr rtlCol="0" anchor="ctr"/>
+          <a:lstStyle/>
+          <a:p>
+            <a:pPr algn="ctr"/>
+            <a:r>
+              <a:rPr lang="en-US" smtClean="0"/>
+              <a:t>small string</a:t>
+            </a:r>
+            <a:endParaRPr lang="en-US"/>
+          </a:p>
+        </p:txBody>
+      </p:sp>
+      <p:sp>
+        <p:nvSpPr>
+          <p:cNvPr id="15" name="Rectangle 14"/>
+          <p:cNvSpPr/>
+          <p:nvPr/>
+        </p:nvSpPr>
+        <p:spPr>
+          <a:xfrm>
+            <a:off x="539914" y="4196935"/>
+            <a:ext cx="2773539" cy="497149"/>
+          </a:xfrm>
+          <a:prstGeom prst="rect">
+            <a:avLst/>
+          </a:prstGeom>
+          <a:solidFill>
+            <a:schemeClr val="bg1"/>
+          </a:solidFill>
+          <a:ln w="22225">
+            <a:solidFill>
+              <a:schemeClr val="tx1"/>
+            </a:solidFill>
+          </a:ln>
+        </p:spPr>
+        <p:style>
+          <a:lnRef idx="1">
+            <a:schemeClr val="accent4"/>
+          </a:lnRef>
+          <a:fillRef idx="2">
+            <a:schemeClr val="accent4"/>
+          </a:fillRef>
+          <a:effectRef idx="1">
+            <a:schemeClr val="accent4"/>
+          </a:effectRef>
+          <a:fontRef idx="minor">
+            <a:schemeClr val="dk1"/>
+          </a:fontRef>
+        </p:style>
+        <p:txBody>
+          <a:bodyPr rtlCol="0" anchor="ctr"/>
+          <a:lstStyle/>
+          <a:p>
+            <a:pPr algn="ctr"/>
+            <a:r>
+              <a:rPr lang="en-US" smtClean="0"/>
+              <a:t>data: points to small string</a:t>
+            </a:r>
+            <a:endParaRPr lang="en-US"/>
+          </a:p>
+        </p:txBody>
+      </p:sp>
+      <p:cxnSp>
+        <p:nvCxnSpPr>
+          <p:cNvPr id="30" name="Straight Arrow Connector 29"/>
+          <p:cNvCxnSpPr/>
+          <p:nvPr/>
+        </p:nvCxnSpPr>
+        <p:spPr>
+          <a:xfrm flipV="1">
+            <a:off x="6080760" y="3843528"/>
+            <a:ext cx="5540846" cy="0"/>
+          </a:xfrm>
+          <a:prstGeom prst="straightConnector1">
+            <a:avLst/>
+          </a:prstGeom>
+          <a:ln w="22225">
+            <a:headEnd type="triangle" w="lg" len="lg"/>
+            <a:tailEnd type="triangle" w="lg" len="lg"/>
+          </a:ln>
+        </p:spPr>
+        <p:style>
+          <a:lnRef idx="1">
+            <a:schemeClr val="dk1"/>
+          </a:lnRef>
+          <a:fillRef idx="0">
+            <a:schemeClr val="dk1"/>
+          </a:fillRef>
+          <a:effectRef idx="0">
+            <a:schemeClr val="dk1"/>
+          </a:effectRef>
+          <a:fontRef idx="minor">
+            <a:schemeClr val="tx1"/>
+          </a:fontRef>
+        </p:style>
+      </p:cxnSp>
+      <p:sp>
+        <p:nvSpPr>
+          <p:cNvPr id="32" name="Rectangle 31"/>
+          <p:cNvSpPr/>
+          <p:nvPr/>
+        </p:nvSpPr>
+        <p:spPr>
+          <a:xfrm>
+            <a:off x="7702308" y="3343842"/>
+            <a:ext cx="1902571" cy="497149"/>
+          </a:xfrm>
+          <a:prstGeom prst="rect">
+            <a:avLst/>
+          </a:prstGeom>
+          <a:noFill/>
+          <a:ln w="22225">
+            <a:noFill/>
+          </a:ln>
+        </p:spPr>
+        <p:style>
+          <a:lnRef idx="1">
+            <a:schemeClr val="accent4"/>
+          </a:lnRef>
+          <a:fillRef idx="2">
+            <a:schemeClr val="accent4"/>
+          </a:fillRef>
+          <a:effectRef idx="1">
+            <a:schemeClr val="accent4"/>
+          </a:effectRef>
+          <a:fontRef idx="minor">
+            <a:schemeClr val="dk1"/>
+          </a:fontRef>
+        </p:style>
+        <p:txBody>
+          <a:bodyPr rtlCol="0" anchor="ctr"/>
+          <a:lstStyle/>
+          <a:p>
+            <a:pPr algn="ctr"/>
+            <a:r>
+              <a:rPr lang="en-US" smtClean="0"/>
+              <a:t>size</a:t>
+            </a:r>
+            <a:r>
+              <a:rPr lang="ru-RU" smtClean="0"/>
+              <a:t> = </a:t>
+            </a:r>
+            <a:r>
+              <a:rPr lang="en-US" smtClean="0"/>
+              <a:t>16</a:t>
+            </a:r>
+            <a:r>
+              <a:rPr lang="ru-RU" smtClean="0"/>
+              <a:t> </a:t>
+            </a:r>
+            <a:r>
+              <a:rPr lang="en-US" smtClean="0"/>
+              <a:t>bytes</a:t>
+            </a:r>
+            <a:endParaRPr lang="en-US"/>
+          </a:p>
+        </p:txBody>
+      </p:sp>
+      <p:sp>
+        <p:nvSpPr>
+          <p:cNvPr id="33" name="Content Placeholder 2"/>
           <p:cNvSpPr>
             <a:spLocks noGrp="1"/>
           </p:cNvSpPr>
@@ -29160,69 +29116,27 @@
             <p:ph idx="1"/>
           </p:nvPr>
         </p:nvSpPr>
-        <p:spPr/>
+        <p:spPr>
+          <a:xfrm>
+            <a:off x="1143000" y="5120640"/>
+            <a:ext cx="9872871" cy="975360"/>
+          </a:xfrm>
+        </p:spPr>
         <p:txBody>
           <a:bodyPr/>
           <a:lstStyle/>
           <a:p>
             <a:r>
               <a:rPr lang="ru-RU" smtClean="0"/>
-              <a:t>В случае если один символ занимает не один байт (а, например, четыре) у </a:t>
-            </a:r>
-            <a:r>
-              <a:rPr lang="en-US" smtClean="0"/>
-              <a:t>SSO </a:t>
-            </a:r>
-            <a:r>
-              <a:rPr lang="ru-RU" smtClean="0"/>
-              <a:t>проблемы.</a:t>
-            </a:r>
-          </a:p>
-          <a:p>
-            <a:r>
-              <a:rPr lang="ru-RU" smtClean="0"/>
-              <a:t>Но в первую очередь проблемы у нас. Как обобщить разработанную строчку на символы разных размеров?</a:t>
-            </a:r>
-          </a:p>
-          <a:p>
-            <a:r>
-              <a:rPr lang="ru-RU" smtClean="0"/>
-              <a:t>Первая идея: написать три разных класса: </a:t>
-            </a:r>
-            <a:r>
-              <a:rPr lang="en-US" smtClean="0"/>
-              <a:t>utf8string, </a:t>
-            </a:r>
-            <a:r>
-              <a:rPr lang="ru-RU" smtClean="0"/>
-              <a:t> </a:t>
-            </a:r>
-            <a:r>
-              <a:rPr lang="en-US" smtClean="0"/>
-              <a:t>utf16string</a:t>
-            </a:r>
-            <a:r>
-              <a:rPr lang="ru-RU" smtClean="0"/>
-              <a:t> и </a:t>
-            </a:r>
-            <a:r>
-              <a:rPr lang="en-US" smtClean="0"/>
-              <a:t>utf32string</a:t>
-            </a:r>
-          </a:p>
-          <a:p>
-            <a:r>
-              <a:rPr lang="ru-RU" smtClean="0"/>
-              <a:t>Покритикуйте эту идею</a:t>
-            </a:r>
-            <a:endParaRPr lang="en-US"/>
+              <a:t>Это решение позволяет избежать потерь времени при доступе, но уменьшает размер самой строки</a:t>
+            </a:r>
           </a:p>
         </p:txBody>
       </p:sp>
     </p:spTree>
     <p:extLst>
       <p:ext uri="{BB962C8B-B14F-4D97-AF65-F5344CB8AC3E}">
-        <p14:creationId xmlns:p14="http://schemas.microsoft.com/office/powerpoint/2010/main" val="656697118"/>
+        <p14:creationId xmlns:p14="http://schemas.microsoft.com/office/powerpoint/2010/main" val="1739377952"/>
       </p:ext>
     </p:extLst>
   </p:cSld>
@@ -29251,6 +29165,33 @@
       </p:grpSpPr>
       <p:sp>
         <p:nvSpPr>
+          <p:cNvPr id="2" name="Title 1"/>
+          <p:cNvSpPr>
+            <a:spLocks noGrp="1"/>
+          </p:cNvSpPr>
+          <p:nvPr>
+            <p:ph type="title"/>
+          </p:nvPr>
+        </p:nvSpPr>
+        <p:spPr/>
+        <p:txBody>
+          <a:bodyPr/>
+          <a:lstStyle/>
+          <a:p>
+            <a:r>
+              <a:rPr lang="ru-RU" smtClean="0"/>
+              <a:t>Проблема: а теперь учтём </a:t>
+            </a:r>
+            <a:r>
+              <a:rPr lang="en-US" smtClean="0"/>
+              <a:t>UTF32</a:t>
+            </a:r>
+            <a:endParaRPr lang="en-US"/>
+          </a:p>
+        </p:txBody>
+      </p:sp>
+      <p:sp>
+        <p:nvSpPr>
           <p:cNvPr id="3" name="Content Placeholder 2"/>
           <p:cNvSpPr>
             <a:spLocks noGrp="1"/>
@@ -29259,93 +29200,69 @@
             <p:ph idx="1"/>
           </p:nvPr>
         </p:nvSpPr>
-        <p:spPr>
-          <a:xfrm>
-            <a:off x="1143000" y="742122"/>
-            <a:ext cx="9872871" cy="5353878"/>
-          </a:xfrm>
-        </p:spPr>
-        <p:txBody>
-          <a:bodyPr>
-            <a:noAutofit/>
-          </a:bodyPr>
-          <a:lstStyle/>
-          <a:p>
-            <a:pPr>
-              <a:lnSpc>
-                <a:spcPct val="150000"/>
-              </a:lnSpc>
-              <a:buFont typeface="Wingdings" panose="05000000000000000000" pitchFamily="2" charset="2"/>
-              <a:buChar char="q"/>
-            </a:pPr>
-            <a:r>
-              <a:rPr lang="ru-RU" sz="4800" smtClean="0"/>
-              <a:t> Строки в стиле </a:t>
-            </a:r>
-            <a:r>
-              <a:rPr lang="en-US" sz="4800" smtClean="0"/>
-              <a:t>C</a:t>
-            </a:r>
-            <a:endParaRPr lang="ru-RU" sz="4800" smtClean="0"/>
-          </a:p>
-          <a:p>
-            <a:pPr>
-              <a:lnSpc>
-                <a:spcPct val="150000"/>
-              </a:lnSpc>
-              <a:buFont typeface="Wingdings" panose="05000000000000000000" pitchFamily="2" charset="2"/>
-              <a:buChar char="q"/>
-            </a:pPr>
-            <a:r>
-              <a:rPr lang="ru-RU" sz="4800" smtClean="0"/>
-              <a:t> Класс строки</a:t>
-            </a:r>
-          </a:p>
-          <a:p>
-            <a:pPr>
-              <a:lnSpc>
-                <a:spcPct val="150000"/>
-              </a:lnSpc>
-              <a:buFont typeface="Wingdings" panose="05000000000000000000" pitchFamily="2" charset="2"/>
-              <a:buChar char="q"/>
-            </a:pPr>
-            <a:r>
-              <a:rPr lang="ru-RU" sz="4800" smtClean="0"/>
-              <a:t> Оптимизации: </a:t>
-            </a:r>
-            <a:r>
-              <a:rPr lang="en-US" sz="4800" smtClean="0"/>
-              <a:t>COW </a:t>
-            </a:r>
-            <a:r>
-              <a:rPr lang="ru-RU" sz="4800" smtClean="0"/>
-              <a:t>и </a:t>
-            </a:r>
-            <a:r>
-              <a:rPr lang="en-US" sz="4800" smtClean="0"/>
-              <a:t>SSO</a:t>
-            </a:r>
-            <a:endParaRPr lang="ru-RU" sz="4800" smtClean="0"/>
-          </a:p>
-          <a:p>
-            <a:pPr>
-              <a:lnSpc>
-                <a:spcPct val="150000"/>
-              </a:lnSpc>
-              <a:buFont typeface="Wingdings" panose="05000000000000000000" pitchFamily="2" charset="2"/>
-              <a:buChar char="Ø"/>
-            </a:pPr>
-            <a:r>
-              <a:rPr lang="ru-RU" sz="4800" smtClean="0"/>
-              <a:t> Шаблон класса строки</a:t>
-            </a:r>
+        <p:spPr/>
+        <p:txBody>
+          <a:bodyPr/>
+          <a:lstStyle/>
+          <a:p>
+            <a:r>
+              <a:rPr lang="ru-RU" smtClean="0"/>
+              <a:t>В случае если один символ занимает не один байт (а, например, четыре) у </a:t>
+            </a:r>
+            <a:r>
+              <a:rPr lang="en-US" smtClean="0"/>
+              <a:t>SSO </a:t>
+            </a:r>
+            <a:r>
+              <a:rPr lang="ru-RU" smtClean="0"/>
+              <a:t>проблемы.</a:t>
+            </a:r>
+          </a:p>
+          <a:p>
+            <a:r>
+              <a:rPr lang="ru-RU" smtClean="0"/>
+              <a:t>Но в первую очередь проблемы у нас. Как обобщить разработанную строчку на символы разных размеров?</a:t>
+            </a:r>
+          </a:p>
+          <a:p>
+            <a:r>
+              <a:rPr lang="ru-RU" smtClean="0"/>
+              <a:t>Первая идея: написать три разных класса: </a:t>
+            </a:r>
+            <a:r>
+              <a:rPr lang="en-US" smtClean="0"/>
+              <a:t>utf8string, </a:t>
+            </a:r>
+            <a:r>
+              <a:rPr lang="ru-RU" smtClean="0"/>
+              <a:t> </a:t>
+            </a:r>
+            <a:r>
+              <a:rPr lang="en-US" smtClean="0"/>
+              <a:t>utf16string</a:t>
+            </a:r>
+            <a:r>
+              <a:rPr lang="ru-RU" smtClean="0"/>
+              <a:t> и </a:t>
+            </a:r>
+            <a:r>
+              <a:rPr lang="en-US" smtClean="0"/>
+              <a:t>utf32string</a:t>
+            </a:r>
+          </a:p>
+          <a:p>
+            <a:r>
+              <a:rPr lang="ru-RU" smtClean="0"/>
+              <a:t>Покритикуйте эту идею</a:t>
+            </a:r>
+            <a:endParaRPr lang="en-US"/>
           </a:p>
         </p:txBody>
       </p:sp>
     </p:spTree>
     <p:extLst>
       <p:ext uri="{BB962C8B-B14F-4D97-AF65-F5344CB8AC3E}">
-        <p14:creationId xmlns:p14="http://schemas.microsoft.com/office/powerpoint/2010/main" val="420010737"/>
+        <p14:creationId xmlns:p14="http://schemas.microsoft.com/office/powerpoint/2010/main" val="656697118"/>
       </p:ext>
     </p:extLst>
   </p:cSld>
@@ -29374,29 +29291,6 @@
       </p:grpSpPr>
       <p:sp>
         <p:nvSpPr>
-          <p:cNvPr id="2" name="Title 1"/>
-          <p:cNvSpPr>
-            <a:spLocks noGrp="1"/>
-          </p:cNvSpPr>
-          <p:nvPr>
-            <p:ph type="title"/>
-          </p:nvPr>
-        </p:nvSpPr>
-        <p:spPr/>
-        <p:txBody>
-          <a:bodyPr/>
-          <a:lstStyle/>
-          <a:p>
-            <a:r>
-              <a:rPr lang="ru-RU" smtClean="0"/>
-              <a:t>Шаблон класса строки</a:t>
-            </a:r>
-            <a:endParaRPr lang="en-US"/>
-          </a:p>
-        </p:txBody>
-      </p:sp>
-      <p:sp>
-        <p:nvSpPr>
           <p:cNvPr id="3" name="Content Placeholder 2"/>
           <p:cNvSpPr>
             <a:spLocks noGrp="1"/>
@@ -29405,232 +29299,93 @@
             <p:ph idx="1"/>
           </p:nvPr>
         </p:nvSpPr>
-        <p:spPr/>
-        <p:txBody>
-          <a:bodyPr/>
-          <a:lstStyle/>
-          <a:p>
-            <a:r>
-              <a:rPr lang="ru-RU" smtClean="0"/>
-              <a:t>Как </a:t>
-            </a:r>
-            <a:r>
-              <a:rPr lang="ru-RU" smtClean="0">
-                <a:solidFill>
-                  <a:srgbClr val="FF0000"/>
-                </a:solidFill>
-              </a:rPr>
-              <a:t>в принципе</a:t>
-            </a:r>
-            <a:r>
-              <a:rPr lang="ru-RU" smtClean="0"/>
-              <a:t> устроен </a:t>
-            </a:r>
-            <a:r>
-              <a:rPr lang="en-US" smtClean="0"/>
-              <a:t>basic_string</a:t>
-            </a:r>
-          </a:p>
-          <a:p>
-            <a:pPr marL="45720" indent="0">
-              <a:buNone/>
+        <p:spPr>
+          <a:xfrm>
+            <a:off x="1143000" y="742122"/>
+            <a:ext cx="9872871" cy="5353878"/>
+          </a:xfrm>
+        </p:spPr>
+        <p:txBody>
+          <a:bodyPr>
+            <a:noAutofit/>
+          </a:bodyPr>
+          <a:lstStyle/>
+          <a:p>
+            <a:pPr>
+              <a:lnSpc>
+                <a:spcPct val="150000"/>
+              </a:lnSpc>
+              <a:buFont typeface="Wingdings" panose="05000000000000000000" pitchFamily="2" charset="2"/>
+              <a:buChar char="q"/>
             </a:pPr>
             <a:r>
-              <a:rPr lang="en-US" smtClean="0">
-                <a:latin typeface="Consolas" panose="020B0609020204030204" pitchFamily="49" charset="0"/>
-              </a:rPr>
-              <a:t>template &lt;typename </a:t>
-            </a:r>
-            <a:r>
-              <a:rPr lang="en-US" smtClean="0">
-                <a:solidFill>
-                  <a:srgbClr val="0000FF"/>
-                </a:solidFill>
-                <a:latin typeface="Consolas" panose="020B0609020204030204" pitchFamily="49" charset="0"/>
-              </a:rPr>
-              <a:t>CharT</a:t>
-            </a:r>
-            <a:r>
-              <a:rPr lang="en-US" smtClean="0">
-                <a:latin typeface="Consolas" panose="020B0609020204030204" pitchFamily="49" charset="0"/>
-              </a:rPr>
-              <a:t>&gt; class basic_string {</a:t>
-            </a:r>
-            <a:br>
-              <a:rPr lang="en-US" smtClean="0">
-                <a:latin typeface="Consolas" panose="020B0609020204030204" pitchFamily="49" charset="0"/>
-              </a:rPr>
-            </a:br>
-            <a:r>
-              <a:rPr lang="ru-RU" smtClean="0">
-                <a:latin typeface="Consolas" panose="020B0609020204030204" pitchFamily="49" charset="0"/>
-              </a:rPr>
-              <a:t>  </a:t>
-            </a:r>
-            <a:r>
-              <a:rPr lang="en-US" smtClean="0">
-                <a:solidFill>
-                  <a:srgbClr val="0000FF"/>
-                </a:solidFill>
-                <a:latin typeface="Consolas" panose="020B0609020204030204" pitchFamily="49" charset="0"/>
-              </a:rPr>
-              <a:t>CharT</a:t>
-            </a:r>
-            <a:r>
-              <a:rPr lang="en-US" smtClean="0">
-                <a:latin typeface="Consolas" panose="020B0609020204030204" pitchFamily="49" charset="0"/>
-              </a:rPr>
-              <a:t> *data;</a:t>
-            </a:r>
-            <a:br>
-              <a:rPr lang="en-US" smtClean="0">
-                <a:latin typeface="Consolas" panose="020B0609020204030204" pitchFamily="49" charset="0"/>
-              </a:rPr>
-            </a:br>
-            <a:r>
-              <a:rPr lang="en-US" smtClean="0">
-                <a:latin typeface="Consolas" panose="020B0609020204030204" pitchFamily="49" charset="0"/>
-              </a:rPr>
-              <a:t>  size_t size;</a:t>
-            </a:r>
-            <a:br>
-              <a:rPr lang="en-US" smtClean="0">
-                <a:latin typeface="Consolas" panose="020B0609020204030204" pitchFamily="49" charset="0"/>
-              </a:rPr>
-            </a:br>
-            <a:r>
-              <a:rPr lang="en-US" smtClean="0">
-                <a:latin typeface="Consolas" panose="020B0609020204030204" pitchFamily="49" charset="0"/>
-              </a:rPr>
-              <a:t>  union {</a:t>
-            </a:r>
-            <a:br>
-              <a:rPr lang="en-US" smtClean="0">
-                <a:latin typeface="Consolas" panose="020B0609020204030204" pitchFamily="49" charset="0"/>
-              </a:rPr>
-            </a:br>
-            <a:r>
-              <a:rPr lang="en-US" smtClean="0">
-                <a:latin typeface="Consolas" panose="020B0609020204030204" pitchFamily="49" charset="0"/>
-              </a:rPr>
-              <a:t>    size_t capacity;</a:t>
-            </a:r>
-            <a:br>
-              <a:rPr lang="en-US" smtClean="0">
-                <a:latin typeface="Consolas" panose="020B0609020204030204" pitchFamily="49" charset="0"/>
-              </a:rPr>
-            </a:br>
-            <a:r>
-              <a:rPr lang="en-US" smtClean="0">
-                <a:latin typeface="Consolas" panose="020B0609020204030204" pitchFamily="49" charset="0"/>
-              </a:rPr>
-              <a:t>    enum {SZ = (sizeof(data) + 2*sizeof(size_t) + 31) / 32;};</a:t>
-            </a:r>
-            <a:br>
-              <a:rPr lang="en-US" smtClean="0">
-                <a:latin typeface="Consolas" panose="020B0609020204030204" pitchFamily="49" charset="0"/>
-              </a:rPr>
-            </a:br>
-            <a:r>
-              <a:rPr lang="en-US" smtClean="0">
-                <a:latin typeface="Consolas" panose="020B0609020204030204" pitchFamily="49" charset="0"/>
-              </a:rPr>
-              <a:t>    </a:t>
-            </a:r>
-            <a:r>
-              <a:rPr lang="en-US" smtClean="0">
-                <a:solidFill>
-                  <a:srgbClr val="0000FF"/>
-                </a:solidFill>
-                <a:latin typeface="Consolas" panose="020B0609020204030204" pitchFamily="49" charset="0"/>
-              </a:rPr>
-              <a:t>CharT</a:t>
-            </a:r>
-            <a:r>
-              <a:rPr lang="en-US" smtClean="0">
-                <a:latin typeface="Consolas" panose="020B0609020204030204" pitchFamily="49" charset="0"/>
-              </a:rPr>
-              <a:t> small_str[SZ];</a:t>
-            </a:r>
-            <a:br>
-              <a:rPr lang="en-US" smtClean="0">
-                <a:latin typeface="Consolas" panose="020B0609020204030204" pitchFamily="49" charset="0"/>
-              </a:rPr>
-            </a:br>
-            <a:r>
-              <a:rPr lang="en-US" smtClean="0">
-                <a:latin typeface="Consolas" panose="020B0609020204030204" pitchFamily="49" charset="0"/>
-              </a:rPr>
-              <a:t>  } sso;</a:t>
-            </a:r>
-            <a:r>
-              <a:rPr lang="ru-RU" smtClean="0">
-                <a:latin typeface="Consolas" panose="020B0609020204030204" pitchFamily="49" charset="0"/>
-              </a:rPr>
-              <a:t/>
-            </a:r>
-            <a:br>
-              <a:rPr lang="ru-RU" smtClean="0">
-                <a:latin typeface="Consolas" panose="020B0609020204030204" pitchFamily="49" charset="0"/>
-              </a:rPr>
-            </a:br>
-            <a:r>
-              <a:rPr lang="en-US" smtClean="0">
-                <a:latin typeface="Consolas" panose="020B0609020204030204" pitchFamily="49" charset="0"/>
-              </a:rPr>
-              <a:t>public:</a:t>
-            </a:r>
-            <a:br>
-              <a:rPr lang="en-US" smtClean="0">
-                <a:latin typeface="Consolas" panose="020B0609020204030204" pitchFamily="49" charset="0"/>
-              </a:rPr>
-            </a:br>
-            <a:r>
-              <a:rPr lang="en-US" smtClean="0">
-                <a:latin typeface="Consolas" panose="020B0609020204030204" pitchFamily="49" charset="0"/>
-              </a:rPr>
-              <a:t>  // </a:t>
-            </a:r>
-            <a:r>
-              <a:rPr lang="ru-RU" smtClean="0">
-                <a:latin typeface="Consolas" panose="020B0609020204030204" pitchFamily="49" charset="0"/>
-              </a:rPr>
-              <a:t>тут все его 89 методов</a:t>
-            </a:r>
-            <a:r>
-              <a:rPr lang="en-US" smtClean="0">
-                <a:latin typeface="Consolas" panose="020B0609020204030204" pitchFamily="49" charset="0"/>
-              </a:rPr>
-              <a:t/>
-            </a:r>
-            <a:br>
-              <a:rPr lang="en-US" smtClean="0">
-                <a:latin typeface="Consolas" panose="020B0609020204030204" pitchFamily="49" charset="0"/>
-              </a:rPr>
-            </a:br>
-            <a:r>
-              <a:rPr lang="en-US" smtClean="0">
-                <a:latin typeface="Consolas" panose="020B0609020204030204" pitchFamily="49" charset="0"/>
-              </a:rPr>
-              <a:t>};</a:t>
-            </a:r>
-            <a:endParaRPr lang="ru-RU" smtClean="0">
-              <a:latin typeface="Consolas" panose="020B0609020204030204" pitchFamily="49" charset="0"/>
-            </a:endParaRPr>
-          </a:p>
-          <a:p>
-            <a:r>
-              <a:rPr lang="ru-RU" smtClean="0"/>
-              <a:t>Это позволяет делать разные строки для разных типов символов</a:t>
-            </a:r>
-            <a:endParaRPr lang="en-US"/>
+              <a:rPr lang="ru-RU" sz="4800" smtClean="0"/>
+              <a:t> Строки в стиле </a:t>
+            </a:r>
+            <a:r>
+              <a:rPr lang="en-US" sz="4800" smtClean="0"/>
+              <a:t>C</a:t>
+            </a:r>
+            <a:endParaRPr lang="ru-RU" sz="4800" smtClean="0"/>
+          </a:p>
+          <a:p>
+            <a:pPr>
+              <a:lnSpc>
+                <a:spcPct val="150000"/>
+              </a:lnSpc>
+              <a:buFont typeface="Wingdings" panose="05000000000000000000" pitchFamily="2" charset="2"/>
+              <a:buChar char="q"/>
+            </a:pPr>
+            <a:r>
+              <a:rPr lang="ru-RU" sz="4800" smtClean="0"/>
+              <a:t> Класс строки</a:t>
+            </a:r>
+          </a:p>
+          <a:p>
+            <a:pPr>
+              <a:lnSpc>
+                <a:spcPct val="150000"/>
+              </a:lnSpc>
+              <a:buFont typeface="Wingdings" panose="05000000000000000000" pitchFamily="2" charset="2"/>
+              <a:buChar char="q"/>
+            </a:pPr>
+            <a:r>
+              <a:rPr lang="ru-RU" sz="4800" smtClean="0"/>
+              <a:t> Оптимизации: </a:t>
+            </a:r>
+            <a:r>
+              <a:rPr lang="en-US" sz="4800" smtClean="0"/>
+              <a:t>COW </a:t>
+            </a:r>
+            <a:r>
+              <a:rPr lang="ru-RU" sz="4800" smtClean="0"/>
+              <a:t>и </a:t>
+            </a:r>
+            <a:r>
+              <a:rPr lang="en-US" sz="4800" smtClean="0"/>
+              <a:t>SSO</a:t>
+            </a:r>
+            <a:endParaRPr lang="ru-RU" sz="4800" smtClean="0"/>
+          </a:p>
+          <a:p>
+            <a:pPr>
+              <a:lnSpc>
+                <a:spcPct val="150000"/>
+              </a:lnSpc>
+              <a:buFont typeface="Wingdings" panose="05000000000000000000" pitchFamily="2" charset="2"/>
+              <a:buChar char="Ø"/>
+            </a:pPr>
+            <a:r>
+              <a:rPr lang="ru-RU" sz="4800" smtClean="0"/>
+              <a:t> Шаблон класса строки</a:t>
+            </a:r>
           </a:p>
         </p:txBody>
       </p:sp>
     </p:spTree>
     <p:extLst>
       <p:ext uri="{BB962C8B-B14F-4D97-AF65-F5344CB8AC3E}">
-        <p14:creationId xmlns:p14="http://schemas.microsoft.com/office/powerpoint/2010/main" val="3077955316"/>
+        <p14:creationId xmlns:p14="http://schemas.microsoft.com/office/powerpoint/2010/main" val="420010737"/>
       </p:ext>
     </p:extLst>
   </p:cSld>
@@ -29674,7 +29429,7 @@
           <a:p>
             <a:r>
               <a:rPr lang="ru-RU" smtClean="0"/>
-              <a:t>Определения для удобства</a:t>
+              <a:t>Шаблон класса строки</a:t>
             </a:r>
             <a:endParaRPr lang="en-US"/>
           </a:p>
@@ -29695,6 +29450,28 @@
           <a:bodyPr/>
           <a:lstStyle/>
           <a:p>
+            <a:r>
+              <a:rPr lang="ru-RU" smtClean="0"/>
+              <a:t>Как </a:t>
+            </a:r>
+            <a:r>
+              <a:rPr lang="ru-RU" smtClean="0">
+                <a:solidFill>
+                  <a:srgbClr val="FF0000"/>
+                </a:solidFill>
+              </a:rPr>
+              <a:t>в принципе</a:t>
+            </a:r>
+            <a:r>
+              <a:rPr lang="ru-RU" smtClean="0"/>
+              <a:t> устроен </a:t>
+            </a:r>
+            <a:r>
+              <a:rPr lang="en-US" smtClean="0"/>
+              <a:t>basic_string</a:t>
+            </a:r>
+          </a:p>
+          <a:p>
             <a:pPr marL="45720" indent="0">
               <a:buNone/>
             </a:pPr>
@@ -29702,109 +29479,198 @@
               <a:rPr lang="en-US" smtClean="0">
                 <a:latin typeface="Consolas" panose="020B0609020204030204" pitchFamily="49" charset="0"/>
               </a:rPr>
-              <a:t>typedef basic_string&lt;char&gt; string;</a:t>
-            </a:r>
-          </a:p>
-          <a:p>
-            <a:pPr marL="45720" indent="0">
-              <a:buNone/>
-            </a:pPr>
-            <a:r>
-              <a:rPr lang="en-US">
-                <a:latin typeface="Consolas" panose="020B0609020204030204" pitchFamily="49" charset="0"/>
-              </a:rPr>
-              <a:t>typedef </a:t>
-            </a:r>
-            <a:r>
-              <a:rPr lang="en-US" smtClean="0">
-                <a:latin typeface="Consolas" panose="020B0609020204030204" pitchFamily="49" charset="0"/>
-              </a:rPr>
-              <a:t>basic_string&lt;u16char_t&gt; u16string</a:t>
-            </a:r>
-            <a:r>
-              <a:rPr lang="en-US">
-                <a:latin typeface="Consolas" panose="020B0609020204030204" pitchFamily="49" charset="0"/>
-              </a:rPr>
-              <a:t>;</a:t>
-            </a:r>
-          </a:p>
-          <a:p>
-            <a:pPr marL="45720" indent="0">
-              <a:buNone/>
-            </a:pPr>
-            <a:r>
-              <a:rPr lang="en-US" smtClean="0">
-                <a:latin typeface="Consolas" panose="020B0609020204030204" pitchFamily="49" charset="0"/>
-              </a:rPr>
-              <a:t>typedef basic_string&lt;u32char_t&gt; u32string</a:t>
-            </a:r>
-            <a:r>
-              <a:rPr lang="en-US">
-                <a:latin typeface="Consolas" panose="020B0609020204030204" pitchFamily="49" charset="0"/>
-              </a:rPr>
-              <a:t>;</a:t>
-            </a:r>
-          </a:p>
-          <a:p>
-            <a:pPr marL="45720" indent="0">
-              <a:buNone/>
-            </a:pPr>
-            <a:r>
-              <a:rPr lang="en-US" smtClean="0">
-                <a:latin typeface="Consolas" panose="020B0609020204030204" pitchFamily="49" charset="0"/>
-              </a:rPr>
-              <a:t>typedef basic_string&lt;wchar_t&gt; wstring;</a:t>
-            </a:r>
-          </a:p>
-          <a:p>
-            <a:r>
-              <a:rPr lang="ru-RU" smtClean="0"/>
-              <a:t>Тут сознательно использован </a:t>
-            </a:r>
-            <a:r>
-              <a:rPr lang="en-US" smtClean="0"/>
-              <a:t>typedef </a:t>
-            </a:r>
-            <a:r>
-              <a:rPr lang="ru-RU" smtClean="0"/>
-              <a:t>а не </a:t>
-            </a:r>
-            <a:r>
-              <a:rPr lang="en-US" smtClean="0"/>
-              <a:t>using. </a:t>
-            </a:r>
-            <a:r>
-              <a:rPr lang="ru-RU" smtClean="0"/>
-              <a:t>Вы должны быть одинаковы хорошо знакомы с обоими способами определения синонимов</a:t>
-            </a:r>
-          </a:p>
-          <a:p>
-            <a:r>
-              <a:rPr lang="ru-RU" smtClean="0"/>
-              <a:t>Обсуждение: что насчёт </a:t>
-            </a:r>
-            <a:r>
-              <a:rPr lang="en-US" smtClean="0">
-                <a:latin typeface="Consolas" panose="020B0609020204030204" pitchFamily="49" charset="0"/>
-              </a:rPr>
-              <a:t>basic_string&lt;float&gt;</a:t>
-            </a:r>
-          </a:p>
-          <a:p>
-            <a:r>
-              <a:rPr lang="ru-RU" smtClean="0"/>
-              <a:t>Самый сложный вопрос: что с завершающим символом?</a:t>
-            </a:r>
-            <a:endParaRPr lang="en-US">
+              <a:t>template &lt;typename </a:t>
+            </a:r>
+            <a:r>
+              <a:rPr lang="en-US" smtClean="0">
+                <a:solidFill>
+                  <a:srgbClr val="0000FF"/>
+                </a:solidFill>
+                <a:latin typeface="Consolas" panose="020B0609020204030204" pitchFamily="49" charset="0"/>
+              </a:rPr>
+              <a:t>CharT</a:t>
+            </a:r>
+            <a:r>
+              <a:rPr lang="en-US" smtClean="0">
+                <a:latin typeface="Consolas" panose="020B0609020204030204" pitchFamily="49" charset="0"/>
+              </a:rPr>
+              <a:t>&gt; class basic_string {</a:t>
+            </a:r>
+            <a:br>
+              <a:rPr lang="en-US" smtClean="0">
+                <a:latin typeface="Consolas" panose="020B0609020204030204" pitchFamily="49" charset="0"/>
+              </a:rPr>
+            </a:br>
+            <a:r>
+              <a:rPr lang="ru-RU" smtClean="0">
+                <a:latin typeface="Consolas" panose="020B0609020204030204" pitchFamily="49" charset="0"/>
+              </a:rPr>
+              <a:t>  </a:t>
+            </a:r>
+            <a:r>
+              <a:rPr lang="en-US" smtClean="0">
+                <a:solidFill>
+                  <a:srgbClr val="0000FF"/>
+                </a:solidFill>
+                <a:latin typeface="Consolas" panose="020B0609020204030204" pitchFamily="49" charset="0"/>
+              </a:rPr>
+              <a:t>CharT</a:t>
+            </a:r>
+            <a:r>
+              <a:rPr lang="en-US" smtClean="0">
+                <a:latin typeface="Consolas" panose="020B0609020204030204" pitchFamily="49" charset="0"/>
+              </a:rPr>
+              <a:t> *data;</a:t>
+            </a:r>
+            <a:br>
+              <a:rPr lang="en-US" smtClean="0">
+                <a:latin typeface="Consolas" panose="020B0609020204030204" pitchFamily="49" charset="0"/>
+              </a:rPr>
+            </a:br>
+            <a:r>
+              <a:rPr lang="en-US" smtClean="0">
+                <a:latin typeface="Consolas" panose="020B0609020204030204" pitchFamily="49" charset="0"/>
+              </a:rPr>
+              <a:t>  size_t size;</a:t>
+            </a:r>
+            <a:br>
+              <a:rPr lang="en-US" smtClean="0">
+                <a:latin typeface="Consolas" panose="020B0609020204030204" pitchFamily="49" charset="0"/>
+              </a:rPr>
+            </a:br>
+            <a:r>
+              <a:rPr lang="en-US" smtClean="0">
+                <a:latin typeface="Consolas" panose="020B0609020204030204" pitchFamily="49" charset="0"/>
+              </a:rPr>
+              <a:t>  union {</a:t>
+            </a:r>
+            <a:br>
+              <a:rPr lang="en-US" smtClean="0">
+                <a:latin typeface="Consolas" panose="020B0609020204030204" pitchFamily="49" charset="0"/>
+              </a:rPr>
+            </a:br>
+            <a:r>
+              <a:rPr lang="en-US" smtClean="0">
+                <a:latin typeface="Consolas" panose="020B0609020204030204" pitchFamily="49" charset="0"/>
+              </a:rPr>
+              <a:t>    size_t capacity;</a:t>
+            </a:r>
+            <a:br>
+              <a:rPr lang="en-US" smtClean="0">
+                <a:latin typeface="Consolas" panose="020B0609020204030204" pitchFamily="49" charset="0"/>
+              </a:rPr>
+            </a:br>
+            <a:r>
+              <a:rPr lang="en-US" smtClean="0">
+                <a:latin typeface="Consolas" panose="020B0609020204030204" pitchFamily="49" charset="0"/>
+              </a:rPr>
+              <a:t>    enum {SZ = (sizeof(data) + 2*sizeof(size_t) + 31) / 32;};</a:t>
+            </a:r>
+            <a:br>
+              <a:rPr lang="en-US" smtClean="0">
+                <a:latin typeface="Consolas" panose="020B0609020204030204" pitchFamily="49" charset="0"/>
+              </a:rPr>
+            </a:br>
+            <a:r>
+              <a:rPr lang="en-US" smtClean="0">
+                <a:latin typeface="Consolas" panose="020B0609020204030204" pitchFamily="49" charset="0"/>
+              </a:rPr>
+              <a:t>    </a:t>
+            </a:r>
+            <a:r>
+              <a:rPr lang="en-US" smtClean="0">
+                <a:solidFill>
+                  <a:srgbClr val="0000FF"/>
+                </a:solidFill>
+                <a:latin typeface="Consolas" panose="020B0609020204030204" pitchFamily="49" charset="0"/>
+              </a:rPr>
+              <a:t>CharT</a:t>
+            </a:r>
+            <a:r>
+              <a:rPr lang="en-US" smtClean="0">
+                <a:latin typeface="Consolas" panose="020B0609020204030204" pitchFamily="49" charset="0"/>
+              </a:rPr>
+              <a:t> small_str[SZ];</a:t>
+            </a:r>
+            <a:br>
+              <a:rPr lang="en-US" smtClean="0">
+                <a:latin typeface="Consolas" panose="020B0609020204030204" pitchFamily="49" charset="0"/>
+              </a:rPr>
+            </a:br>
+            <a:r>
+              <a:rPr lang="en-US" smtClean="0">
+                <a:latin typeface="Consolas" panose="020B0609020204030204" pitchFamily="49" charset="0"/>
+              </a:rPr>
+              <a:t>  } sso;</a:t>
+            </a:r>
+            <a:r>
+              <a:rPr lang="ru-RU" smtClean="0">
+                <a:latin typeface="Consolas" panose="020B0609020204030204" pitchFamily="49" charset="0"/>
+              </a:rPr>
+              <a:t/>
+            </a:r>
+            <a:br>
+              <a:rPr lang="ru-RU" smtClean="0">
+                <a:latin typeface="Consolas" panose="020B0609020204030204" pitchFamily="49" charset="0"/>
+              </a:rPr>
+            </a:br>
+            <a:r>
+              <a:rPr lang="en-US" smtClean="0">
+                <a:latin typeface="Consolas" panose="020B0609020204030204" pitchFamily="49" charset="0"/>
+              </a:rPr>
+              <a:t>public:</a:t>
+            </a:r>
+            <a:br>
+              <a:rPr lang="en-US" smtClean="0">
+                <a:latin typeface="Consolas" panose="020B0609020204030204" pitchFamily="49" charset="0"/>
+              </a:rPr>
+            </a:br>
+            <a:r>
+              <a:rPr lang="en-US" smtClean="0">
+                <a:latin typeface="Consolas" panose="020B0609020204030204" pitchFamily="49" charset="0"/>
+              </a:rPr>
+              <a:t>  // </a:t>
+            </a:r>
+            <a:r>
+              <a:rPr lang="ru-RU" smtClean="0">
+                <a:latin typeface="Consolas" panose="020B0609020204030204" pitchFamily="49" charset="0"/>
+              </a:rPr>
+              <a:t>тут все его 89 методов</a:t>
+            </a:r>
+            <a:r>
+              <a:rPr lang="en-US" smtClean="0">
+                <a:latin typeface="Consolas" panose="020B0609020204030204" pitchFamily="49" charset="0"/>
+              </a:rPr>
+              <a:t/>
+            </a:r>
+            <a:br>
+              <a:rPr lang="en-US" smtClean="0">
+                <a:latin typeface="Consolas" panose="020B0609020204030204" pitchFamily="49" charset="0"/>
+              </a:rPr>
+            </a:br>
+            <a:r>
+              <a:rPr lang="en-US" smtClean="0">
+                <a:latin typeface="Consolas" panose="020B0609020204030204" pitchFamily="49" charset="0"/>
+              </a:rPr>
+              <a:t>};</a:t>
+            </a:r>
+            <a:endParaRPr lang="ru-RU" smtClean="0">
               <a:latin typeface="Consolas" panose="020B0609020204030204" pitchFamily="49" charset="0"/>
             </a:endParaRPr>
+          </a:p>
+          <a:p>
+            <a:r>
+              <a:rPr lang="ru-RU" smtClean="0"/>
+              <a:t>Это позволяет делать разные строки для разных типов символов</a:t>
+            </a:r>
+            <a:endParaRPr lang="en-US"/>
           </a:p>
         </p:txBody>
       </p:sp>
     </p:spTree>
     <p:extLst>
       <p:ext uri="{BB962C8B-B14F-4D97-AF65-F5344CB8AC3E}">
-        <p14:creationId xmlns:p14="http://schemas.microsoft.com/office/powerpoint/2010/main" val="3272053172"/>
+        <p14:creationId xmlns:p14="http://schemas.microsoft.com/office/powerpoint/2010/main" val="3077955316"/>
       </p:ext>
     </p:extLst>
   </p:cSld>
@@ -29848,7 +29714,7 @@
           <a:p>
             <a:r>
               <a:rPr lang="ru-RU" smtClean="0"/>
-              <a:t>Характеристики типов</a:t>
+              <a:t>Определения для удобства</a:t>
             </a:r>
             <a:endParaRPr lang="en-US"/>
           </a:p>
@@ -29869,73 +29735,14 @@
           <a:bodyPr/>
           <a:lstStyle/>
           <a:p>
-            <a:r>
-              <a:rPr lang="ru-RU" smtClean="0"/>
-              <a:t>Есть много вопросов, ответы на которые знает только конкретный </a:t>
-            </a:r>
-            <a:r>
-              <a:rPr lang="en-US" smtClean="0"/>
-              <a:t>CharT</a:t>
-            </a:r>
-          </a:p>
-          <a:p>
-            <a:r>
-              <a:rPr lang="ru-RU" smtClean="0"/>
-              <a:t>Разумно свести всё это в класс </a:t>
-            </a:r>
-            <a:endParaRPr lang="en-US" smtClean="0"/>
-          </a:p>
-          <a:p>
             <a:pPr marL="45720" indent="0">
               <a:buNone/>
             </a:pPr>
             <a:r>
-              <a:rPr lang="en-US">
-                <a:latin typeface="Consolas" panose="020B0609020204030204" pitchFamily="49" charset="0"/>
-              </a:rPr>
-              <a:t>t</a:t>
-            </a:r>
-            <a:r>
-              <a:rPr lang="en-US" smtClean="0">
-                <a:latin typeface="Consolas" panose="020B0609020204030204" pitchFamily="49" charset="0"/>
-              </a:rPr>
-              <a:t>emplate&lt;class</a:t>
-            </a:r>
-            <a:r>
-              <a:rPr lang="en-US">
-                <a:latin typeface="Consolas" panose="020B0609020204030204" pitchFamily="49" charset="0"/>
-              </a:rPr>
-              <a:t> </a:t>
-            </a:r>
-            <a:r>
-              <a:rPr lang="en-US" smtClean="0">
-                <a:latin typeface="Consolas" panose="020B0609020204030204" pitchFamily="49" charset="0"/>
-              </a:rPr>
-              <a:t>CharT</a:t>
-            </a:r>
-            <a:r>
-              <a:rPr lang="en-US">
-                <a:latin typeface="Consolas" panose="020B0609020204030204" pitchFamily="49" charset="0"/>
-              </a:rPr>
-              <a:t>&gt; class char_traits</a:t>
-            </a:r>
-            <a:r>
-              <a:rPr lang="en-US" smtClean="0">
-                <a:latin typeface="Consolas" panose="020B0609020204030204" pitchFamily="49" charset="0"/>
-              </a:rPr>
-              <a:t>;</a:t>
-            </a:r>
-          </a:p>
-          <a:p>
-            <a:r>
-              <a:rPr lang="ru-RU" smtClean="0"/>
-              <a:t>Основные методы:</a:t>
-            </a:r>
-          </a:p>
-          <a:p>
-            <a:r>
-              <a:rPr lang="en-US" smtClean="0"/>
-              <a:t>assign, eq, lt, move, compare, find, eof, ....</a:t>
+              <a:rPr lang="en-US" smtClean="0">
+                <a:latin typeface="Consolas" panose="020B0609020204030204" pitchFamily="49" charset="0"/>
+              </a:rPr>
+              <a:t>typedef basic_string&lt;char&gt; string;</a:t>
             </a:r>
           </a:p>
           <a:p>
@@ -29946,86 +29753,19 @@
               <a:rPr lang="en-US">
                 <a:latin typeface="Consolas" panose="020B0609020204030204" pitchFamily="49" charset="0"/>
               </a:rPr>
-              <a:t>template &lt;typename </a:t>
-            </a:r>
-            <a:r>
-              <a:rPr lang="en-US" smtClean="0">
-                <a:solidFill>
-                  <a:srgbClr val="0000FF"/>
-                </a:solidFill>
-                <a:latin typeface="Consolas" panose="020B0609020204030204" pitchFamily="49" charset="0"/>
-              </a:rPr>
-              <a:t>CharT</a:t>
-            </a:r>
-            <a:r>
-              <a:rPr lang="en-US" smtClean="0">
-                <a:latin typeface="Consolas" panose="020B0609020204030204" pitchFamily="49" charset="0"/>
-              </a:rPr>
-              <a:t>,</a:t>
-            </a:r>
-            <a:br>
-              <a:rPr lang="en-US" smtClean="0">
-                <a:latin typeface="Consolas" panose="020B0609020204030204" pitchFamily="49" charset="0"/>
-              </a:rPr>
-            </a:br>
-            <a:r>
-              <a:rPr lang="en-US" smtClean="0">
-                <a:latin typeface="Consolas" panose="020B0609020204030204" pitchFamily="49" charset="0"/>
-              </a:rPr>
-              <a:t>          typename </a:t>
-            </a:r>
-            <a:r>
-              <a:rPr lang="en-US" smtClean="0">
-                <a:solidFill>
-                  <a:srgbClr val="0000FF"/>
-                </a:solidFill>
-                <a:latin typeface="Consolas" panose="020B0609020204030204" pitchFamily="49" charset="0"/>
-              </a:rPr>
-              <a:t>Traits</a:t>
-            </a:r>
-            <a:r>
-              <a:rPr lang="en-US" smtClean="0">
-                <a:latin typeface="Consolas" panose="020B0609020204030204" pitchFamily="49" charset="0"/>
-              </a:rPr>
-              <a:t> = std::char_traits&lt;</a:t>
-            </a:r>
-            <a:r>
-              <a:rPr lang="en-US" smtClean="0">
-                <a:solidFill>
-                  <a:srgbClr val="0000FF"/>
-                </a:solidFill>
-                <a:latin typeface="Consolas" panose="020B0609020204030204" pitchFamily="49" charset="0"/>
-              </a:rPr>
-              <a:t>CharT</a:t>
-            </a:r>
-            <a:r>
-              <a:rPr lang="en-US" smtClean="0">
-                <a:latin typeface="Consolas" panose="020B0609020204030204" pitchFamily="49" charset="0"/>
-              </a:rPr>
-              <a:t>&gt;&gt; </a:t>
-            </a:r>
-            <a:br>
-              <a:rPr lang="en-US" smtClean="0">
-                <a:latin typeface="Consolas" panose="020B0609020204030204" pitchFamily="49" charset="0"/>
-              </a:rPr>
-            </a:br>
-            <a:r>
-              <a:rPr lang="en-US" smtClean="0">
-                <a:latin typeface="Consolas" panose="020B0609020204030204" pitchFamily="49" charset="0"/>
-              </a:rPr>
-              <a:t>class </a:t>
+              <a:t>typedef </a:t>
+            </a:r>
+            <a:r>
+              <a:rPr lang="en-US" smtClean="0">
+                <a:latin typeface="Consolas" panose="020B0609020204030204" pitchFamily="49" charset="0"/>
+              </a:rPr>
+              <a:t>basic_string&lt;u16char_t&gt; u16string</a:t>
             </a:r>
             <a:r>
               <a:rPr lang="en-US">
                 <a:latin typeface="Consolas" panose="020B0609020204030204" pitchFamily="49" charset="0"/>
               </a:rPr>
-              <a:t>basic_string </a:t>
-            </a:r>
-            <a:r>
-              <a:rPr lang="en-US" smtClean="0">
-                <a:latin typeface="Consolas" panose="020B0609020204030204" pitchFamily="49" charset="0"/>
-              </a:rPr>
-              <a:t>{</a:t>
+              <a:t>;</a:t>
             </a:r>
           </a:p>
           <a:p>
@@ -30036,40 +29776,75 @@
               <a:rPr lang="en-US" smtClean="0">
                 <a:latin typeface="Consolas" panose="020B0609020204030204" pitchFamily="49" charset="0"/>
               </a:rPr>
-              <a:t>// </a:t>
-            </a:r>
-            <a:r>
-              <a:rPr lang="ru-RU" smtClean="0">
-                <a:latin typeface="Consolas" panose="020B0609020204030204" pitchFamily="49" charset="0"/>
-              </a:rPr>
-              <a:t>тут всё точно так же</a:t>
-            </a:r>
-            <a:r>
-              <a:rPr lang="en-US" smtClean="0">
-                <a:latin typeface="Consolas" panose="020B0609020204030204" pitchFamily="49" charset="0"/>
-              </a:rPr>
-              <a:t> </a:t>
-            </a:r>
-            <a:r>
-              <a:rPr lang="ru-RU">
-                <a:latin typeface="Consolas" panose="020B0609020204030204" pitchFamily="49" charset="0"/>
-              </a:rPr>
-              <a:t>но с использованием </a:t>
+              <a:t>typedef basic_string&lt;u32char_t&gt; u32string</a:t>
             </a:r>
             <a:r>
               <a:rPr lang="en-US">
                 <a:latin typeface="Consolas" panose="020B0609020204030204" pitchFamily="49" charset="0"/>
               </a:rPr>
-              <a:t>Traits</a:t>
-            </a:r>
-            <a:endParaRPr lang="en-US"/>
+              <a:t>;</a:t>
+            </a:r>
+          </a:p>
+          <a:p>
+            <a:pPr marL="45720" indent="0">
+              <a:buNone/>
+            </a:pPr>
+            <a:r>
+              <a:rPr lang="en-US" smtClean="0">
+                <a:latin typeface="Consolas" panose="020B0609020204030204" pitchFamily="49" charset="0"/>
+              </a:rPr>
+              <a:t>typedef basic_string&lt;wchar_t&gt; wstring;</a:t>
+            </a:r>
+          </a:p>
+          <a:p>
+            <a:r>
+              <a:rPr lang="ru-RU" smtClean="0"/>
+              <a:t>Тут сознательно использован </a:t>
+            </a:r>
+            <a:r>
+              <a:rPr lang="en-US" smtClean="0"/>
+              <a:t>typedef </a:t>
+            </a:r>
+            <a:r>
+              <a:rPr lang="ru-RU" smtClean="0"/>
+              <a:t>а не </a:t>
+            </a:r>
+            <a:r>
+              <a:rPr lang="en-US" smtClean="0"/>
+              <a:t>using. </a:t>
+            </a:r>
+            <a:r>
+              <a:rPr lang="ru-RU" smtClean="0"/>
+              <a:t>Вы должны быть одинаковы хорошо знакомы с обоими способами определения синонимов</a:t>
+            </a:r>
+          </a:p>
+          <a:p>
+            <a:r>
+              <a:rPr lang="ru-RU" smtClean="0"/>
+              <a:t>Обсуждение: что насчёт </a:t>
+            </a:r>
+            <a:r>
+              <a:rPr lang="en-US" smtClean="0">
+                <a:latin typeface="Consolas" panose="020B0609020204030204" pitchFamily="49" charset="0"/>
+              </a:rPr>
+              <a:t>basic_string&lt;float&gt;</a:t>
+            </a:r>
+          </a:p>
+          <a:p>
+            <a:r>
+              <a:rPr lang="ru-RU" smtClean="0"/>
+              <a:t>Самый сложный вопрос: что с завершающим символом?</a:t>
+            </a:r>
+            <a:endParaRPr lang="en-US">
+              <a:latin typeface="Consolas" panose="020B0609020204030204" pitchFamily="49" charset="0"/>
+            </a:endParaRPr>
           </a:p>
         </p:txBody>
       </p:sp>
     </p:spTree>
     <p:extLst>
       <p:ext uri="{BB962C8B-B14F-4D97-AF65-F5344CB8AC3E}">
-        <p14:creationId xmlns:p14="http://schemas.microsoft.com/office/powerpoint/2010/main" val="1082010606"/>
+        <p14:creationId xmlns:p14="http://schemas.microsoft.com/office/powerpoint/2010/main" val="3272053172"/>
       </p:ext>
     </p:extLst>
   </p:cSld>
@@ -30113,7 +29888,7 @@
           <a:p>
             <a:r>
               <a:rPr lang="ru-RU" smtClean="0"/>
-              <a:t>Обсуждение</a:t>
+              <a:t>Характеристики типов</a:t>
             </a:r>
             <a:endParaRPr lang="en-US"/>
           </a:p>
@@ -30136,7 +29911,196 @@
           <a:p>
             <a:r>
               <a:rPr lang="ru-RU" smtClean="0"/>
-              <a:t>Является ли способ выделения памяти на символ характеристикой символа?</a:t>
+              <a:t>Есть много вопросов, ответы на которые знает только конкретный </a:t>
+            </a:r>
+            <a:r>
+              <a:rPr lang="en-US" smtClean="0"/>
+              <a:t>CharT</a:t>
+            </a:r>
+          </a:p>
+          <a:p>
+            <a:r>
+              <a:rPr lang="ru-RU" smtClean="0"/>
+              <a:t>Разумно свести всё это в класс </a:t>
+            </a:r>
+            <a:endParaRPr lang="en-US" smtClean="0"/>
+          </a:p>
+          <a:p>
+            <a:pPr marL="45720" indent="0">
+              <a:buNone/>
+            </a:pPr>
+            <a:r>
+              <a:rPr lang="en-US">
+                <a:latin typeface="Consolas" panose="020B0609020204030204" pitchFamily="49" charset="0"/>
+              </a:rPr>
+              <a:t>t</a:t>
+            </a:r>
+            <a:r>
+              <a:rPr lang="en-US" smtClean="0">
+                <a:latin typeface="Consolas" panose="020B0609020204030204" pitchFamily="49" charset="0"/>
+              </a:rPr>
+              <a:t>emplate&lt;class</a:t>
+            </a:r>
+            <a:r>
+              <a:rPr lang="en-US">
+                <a:latin typeface="Consolas" panose="020B0609020204030204" pitchFamily="49" charset="0"/>
+              </a:rPr>
+              <a:t> </a:t>
+            </a:r>
+            <a:r>
+              <a:rPr lang="en-US" smtClean="0">
+                <a:latin typeface="Consolas" panose="020B0609020204030204" pitchFamily="49" charset="0"/>
+              </a:rPr>
+              <a:t>CharT</a:t>
+            </a:r>
+            <a:r>
+              <a:rPr lang="en-US">
+                <a:latin typeface="Consolas" panose="020B0609020204030204" pitchFamily="49" charset="0"/>
+              </a:rPr>
+              <a:t>&gt; class char_traits</a:t>
+            </a:r>
+            <a:r>
+              <a:rPr lang="en-US" smtClean="0">
+                <a:latin typeface="Consolas" panose="020B0609020204030204" pitchFamily="49" charset="0"/>
+              </a:rPr>
+              <a:t>;</a:t>
+            </a:r>
+          </a:p>
+          <a:p>
+            <a:r>
+              <a:rPr lang="ru-RU" smtClean="0"/>
+              <a:t>Основные методы:</a:t>
+            </a:r>
+          </a:p>
+          <a:p>
+            <a:r>
+              <a:rPr lang="en-US" smtClean="0"/>
+              <a:t>assign, eq, lt, move, compare, find, eof, ....</a:t>
+            </a:r>
+          </a:p>
+          <a:p>
+            <a:pPr marL="45720" indent="0">
+              <a:buNone/>
+            </a:pPr>
+            <a:r>
+              <a:rPr lang="en-US">
+                <a:latin typeface="Consolas" panose="020B0609020204030204" pitchFamily="49" charset="0"/>
+              </a:rPr>
+              <a:t>template &lt;typename </a:t>
+            </a:r>
+            <a:r>
+              <a:rPr lang="en-US" smtClean="0">
+                <a:solidFill>
+                  <a:srgbClr val="0000FF"/>
+                </a:solidFill>
+                <a:latin typeface="Consolas" panose="020B0609020204030204" pitchFamily="49" charset="0"/>
+              </a:rPr>
+              <a:t>CharT</a:t>
+            </a:r>
+            <a:r>
+              <a:rPr lang="en-US" smtClean="0">
+                <a:latin typeface="Consolas" panose="020B0609020204030204" pitchFamily="49" charset="0"/>
+              </a:rPr>
+              <a:t>,</a:t>
+            </a:r>
+            <a:br>
+              <a:rPr lang="en-US" smtClean="0">
+                <a:latin typeface="Consolas" panose="020B0609020204030204" pitchFamily="49" charset="0"/>
+              </a:rPr>
+            </a:br>
+            <a:r>
+              <a:rPr lang="en-US" smtClean="0">
+                <a:latin typeface="Consolas" panose="020B0609020204030204" pitchFamily="49" charset="0"/>
+              </a:rPr>
+              <a:t>          typename </a:t>
+            </a:r>
+            <a:r>
+              <a:rPr lang="en-US" smtClean="0">
+                <a:solidFill>
+                  <a:srgbClr val="0000FF"/>
+                </a:solidFill>
+                <a:latin typeface="Consolas" panose="020B0609020204030204" pitchFamily="49" charset="0"/>
+              </a:rPr>
+              <a:t>Traits</a:t>
+            </a:r>
+            <a:r>
+              <a:rPr lang="en-US" smtClean="0">
+                <a:latin typeface="Consolas" panose="020B0609020204030204" pitchFamily="49" charset="0"/>
+              </a:rPr>
+              <a:t> = std::char_traits&lt;</a:t>
+            </a:r>
+            <a:r>
+              <a:rPr lang="en-US" smtClean="0">
+                <a:solidFill>
+                  <a:srgbClr val="0000FF"/>
+                </a:solidFill>
+                <a:latin typeface="Consolas" panose="020B0609020204030204" pitchFamily="49" charset="0"/>
+              </a:rPr>
+              <a:t>CharT</a:t>
+            </a:r>
+            <a:r>
+              <a:rPr lang="en-US" smtClean="0">
+                <a:latin typeface="Consolas" panose="020B0609020204030204" pitchFamily="49" charset="0"/>
+              </a:rPr>
+              <a:t>&gt;&gt; </a:t>
+            </a:r>
+            <a:br>
+              <a:rPr lang="en-US" smtClean="0">
+                <a:latin typeface="Consolas" panose="020B0609020204030204" pitchFamily="49" charset="0"/>
+              </a:rPr>
+            </a:br>
+            <a:r>
+              <a:rPr lang="en-US" smtClean="0">
+                <a:latin typeface="Consolas" panose="020B0609020204030204" pitchFamily="49" charset="0"/>
+              </a:rPr>
+              <a:t>class </a:t>
+            </a:r>
+            <a:r>
+              <a:rPr lang="en-US">
+                <a:latin typeface="Consolas" panose="020B0609020204030204" pitchFamily="49" charset="0"/>
+              </a:rPr>
+              <a:t>basic_string </a:t>
+            </a:r>
+            <a:r>
+              <a:rPr lang="en-US" smtClean="0">
+                <a:latin typeface="Consolas" panose="020B0609020204030204" pitchFamily="49" charset="0"/>
+              </a:rPr>
+              <a:t>{</a:t>
+            </a:r>
+          </a:p>
+          <a:p>
+            <a:pPr marL="45720" indent="0">
+              <a:buNone/>
+            </a:pPr>
+            <a:r>
+              <a:rPr lang="en-US" smtClean="0">
+                <a:latin typeface="Consolas" panose="020B0609020204030204" pitchFamily="49" charset="0"/>
+              </a:rPr>
+              <a:t>// </a:t>
+            </a:r>
+            <a:r>
+              <a:rPr lang="ru-RU" smtClean="0">
+                <a:latin typeface="Consolas" panose="020B0609020204030204" pitchFamily="49" charset="0"/>
+              </a:rPr>
+              <a:t>тут всё точно так же</a:t>
+            </a:r>
+            <a:r>
+              <a:rPr lang="en-US" smtClean="0">
+                <a:latin typeface="Consolas" panose="020B0609020204030204" pitchFamily="49" charset="0"/>
+              </a:rPr>
+              <a:t> </a:t>
+            </a:r>
+            <a:r>
+              <a:rPr lang="ru-RU">
+                <a:latin typeface="Consolas" panose="020B0609020204030204" pitchFamily="49" charset="0"/>
+              </a:rPr>
+              <a:t>но с использованием </a:t>
+            </a:r>
+            <a:r>
+              <a:rPr lang="en-US">
+                <a:latin typeface="Consolas" panose="020B0609020204030204" pitchFamily="49" charset="0"/>
+              </a:rPr>
+              <a:t>Traits</a:t>
             </a:r>
             <a:endParaRPr lang="en-US"/>
           </a:p>
@@ -30145,7 +30109,7 @@
     </p:spTree>
     <p:extLst>
       <p:ext uri="{BB962C8B-B14F-4D97-AF65-F5344CB8AC3E}">
-        <p14:creationId xmlns:p14="http://schemas.microsoft.com/office/powerpoint/2010/main" val="2925693569"/>
+        <p14:creationId xmlns:p14="http://schemas.microsoft.com/office/powerpoint/2010/main" val="1082010606"/>
       </p:ext>
     </p:extLst>
   </p:cSld>
@@ -30189,7 +30153,7 @@
           <a:p>
             <a:r>
               <a:rPr lang="ru-RU" smtClean="0"/>
-              <a:t>Аллокаторы</a:t>
+              <a:t>Обсуждение</a:t>
             </a:r>
             <a:endParaRPr lang="en-US"/>
           </a:p>
@@ -30212,207 +30176,7 @@
           <a:p>
             <a:r>
               <a:rPr lang="ru-RU" smtClean="0"/>
-              <a:t>Выделение памяти абстрагирует аллокатор. Стандартный аллокатор сводится к </a:t>
-            </a:r>
-            <a:r>
-              <a:rPr lang="en-US" smtClean="0"/>
-              <a:t>malloc.</a:t>
-            </a:r>
-          </a:p>
-          <a:p>
-            <a:pPr marL="45720" indent="0">
-              <a:buNone/>
-            </a:pPr>
-            <a:r>
-              <a:rPr lang="en-US" smtClean="0">
-                <a:latin typeface="Consolas" panose="020B0609020204030204" pitchFamily="49" charset="0"/>
-              </a:rPr>
-              <a:t>template </a:t>
-            </a:r>
-            <a:r>
-              <a:rPr lang="en-US">
-                <a:latin typeface="Consolas" panose="020B0609020204030204" pitchFamily="49" charset="0"/>
-              </a:rPr>
-              <a:t>&lt;typename </a:t>
-            </a:r>
-            <a:r>
-              <a:rPr lang="en-US" smtClean="0">
-                <a:solidFill>
-                  <a:srgbClr val="0000FF"/>
-                </a:solidFill>
-                <a:latin typeface="Consolas" panose="020B0609020204030204" pitchFamily="49" charset="0"/>
-              </a:rPr>
-              <a:t>CharT</a:t>
-            </a:r>
-            <a:r>
-              <a:rPr lang="en-US" smtClean="0">
-                <a:latin typeface="Consolas" panose="020B0609020204030204" pitchFamily="49" charset="0"/>
-              </a:rPr>
-              <a:t>,</a:t>
-            </a:r>
-            <a:br>
-              <a:rPr lang="en-US" smtClean="0">
-                <a:latin typeface="Consolas" panose="020B0609020204030204" pitchFamily="49" charset="0"/>
-              </a:rPr>
-            </a:br>
-            <a:r>
-              <a:rPr lang="en-US" smtClean="0">
-                <a:latin typeface="Consolas" panose="020B0609020204030204" pitchFamily="49" charset="0"/>
-              </a:rPr>
-              <a:t>          typename </a:t>
-            </a:r>
-            <a:r>
-              <a:rPr lang="en-US" smtClean="0">
-                <a:solidFill>
-                  <a:srgbClr val="0000FF"/>
-                </a:solidFill>
-                <a:latin typeface="Consolas" panose="020B0609020204030204" pitchFamily="49" charset="0"/>
-              </a:rPr>
-              <a:t>Traits</a:t>
-            </a:r>
-            <a:r>
-              <a:rPr lang="en-US" smtClean="0">
-                <a:latin typeface="Consolas" panose="020B0609020204030204" pitchFamily="49" charset="0"/>
-              </a:rPr>
-              <a:t> = std::char_traits&lt;</a:t>
-            </a:r>
-            <a:r>
-              <a:rPr lang="en-US" smtClean="0">
-                <a:solidFill>
-                  <a:srgbClr val="0000FF"/>
-                </a:solidFill>
-                <a:latin typeface="Consolas" panose="020B0609020204030204" pitchFamily="49" charset="0"/>
-              </a:rPr>
-              <a:t>CharT</a:t>
-            </a:r>
-            <a:r>
-              <a:rPr lang="en-US" smtClean="0">
-                <a:latin typeface="Consolas" panose="020B0609020204030204" pitchFamily="49" charset="0"/>
-              </a:rPr>
-              <a:t>&gt;</a:t>
-            </a:r>
-            <a:br>
-              <a:rPr lang="en-US" smtClean="0">
-                <a:latin typeface="Consolas" panose="020B0609020204030204" pitchFamily="49" charset="0"/>
-              </a:rPr>
-            </a:br>
-            <a:r>
-              <a:rPr lang="en-US" smtClean="0">
-                <a:latin typeface="Consolas" panose="020B0609020204030204" pitchFamily="49" charset="0"/>
-              </a:rPr>
-              <a:t>          typename </a:t>
-            </a:r>
-            <a:r>
-              <a:rPr lang="en-US" smtClean="0">
-                <a:solidFill>
-                  <a:srgbClr val="0000FF"/>
-                </a:solidFill>
-                <a:latin typeface="Consolas" panose="020B0609020204030204" pitchFamily="49" charset="0"/>
-              </a:rPr>
-              <a:t>Allocator</a:t>
-            </a:r>
-            <a:r>
-              <a:rPr lang="en-US" smtClean="0">
-                <a:latin typeface="Consolas" panose="020B0609020204030204" pitchFamily="49" charset="0"/>
-              </a:rPr>
-              <a:t> = std::allocator</a:t>
-            </a:r>
-            <a:r>
-              <a:rPr lang="en-US">
-                <a:latin typeface="Consolas" panose="020B0609020204030204" pitchFamily="49" charset="0"/>
-              </a:rPr>
-              <a:t>&lt;</a:t>
-            </a:r>
-            <a:r>
-              <a:rPr lang="en-US">
-                <a:solidFill>
-                  <a:srgbClr val="0000FF"/>
-                </a:solidFill>
-                <a:latin typeface="Consolas" panose="020B0609020204030204" pitchFamily="49" charset="0"/>
-              </a:rPr>
-              <a:t>CharT</a:t>
-            </a:r>
-            <a:r>
-              <a:rPr lang="en-US">
-                <a:latin typeface="Consolas" panose="020B0609020204030204" pitchFamily="49" charset="0"/>
-              </a:rPr>
-              <a:t>&gt;</a:t>
-            </a:r>
-            <a:r>
-              <a:rPr lang="en-US" smtClean="0">
-                <a:latin typeface="Consolas" panose="020B0609020204030204" pitchFamily="49" charset="0"/>
-              </a:rPr>
-              <a:t>&gt; </a:t>
-            </a:r>
-          </a:p>
-          <a:p>
-            <a:pPr marL="45720" indent="0">
-              <a:buNone/>
-            </a:pPr>
-            <a:r>
-              <a:rPr lang="en-US" smtClean="0">
-                <a:latin typeface="Consolas" panose="020B0609020204030204" pitchFamily="49" charset="0"/>
-              </a:rPr>
-              <a:t>class </a:t>
-            </a:r>
-            <a:r>
-              <a:rPr lang="en-US">
-                <a:latin typeface="Consolas" panose="020B0609020204030204" pitchFamily="49" charset="0"/>
-              </a:rPr>
-              <a:t>basic_string </a:t>
-            </a:r>
-            <a:r>
-              <a:rPr lang="en-US" smtClean="0">
-                <a:latin typeface="Consolas" panose="020B0609020204030204" pitchFamily="49" charset="0"/>
-              </a:rPr>
-              <a:t>{</a:t>
-            </a:r>
-          </a:p>
-          <a:p>
-            <a:pPr marL="45720" indent="0">
-              <a:buNone/>
-            </a:pPr>
-            <a:r>
-              <a:rPr lang="en-US" smtClean="0">
-                <a:latin typeface="Consolas" panose="020B0609020204030204" pitchFamily="49" charset="0"/>
-              </a:rPr>
-              <a:t>// </a:t>
-            </a:r>
-            <a:r>
-              <a:rPr lang="ru-RU" smtClean="0">
-                <a:latin typeface="Consolas" panose="020B0609020204030204" pitchFamily="49" charset="0"/>
-              </a:rPr>
-              <a:t>тут всё точно так же</a:t>
-            </a:r>
-            <a:r>
-              <a:rPr lang="en-US" smtClean="0">
-                <a:latin typeface="Consolas" panose="020B0609020204030204" pitchFamily="49" charset="0"/>
-              </a:rPr>
-              <a:t> </a:t>
-            </a:r>
-            <a:r>
-              <a:rPr lang="ru-RU" smtClean="0">
-                <a:latin typeface="Consolas" panose="020B0609020204030204" pitchFamily="49" charset="0"/>
-              </a:rPr>
-              <a:t>но с использованием </a:t>
-            </a:r>
-            <a:r>
-              <a:rPr lang="en-US" smtClean="0">
-                <a:latin typeface="Consolas" panose="020B0609020204030204" pitchFamily="49" charset="0"/>
-              </a:rPr>
-              <a:t>Traits </a:t>
-            </a:r>
-            <a:r>
-              <a:rPr lang="ru-RU" smtClean="0">
-                <a:latin typeface="Consolas" panose="020B0609020204030204" pitchFamily="49" charset="0"/>
-              </a:rPr>
-              <a:t>и </a:t>
-            </a:r>
-            <a:r>
-              <a:rPr lang="en-US" smtClean="0">
-                <a:latin typeface="Consolas" panose="020B0609020204030204" pitchFamily="49" charset="0"/>
-              </a:rPr>
-              <a:t>Allocator</a:t>
+              <a:t>Является ли способ выделения памяти на символ характеристикой символа?</a:t>
             </a:r>
             <a:endParaRPr lang="en-US"/>
           </a:p>
@@ -30421,7 +30185,7 @@
     </p:spTree>
     <p:extLst>
       <p:ext uri="{BB962C8B-B14F-4D97-AF65-F5344CB8AC3E}">
-        <p14:creationId xmlns:p14="http://schemas.microsoft.com/office/powerpoint/2010/main" val="1167509049"/>
+        <p14:creationId xmlns:p14="http://schemas.microsoft.com/office/powerpoint/2010/main" val="2925693569"/>
       </p:ext>
     </p:extLst>
   </p:cSld>
@@ -30465,7 +30229,7 @@
           <a:p>
             <a:r>
               <a:rPr lang="ru-RU" smtClean="0"/>
-              <a:t>Обсуждение</a:t>
+              <a:t>Аллокаторы</a:t>
             </a:r>
             <a:endParaRPr lang="en-US"/>
           </a:p>
@@ -30488,19 +30252,207 @@
           <a:p>
             <a:r>
               <a:rPr lang="ru-RU" smtClean="0"/>
-              <a:t>Не настало ли время </a:t>
-            </a:r>
-            <a:r>
-              <a:rPr lang="ru-RU" smtClean="0">
+              <a:t>Выделение памяти абстрагирует аллокатор. Стандартный аллокатор сводится к </a:t>
+            </a:r>
+            <a:r>
+              <a:rPr lang="en-US" smtClean="0"/>
+              <a:t>malloc.</a:t>
+            </a:r>
+          </a:p>
+          <a:p>
+            <a:pPr marL="45720" indent="0">
+              <a:buNone/>
+            </a:pPr>
+            <a:r>
+              <a:rPr lang="en-US" smtClean="0">
+                <a:latin typeface="Consolas" panose="020B0609020204030204" pitchFamily="49" charset="0"/>
+              </a:rPr>
+              <a:t>template </a:t>
+            </a:r>
+            <a:r>
+              <a:rPr lang="en-US">
+                <a:latin typeface="Consolas" panose="020B0609020204030204" pitchFamily="49" charset="0"/>
+              </a:rPr>
+              <a:t>&lt;typename </a:t>
+            </a:r>
+            <a:r>
+              <a:rPr lang="en-US" smtClean="0">
                 <a:solidFill>
                   <a:srgbClr val="0000FF"/>
                 </a:solidFill>
-              </a:rPr>
-              <a:t>теперь</a:t>
-            </a:r>
-            <a:r>
-              <a:rPr lang="ru-RU" smtClean="0"/>
-              <a:t> построить велосипед?</a:t>
+                <a:latin typeface="Consolas" panose="020B0609020204030204" pitchFamily="49" charset="0"/>
+              </a:rPr>
+              <a:t>CharT</a:t>
+            </a:r>
+            <a:r>
+              <a:rPr lang="en-US" smtClean="0">
+                <a:latin typeface="Consolas" panose="020B0609020204030204" pitchFamily="49" charset="0"/>
+              </a:rPr>
+              <a:t>,</a:t>
+            </a:r>
+            <a:br>
+              <a:rPr lang="en-US" smtClean="0">
+                <a:latin typeface="Consolas" panose="020B0609020204030204" pitchFamily="49" charset="0"/>
+              </a:rPr>
+            </a:br>
+            <a:r>
+              <a:rPr lang="en-US" smtClean="0">
+                <a:latin typeface="Consolas" panose="020B0609020204030204" pitchFamily="49" charset="0"/>
+              </a:rPr>
+              <a:t>          typename </a:t>
+            </a:r>
+            <a:r>
+              <a:rPr lang="en-US" smtClean="0">
+                <a:solidFill>
+                  <a:srgbClr val="0000FF"/>
+                </a:solidFill>
+                <a:latin typeface="Consolas" panose="020B0609020204030204" pitchFamily="49" charset="0"/>
+              </a:rPr>
+              <a:t>Traits</a:t>
+            </a:r>
+            <a:r>
+              <a:rPr lang="en-US" smtClean="0">
+                <a:latin typeface="Consolas" panose="020B0609020204030204" pitchFamily="49" charset="0"/>
+              </a:rPr>
+              <a:t> = std::char_traits&lt;</a:t>
+            </a:r>
+            <a:r>
+              <a:rPr lang="en-US" smtClean="0">
+                <a:solidFill>
+                  <a:srgbClr val="0000FF"/>
+                </a:solidFill>
+                <a:latin typeface="Consolas" panose="020B0609020204030204" pitchFamily="49" charset="0"/>
+              </a:rPr>
+              <a:t>CharT</a:t>
+            </a:r>
+            <a:r>
+              <a:rPr lang="en-US" smtClean="0">
+                <a:latin typeface="Consolas" panose="020B0609020204030204" pitchFamily="49" charset="0"/>
+              </a:rPr>
+              <a:t>&gt;</a:t>
+            </a:r>
+            <a:br>
+              <a:rPr lang="en-US" smtClean="0">
+                <a:latin typeface="Consolas" panose="020B0609020204030204" pitchFamily="49" charset="0"/>
+              </a:rPr>
+            </a:br>
+            <a:r>
+              <a:rPr lang="en-US" smtClean="0">
+                <a:latin typeface="Consolas" panose="020B0609020204030204" pitchFamily="49" charset="0"/>
+              </a:rPr>
+              <a:t>          typename </a:t>
+            </a:r>
+            <a:r>
+              <a:rPr lang="en-US" smtClean="0">
+                <a:solidFill>
+                  <a:srgbClr val="0000FF"/>
+                </a:solidFill>
+                <a:latin typeface="Consolas" panose="020B0609020204030204" pitchFamily="49" charset="0"/>
+              </a:rPr>
+              <a:t>Allocator</a:t>
+            </a:r>
+            <a:r>
+              <a:rPr lang="en-US" smtClean="0">
+                <a:latin typeface="Consolas" panose="020B0609020204030204" pitchFamily="49" charset="0"/>
+              </a:rPr>
+              <a:t> = std::allocator</a:t>
+            </a:r>
+            <a:r>
+              <a:rPr lang="en-US">
+                <a:latin typeface="Consolas" panose="020B0609020204030204" pitchFamily="49" charset="0"/>
+              </a:rPr>
+              <a:t>&lt;</a:t>
+            </a:r>
+            <a:r>
+              <a:rPr lang="en-US">
+                <a:solidFill>
+                  <a:srgbClr val="0000FF"/>
+                </a:solidFill>
+                <a:latin typeface="Consolas" panose="020B0609020204030204" pitchFamily="49" charset="0"/>
+              </a:rPr>
+              <a:t>CharT</a:t>
+            </a:r>
+            <a:r>
+              <a:rPr lang="en-US">
+                <a:latin typeface="Consolas" panose="020B0609020204030204" pitchFamily="49" charset="0"/>
+              </a:rPr>
+              <a:t>&gt;</a:t>
+            </a:r>
+            <a:r>
+              <a:rPr lang="en-US" smtClean="0">
+                <a:latin typeface="Consolas" panose="020B0609020204030204" pitchFamily="49" charset="0"/>
+              </a:rPr>
+              <a:t>&gt; </a:t>
+            </a:r>
+          </a:p>
+          <a:p>
+            <a:pPr marL="45720" indent="0">
+              <a:buNone/>
+            </a:pPr>
+            <a:r>
+              <a:rPr lang="en-US" smtClean="0">
+                <a:latin typeface="Consolas" panose="020B0609020204030204" pitchFamily="49" charset="0"/>
+              </a:rPr>
+              <a:t>class </a:t>
+            </a:r>
+            <a:r>
+              <a:rPr lang="en-US">
+                <a:latin typeface="Consolas" panose="020B0609020204030204" pitchFamily="49" charset="0"/>
+              </a:rPr>
+              <a:t>basic_string </a:t>
+            </a:r>
+            <a:r>
+              <a:rPr lang="en-US" smtClean="0">
+                <a:latin typeface="Consolas" panose="020B0609020204030204" pitchFamily="49" charset="0"/>
+              </a:rPr>
+              <a:t>{</a:t>
+            </a:r>
+          </a:p>
+          <a:p>
+            <a:pPr marL="45720" indent="0">
+              <a:buNone/>
+            </a:pPr>
+            <a:r>
+              <a:rPr lang="en-US" smtClean="0">
+                <a:latin typeface="Consolas" panose="020B0609020204030204" pitchFamily="49" charset="0"/>
+              </a:rPr>
+              <a:t>// </a:t>
+            </a:r>
+            <a:r>
+              <a:rPr lang="ru-RU" smtClean="0">
+                <a:latin typeface="Consolas" panose="020B0609020204030204" pitchFamily="49" charset="0"/>
+              </a:rPr>
+              <a:t>тут всё точно так же</a:t>
+            </a:r>
+            <a:r>
+              <a:rPr lang="en-US" smtClean="0">
+                <a:latin typeface="Consolas" panose="020B0609020204030204" pitchFamily="49" charset="0"/>
+              </a:rPr>
+              <a:t> </a:t>
+            </a:r>
+            <a:r>
+              <a:rPr lang="ru-RU" smtClean="0">
+                <a:latin typeface="Consolas" panose="020B0609020204030204" pitchFamily="49" charset="0"/>
+              </a:rPr>
+              <a:t>но с использованием </a:t>
+            </a:r>
+            <a:r>
+              <a:rPr lang="en-US" smtClean="0">
+                <a:latin typeface="Consolas" panose="020B0609020204030204" pitchFamily="49" charset="0"/>
+              </a:rPr>
+              <a:t>Traits </a:t>
+            </a:r>
+            <a:r>
+              <a:rPr lang="ru-RU" smtClean="0">
+                <a:latin typeface="Consolas" panose="020B0609020204030204" pitchFamily="49" charset="0"/>
+              </a:rPr>
+              <a:t>и </a:t>
+            </a:r>
+            <a:r>
+              <a:rPr lang="en-US" smtClean="0">
+                <a:latin typeface="Consolas" panose="020B0609020204030204" pitchFamily="49" charset="0"/>
+              </a:rPr>
+              <a:t>Allocator</a:t>
             </a:r>
             <a:endParaRPr lang="en-US"/>
           </a:p>
@@ -30509,7 +30461,7 @@
     </p:spTree>
     <p:extLst>
       <p:ext uri="{BB962C8B-B14F-4D97-AF65-F5344CB8AC3E}">
-        <p14:creationId xmlns:p14="http://schemas.microsoft.com/office/powerpoint/2010/main" val="1695769111"/>
+        <p14:creationId xmlns:p14="http://schemas.microsoft.com/office/powerpoint/2010/main" val="1167509049"/>
       </p:ext>
     </p:extLst>
   </p:cSld>
@@ -32554,6 +32506,94 @@
 </file>
 
 <file path=ppt/slides/slide60.xml><?xml version="1.0" encoding="utf-8"?>
+<p:sld xmlns:a="http://schemas.openxmlformats.org/drawingml/2006/main" xmlns:r="http://schemas.openxmlformats.org/officeDocument/2006/relationships" xmlns:p="http://schemas.openxmlformats.org/presentationml/2006/main">
+  <p:cSld>
+    <p:spTree>
+      <p:nvGrpSpPr>
+        <p:cNvPr id="1" name=""/>
+        <p:cNvGrpSpPr/>
+        <p:nvPr/>
+      </p:nvGrpSpPr>
+      <p:grpSpPr>
+        <a:xfrm>
+          <a:off x="0" y="0"/>
+          <a:ext cx="0" cy="0"/>
+          <a:chOff x="0" y="0"/>
+          <a:chExt cx="0" cy="0"/>
+        </a:xfrm>
+      </p:grpSpPr>
+      <p:sp>
+        <p:nvSpPr>
+          <p:cNvPr id="2" name="Title 1"/>
+          <p:cNvSpPr>
+            <a:spLocks noGrp="1"/>
+          </p:cNvSpPr>
+          <p:nvPr>
+            <p:ph type="title"/>
+          </p:nvPr>
+        </p:nvSpPr>
+        <p:spPr/>
+        <p:txBody>
+          <a:bodyPr/>
+          <a:lstStyle/>
+          <a:p>
+            <a:r>
+              <a:rPr lang="ru-RU" smtClean="0"/>
+              <a:t>Обсуждение</a:t>
+            </a:r>
+            <a:endParaRPr lang="en-US"/>
+          </a:p>
+        </p:txBody>
+      </p:sp>
+      <p:sp>
+        <p:nvSpPr>
+          <p:cNvPr id="3" name="Content Placeholder 2"/>
+          <p:cNvSpPr>
+            <a:spLocks noGrp="1"/>
+          </p:cNvSpPr>
+          <p:nvPr>
+            <p:ph idx="1"/>
+          </p:nvPr>
+        </p:nvSpPr>
+        <p:spPr/>
+        <p:txBody>
+          <a:bodyPr/>
+          <a:lstStyle/>
+          <a:p>
+            <a:r>
+              <a:rPr lang="ru-RU" smtClean="0"/>
+              <a:t>Не настало ли время </a:t>
+            </a:r>
+            <a:r>
+              <a:rPr lang="ru-RU" smtClean="0">
+                <a:solidFill>
+                  <a:srgbClr val="0000FF"/>
+                </a:solidFill>
+              </a:rPr>
+              <a:t>теперь</a:t>
+            </a:r>
+            <a:r>
+              <a:rPr lang="ru-RU" smtClean="0"/>
+              <a:t> построить велосипед?</a:t>
+            </a:r>
+            <a:endParaRPr lang="en-US"/>
+          </a:p>
+        </p:txBody>
+      </p:sp>
+    </p:spTree>
+    <p:extLst>
+      <p:ext uri="{BB962C8B-B14F-4D97-AF65-F5344CB8AC3E}">
+        <p14:creationId xmlns:p14="http://schemas.microsoft.com/office/powerpoint/2010/main" val="1695769111"/>
+      </p:ext>
+    </p:extLst>
+  </p:cSld>
+  <p:clrMapOvr>
+    <a:masterClrMapping/>
+  </p:clrMapOvr>
+</p:sld>
+</file>
+
+<file path=ppt/slides/slide61.xml><?xml version="1.0" encoding="utf-8"?>
 <p:sld xmlns:a="http://schemas.openxmlformats.org/drawingml/2006/main" xmlns:r="http://schemas.openxmlformats.org/officeDocument/2006/relationships" xmlns:p="http://schemas.openxmlformats.org/presentationml/2006/main">
   <p:cSld>
     <p:spTree>

--- a/trunk/slides/sep2017/01-strings.pptx
+++ b/trunk/slides/sep2017/01-strings.pptx
@@ -5,7 +5,7 @@
     <p:sldMasterId id="2147483684" r:id="rId1"/>
   </p:sldMasterIdLst>
   <p:notesMasterIdLst>
-    <p:notesMasterId r:id="rId63"/>
+    <p:notesMasterId r:id="rId65"/>
   </p:notesMasterIdLst>
   <p:sldIdLst>
     <p:sldId id="256" r:id="rId2"/>
@@ -67,8 +67,10 @@
     <p:sldId id="313" r:id="rId58"/>
     <p:sldId id="314" r:id="rId59"/>
     <p:sldId id="315" r:id="rId60"/>
-    <p:sldId id="316" r:id="rId61"/>
-    <p:sldId id="258" r:id="rId62"/>
+    <p:sldId id="319" r:id="rId61"/>
+    <p:sldId id="320" r:id="rId62"/>
+    <p:sldId id="316" r:id="rId63"/>
+    <p:sldId id="258" r:id="rId64"/>
   </p:sldIdLst>
   <p:sldSz cx="12192000" cy="6858000"/>
   <p:notesSz cx="6858000" cy="9144000"/>
@@ -257,7 +259,7 @@
           <a:p>
             <a:fld id="{D0F53610-742D-41DE-86D1-B4A263AA8643}" type="datetimeFigureOut">
               <a:rPr lang="en-US" smtClean="0"/>
-              <a:t>8/15/2017</a:t>
+              <a:t>8/30/2017</a:t>
             </a:fld>
             <a:endParaRPr lang="en-US"/>
           </a:p>
@@ -806,7 +808,7 @@
             <a:fld id="{96DFF08F-DC6B-4601-B491-B0F83F6DD2DA}" type="datetimeFigureOut">
               <a:rPr lang="en-US" dirty="0"/>
               <a:pPr/>
-              <a:t>8/15/2017</a:t>
+              <a:t>8/30/2017</a:t>
             </a:fld>
             <a:endParaRPr lang="en-US" dirty="0"/>
           </a:p>
@@ -1023,7 +1025,7 @@
           <a:p>
             <a:fld id="{96DFF08F-DC6B-4601-B491-B0F83F6DD2DA}" type="datetimeFigureOut">
               <a:rPr lang="en-US" dirty="0"/>
-              <a:t>8/15/2017</a:t>
+              <a:t>8/30/2017</a:t>
             </a:fld>
             <a:endParaRPr lang="en-US" dirty="0"/>
           </a:p>
@@ -1198,7 +1200,7 @@
           <a:p>
             <a:fld id="{96DFF08F-DC6B-4601-B491-B0F83F6DD2DA}" type="datetimeFigureOut">
               <a:rPr lang="en-US" dirty="0"/>
-              <a:t>8/15/2017</a:t>
+              <a:t>8/30/2017</a:t>
             </a:fld>
             <a:endParaRPr lang="en-US" dirty="0"/>
           </a:p>
@@ -1363,7 +1365,7 @@
           <a:p>
             <a:fld id="{96DFF08F-DC6B-4601-B491-B0F83F6DD2DA}" type="datetimeFigureOut">
               <a:rPr lang="en-US" dirty="0"/>
-              <a:t>8/15/2017</a:t>
+              <a:t>8/30/2017</a:t>
             </a:fld>
             <a:endParaRPr lang="en-US" dirty="0"/>
           </a:p>
@@ -1609,7 +1611,7 @@
           <a:p>
             <a:fld id="{96DFF08F-DC6B-4601-B491-B0F83F6DD2DA}" type="datetimeFigureOut">
               <a:rPr lang="en-US" dirty="0"/>
-              <a:t>8/15/2017</a:t>
+              <a:t>8/30/2017</a:t>
             </a:fld>
             <a:endParaRPr lang="en-US" dirty="0"/>
           </a:p>
@@ -1927,7 +1929,7 @@
           <a:p>
             <a:fld id="{96DFF08F-DC6B-4601-B491-B0F83F6DD2DA}" type="datetimeFigureOut">
               <a:rPr lang="en-US" dirty="0"/>
-              <a:t>8/15/2017</a:t>
+              <a:t>8/30/2017</a:t>
             </a:fld>
             <a:endParaRPr lang="en-US" dirty="0"/>
           </a:p>
@@ -2346,7 +2348,7 @@
           <a:p>
             <a:fld id="{96DFF08F-DC6B-4601-B491-B0F83F6DD2DA}" type="datetimeFigureOut">
               <a:rPr lang="en-US" dirty="0"/>
-              <a:t>8/15/2017</a:t>
+              <a:t>8/30/2017</a:t>
             </a:fld>
             <a:endParaRPr lang="en-US" dirty="0"/>
           </a:p>
@@ -2459,7 +2461,7 @@
           <a:p>
             <a:fld id="{96DFF08F-DC6B-4601-B491-B0F83F6DD2DA}" type="datetimeFigureOut">
               <a:rPr lang="en-US" dirty="0"/>
-              <a:t>8/15/2017</a:t>
+              <a:t>8/30/2017</a:t>
             </a:fld>
             <a:endParaRPr lang="en-US" dirty="0"/>
           </a:p>
@@ -2549,7 +2551,7 @@
           <a:p>
             <a:fld id="{96DFF08F-DC6B-4601-B491-B0F83F6DD2DA}" type="datetimeFigureOut">
               <a:rPr lang="en-US" dirty="0"/>
-              <a:t>8/15/2017</a:t>
+              <a:t>8/30/2017</a:t>
             </a:fld>
             <a:endParaRPr lang="en-US" dirty="0"/>
           </a:p>
@@ -2834,7 +2836,7 @@
           <a:p>
             <a:fld id="{96DFF08F-DC6B-4601-B491-B0F83F6DD2DA}" type="datetimeFigureOut">
               <a:rPr lang="en-US" dirty="0"/>
-              <a:t>8/15/2017</a:t>
+              <a:t>8/30/2017</a:t>
             </a:fld>
             <a:endParaRPr lang="en-US" dirty="0"/>
           </a:p>
@@ -3101,7 +3103,7 @@
           <a:p>
             <a:fld id="{96DFF08F-DC6B-4601-B491-B0F83F6DD2DA}" type="datetimeFigureOut">
               <a:rPr lang="en-US" dirty="0"/>
-              <a:t>8/15/2017</a:t>
+              <a:t>8/30/2017</a:t>
             </a:fld>
             <a:endParaRPr lang="en-US" dirty="0"/>
           </a:p>
@@ -3350,7 +3352,7 @@
             <a:fld id="{96DFF08F-DC6B-4601-B491-B0F83F6DD2DA}" type="datetimeFigureOut">
               <a:rPr lang="en-US" dirty="0"/>
               <a:pPr/>
-              <a:t>8/15/2017</a:t>
+              <a:t>8/30/2017</a:t>
             </a:fld>
             <a:endParaRPr lang="en-US" dirty="0"/>
           </a:p>
@@ -28366,2897 +28368,24 @@
               <a:t> вы видите в </a:t>
             </a:r>
             <a:r>
-              <a:rPr lang="en-US" smtClean="0"/>
-              <a:t>SSO?</a:t>
+              <a:rPr lang="ru-RU" smtClean="0"/>
+              <a:t>таком подходе к </a:t>
+            </a:r>
+            <a:r>
+              <a:rPr lang="en-US" smtClean="0"/>
+              <a:t>SSO</a:t>
+            </a:r>
+            <a:r>
+              <a:rPr lang="en-US" smtClean="0"/>
+              <a:t>?</a:t>
             </a:r>
             <a:endParaRPr lang="en-US"/>
           </a:p>
         </p:txBody>
       </p:sp>
-    </p:spTree>
-    <p:extLst>
-      <p:ext uri="{BB962C8B-B14F-4D97-AF65-F5344CB8AC3E}">
-        <p14:creationId xmlns:p14="http://schemas.microsoft.com/office/powerpoint/2010/main" val="3090612456"/>
-      </p:ext>
-    </p:extLst>
-  </p:cSld>
-  <p:clrMapOvr>
-    <a:masterClrMapping/>
-  </p:clrMapOvr>
-</p:sld>
-</file>
-
-<file path=ppt/slides/slide51.xml><?xml version="1.0" encoding="utf-8"?>
-<p:sld xmlns:a="http://schemas.openxmlformats.org/drawingml/2006/main" xmlns:r="http://schemas.openxmlformats.org/officeDocument/2006/relationships" xmlns:p="http://schemas.openxmlformats.org/presentationml/2006/main">
-  <p:cSld>
-    <p:spTree>
-      <p:nvGrpSpPr>
-        <p:cNvPr id="1" name=""/>
-        <p:cNvGrpSpPr/>
-        <p:nvPr/>
-      </p:nvGrpSpPr>
-      <p:grpSpPr>
-        <a:xfrm>
-          <a:off x="0" y="0"/>
-          <a:ext cx="0" cy="0"/>
-          <a:chOff x="0" y="0"/>
-          <a:chExt cx="0" cy="0"/>
-        </a:xfrm>
-      </p:grpSpPr>
-      <p:sp>
-        <p:nvSpPr>
-          <p:cNvPr id="2" name="Title 1"/>
-          <p:cNvSpPr>
-            <a:spLocks noGrp="1"/>
-          </p:cNvSpPr>
-          <p:nvPr>
-            <p:ph type="title"/>
-          </p:nvPr>
-        </p:nvSpPr>
-        <p:spPr/>
-        <p:txBody>
-          <a:bodyPr/>
-          <a:lstStyle/>
-          <a:p>
-            <a:r>
-              <a:rPr lang="ru-RU" smtClean="0"/>
-              <a:t>Обсуждение</a:t>
-            </a:r>
-            <a:endParaRPr lang="en-US"/>
-          </a:p>
-        </p:txBody>
-      </p:sp>
-      <p:sp>
-        <p:nvSpPr>
-          <p:cNvPr id="3" name="Content Placeholder 2"/>
-          <p:cNvSpPr>
-            <a:spLocks noGrp="1"/>
-          </p:cNvSpPr>
-          <p:nvPr>
-            <p:ph idx="1"/>
-          </p:nvPr>
-        </p:nvSpPr>
-        <p:spPr/>
-        <p:txBody>
-          <a:bodyPr/>
-          <a:lstStyle/>
-          <a:p>
-            <a:r>
-              <a:rPr lang="ru-RU" smtClean="0"/>
-              <a:t>Какие </a:t>
-            </a:r>
-            <a:r>
-              <a:rPr lang="ru-RU" b="1" smtClean="0"/>
-              <a:t>минусы</a:t>
-            </a:r>
-            <a:r>
-              <a:rPr lang="ru-RU" smtClean="0"/>
-              <a:t> вы видите в </a:t>
-            </a:r>
-            <a:r>
-              <a:rPr lang="en-US" smtClean="0"/>
-              <a:t>SSO?</a:t>
-            </a:r>
-            <a:endParaRPr lang="ru-RU" smtClean="0"/>
-          </a:p>
-          <a:p>
-            <a:r>
-              <a:rPr lang="ru-RU" smtClean="0"/>
-              <a:t>Усложняется копирование</a:t>
-            </a:r>
-            <a:r>
-              <a:rPr lang="en-US" smtClean="0"/>
-              <a:t> </a:t>
-            </a:r>
-            <a:r>
-              <a:rPr lang="ru-RU" smtClean="0"/>
-              <a:t>и (что важнее) перемещение</a:t>
-            </a:r>
-          </a:p>
-          <a:p>
-            <a:r>
-              <a:rPr lang="ru-RU" smtClean="0">
-                <a:solidFill>
-                  <a:srgbClr val="FF0000"/>
-                </a:solidFill>
-              </a:rPr>
-              <a:t>Добавляется время на выбор </a:t>
-            </a:r>
-            <a:r>
-              <a:rPr lang="en-US" smtClean="0">
-                <a:solidFill>
-                  <a:srgbClr val="FF0000"/>
-                </a:solidFill>
-              </a:rPr>
-              <a:t>m_small / m_large </a:t>
-            </a:r>
-            <a:r>
-              <a:rPr lang="ru-RU" smtClean="0">
-                <a:solidFill>
-                  <a:srgbClr val="FF0000"/>
-                </a:solidFill>
-              </a:rPr>
-              <a:t>при каждом доступе (в том числе чтении) с проверкой размера</a:t>
-            </a:r>
-          </a:p>
-          <a:p>
-            <a:r>
-              <a:rPr lang="ru-RU" smtClean="0"/>
-              <a:t>Вторая проблема серьёзней. Можно ли с этим что-нибудь сделать?</a:t>
-            </a:r>
-          </a:p>
-        </p:txBody>
-      </p:sp>
-    </p:spTree>
-    <p:extLst>
-      <p:ext uri="{BB962C8B-B14F-4D97-AF65-F5344CB8AC3E}">
-        <p14:creationId xmlns:p14="http://schemas.microsoft.com/office/powerpoint/2010/main" val="182304058"/>
-      </p:ext>
-    </p:extLst>
-  </p:cSld>
-  <p:clrMapOvr>
-    <a:masterClrMapping/>
-  </p:clrMapOvr>
-</p:sld>
-</file>
-
-<file path=ppt/slides/slide52.xml><?xml version="1.0" encoding="utf-8"?>
-<p:sld xmlns:a="http://schemas.openxmlformats.org/drawingml/2006/main" xmlns:r="http://schemas.openxmlformats.org/officeDocument/2006/relationships" xmlns:p="http://schemas.openxmlformats.org/presentationml/2006/main">
-  <p:cSld>
-    <p:spTree>
-      <p:nvGrpSpPr>
-        <p:cNvPr id="1" name=""/>
-        <p:cNvGrpSpPr/>
-        <p:nvPr/>
-      </p:nvGrpSpPr>
-      <p:grpSpPr>
-        <a:xfrm>
-          <a:off x="0" y="0"/>
-          <a:ext cx="0" cy="0"/>
-          <a:chOff x="0" y="0"/>
-          <a:chExt cx="0" cy="0"/>
-        </a:xfrm>
-      </p:grpSpPr>
-      <p:sp>
-        <p:nvSpPr>
-          <p:cNvPr id="2" name="Title 1"/>
-          <p:cNvSpPr>
-            <a:spLocks noGrp="1"/>
-          </p:cNvSpPr>
-          <p:nvPr>
-            <p:ph type="title"/>
-          </p:nvPr>
-        </p:nvSpPr>
-        <p:spPr/>
-        <p:txBody>
-          <a:bodyPr/>
-          <a:lstStyle/>
-          <a:p>
-            <a:r>
-              <a:rPr lang="ru-RU" smtClean="0"/>
-              <a:t>Как устроена строка в </a:t>
-            </a:r>
-            <a:r>
-              <a:rPr lang="en-US" smtClean="0"/>
-              <a:t>libstdc++</a:t>
-            </a:r>
-            <a:endParaRPr lang="en-US"/>
-          </a:p>
-        </p:txBody>
-      </p:sp>
-      <p:sp>
-        <p:nvSpPr>
-          <p:cNvPr id="5" name="Rectangle 4"/>
-          <p:cNvSpPr/>
-          <p:nvPr/>
-        </p:nvSpPr>
-        <p:spPr>
-          <a:xfrm>
-            <a:off x="3313453" y="2601814"/>
-            <a:ext cx="2773539" cy="497149"/>
-          </a:xfrm>
-          <a:prstGeom prst="rect">
-            <a:avLst/>
-          </a:prstGeom>
-          <a:solidFill>
-            <a:schemeClr val="bg1"/>
-          </a:solidFill>
-          <a:ln w="22225">
-            <a:solidFill>
-              <a:schemeClr val="tx1"/>
-            </a:solidFill>
-          </a:ln>
-        </p:spPr>
-        <p:style>
-          <a:lnRef idx="1">
-            <a:schemeClr val="accent4"/>
-          </a:lnRef>
-          <a:fillRef idx="2">
-            <a:schemeClr val="accent4"/>
-          </a:fillRef>
-          <a:effectRef idx="1">
-            <a:schemeClr val="accent4"/>
-          </a:effectRef>
-          <a:fontRef idx="minor">
-            <a:schemeClr val="dk1"/>
-          </a:fontRef>
-        </p:style>
-        <p:txBody>
-          <a:bodyPr rtlCol="0" anchor="ctr"/>
-          <a:lstStyle/>
-          <a:p>
-            <a:pPr algn="ctr"/>
-            <a:r>
-              <a:rPr lang="en-US" smtClean="0"/>
-              <a:t>size &gt; 15</a:t>
-            </a:r>
-            <a:endParaRPr lang="en-US"/>
-          </a:p>
-        </p:txBody>
-      </p:sp>
-      <p:sp>
-        <p:nvSpPr>
-          <p:cNvPr id="6" name="Rectangle 5"/>
-          <p:cNvSpPr/>
-          <p:nvPr/>
-        </p:nvSpPr>
-        <p:spPr>
-          <a:xfrm>
-            <a:off x="6081705" y="2599277"/>
-            <a:ext cx="2773541" cy="497149"/>
-          </a:xfrm>
-          <a:prstGeom prst="rect">
-            <a:avLst/>
-          </a:prstGeom>
-          <a:solidFill>
-            <a:schemeClr val="bg1"/>
-          </a:solidFill>
-          <a:ln w="22225">
-            <a:solidFill>
-              <a:schemeClr val="tx1"/>
-            </a:solidFill>
-          </a:ln>
-        </p:spPr>
-        <p:style>
-          <a:lnRef idx="1">
-            <a:schemeClr val="accent4"/>
-          </a:lnRef>
-          <a:fillRef idx="2">
-            <a:schemeClr val="accent4"/>
-          </a:fillRef>
-          <a:effectRef idx="1">
-            <a:schemeClr val="accent4"/>
-          </a:effectRef>
-          <a:fontRef idx="minor">
-            <a:schemeClr val="dk1"/>
-          </a:fontRef>
-        </p:style>
-        <p:txBody>
-          <a:bodyPr rtlCol="0" anchor="ctr"/>
-          <a:lstStyle/>
-          <a:p>
-            <a:pPr algn="ctr"/>
-            <a:r>
-              <a:rPr lang="en-US" smtClean="0"/>
-              <a:t>capacity</a:t>
-            </a:r>
-            <a:endParaRPr lang="en-US"/>
-          </a:p>
-        </p:txBody>
-      </p:sp>
-      <p:sp>
-        <p:nvSpPr>
-          <p:cNvPr id="7" name="Rectangle 6"/>
-          <p:cNvSpPr/>
-          <p:nvPr/>
-        </p:nvSpPr>
-        <p:spPr>
-          <a:xfrm>
-            <a:off x="539914" y="2601815"/>
-            <a:ext cx="2773539" cy="497149"/>
-          </a:xfrm>
-          <a:prstGeom prst="rect">
-            <a:avLst/>
-          </a:prstGeom>
-          <a:solidFill>
-            <a:schemeClr val="bg1"/>
-          </a:solidFill>
-          <a:ln w="22225">
-            <a:solidFill>
-              <a:schemeClr val="tx1"/>
-            </a:solidFill>
-          </a:ln>
-        </p:spPr>
-        <p:style>
-          <a:lnRef idx="1">
-            <a:schemeClr val="accent4"/>
-          </a:lnRef>
-          <a:fillRef idx="2">
-            <a:schemeClr val="accent4"/>
-          </a:fillRef>
-          <a:effectRef idx="1">
-            <a:schemeClr val="accent4"/>
-          </a:effectRef>
-          <a:fontRef idx="minor">
-            <a:schemeClr val="dk1"/>
-          </a:fontRef>
-        </p:style>
-        <p:txBody>
-          <a:bodyPr rtlCol="0" anchor="ctr"/>
-          <a:lstStyle/>
-          <a:p>
-            <a:pPr algn="ctr"/>
-            <a:r>
-              <a:rPr lang="en-US" smtClean="0"/>
-              <a:t>data: points to heap</a:t>
-            </a:r>
-            <a:endParaRPr lang="en-US"/>
-          </a:p>
-        </p:txBody>
-      </p:sp>
-      <p:sp>
-        <p:nvSpPr>
-          <p:cNvPr id="8" name="Rectangle 7"/>
-          <p:cNvSpPr/>
-          <p:nvPr/>
-        </p:nvSpPr>
-        <p:spPr>
-          <a:xfrm>
-            <a:off x="8848067" y="2599277"/>
-            <a:ext cx="2773539" cy="497149"/>
-          </a:xfrm>
-          <a:prstGeom prst="rect">
-            <a:avLst/>
-          </a:prstGeom>
-          <a:solidFill>
-            <a:schemeClr val="bg1"/>
-          </a:solidFill>
-          <a:ln w="22225">
-            <a:solidFill>
-              <a:schemeClr val="tx1"/>
-            </a:solidFill>
-          </a:ln>
-        </p:spPr>
-        <p:style>
-          <a:lnRef idx="1">
-            <a:schemeClr val="accent4"/>
-          </a:lnRef>
-          <a:fillRef idx="2">
-            <a:schemeClr val="accent4"/>
-          </a:fillRef>
-          <a:effectRef idx="1">
-            <a:schemeClr val="accent4"/>
-          </a:effectRef>
-          <a:fontRef idx="minor">
-            <a:schemeClr val="dk1"/>
-          </a:fontRef>
-        </p:style>
-        <p:txBody>
-          <a:bodyPr rtlCol="0" anchor="ctr"/>
-          <a:lstStyle/>
-          <a:p>
-            <a:pPr algn="ctr"/>
-            <a:r>
-              <a:rPr lang="en-US" smtClean="0"/>
-              <a:t>padding</a:t>
-            </a:r>
-            <a:endParaRPr lang="en-US"/>
-          </a:p>
-        </p:txBody>
-      </p:sp>
-      <p:cxnSp>
-        <p:nvCxnSpPr>
-          <p:cNvPr id="9" name="Straight Arrow Connector 8"/>
-          <p:cNvCxnSpPr/>
-          <p:nvPr/>
-        </p:nvCxnSpPr>
-        <p:spPr>
-          <a:xfrm flipV="1">
-            <a:off x="539914" y="2167128"/>
-            <a:ext cx="11081692" cy="0"/>
-          </a:xfrm>
-          <a:prstGeom prst="straightConnector1">
-            <a:avLst/>
-          </a:prstGeom>
-          <a:ln w="22225">
-            <a:headEnd type="triangle" w="lg" len="lg"/>
-            <a:tailEnd type="triangle" w="lg" len="lg"/>
-          </a:ln>
-        </p:spPr>
-        <p:style>
-          <a:lnRef idx="1">
-            <a:schemeClr val="dk1"/>
-          </a:lnRef>
-          <a:fillRef idx="0">
-            <a:schemeClr val="dk1"/>
-          </a:fillRef>
-          <a:effectRef idx="0">
-            <a:schemeClr val="dk1"/>
-          </a:effectRef>
-          <a:fontRef idx="minor">
-            <a:schemeClr val="tx1"/>
-          </a:fontRef>
-        </p:style>
-      </p:cxnSp>
-      <p:sp>
-        <p:nvSpPr>
-          <p:cNvPr id="12" name="Rectangle 11"/>
-          <p:cNvSpPr/>
-          <p:nvPr/>
-        </p:nvSpPr>
-        <p:spPr>
-          <a:xfrm>
-            <a:off x="5020068" y="1678564"/>
-            <a:ext cx="1902571" cy="497149"/>
-          </a:xfrm>
-          <a:prstGeom prst="rect">
-            <a:avLst/>
-          </a:prstGeom>
-          <a:noFill/>
-          <a:ln w="22225">
-            <a:noFill/>
-          </a:ln>
-        </p:spPr>
-        <p:style>
-          <a:lnRef idx="1">
-            <a:schemeClr val="accent4"/>
-          </a:lnRef>
-          <a:fillRef idx="2">
-            <a:schemeClr val="accent4"/>
-          </a:fillRef>
-          <a:effectRef idx="1">
-            <a:schemeClr val="accent4"/>
-          </a:effectRef>
-          <a:fontRef idx="minor">
-            <a:schemeClr val="dk1"/>
-          </a:fontRef>
-        </p:style>
-        <p:txBody>
-          <a:bodyPr rtlCol="0" anchor="ctr"/>
-          <a:lstStyle/>
-          <a:p>
-            <a:pPr algn="ctr"/>
-            <a:r>
-              <a:rPr lang="en-US" smtClean="0"/>
-              <a:t>size</a:t>
-            </a:r>
-            <a:r>
-              <a:rPr lang="ru-RU" smtClean="0"/>
-              <a:t> = </a:t>
-            </a:r>
-            <a:r>
-              <a:rPr lang="en-US" smtClean="0"/>
-              <a:t>3</a:t>
-            </a:r>
-            <a:r>
-              <a:rPr lang="ru-RU" smtClean="0"/>
-              <a:t>2 </a:t>
-            </a:r>
-            <a:r>
-              <a:rPr lang="en-US" smtClean="0"/>
-              <a:t>bytes</a:t>
-            </a:r>
-            <a:endParaRPr lang="en-US"/>
-          </a:p>
-        </p:txBody>
-      </p:sp>
-      <p:sp>
-        <p:nvSpPr>
-          <p:cNvPr id="13" name="Rectangle 12"/>
-          <p:cNvSpPr/>
-          <p:nvPr/>
-        </p:nvSpPr>
-        <p:spPr>
-          <a:xfrm>
-            <a:off x="3313453" y="4196934"/>
-            <a:ext cx="2773539" cy="497149"/>
-          </a:xfrm>
-          <a:prstGeom prst="rect">
-            <a:avLst/>
-          </a:prstGeom>
-          <a:solidFill>
-            <a:schemeClr val="bg1"/>
-          </a:solidFill>
-          <a:ln w="22225">
-            <a:solidFill>
-              <a:schemeClr val="tx1"/>
-            </a:solidFill>
-          </a:ln>
-        </p:spPr>
-        <p:style>
-          <a:lnRef idx="1">
-            <a:schemeClr val="accent4"/>
-          </a:lnRef>
-          <a:fillRef idx="2">
-            <a:schemeClr val="accent4"/>
-          </a:fillRef>
-          <a:effectRef idx="1">
-            <a:schemeClr val="accent4"/>
-          </a:effectRef>
-          <a:fontRef idx="minor">
-            <a:schemeClr val="dk1"/>
-          </a:fontRef>
-        </p:style>
-        <p:txBody>
-          <a:bodyPr rtlCol="0" anchor="ctr"/>
-          <a:lstStyle/>
-          <a:p>
-            <a:pPr algn="ctr"/>
-            <a:r>
-              <a:rPr lang="en-US" smtClean="0"/>
-              <a:t>size &lt;= 15</a:t>
-            </a:r>
-            <a:endParaRPr lang="en-US"/>
-          </a:p>
-        </p:txBody>
-      </p:sp>
-      <p:sp>
-        <p:nvSpPr>
-          <p:cNvPr id="14" name="Rectangle 13"/>
-          <p:cNvSpPr/>
-          <p:nvPr/>
-        </p:nvSpPr>
-        <p:spPr>
-          <a:xfrm>
-            <a:off x="6081705" y="4194397"/>
-            <a:ext cx="5539901" cy="497149"/>
-          </a:xfrm>
-          <a:prstGeom prst="rect">
-            <a:avLst/>
-          </a:prstGeom>
-          <a:solidFill>
-            <a:schemeClr val="bg1"/>
-          </a:solidFill>
-          <a:ln w="22225">
-            <a:solidFill>
-              <a:schemeClr val="tx1"/>
-            </a:solidFill>
-          </a:ln>
-        </p:spPr>
-        <p:style>
-          <a:lnRef idx="1">
-            <a:schemeClr val="accent4"/>
-          </a:lnRef>
-          <a:fillRef idx="2">
-            <a:schemeClr val="accent4"/>
-          </a:fillRef>
-          <a:effectRef idx="1">
-            <a:schemeClr val="accent4"/>
-          </a:effectRef>
-          <a:fontRef idx="minor">
-            <a:schemeClr val="dk1"/>
-          </a:fontRef>
-        </p:style>
-        <p:txBody>
-          <a:bodyPr rtlCol="0" anchor="ctr"/>
-          <a:lstStyle/>
-          <a:p>
-            <a:pPr algn="ctr"/>
-            <a:r>
-              <a:rPr lang="en-US" smtClean="0"/>
-              <a:t>small string</a:t>
-            </a:r>
-            <a:endParaRPr lang="en-US"/>
-          </a:p>
-        </p:txBody>
-      </p:sp>
-      <p:sp>
-        <p:nvSpPr>
-          <p:cNvPr id="15" name="Rectangle 14"/>
-          <p:cNvSpPr/>
-          <p:nvPr/>
-        </p:nvSpPr>
-        <p:spPr>
-          <a:xfrm>
-            <a:off x="539914" y="4196935"/>
-            <a:ext cx="2773539" cy="497149"/>
-          </a:xfrm>
-          <a:prstGeom prst="rect">
-            <a:avLst/>
-          </a:prstGeom>
-          <a:solidFill>
-            <a:schemeClr val="bg1"/>
-          </a:solidFill>
-          <a:ln w="22225">
-            <a:solidFill>
-              <a:schemeClr val="tx1"/>
-            </a:solidFill>
-          </a:ln>
-        </p:spPr>
-        <p:style>
-          <a:lnRef idx="1">
-            <a:schemeClr val="accent4"/>
-          </a:lnRef>
-          <a:fillRef idx="2">
-            <a:schemeClr val="accent4"/>
-          </a:fillRef>
-          <a:effectRef idx="1">
-            <a:schemeClr val="accent4"/>
-          </a:effectRef>
-          <a:fontRef idx="minor">
-            <a:schemeClr val="dk1"/>
-          </a:fontRef>
-        </p:style>
-        <p:txBody>
-          <a:bodyPr rtlCol="0" anchor="ctr"/>
-          <a:lstStyle/>
-          <a:p>
-            <a:pPr algn="ctr"/>
-            <a:r>
-              <a:rPr lang="en-US" smtClean="0"/>
-              <a:t>data: points to small string</a:t>
-            </a:r>
-            <a:endParaRPr lang="en-US"/>
-          </a:p>
-        </p:txBody>
-      </p:sp>
-      <p:cxnSp>
-        <p:nvCxnSpPr>
-          <p:cNvPr id="30" name="Straight Arrow Connector 29"/>
-          <p:cNvCxnSpPr/>
-          <p:nvPr/>
-        </p:nvCxnSpPr>
-        <p:spPr>
-          <a:xfrm flipV="1">
-            <a:off x="6080760" y="3843528"/>
-            <a:ext cx="5540846" cy="0"/>
-          </a:xfrm>
-          <a:prstGeom prst="straightConnector1">
-            <a:avLst/>
-          </a:prstGeom>
-          <a:ln w="22225">
-            <a:headEnd type="triangle" w="lg" len="lg"/>
-            <a:tailEnd type="triangle" w="lg" len="lg"/>
-          </a:ln>
-        </p:spPr>
-        <p:style>
-          <a:lnRef idx="1">
-            <a:schemeClr val="dk1"/>
-          </a:lnRef>
-          <a:fillRef idx="0">
-            <a:schemeClr val="dk1"/>
-          </a:fillRef>
-          <a:effectRef idx="0">
-            <a:schemeClr val="dk1"/>
-          </a:effectRef>
-          <a:fontRef idx="minor">
-            <a:schemeClr val="tx1"/>
-          </a:fontRef>
-        </p:style>
-      </p:cxnSp>
-      <p:sp>
-        <p:nvSpPr>
-          <p:cNvPr id="32" name="Rectangle 31"/>
-          <p:cNvSpPr/>
-          <p:nvPr/>
-        </p:nvSpPr>
-        <p:spPr>
-          <a:xfrm>
-            <a:off x="7702308" y="3343842"/>
-            <a:ext cx="1902571" cy="497149"/>
-          </a:xfrm>
-          <a:prstGeom prst="rect">
-            <a:avLst/>
-          </a:prstGeom>
-          <a:noFill/>
-          <a:ln w="22225">
-            <a:noFill/>
-          </a:ln>
-        </p:spPr>
-        <p:style>
-          <a:lnRef idx="1">
-            <a:schemeClr val="accent4"/>
-          </a:lnRef>
-          <a:fillRef idx="2">
-            <a:schemeClr val="accent4"/>
-          </a:fillRef>
-          <a:effectRef idx="1">
-            <a:schemeClr val="accent4"/>
-          </a:effectRef>
-          <a:fontRef idx="minor">
-            <a:schemeClr val="dk1"/>
-          </a:fontRef>
-        </p:style>
-        <p:txBody>
-          <a:bodyPr rtlCol="0" anchor="ctr"/>
-          <a:lstStyle/>
-          <a:p>
-            <a:pPr algn="ctr"/>
-            <a:r>
-              <a:rPr lang="en-US" smtClean="0"/>
-              <a:t>size</a:t>
-            </a:r>
-            <a:r>
-              <a:rPr lang="ru-RU" smtClean="0"/>
-              <a:t> = </a:t>
-            </a:r>
-            <a:r>
-              <a:rPr lang="en-US" smtClean="0"/>
-              <a:t>16</a:t>
-            </a:r>
-            <a:r>
-              <a:rPr lang="ru-RU" smtClean="0"/>
-              <a:t> </a:t>
-            </a:r>
-            <a:r>
-              <a:rPr lang="en-US" smtClean="0"/>
-              <a:t>bytes</a:t>
-            </a:r>
-            <a:endParaRPr lang="en-US"/>
-          </a:p>
-        </p:txBody>
-      </p:sp>
-      <p:sp>
-        <p:nvSpPr>
-          <p:cNvPr id="33" name="Content Placeholder 2"/>
-          <p:cNvSpPr>
-            <a:spLocks noGrp="1"/>
-          </p:cNvSpPr>
-          <p:nvPr>
-            <p:ph idx="1"/>
-          </p:nvPr>
-        </p:nvSpPr>
-        <p:spPr>
-          <a:xfrm>
-            <a:off x="1143000" y="5120640"/>
-            <a:ext cx="9872871" cy="975360"/>
-          </a:xfrm>
-        </p:spPr>
-        <p:txBody>
-          <a:bodyPr/>
-          <a:lstStyle/>
-          <a:p>
-            <a:r>
-              <a:rPr lang="ru-RU" smtClean="0"/>
-              <a:t>Это решение позволяет избежать потерь времени при доступе, но уменьшает размер самой строки</a:t>
-            </a:r>
-          </a:p>
-        </p:txBody>
-      </p:sp>
-    </p:spTree>
-    <p:extLst>
-      <p:ext uri="{BB962C8B-B14F-4D97-AF65-F5344CB8AC3E}">
-        <p14:creationId xmlns:p14="http://schemas.microsoft.com/office/powerpoint/2010/main" val="1739377952"/>
-      </p:ext>
-    </p:extLst>
-  </p:cSld>
-  <p:clrMapOvr>
-    <a:masterClrMapping/>
-  </p:clrMapOvr>
-</p:sld>
-</file>
-
-<file path=ppt/slides/slide53.xml><?xml version="1.0" encoding="utf-8"?>
-<p:sld xmlns:a="http://schemas.openxmlformats.org/drawingml/2006/main" xmlns:r="http://schemas.openxmlformats.org/officeDocument/2006/relationships" xmlns:p="http://schemas.openxmlformats.org/presentationml/2006/main">
-  <p:cSld>
-    <p:spTree>
-      <p:nvGrpSpPr>
-        <p:cNvPr id="1" name=""/>
-        <p:cNvGrpSpPr/>
-        <p:nvPr/>
-      </p:nvGrpSpPr>
-      <p:grpSpPr>
-        <a:xfrm>
-          <a:off x="0" y="0"/>
-          <a:ext cx="0" cy="0"/>
-          <a:chOff x="0" y="0"/>
-          <a:chExt cx="0" cy="0"/>
-        </a:xfrm>
-      </p:grpSpPr>
-      <p:sp>
-        <p:nvSpPr>
-          <p:cNvPr id="2" name="Title 1"/>
-          <p:cNvSpPr>
-            <a:spLocks noGrp="1"/>
-          </p:cNvSpPr>
-          <p:nvPr>
-            <p:ph type="title"/>
-          </p:nvPr>
-        </p:nvSpPr>
-        <p:spPr/>
-        <p:txBody>
-          <a:bodyPr/>
-          <a:lstStyle/>
-          <a:p>
-            <a:r>
-              <a:rPr lang="ru-RU" smtClean="0"/>
-              <a:t>Проблема: а теперь учтём </a:t>
-            </a:r>
-            <a:r>
-              <a:rPr lang="en-US" smtClean="0"/>
-              <a:t>UTF32</a:t>
-            </a:r>
-            <a:endParaRPr lang="en-US"/>
-          </a:p>
-        </p:txBody>
-      </p:sp>
-      <p:sp>
-        <p:nvSpPr>
-          <p:cNvPr id="3" name="Content Placeholder 2"/>
-          <p:cNvSpPr>
-            <a:spLocks noGrp="1"/>
-          </p:cNvSpPr>
-          <p:nvPr>
-            <p:ph idx="1"/>
-          </p:nvPr>
-        </p:nvSpPr>
-        <p:spPr/>
-        <p:txBody>
-          <a:bodyPr/>
-          <a:lstStyle/>
-          <a:p>
-            <a:r>
-              <a:rPr lang="ru-RU" smtClean="0"/>
-              <a:t>В случае если один символ занимает не один байт (а, например, четыре) у </a:t>
-            </a:r>
-            <a:r>
-              <a:rPr lang="en-US" smtClean="0"/>
-              <a:t>SSO </a:t>
-            </a:r>
-            <a:r>
-              <a:rPr lang="ru-RU" smtClean="0"/>
-              <a:t>проблемы.</a:t>
-            </a:r>
-          </a:p>
-          <a:p>
-            <a:r>
-              <a:rPr lang="ru-RU" smtClean="0"/>
-              <a:t>Но в первую очередь проблемы у нас. Как обобщить разработанную строчку на символы разных размеров?</a:t>
-            </a:r>
-          </a:p>
-          <a:p>
-            <a:r>
-              <a:rPr lang="ru-RU" smtClean="0"/>
-              <a:t>Первая идея: написать три разных класса: </a:t>
-            </a:r>
-            <a:r>
-              <a:rPr lang="en-US" smtClean="0"/>
-              <a:t>utf8string, </a:t>
-            </a:r>
-            <a:r>
-              <a:rPr lang="ru-RU" smtClean="0"/>
-              <a:t> </a:t>
-            </a:r>
-            <a:r>
-              <a:rPr lang="en-US" smtClean="0"/>
-              <a:t>utf16string</a:t>
-            </a:r>
-            <a:r>
-              <a:rPr lang="ru-RU" smtClean="0"/>
-              <a:t> и </a:t>
-            </a:r>
-            <a:r>
-              <a:rPr lang="en-US" smtClean="0"/>
-              <a:t>utf32string</a:t>
-            </a:r>
-          </a:p>
-          <a:p>
-            <a:r>
-              <a:rPr lang="ru-RU" smtClean="0"/>
-              <a:t>Покритикуйте эту идею</a:t>
-            </a:r>
-            <a:endParaRPr lang="en-US"/>
-          </a:p>
-        </p:txBody>
-      </p:sp>
-    </p:spTree>
-    <p:extLst>
-      <p:ext uri="{BB962C8B-B14F-4D97-AF65-F5344CB8AC3E}">
-        <p14:creationId xmlns:p14="http://schemas.microsoft.com/office/powerpoint/2010/main" val="656697118"/>
-      </p:ext>
-    </p:extLst>
-  </p:cSld>
-  <p:clrMapOvr>
-    <a:masterClrMapping/>
-  </p:clrMapOvr>
-</p:sld>
-</file>
-
-<file path=ppt/slides/slide54.xml><?xml version="1.0" encoding="utf-8"?>
-<p:sld xmlns:a="http://schemas.openxmlformats.org/drawingml/2006/main" xmlns:r="http://schemas.openxmlformats.org/officeDocument/2006/relationships" xmlns:p="http://schemas.openxmlformats.org/presentationml/2006/main">
-  <p:cSld>
-    <p:spTree>
-      <p:nvGrpSpPr>
-        <p:cNvPr id="1" name=""/>
-        <p:cNvGrpSpPr/>
-        <p:nvPr/>
-      </p:nvGrpSpPr>
-      <p:grpSpPr>
-        <a:xfrm>
-          <a:off x="0" y="0"/>
-          <a:ext cx="0" cy="0"/>
-          <a:chOff x="0" y="0"/>
-          <a:chExt cx="0" cy="0"/>
-        </a:xfrm>
-      </p:grpSpPr>
-      <p:sp>
-        <p:nvSpPr>
-          <p:cNvPr id="3" name="Content Placeholder 2"/>
-          <p:cNvSpPr>
-            <a:spLocks noGrp="1"/>
-          </p:cNvSpPr>
-          <p:nvPr>
-            <p:ph idx="1"/>
-          </p:nvPr>
-        </p:nvSpPr>
-        <p:spPr>
-          <a:xfrm>
-            <a:off x="1143000" y="742122"/>
-            <a:ext cx="9872871" cy="5353878"/>
-          </a:xfrm>
-        </p:spPr>
-        <p:txBody>
-          <a:bodyPr>
-            <a:noAutofit/>
-          </a:bodyPr>
-          <a:lstStyle/>
-          <a:p>
-            <a:pPr>
-              <a:lnSpc>
-                <a:spcPct val="150000"/>
-              </a:lnSpc>
-              <a:buFont typeface="Wingdings" panose="05000000000000000000" pitchFamily="2" charset="2"/>
-              <a:buChar char="q"/>
-            </a:pPr>
-            <a:r>
-              <a:rPr lang="ru-RU" sz="4800" smtClean="0"/>
-              <a:t> Строки в стиле </a:t>
-            </a:r>
-            <a:r>
-              <a:rPr lang="en-US" sz="4800" smtClean="0"/>
-              <a:t>C</a:t>
-            </a:r>
-            <a:endParaRPr lang="ru-RU" sz="4800" smtClean="0"/>
-          </a:p>
-          <a:p>
-            <a:pPr>
-              <a:lnSpc>
-                <a:spcPct val="150000"/>
-              </a:lnSpc>
-              <a:buFont typeface="Wingdings" panose="05000000000000000000" pitchFamily="2" charset="2"/>
-              <a:buChar char="q"/>
-            </a:pPr>
-            <a:r>
-              <a:rPr lang="ru-RU" sz="4800" smtClean="0"/>
-              <a:t> Класс строки</a:t>
-            </a:r>
-          </a:p>
-          <a:p>
-            <a:pPr>
-              <a:lnSpc>
-                <a:spcPct val="150000"/>
-              </a:lnSpc>
-              <a:buFont typeface="Wingdings" panose="05000000000000000000" pitchFamily="2" charset="2"/>
-              <a:buChar char="q"/>
-            </a:pPr>
-            <a:r>
-              <a:rPr lang="ru-RU" sz="4800" smtClean="0"/>
-              <a:t> Оптимизации: </a:t>
-            </a:r>
-            <a:r>
-              <a:rPr lang="en-US" sz="4800" smtClean="0"/>
-              <a:t>COW </a:t>
-            </a:r>
-            <a:r>
-              <a:rPr lang="ru-RU" sz="4800" smtClean="0"/>
-              <a:t>и </a:t>
-            </a:r>
-            <a:r>
-              <a:rPr lang="en-US" sz="4800" smtClean="0"/>
-              <a:t>SSO</a:t>
-            </a:r>
-            <a:endParaRPr lang="ru-RU" sz="4800" smtClean="0"/>
-          </a:p>
-          <a:p>
-            <a:pPr>
-              <a:lnSpc>
-                <a:spcPct val="150000"/>
-              </a:lnSpc>
-              <a:buFont typeface="Wingdings" panose="05000000000000000000" pitchFamily="2" charset="2"/>
-              <a:buChar char="Ø"/>
-            </a:pPr>
-            <a:r>
-              <a:rPr lang="ru-RU" sz="4800" smtClean="0"/>
-              <a:t> Шаблон класса строки</a:t>
-            </a:r>
-          </a:p>
-        </p:txBody>
-      </p:sp>
-    </p:spTree>
-    <p:extLst>
-      <p:ext uri="{BB962C8B-B14F-4D97-AF65-F5344CB8AC3E}">
-        <p14:creationId xmlns:p14="http://schemas.microsoft.com/office/powerpoint/2010/main" val="420010737"/>
-      </p:ext>
-    </p:extLst>
-  </p:cSld>
-  <p:clrMapOvr>
-    <a:masterClrMapping/>
-  </p:clrMapOvr>
-</p:sld>
-</file>
-
-<file path=ppt/slides/slide55.xml><?xml version="1.0" encoding="utf-8"?>
-<p:sld xmlns:a="http://schemas.openxmlformats.org/drawingml/2006/main" xmlns:r="http://schemas.openxmlformats.org/officeDocument/2006/relationships" xmlns:p="http://schemas.openxmlformats.org/presentationml/2006/main">
-  <p:cSld>
-    <p:spTree>
-      <p:nvGrpSpPr>
-        <p:cNvPr id="1" name=""/>
-        <p:cNvGrpSpPr/>
-        <p:nvPr/>
-      </p:nvGrpSpPr>
-      <p:grpSpPr>
-        <a:xfrm>
-          <a:off x="0" y="0"/>
-          <a:ext cx="0" cy="0"/>
-          <a:chOff x="0" y="0"/>
-          <a:chExt cx="0" cy="0"/>
-        </a:xfrm>
-      </p:grpSpPr>
-      <p:sp>
-        <p:nvSpPr>
-          <p:cNvPr id="2" name="Title 1"/>
-          <p:cNvSpPr>
-            <a:spLocks noGrp="1"/>
-          </p:cNvSpPr>
-          <p:nvPr>
-            <p:ph type="title"/>
-          </p:nvPr>
-        </p:nvSpPr>
-        <p:spPr/>
-        <p:txBody>
-          <a:bodyPr/>
-          <a:lstStyle/>
-          <a:p>
-            <a:r>
-              <a:rPr lang="ru-RU" smtClean="0"/>
-              <a:t>Шаблон класса строки</a:t>
-            </a:r>
-            <a:endParaRPr lang="en-US"/>
-          </a:p>
-        </p:txBody>
-      </p:sp>
-      <p:sp>
-        <p:nvSpPr>
-          <p:cNvPr id="3" name="Content Placeholder 2"/>
-          <p:cNvSpPr>
-            <a:spLocks noGrp="1"/>
-          </p:cNvSpPr>
-          <p:nvPr>
-            <p:ph idx="1"/>
-          </p:nvPr>
-        </p:nvSpPr>
-        <p:spPr/>
-        <p:txBody>
-          <a:bodyPr/>
-          <a:lstStyle/>
-          <a:p>
-            <a:r>
-              <a:rPr lang="ru-RU" smtClean="0"/>
-              <a:t>Как </a:t>
-            </a:r>
-            <a:r>
-              <a:rPr lang="ru-RU" smtClean="0">
-                <a:solidFill>
-                  <a:srgbClr val="FF0000"/>
-                </a:solidFill>
-              </a:rPr>
-              <a:t>в принципе</a:t>
-            </a:r>
-            <a:r>
-              <a:rPr lang="ru-RU" smtClean="0"/>
-              <a:t> устроен </a:t>
-            </a:r>
-            <a:r>
-              <a:rPr lang="en-US" smtClean="0"/>
-              <a:t>basic_string</a:t>
-            </a:r>
-          </a:p>
-          <a:p>
-            <a:pPr marL="45720" indent="0">
-              <a:buNone/>
-            </a:pPr>
-            <a:r>
-              <a:rPr lang="en-US" smtClean="0">
-                <a:latin typeface="Consolas" panose="020B0609020204030204" pitchFamily="49" charset="0"/>
-              </a:rPr>
-              <a:t>template &lt;typename </a:t>
-            </a:r>
-            <a:r>
-              <a:rPr lang="en-US" smtClean="0">
-                <a:solidFill>
-                  <a:srgbClr val="0000FF"/>
-                </a:solidFill>
-                <a:latin typeface="Consolas" panose="020B0609020204030204" pitchFamily="49" charset="0"/>
-              </a:rPr>
-              <a:t>CharT</a:t>
-            </a:r>
-            <a:r>
-              <a:rPr lang="en-US" smtClean="0">
-                <a:latin typeface="Consolas" panose="020B0609020204030204" pitchFamily="49" charset="0"/>
-              </a:rPr>
-              <a:t>&gt; class basic_string {</a:t>
-            </a:r>
-            <a:br>
-              <a:rPr lang="en-US" smtClean="0">
-                <a:latin typeface="Consolas" panose="020B0609020204030204" pitchFamily="49" charset="0"/>
-              </a:rPr>
-            </a:br>
-            <a:r>
-              <a:rPr lang="ru-RU" smtClean="0">
-                <a:latin typeface="Consolas" panose="020B0609020204030204" pitchFamily="49" charset="0"/>
-              </a:rPr>
-              <a:t>  </a:t>
-            </a:r>
-            <a:r>
-              <a:rPr lang="en-US" smtClean="0">
-                <a:solidFill>
-                  <a:srgbClr val="0000FF"/>
-                </a:solidFill>
-                <a:latin typeface="Consolas" panose="020B0609020204030204" pitchFamily="49" charset="0"/>
-              </a:rPr>
-              <a:t>CharT</a:t>
-            </a:r>
-            <a:r>
-              <a:rPr lang="en-US" smtClean="0">
-                <a:latin typeface="Consolas" panose="020B0609020204030204" pitchFamily="49" charset="0"/>
-              </a:rPr>
-              <a:t> *data;</a:t>
-            </a:r>
-            <a:br>
-              <a:rPr lang="en-US" smtClean="0">
-                <a:latin typeface="Consolas" panose="020B0609020204030204" pitchFamily="49" charset="0"/>
-              </a:rPr>
-            </a:br>
-            <a:r>
-              <a:rPr lang="en-US" smtClean="0">
-                <a:latin typeface="Consolas" panose="020B0609020204030204" pitchFamily="49" charset="0"/>
-              </a:rPr>
-              <a:t>  size_t size;</a:t>
-            </a:r>
-            <a:br>
-              <a:rPr lang="en-US" smtClean="0">
-                <a:latin typeface="Consolas" panose="020B0609020204030204" pitchFamily="49" charset="0"/>
-              </a:rPr>
-            </a:br>
-            <a:r>
-              <a:rPr lang="en-US" smtClean="0">
-                <a:latin typeface="Consolas" panose="020B0609020204030204" pitchFamily="49" charset="0"/>
-              </a:rPr>
-              <a:t>  union {</a:t>
-            </a:r>
-            <a:br>
-              <a:rPr lang="en-US" smtClean="0">
-                <a:latin typeface="Consolas" panose="020B0609020204030204" pitchFamily="49" charset="0"/>
-              </a:rPr>
-            </a:br>
-            <a:r>
-              <a:rPr lang="en-US" smtClean="0">
-                <a:latin typeface="Consolas" panose="020B0609020204030204" pitchFamily="49" charset="0"/>
-              </a:rPr>
-              <a:t>    size_t capacity;</a:t>
-            </a:r>
-            <a:br>
-              <a:rPr lang="en-US" smtClean="0">
-                <a:latin typeface="Consolas" panose="020B0609020204030204" pitchFamily="49" charset="0"/>
-              </a:rPr>
-            </a:br>
-            <a:r>
-              <a:rPr lang="en-US" smtClean="0">
-                <a:latin typeface="Consolas" panose="020B0609020204030204" pitchFamily="49" charset="0"/>
-              </a:rPr>
-              <a:t>    enum {SZ = (sizeof(data) + 2*sizeof(size_t) + 31) / 32;};</a:t>
-            </a:r>
-            <a:br>
-              <a:rPr lang="en-US" smtClean="0">
-                <a:latin typeface="Consolas" panose="020B0609020204030204" pitchFamily="49" charset="0"/>
-              </a:rPr>
-            </a:br>
-            <a:r>
-              <a:rPr lang="en-US" smtClean="0">
-                <a:latin typeface="Consolas" panose="020B0609020204030204" pitchFamily="49" charset="0"/>
-              </a:rPr>
-              <a:t>    </a:t>
-            </a:r>
-            <a:r>
-              <a:rPr lang="en-US" smtClean="0">
-                <a:solidFill>
-                  <a:srgbClr val="0000FF"/>
-                </a:solidFill>
-                <a:latin typeface="Consolas" panose="020B0609020204030204" pitchFamily="49" charset="0"/>
-              </a:rPr>
-              <a:t>CharT</a:t>
-            </a:r>
-            <a:r>
-              <a:rPr lang="en-US" smtClean="0">
-                <a:latin typeface="Consolas" panose="020B0609020204030204" pitchFamily="49" charset="0"/>
-              </a:rPr>
-              <a:t> small_str[SZ];</a:t>
-            </a:r>
-            <a:br>
-              <a:rPr lang="en-US" smtClean="0">
-                <a:latin typeface="Consolas" panose="020B0609020204030204" pitchFamily="49" charset="0"/>
-              </a:rPr>
-            </a:br>
-            <a:r>
-              <a:rPr lang="en-US" smtClean="0">
-                <a:latin typeface="Consolas" panose="020B0609020204030204" pitchFamily="49" charset="0"/>
-              </a:rPr>
-              <a:t>  } sso;</a:t>
-            </a:r>
-            <a:r>
-              <a:rPr lang="ru-RU" smtClean="0">
-                <a:latin typeface="Consolas" panose="020B0609020204030204" pitchFamily="49" charset="0"/>
-              </a:rPr>
-              <a:t/>
-            </a:r>
-            <a:br>
-              <a:rPr lang="ru-RU" smtClean="0">
-                <a:latin typeface="Consolas" panose="020B0609020204030204" pitchFamily="49" charset="0"/>
-              </a:rPr>
-            </a:br>
-            <a:r>
-              <a:rPr lang="en-US" smtClean="0">
-                <a:latin typeface="Consolas" panose="020B0609020204030204" pitchFamily="49" charset="0"/>
-              </a:rPr>
-              <a:t>public:</a:t>
-            </a:r>
-            <a:br>
-              <a:rPr lang="en-US" smtClean="0">
-                <a:latin typeface="Consolas" panose="020B0609020204030204" pitchFamily="49" charset="0"/>
-              </a:rPr>
-            </a:br>
-            <a:r>
-              <a:rPr lang="en-US" smtClean="0">
-                <a:latin typeface="Consolas" panose="020B0609020204030204" pitchFamily="49" charset="0"/>
-              </a:rPr>
-              <a:t>  // </a:t>
-            </a:r>
-            <a:r>
-              <a:rPr lang="ru-RU" smtClean="0">
-                <a:latin typeface="Consolas" panose="020B0609020204030204" pitchFamily="49" charset="0"/>
-              </a:rPr>
-              <a:t>тут все его 89 методов</a:t>
-            </a:r>
-            <a:r>
-              <a:rPr lang="en-US" smtClean="0">
-                <a:latin typeface="Consolas" panose="020B0609020204030204" pitchFamily="49" charset="0"/>
-              </a:rPr>
-              <a:t/>
-            </a:r>
-            <a:br>
-              <a:rPr lang="en-US" smtClean="0">
-                <a:latin typeface="Consolas" panose="020B0609020204030204" pitchFamily="49" charset="0"/>
-              </a:rPr>
-            </a:br>
-            <a:r>
-              <a:rPr lang="en-US" smtClean="0">
-                <a:latin typeface="Consolas" panose="020B0609020204030204" pitchFamily="49" charset="0"/>
-              </a:rPr>
-              <a:t>};</a:t>
-            </a:r>
-            <a:endParaRPr lang="ru-RU" smtClean="0">
-              <a:latin typeface="Consolas" panose="020B0609020204030204" pitchFamily="49" charset="0"/>
-            </a:endParaRPr>
-          </a:p>
-          <a:p>
-            <a:r>
-              <a:rPr lang="ru-RU" smtClean="0"/>
-              <a:t>Это позволяет делать разные строки для разных типов символов</a:t>
-            </a:r>
-            <a:endParaRPr lang="en-US"/>
-          </a:p>
-        </p:txBody>
-      </p:sp>
-    </p:spTree>
-    <p:extLst>
-      <p:ext uri="{BB962C8B-B14F-4D97-AF65-F5344CB8AC3E}">
-        <p14:creationId xmlns:p14="http://schemas.microsoft.com/office/powerpoint/2010/main" val="3077955316"/>
-      </p:ext>
-    </p:extLst>
-  </p:cSld>
-  <p:clrMapOvr>
-    <a:masterClrMapping/>
-  </p:clrMapOvr>
-</p:sld>
-</file>
-
-<file path=ppt/slides/slide56.xml><?xml version="1.0" encoding="utf-8"?>
-<p:sld xmlns:a="http://schemas.openxmlformats.org/drawingml/2006/main" xmlns:r="http://schemas.openxmlformats.org/officeDocument/2006/relationships" xmlns:p="http://schemas.openxmlformats.org/presentationml/2006/main">
-  <p:cSld>
-    <p:spTree>
-      <p:nvGrpSpPr>
-        <p:cNvPr id="1" name=""/>
-        <p:cNvGrpSpPr/>
-        <p:nvPr/>
-      </p:nvGrpSpPr>
-      <p:grpSpPr>
-        <a:xfrm>
-          <a:off x="0" y="0"/>
-          <a:ext cx="0" cy="0"/>
-          <a:chOff x="0" y="0"/>
-          <a:chExt cx="0" cy="0"/>
-        </a:xfrm>
-      </p:grpSpPr>
-      <p:sp>
-        <p:nvSpPr>
-          <p:cNvPr id="2" name="Title 1"/>
-          <p:cNvSpPr>
-            <a:spLocks noGrp="1"/>
-          </p:cNvSpPr>
-          <p:nvPr>
-            <p:ph type="title"/>
-          </p:nvPr>
-        </p:nvSpPr>
-        <p:spPr/>
-        <p:txBody>
-          <a:bodyPr/>
-          <a:lstStyle/>
-          <a:p>
-            <a:r>
-              <a:rPr lang="ru-RU" smtClean="0"/>
-              <a:t>Определения для удобства</a:t>
-            </a:r>
-            <a:endParaRPr lang="en-US"/>
-          </a:p>
-        </p:txBody>
-      </p:sp>
-      <p:sp>
-        <p:nvSpPr>
-          <p:cNvPr id="3" name="Content Placeholder 2"/>
-          <p:cNvSpPr>
-            <a:spLocks noGrp="1"/>
-          </p:cNvSpPr>
-          <p:nvPr>
-            <p:ph idx="1"/>
-          </p:nvPr>
-        </p:nvSpPr>
-        <p:spPr/>
-        <p:txBody>
-          <a:bodyPr/>
-          <a:lstStyle/>
-          <a:p>
-            <a:pPr marL="45720" indent="0">
-              <a:buNone/>
-            </a:pPr>
-            <a:r>
-              <a:rPr lang="en-US" smtClean="0">
-                <a:latin typeface="Consolas" panose="020B0609020204030204" pitchFamily="49" charset="0"/>
-              </a:rPr>
-              <a:t>typedef basic_string&lt;char&gt; string;</a:t>
-            </a:r>
-          </a:p>
-          <a:p>
-            <a:pPr marL="45720" indent="0">
-              <a:buNone/>
-            </a:pPr>
-            <a:r>
-              <a:rPr lang="en-US">
-                <a:latin typeface="Consolas" panose="020B0609020204030204" pitchFamily="49" charset="0"/>
-              </a:rPr>
-              <a:t>typedef </a:t>
-            </a:r>
-            <a:r>
-              <a:rPr lang="en-US" smtClean="0">
-                <a:latin typeface="Consolas" panose="020B0609020204030204" pitchFamily="49" charset="0"/>
-              </a:rPr>
-              <a:t>basic_string&lt;u16char_t&gt; u16string</a:t>
-            </a:r>
-            <a:r>
-              <a:rPr lang="en-US">
-                <a:latin typeface="Consolas" panose="020B0609020204030204" pitchFamily="49" charset="0"/>
-              </a:rPr>
-              <a:t>;</a:t>
-            </a:r>
-          </a:p>
-          <a:p>
-            <a:pPr marL="45720" indent="0">
-              <a:buNone/>
-            </a:pPr>
-            <a:r>
-              <a:rPr lang="en-US" smtClean="0">
-                <a:latin typeface="Consolas" panose="020B0609020204030204" pitchFamily="49" charset="0"/>
-              </a:rPr>
-              <a:t>typedef basic_string&lt;u32char_t&gt; u32string</a:t>
-            </a:r>
-            <a:r>
-              <a:rPr lang="en-US">
-                <a:latin typeface="Consolas" panose="020B0609020204030204" pitchFamily="49" charset="0"/>
-              </a:rPr>
-              <a:t>;</a:t>
-            </a:r>
-          </a:p>
-          <a:p>
-            <a:pPr marL="45720" indent="0">
-              <a:buNone/>
-            </a:pPr>
-            <a:r>
-              <a:rPr lang="en-US" smtClean="0">
-                <a:latin typeface="Consolas" panose="020B0609020204030204" pitchFamily="49" charset="0"/>
-              </a:rPr>
-              <a:t>typedef basic_string&lt;wchar_t&gt; wstring;</a:t>
-            </a:r>
-          </a:p>
-          <a:p>
-            <a:r>
-              <a:rPr lang="ru-RU" smtClean="0"/>
-              <a:t>Тут сознательно использован </a:t>
-            </a:r>
-            <a:r>
-              <a:rPr lang="en-US" smtClean="0"/>
-              <a:t>typedef </a:t>
-            </a:r>
-            <a:r>
-              <a:rPr lang="ru-RU" smtClean="0"/>
-              <a:t>а не </a:t>
-            </a:r>
-            <a:r>
-              <a:rPr lang="en-US" smtClean="0"/>
-              <a:t>using. </a:t>
-            </a:r>
-            <a:r>
-              <a:rPr lang="ru-RU" smtClean="0"/>
-              <a:t>Вы должны быть одинаковы хорошо знакомы с обоими способами определения синонимов</a:t>
-            </a:r>
-          </a:p>
-          <a:p>
-            <a:r>
-              <a:rPr lang="ru-RU" smtClean="0"/>
-              <a:t>Обсуждение: что насчёт </a:t>
-            </a:r>
-            <a:r>
-              <a:rPr lang="en-US" smtClean="0">
-                <a:latin typeface="Consolas" panose="020B0609020204030204" pitchFamily="49" charset="0"/>
-              </a:rPr>
-              <a:t>basic_string&lt;float&gt;</a:t>
-            </a:r>
-          </a:p>
-          <a:p>
-            <a:r>
-              <a:rPr lang="ru-RU" smtClean="0"/>
-              <a:t>Самый сложный вопрос: что с завершающим символом?</a:t>
-            </a:r>
-            <a:endParaRPr lang="en-US">
-              <a:latin typeface="Consolas" panose="020B0609020204030204" pitchFamily="49" charset="0"/>
-            </a:endParaRPr>
-          </a:p>
-        </p:txBody>
-      </p:sp>
-    </p:spTree>
-    <p:extLst>
-      <p:ext uri="{BB962C8B-B14F-4D97-AF65-F5344CB8AC3E}">
-        <p14:creationId xmlns:p14="http://schemas.microsoft.com/office/powerpoint/2010/main" val="3272053172"/>
-      </p:ext>
-    </p:extLst>
-  </p:cSld>
-  <p:clrMapOvr>
-    <a:masterClrMapping/>
-  </p:clrMapOvr>
-</p:sld>
-</file>
-
-<file path=ppt/slides/slide57.xml><?xml version="1.0" encoding="utf-8"?>
-<p:sld xmlns:a="http://schemas.openxmlformats.org/drawingml/2006/main" xmlns:r="http://schemas.openxmlformats.org/officeDocument/2006/relationships" xmlns:p="http://schemas.openxmlformats.org/presentationml/2006/main">
-  <p:cSld>
-    <p:spTree>
-      <p:nvGrpSpPr>
-        <p:cNvPr id="1" name=""/>
-        <p:cNvGrpSpPr/>
-        <p:nvPr/>
-      </p:nvGrpSpPr>
-      <p:grpSpPr>
-        <a:xfrm>
-          <a:off x="0" y="0"/>
-          <a:ext cx="0" cy="0"/>
-          <a:chOff x="0" y="0"/>
-          <a:chExt cx="0" cy="0"/>
-        </a:xfrm>
-      </p:grpSpPr>
-      <p:sp>
-        <p:nvSpPr>
-          <p:cNvPr id="2" name="Title 1"/>
-          <p:cNvSpPr>
-            <a:spLocks noGrp="1"/>
-          </p:cNvSpPr>
-          <p:nvPr>
-            <p:ph type="title"/>
-          </p:nvPr>
-        </p:nvSpPr>
-        <p:spPr/>
-        <p:txBody>
-          <a:bodyPr/>
-          <a:lstStyle/>
-          <a:p>
-            <a:r>
-              <a:rPr lang="ru-RU" smtClean="0"/>
-              <a:t>Характеристики типов</a:t>
-            </a:r>
-            <a:endParaRPr lang="en-US"/>
-          </a:p>
-        </p:txBody>
-      </p:sp>
-      <p:sp>
-        <p:nvSpPr>
-          <p:cNvPr id="3" name="Content Placeholder 2"/>
-          <p:cNvSpPr>
-            <a:spLocks noGrp="1"/>
-          </p:cNvSpPr>
-          <p:nvPr>
-            <p:ph idx="1"/>
-          </p:nvPr>
-        </p:nvSpPr>
-        <p:spPr/>
-        <p:txBody>
-          <a:bodyPr/>
-          <a:lstStyle/>
-          <a:p>
-            <a:r>
-              <a:rPr lang="ru-RU" smtClean="0"/>
-              <a:t>Есть много вопросов, ответы на которые знает только конкретный </a:t>
-            </a:r>
-            <a:r>
-              <a:rPr lang="en-US" smtClean="0"/>
-              <a:t>CharT</a:t>
-            </a:r>
-          </a:p>
-          <a:p>
-            <a:r>
-              <a:rPr lang="ru-RU" smtClean="0"/>
-              <a:t>Разумно свести всё это в класс </a:t>
-            </a:r>
-            <a:endParaRPr lang="en-US" smtClean="0"/>
-          </a:p>
-          <a:p>
-            <a:pPr marL="45720" indent="0">
-              <a:buNone/>
-            </a:pPr>
-            <a:r>
-              <a:rPr lang="en-US">
-                <a:latin typeface="Consolas" panose="020B0609020204030204" pitchFamily="49" charset="0"/>
-              </a:rPr>
-              <a:t>t</a:t>
-            </a:r>
-            <a:r>
-              <a:rPr lang="en-US" smtClean="0">
-                <a:latin typeface="Consolas" panose="020B0609020204030204" pitchFamily="49" charset="0"/>
-              </a:rPr>
-              <a:t>emplate&lt;class</a:t>
-            </a:r>
-            <a:r>
-              <a:rPr lang="en-US">
-                <a:latin typeface="Consolas" panose="020B0609020204030204" pitchFamily="49" charset="0"/>
-              </a:rPr>
-              <a:t> </a:t>
-            </a:r>
-            <a:r>
-              <a:rPr lang="en-US" smtClean="0">
-                <a:latin typeface="Consolas" panose="020B0609020204030204" pitchFamily="49" charset="0"/>
-              </a:rPr>
-              <a:t>CharT</a:t>
-            </a:r>
-            <a:r>
-              <a:rPr lang="en-US">
-                <a:latin typeface="Consolas" panose="020B0609020204030204" pitchFamily="49" charset="0"/>
-              </a:rPr>
-              <a:t>&gt; class char_traits</a:t>
-            </a:r>
-            <a:r>
-              <a:rPr lang="en-US" smtClean="0">
-                <a:latin typeface="Consolas" panose="020B0609020204030204" pitchFamily="49" charset="0"/>
-              </a:rPr>
-              <a:t>;</a:t>
-            </a:r>
-          </a:p>
-          <a:p>
-            <a:r>
-              <a:rPr lang="ru-RU" smtClean="0"/>
-              <a:t>Основные методы:</a:t>
-            </a:r>
-          </a:p>
-          <a:p>
-            <a:r>
-              <a:rPr lang="en-US" smtClean="0"/>
-              <a:t>assign, eq, lt, move, compare, find, eof, ....</a:t>
-            </a:r>
-          </a:p>
-          <a:p>
-            <a:pPr marL="45720" indent="0">
-              <a:buNone/>
-            </a:pPr>
-            <a:r>
-              <a:rPr lang="en-US">
-                <a:latin typeface="Consolas" panose="020B0609020204030204" pitchFamily="49" charset="0"/>
-              </a:rPr>
-              <a:t>template &lt;typename </a:t>
-            </a:r>
-            <a:r>
-              <a:rPr lang="en-US" smtClean="0">
-                <a:solidFill>
-                  <a:srgbClr val="0000FF"/>
-                </a:solidFill>
-                <a:latin typeface="Consolas" panose="020B0609020204030204" pitchFamily="49" charset="0"/>
-              </a:rPr>
-              <a:t>CharT</a:t>
-            </a:r>
-            <a:r>
-              <a:rPr lang="en-US" smtClean="0">
-                <a:latin typeface="Consolas" panose="020B0609020204030204" pitchFamily="49" charset="0"/>
-              </a:rPr>
-              <a:t>,</a:t>
-            </a:r>
-            <a:br>
-              <a:rPr lang="en-US" smtClean="0">
-                <a:latin typeface="Consolas" panose="020B0609020204030204" pitchFamily="49" charset="0"/>
-              </a:rPr>
-            </a:br>
-            <a:r>
-              <a:rPr lang="en-US" smtClean="0">
-                <a:latin typeface="Consolas" panose="020B0609020204030204" pitchFamily="49" charset="0"/>
-              </a:rPr>
-              <a:t>          typename </a:t>
-            </a:r>
-            <a:r>
-              <a:rPr lang="en-US" smtClean="0">
-                <a:solidFill>
-                  <a:srgbClr val="0000FF"/>
-                </a:solidFill>
-                <a:latin typeface="Consolas" panose="020B0609020204030204" pitchFamily="49" charset="0"/>
-              </a:rPr>
-              <a:t>Traits</a:t>
-            </a:r>
-            <a:r>
-              <a:rPr lang="en-US" smtClean="0">
-                <a:latin typeface="Consolas" panose="020B0609020204030204" pitchFamily="49" charset="0"/>
-              </a:rPr>
-              <a:t> = std::char_traits&lt;</a:t>
-            </a:r>
-            <a:r>
-              <a:rPr lang="en-US" smtClean="0">
-                <a:solidFill>
-                  <a:srgbClr val="0000FF"/>
-                </a:solidFill>
-                <a:latin typeface="Consolas" panose="020B0609020204030204" pitchFamily="49" charset="0"/>
-              </a:rPr>
-              <a:t>CharT</a:t>
-            </a:r>
-            <a:r>
-              <a:rPr lang="en-US" smtClean="0">
-                <a:latin typeface="Consolas" panose="020B0609020204030204" pitchFamily="49" charset="0"/>
-              </a:rPr>
-              <a:t>&gt;&gt; </a:t>
-            </a:r>
-            <a:br>
-              <a:rPr lang="en-US" smtClean="0">
-                <a:latin typeface="Consolas" panose="020B0609020204030204" pitchFamily="49" charset="0"/>
-              </a:rPr>
-            </a:br>
-            <a:r>
-              <a:rPr lang="en-US" smtClean="0">
-                <a:latin typeface="Consolas" panose="020B0609020204030204" pitchFamily="49" charset="0"/>
-              </a:rPr>
-              <a:t>class </a:t>
-            </a:r>
-            <a:r>
-              <a:rPr lang="en-US">
-                <a:latin typeface="Consolas" panose="020B0609020204030204" pitchFamily="49" charset="0"/>
-              </a:rPr>
-              <a:t>basic_string </a:t>
-            </a:r>
-            <a:r>
-              <a:rPr lang="en-US" smtClean="0">
-                <a:latin typeface="Consolas" panose="020B0609020204030204" pitchFamily="49" charset="0"/>
-              </a:rPr>
-              <a:t>{</a:t>
-            </a:r>
-          </a:p>
-          <a:p>
-            <a:pPr marL="45720" indent="0">
-              <a:buNone/>
-            </a:pPr>
-            <a:r>
-              <a:rPr lang="en-US" smtClean="0">
-                <a:latin typeface="Consolas" panose="020B0609020204030204" pitchFamily="49" charset="0"/>
-              </a:rPr>
-              <a:t>// </a:t>
-            </a:r>
-            <a:r>
-              <a:rPr lang="ru-RU" smtClean="0">
-                <a:latin typeface="Consolas" panose="020B0609020204030204" pitchFamily="49" charset="0"/>
-              </a:rPr>
-              <a:t>тут всё точно так же</a:t>
-            </a:r>
-            <a:r>
-              <a:rPr lang="en-US" smtClean="0">
-                <a:latin typeface="Consolas" panose="020B0609020204030204" pitchFamily="49" charset="0"/>
-              </a:rPr>
-              <a:t> </a:t>
-            </a:r>
-            <a:r>
-              <a:rPr lang="ru-RU">
-                <a:latin typeface="Consolas" panose="020B0609020204030204" pitchFamily="49" charset="0"/>
-              </a:rPr>
-              <a:t>но с использованием </a:t>
-            </a:r>
-            <a:r>
-              <a:rPr lang="en-US">
-                <a:latin typeface="Consolas" panose="020B0609020204030204" pitchFamily="49" charset="0"/>
-              </a:rPr>
-              <a:t>Traits</a:t>
-            </a:r>
-            <a:endParaRPr lang="en-US"/>
-          </a:p>
-        </p:txBody>
-      </p:sp>
-    </p:spTree>
-    <p:extLst>
-      <p:ext uri="{BB962C8B-B14F-4D97-AF65-F5344CB8AC3E}">
-        <p14:creationId xmlns:p14="http://schemas.microsoft.com/office/powerpoint/2010/main" val="1082010606"/>
-      </p:ext>
-    </p:extLst>
-  </p:cSld>
-  <p:clrMapOvr>
-    <a:masterClrMapping/>
-  </p:clrMapOvr>
-</p:sld>
-</file>
-
-<file path=ppt/slides/slide58.xml><?xml version="1.0" encoding="utf-8"?>
-<p:sld xmlns:a="http://schemas.openxmlformats.org/drawingml/2006/main" xmlns:r="http://schemas.openxmlformats.org/officeDocument/2006/relationships" xmlns:p="http://schemas.openxmlformats.org/presentationml/2006/main">
-  <p:cSld>
-    <p:spTree>
-      <p:nvGrpSpPr>
-        <p:cNvPr id="1" name=""/>
-        <p:cNvGrpSpPr/>
-        <p:nvPr/>
-      </p:nvGrpSpPr>
-      <p:grpSpPr>
-        <a:xfrm>
-          <a:off x="0" y="0"/>
-          <a:ext cx="0" cy="0"/>
-          <a:chOff x="0" y="0"/>
-          <a:chExt cx="0" cy="0"/>
-        </a:xfrm>
-      </p:grpSpPr>
-      <p:sp>
-        <p:nvSpPr>
-          <p:cNvPr id="2" name="Title 1"/>
-          <p:cNvSpPr>
-            <a:spLocks noGrp="1"/>
-          </p:cNvSpPr>
-          <p:nvPr>
-            <p:ph type="title"/>
-          </p:nvPr>
-        </p:nvSpPr>
-        <p:spPr/>
-        <p:txBody>
-          <a:bodyPr/>
-          <a:lstStyle/>
-          <a:p>
-            <a:r>
-              <a:rPr lang="ru-RU" smtClean="0"/>
-              <a:t>Обсуждение</a:t>
-            </a:r>
-            <a:endParaRPr lang="en-US"/>
-          </a:p>
-        </p:txBody>
-      </p:sp>
-      <p:sp>
-        <p:nvSpPr>
-          <p:cNvPr id="3" name="Content Placeholder 2"/>
-          <p:cNvSpPr>
-            <a:spLocks noGrp="1"/>
-          </p:cNvSpPr>
-          <p:nvPr>
-            <p:ph idx="1"/>
-          </p:nvPr>
-        </p:nvSpPr>
-        <p:spPr/>
-        <p:txBody>
-          <a:bodyPr/>
-          <a:lstStyle/>
-          <a:p>
-            <a:r>
-              <a:rPr lang="ru-RU" smtClean="0"/>
-              <a:t>Является ли способ выделения памяти на символ характеристикой символа?</a:t>
-            </a:r>
-            <a:endParaRPr lang="en-US"/>
-          </a:p>
-        </p:txBody>
-      </p:sp>
-    </p:spTree>
-    <p:extLst>
-      <p:ext uri="{BB962C8B-B14F-4D97-AF65-F5344CB8AC3E}">
-        <p14:creationId xmlns:p14="http://schemas.microsoft.com/office/powerpoint/2010/main" val="2925693569"/>
-      </p:ext>
-    </p:extLst>
-  </p:cSld>
-  <p:clrMapOvr>
-    <a:masterClrMapping/>
-  </p:clrMapOvr>
-</p:sld>
-</file>
-
-<file path=ppt/slides/slide59.xml><?xml version="1.0" encoding="utf-8"?>
-<p:sld xmlns:a="http://schemas.openxmlformats.org/drawingml/2006/main" xmlns:r="http://schemas.openxmlformats.org/officeDocument/2006/relationships" xmlns:p="http://schemas.openxmlformats.org/presentationml/2006/main">
-  <p:cSld>
-    <p:spTree>
-      <p:nvGrpSpPr>
-        <p:cNvPr id="1" name=""/>
-        <p:cNvGrpSpPr/>
-        <p:nvPr/>
-      </p:nvGrpSpPr>
-      <p:grpSpPr>
-        <a:xfrm>
-          <a:off x="0" y="0"/>
-          <a:ext cx="0" cy="0"/>
-          <a:chOff x="0" y="0"/>
-          <a:chExt cx="0" cy="0"/>
-        </a:xfrm>
-      </p:grpSpPr>
-      <p:sp>
-        <p:nvSpPr>
-          <p:cNvPr id="2" name="Title 1"/>
-          <p:cNvSpPr>
-            <a:spLocks noGrp="1"/>
-          </p:cNvSpPr>
-          <p:nvPr>
-            <p:ph type="title"/>
-          </p:nvPr>
-        </p:nvSpPr>
-        <p:spPr/>
-        <p:txBody>
-          <a:bodyPr/>
-          <a:lstStyle/>
-          <a:p>
-            <a:r>
-              <a:rPr lang="ru-RU" smtClean="0"/>
-              <a:t>Аллокаторы</a:t>
-            </a:r>
-            <a:endParaRPr lang="en-US"/>
-          </a:p>
-        </p:txBody>
-      </p:sp>
-      <p:sp>
-        <p:nvSpPr>
-          <p:cNvPr id="3" name="Content Placeholder 2"/>
-          <p:cNvSpPr>
-            <a:spLocks noGrp="1"/>
-          </p:cNvSpPr>
-          <p:nvPr>
-            <p:ph idx="1"/>
-          </p:nvPr>
-        </p:nvSpPr>
-        <p:spPr/>
-        <p:txBody>
-          <a:bodyPr/>
-          <a:lstStyle/>
-          <a:p>
-            <a:r>
-              <a:rPr lang="ru-RU" smtClean="0"/>
-              <a:t>Выделение памяти абстрагирует аллокатор. Стандартный аллокатор сводится к </a:t>
-            </a:r>
-            <a:r>
-              <a:rPr lang="en-US" smtClean="0"/>
-              <a:t>malloc.</a:t>
-            </a:r>
-          </a:p>
-          <a:p>
-            <a:pPr marL="45720" indent="0">
-              <a:buNone/>
-            </a:pPr>
-            <a:r>
-              <a:rPr lang="en-US" smtClean="0">
-                <a:latin typeface="Consolas" panose="020B0609020204030204" pitchFamily="49" charset="0"/>
-              </a:rPr>
-              <a:t>template </a:t>
-            </a:r>
-            <a:r>
-              <a:rPr lang="en-US">
-                <a:latin typeface="Consolas" panose="020B0609020204030204" pitchFamily="49" charset="0"/>
-              </a:rPr>
-              <a:t>&lt;typename </a:t>
-            </a:r>
-            <a:r>
-              <a:rPr lang="en-US" smtClean="0">
-                <a:solidFill>
-                  <a:srgbClr val="0000FF"/>
-                </a:solidFill>
-                <a:latin typeface="Consolas" panose="020B0609020204030204" pitchFamily="49" charset="0"/>
-              </a:rPr>
-              <a:t>CharT</a:t>
-            </a:r>
-            <a:r>
-              <a:rPr lang="en-US" smtClean="0">
-                <a:latin typeface="Consolas" panose="020B0609020204030204" pitchFamily="49" charset="0"/>
-              </a:rPr>
-              <a:t>,</a:t>
-            </a:r>
-            <a:br>
-              <a:rPr lang="en-US" smtClean="0">
-                <a:latin typeface="Consolas" panose="020B0609020204030204" pitchFamily="49" charset="0"/>
-              </a:rPr>
-            </a:br>
-            <a:r>
-              <a:rPr lang="en-US" smtClean="0">
-                <a:latin typeface="Consolas" panose="020B0609020204030204" pitchFamily="49" charset="0"/>
-              </a:rPr>
-              <a:t>          typename </a:t>
-            </a:r>
-            <a:r>
-              <a:rPr lang="en-US" smtClean="0">
-                <a:solidFill>
-                  <a:srgbClr val="0000FF"/>
-                </a:solidFill>
-                <a:latin typeface="Consolas" panose="020B0609020204030204" pitchFamily="49" charset="0"/>
-              </a:rPr>
-              <a:t>Traits</a:t>
-            </a:r>
-            <a:r>
-              <a:rPr lang="en-US" smtClean="0">
-                <a:latin typeface="Consolas" panose="020B0609020204030204" pitchFamily="49" charset="0"/>
-              </a:rPr>
-              <a:t> = std::char_traits&lt;</a:t>
-            </a:r>
-            <a:r>
-              <a:rPr lang="en-US" smtClean="0">
-                <a:solidFill>
-                  <a:srgbClr val="0000FF"/>
-                </a:solidFill>
-                <a:latin typeface="Consolas" panose="020B0609020204030204" pitchFamily="49" charset="0"/>
-              </a:rPr>
-              <a:t>CharT</a:t>
-            </a:r>
-            <a:r>
-              <a:rPr lang="en-US" smtClean="0">
-                <a:latin typeface="Consolas" panose="020B0609020204030204" pitchFamily="49" charset="0"/>
-              </a:rPr>
-              <a:t>&gt;</a:t>
-            </a:r>
-            <a:br>
-              <a:rPr lang="en-US" smtClean="0">
-                <a:latin typeface="Consolas" panose="020B0609020204030204" pitchFamily="49" charset="0"/>
-              </a:rPr>
-            </a:br>
-            <a:r>
-              <a:rPr lang="en-US" smtClean="0">
-                <a:latin typeface="Consolas" panose="020B0609020204030204" pitchFamily="49" charset="0"/>
-              </a:rPr>
-              <a:t>          typename </a:t>
-            </a:r>
-            <a:r>
-              <a:rPr lang="en-US" smtClean="0">
-                <a:solidFill>
-                  <a:srgbClr val="0000FF"/>
-                </a:solidFill>
-                <a:latin typeface="Consolas" panose="020B0609020204030204" pitchFamily="49" charset="0"/>
-              </a:rPr>
-              <a:t>Allocator</a:t>
-            </a:r>
-            <a:r>
-              <a:rPr lang="en-US" smtClean="0">
-                <a:latin typeface="Consolas" panose="020B0609020204030204" pitchFamily="49" charset="0"/>
-              </a:rPr>
-              <a:t> = std::allocator</a:t>
-            </a:r>
-            <a:r>
-              <a:rPr lang="en-US">
-                <a:latin typeface="Consolas" panose="020B0609020204030204" pitchFamily="49" charset="0"/>
-              </a:rPr>
-              <a:t>&lt;</a:t>
-            </a:r>
-            <a:r>
-              <a:rPr lang="en-US">
-                <a:solidFill>
-                  <a:srgbClr val="0000FF"/>
-                </a:solidFill>
-                <a:latin typeface="Consolas" panose="020B0609020204030204" pitchFamily="49" charset="0"/>
-              </a:rPr>
-              <a:t>CharT</a:t>
-            </a:r>
-            <a:r>
-              <a:rPr lang="en-US">
-                <a:latin typeface="Consolas" panose="020B0609020204030204" pitchFamily="49" charset="0"/>
-              </a:rPr>
-              <a:t>&gt;</a:t>
-            </a:r>
-            <a:r>
-              <a:rPr lang="en-US" smtClean="0">
-                <a:latin typeface="Consolas" panose="020B0609020204030204" pitchFamily="49" charset="0"/>
-              </a:rPr>
-              <a:t>&gt; </a:t>
-            </a:r>
-          </a:p>
-          <a:p>
-            <a:pPr marL="45720" indent="0">
-              <a:buNone/>
-            </a:pPr>
-            <a:r>
-              <a:rPr lang="en-US" smtClean="0">
-                <a:latin typeface="Consolas" panose="020B0609020204030204" pitchFamily="49" charset="0"/>
-              </a:rPr>
-              <a:t>class </a:t>
-            </a:r>
-            <a:r>
-              <a:rPr lang="en-US">
-                <a:latin typeface="Consolas" panose="020B0609020204030204" pitchFamily="49" charset="0"/>
-              </a:rPr>
-              <a:t>basic_string </a:t>
-            </a:r>
-            <a:r>
-              <a:rPr lang="en-US" smtClean="0">
-                <a:latin typeface="Consolas" panose="020B0609020204030204" pitchFamily="49" charset="0"/>
-              </a:rPr>
-              <a:t>{</a:t>
-            </a:r>
-          </a:p>
-          <a:p>
-            <a:pPr marL="45720" indent="0">
-              <a:buNone/>
-            </a:pPr>
-            <a:r>
-              <a:rPr lang="en-US" smtClean="0">
-                <a:latin typeface="Consolas" panose="020B0609020204030204" pitchFamily="49" charset="0"/>
-              </a:rPr>
-              <a:t>// </a:t>
-            </a:r>
-            <a:r>
-              <a:rPr lang="ru-RU" smtClean="0">
-                <a:latin typeface="Consolas" panose="020B0609020204030204" pitchFamily="49" charset="0"/>
-              </a:rPr>
-              <a:t>тут всё точно так же</a:t>
-            </a:r>
-            <a:r>
-              <a:rPr lang="en-US" smtClean="0">
-                <a:latin typeface="Consolas" panose="020B0609020204030204" pitchFamily="49" charset="0"/>
-              </a:rPr>
-              <a:t> </a:t>
-            </a:r>
-            <a:r>
-              <a:rPr lang="ru-RU" smtClean="0">
-                <a:latin typeface="Consolas" panose="020B0609020204030204" pitchFamily="49" charset="0"/>
-              </a:rPr>
-              <a:t>но с использованием </a:t>
-            </a:r>
-            <a:r>
-              <a:rPr lang="en-US" smtClean="0">
-                <a:latin typeface="Consolas" panose="020B0609020204030204" pitchFamily="49" charset="0"/>
-              </a:rPr>
-              <a:t>Traits </a:t>
-            </a:r>
-            <a:r>
-              <a:rPr lang="ru-RU" smtClean="0">
-                <a:latin typeface="Consolas" panose="020B0609020204030204" pitchFamily="49" charset="0"/>
-              </a:rPr>
-              <a:t>и </a:t>
-            </a:r>
-            <a:r>
-              <a:rPr lang="en-US" smtClean="0">
-                <a:latin typeface="Consolas" panose="020B0609020204030204" pitchFamily="49" charset="0"/>
-              </a:rPr>
-              <a:t>Allocator</a:t>
-            </a:r>
-            <a:endParaRPr lang="en-US"/>
-          </a:p>
-        </p:txBody>
-      </p:sp>
-    </p:spTree>
-    <p:extLst>
-      <p:ext uri="{BB962C8B-B14F-4D97-AF65-F5344CB8AC3E}">
-        <p14:creationId xmlns:p14="http://schemas.microsoft.com/office/powerpoint/2010/main" val="1167509049"/>
-      </p:ext>
-    </p:extLst>
-  </p:cSld>
-  <p:clrMapOvr>
-    <a:masterClrMapping/>
-  </p:clrMapOvr>
-</p:sld>
-</file>
-
-<file path=ppt/slides/slide6.xml><?xml version="1.0" encoding="utf-8"?>
-<p:sld xmlns:a="http://schemas.openxmlformats.org/drawingml/2006/main" xmlns:r="http://schemas.openxmlformats.org/officeDocument/2006/relationships" xmlns:p="http://schemas.openxmlformats.org/presentationml/2006/main">
-  <p:cSld>
-    <p:spTree>
-      <p:nvGrpSpPr>
-        <p:cNvPr id="1" name=""/>
-        <p:cNvGrpSpPr/>
-        <p:nvPr/>
-      </p:nvGrpSpPr>
-      <p:grpSpPr>
-        <a:xfrm>
-          <a:off x="0" y="0"/>
-          <a:ext cx="0" cy="0"/>
-          <a:chOff x="0" y="0"/>
-          <a:chExt cx="0" cy="0"/>
-        </a:xfrm>
-      </p:grpSpPr>
-      <p:sp>
-        <p:nvSpPr>
-          <p:cNvPr id="2" name="Title 1"/>
-          <p:cNvSpPr>
-            <a:spLocks noGrp="1"/>
-          </p:cNvSpPr>
-          <p:nvPr>
-            <p:ph type="title"/>
-          </p:nvPr>
-        </p:nvSpPr>
-        <p:spPr/>
-        <p:txBody>
-          <a:bodyPr/>
-          <a:lstStyle/>
-          <a:p>
-            <a:r>
-              <a:rPr lang="en-US" smtClean="0"/>
-              <a:t>C-</a:t>
-            </a:r>
-            <a:r>
-              <a:rPr lang="ru-RU" smtClean="0"/>
-              <a:t>строки</a:t>
-            </a:r>
-            <a:endParaRPr lang="en-US"/>
-          </a:p>
-        </p:txBody>
-      </p:sp>
-      <p:sp>
-        <p:nvSpPr>
-          <p:cNvPr id="3" name="Content Placeholder 2"/>
-          <p:cNvSpPr>
-            <a:spLocks noGrp="1"/>
-          </p:cNvSpPr>
-          <p:nvPr>
-            <p:ph idx="1"/>
-          </p:nvPr>
-        </p:nvSpPr>
-        <p:spPr>
-          <a:xfrm>
-            <a:off x="1143000" y="2057400"/>
-            <a:ext cx="9872871" cy="747944"/>
-          </a:xfrm>
-        </p:spPr>
-        <p:txBody>
-          <a:bodyPr/>
-          <a:lstStyle/>
-          <a:p>
-            <a:r>
-              <a:rPr lang="en-US" smtClean="0"/>
-              <a:t>C</a:t>
-            </a:r>
-            <a:r>
-              <a:rPr lang="ru-RU" smtClean="0"/>
-              <a:t>троки в </a:t>
-            </a:r>
-            <a:r>
-              <a:rPr lang="en-US" smtClean="0"/>
-              <a:t>C++ </a:t>
-            </a:r>
-            <a:r>
-              <a:rPr lang="ru-RU" smtClean="0"/>
-              <a:t>исторически также завершаются нулевым символом</a:t>
-            </a:r>
-          </a:p>
-          <a:p>
-            <a:endParaRPr lang="en-US"/>
-          </a:p>
-        </p:txBody>
-      </p:sp>
-      <p:sp>
-        <p:nvSpPr>
-          <p:cNvPr id="4" name="Rectangle 3"/>
-          <p:cNvSpPr/>
-          <p:nvPr/>
-        </p:nvSpPr>
-        <p:spPr>
-          <a:xfrm>
-            <a:off x="2413420" y="2743200"/>
-            <a:ext cx="390617" cy="497149"/>
-          </a:xfrm>
-          <a:prstGeom prst="rect">
-            <a:avLst/>
-          </a:prstGeom>
-          <a:solidFill>
-            <a:schemeClr val="bg1"/>
-          </a:solidFill>
-          <a:ln>
-            <a:solidFill>
-              <a:schemeClr val="tx1"/>
-            </a:solidFill>
-          </a:ln>
-        </p:spPr>
-        <p:style>
-          <a:lnRef idx="1">
-            <a:schemeClr val="accent4"/>
-          </a:lnRef>
-          <a:fillRef idx="2">
-            <a:schemeClr val="accent4"/>
-          </a:fillRef>
-          <a:effectRef idx="1">
-            <a:schemeClr val="accent4"/>
-          </a:effectRef>
-          <a:fontRef idx="minor">
-            <a:schemeClr val="dk1"/>
-          </a:fontRef>
-        </p:style>
-        <p:txBody>
-          <a:bodyPr rtlCol="0" anchor="ctr"/>
-          <a:lstStyle/>
-          <a:p>
-            <a:pPr algn="ctr"/>
-            <a:r>
-              <a:rPr lang="en-US" smtClean="0"/>
-              <a:t>H</a:t>
-            </a:r>
-            <a:endParaRPr lang="en-US"/>
-          </a:p>
-        </p:txBody>
-      </p:sp>
-      <p:sp>
-        <p:nvSpPr>
-          <p:cNvPr id="5" name="Rectangle 4"/>
-          <p:cNvSpPr/>
-          <p:nvPr/>
-        </p:nvSpPr>
-        <p:spPr>
-          <a:xfrm>
-            <a:off x="2804037" y="2743200"/>
-            <a:ext cx="390617" cy="497149"/>
-          </a:xfrm>
-          <a:prstGeom prst="rect">
-            <a:avLst/>
-          </a:prstGeom>
-          <a:solidFill>
-            <a:schemeClr val="bg1"/>
-          </a:solidFill>
-          <a:ln>
-            <a:solidFill>
-              <a:schemeClr val="tx1"/>
-            </a:solidFill>
-          </a:ln>
-        </p:spPr>
-        <p:style>
-          <a:lnRef idx="1">
-            <a:schemeClr val="accent4"/>
-          </a:lnRef>
-          <a:fillRef idx="2">
-            <a:schemeClr val="accent4"/>
-          </a:fillRef>
-          <a:effectRef idx="1">
-            <a:schemeClr val="accent4"/>
-          </a:effectRef>
-          <a:fontRef idx="minor">
-            <a:schemeClr val="dk1"/>
-          </a:fontRef>
-        </p:style>
-        <p:txBody>
-          <a:bodyPr rtlCol="0" anchor="ctr"/>
-          <a:lstStyle/>
-          <a:p>
-            <a:pPr algn="ctr"/>
-            <a:r>
-              <a:rPr lang="en-US" smtClean="0"/>
-              <a:t>e</a:t>
-            </a:r>
-            <a:endParaRPr lang="en-US"/>
-          </a:p>
-        </p:txBody>
-      </p:sp>
-      <p:sp>
-        <p:nvSpPr>
-          <p:cNvPr id="6" name="Rectangle 5"/>
-          <p:cNvSpPr/>
-          <p:nvPr/>
-        </p:nvSpPr>
-        <p:spPr>
-          <a:xfrm>
-            <a:off x="3194653" y="2743200"/>
-            <a:ext cx="390617" cy="497149"/>
-          </a:xfrm>
-          <a:prstGeom prst="rect">
-            <a:avLst/>
-          </a:prstGeom>
-          <a:solidFill>
-            <a:schemeClr val="bg1"/>
-          </a:solidFill>
-          <a:ln>
-            <a:solidFill>
-              <a:schemeClr val="tx1"/>
-            </a:solidFill>
-          </a:ln>
-        </p:spPr>
-        <p:style>
-          <a:lnRef idx="1">
-            <a:schemeClr val="accent4"/>
-          </a:lnRef>
-          <a:fillRef idx="2">
-            <a:schemeClr val="accent4"/>
-          </a:fillRef>
-          <a:effectRef idx="1">
-            <a:schemeClr val="accent4"/>
-          </a:effectRef>
-          <a:fontRef idx="minor">
-            <a:schemeClr val="dk1"/>
-          </a:fontRef>
-        </p:style>
-        <p:txBody>
-          <a:bodyPr rtlCol="0" anchor="ctr"/>
-          <a:lstStyle/>
-          <a:p>
-            <a:pPr algn="ctr"/>
-            <a:r>
-              <a:rPr lang="en-US" smtClean="0"/>
-              <a:t>l</a:t>
-            </a:r>
-            <a:endParaRPr lang="en-US"/>
-          </a:p>
-        </p:txBody>
-      </p:sp>
-      <p:sp>
-        <p:nvSpPr>
-          <p:cNvPr id="7" name="Rectangle 6"/>
-          <p:cNvSpPr/>
-          <p:nvPr/>
-        </p:nvSpPr>
-        <p:spPr>
-          <a:xfrm>
-            <a:off x="3585270" y="2743200"/>
-            <a:ext cx="390617" cy="497149"/>
-          </a:xfrm>
-          <a:prstGeom prst="rect">
-            <a:avLst/>
-          </a:prstGeom>
-          <a:solidFill>
-            <a:schemeClr val="bg1"/>
-          </a:solidFill>
-          <a:ln>
-            <a:solidFill>
-              <a:schemeClr val="tx1"/>
-            </a:solidFill>
-          </a:ln>
-        </p:spPr>
-        <p:style>
-          <a:lnRef idx="1">
-            <a:schemeClr val="accent4"/>
-          </a:lnRef>
-          <a:fillRef idx="2">
-            <a:schemeClr val="accent4"/>
-          </a:fillRef>
-          <a:effectRef idx="1">
-            <a:schemeClr val="accent4"/>
-          </a:effectRef>
-          <a:fontRef idx="minor">
-            <a:schemeClr val="dk1"/>
-          </a:fontRef>
-        </p:style>
-        <p:txBody>
-          <a:bodyPr rtlCol="0" anchor="ctr"/>
-          <a:lstStyle/>
-          <a:p>
-            <a:pPr algn="ctr"/>
-            <a:r>
-              <a:rPr lang="en-US"/>
-              <a:t>l</a:t>
-            </a:r>
-          </a:p>
-        </p:txBody>
-      </p:sp>
-      <p:sp>
-        <p:nvSpPr>
-          <p:cNvPr id="8" name="Rectangle 7"/>
-          <p:cNvSpPr/>
-          <p:nvPr/>
-        </p:nvSpPr>
-        <p:spPr>
-          <a:xfrm>
-            <a:off x="3975886" y="2743200"/>
-            <a:ext cx="390617" cy="497149"/>
-          </a:xfrm>
-          <a:prstGeom prst="rect">
-            <a:avLst/>
-          </a:prstGeom>
-          <a:solidFill>
-            <a:schemeClr val="bg1"/>
-          </a:solidFill>
-          <a:ln>
-            <a:solidFill>
-              <a:schemeClr val="tx1"/>
-            </a:solidFill>
-          </a:ln>
-        </p:spPr>
-        <p:style>
-          <a:lnRef idx="1">
-            <a:schemeClr val="accent4"/>
-          </a:lnRef>
-          <a:fillRef idx="2">
-            <a:schemeClr val="accent4"/>
-          </a:fillRef>
-          <a:effectRef idx="1">
-            <a:schemeClr val="accent4"/>
-          </a:effectRef>
-          <a:fontRef idx="minor">
-            <a:schemeClr val="dk1"/>
-          </a:fontRef>
-        </p:style>
-        <p:txBody>
-          <a:bodyPr rtlCol="0" anchor="ctr"/>
-          <a:lstStyle/>
-          <a:p>
-            <a:pPr algn="ctr"/>
-            <a:r>
-              <a:rPr lang="en-US" smtClean="0"/>
-              <a:t>o</a:t>
-            </a:r>
-            <a:endParaRPr lang="en-US"/>
-          </a:p>
-        </p:txBody>
-      </p:sp>
-      <p:sp>
-        <p:nvSpPr>
-          <p:cNvPr id="9" name="Rectangle 8"/>
-          <p:cNvSpPr/>
-          <p:nvPr/>
-        </p:nvSpPr>
-        <p:spPr>
-          <a:xfrm>
-            <a:off x="4366503" y="2743200"/>
-            <a:ext cx="390617" cy="497149"/>
-          </a:xfrm>
-          <a:prstGeom prst="rect">
-            <a:avLst/>
-          </a:prstGeom>
-          <a:solidFill>
-            <a:schemeClr val="bg1"/>
-          </a:solidFill>
-          <a:ln>
-            <a:solidFill>
-              <a:schemeClr val="tx1"/>
-            </a:solidFill>
-          </a:ln>
-        </p:spPr>
-        <p:style>
-          <a:lnRef idx="1">
-            <a:schemeClr val="accent4"/>
-          </a:lnRef>
-          <a:fillRef idx="2">
-            <a:schemeClr val="accent4"/>
-          </a:fillRef>
-          <a:effectRef idx="1">
-            <a:schemeClr val="accent4"/>
-          </a:effectRef>
-          <a:fontRef idx="minor">
-            <a:schemeClr val="dk1"/>
-          </a:fontRef>
-        </p:style>
-        <p:txBody>
-          <a:bodyPr rtlCol="0" anchor="ctr"/>
-          <a:lstStyle/>
-          <a:p>
-            <a:pPr algn="ctr"/>
-            <a:r>
-              <a:rPr lang="en-US" smtClean="0"/>
-              <a:t>,</a:t>
-            </a:r>
-            <a:endParaRPr lang="en-US"/>
-          </a:p>
-        </p:txBody>
-      </p:sp>
-      <p:sp>
-        <p:nvSpPr>
-          <p:cNvPr id="10" name="Rectangle 9"/>
-          <p:cNvSpPr/>
-          <p:nvPr/>
-        </p:nvSpPr>
-        <p:spPr>
-          <a:xfrm>
-            <a:off x="4757119" y="2743200"/>
-            <a:ext cx="390617" cy="497149"/>
-          </a:xfrm>
-          <a:prstGeom prst="rect">
-            <a:avLst/>
-          </a:prstGeom>
-          <a:solidFill>
-            <a:schemeClr val="bg1"/>
-          </a:solidFill>
-          <a:ln>
-            <a:solidFill>
-              <a:schemeClr val="tx1"/>
-            </a:solidFill>
-          </a:ln>
-        </p:spPr>
-        <p:style>
-          <a:lnRef idx="1">
-            <a:schemeClr val="accent4"/>
-          </a:lnRef>
-          <a:fillRef idx="2">
-            <a:schemeClr val="accent4"/>
-          </a:fillRef>
-          <a:effectRef idx="1">
-            <a:schemeClr val="accent4"/>
-          </a:effectRef>
-          <a:fontRef idx="minor">
-            <a:schemeClr val="dk1"/>
-          </a:fontRef>
-        </p:style>
-        <p:txBody>
-          <a:bodyPr rtlCol="0" anchor="ctr"/>
-          <a:lstStyle/>
-          <a:p>
-            <a:pPr algn="ctr"/>
-            <a:endParaRPr lang="en-US"/>
-          </a:p>
-        </p:txBody>
-      </p:sp>
-      <p:sp>
-        <p:nvSpPr>
-          <p:cNvPr id="11" name="Rectangle 10"/>
-          <p:cNvSpPr/>
-          <p:nvPr/>
-        </p:nvSpPr>
-        <p:spPr>
-          <a:xfrm>
-            <a:off x="5147736" y="2743200"/>
-            <a:ext cx="390617" cy="497149"/>
-          </a:xfrm>
-          <a:prstGeom prst="rect">
-            <a:avLst/>
-          </a:prstGeom>
-          <a:solidFill>
-            <a:schemeClr val="bg1"/>
-          </a:solidFill>
-          <a:ln>
-            <a:solidFill>
-              <a:schemeClr val="tx1"/>
-            </a:solidFill>
-          </a:ln>
-        </p:spPr>
-        <p:style>
-          <a:lnRef idx="1">
-            <a:schemeClr val="accent4"/>
-          </a:lnRef>
-          <a:fillRef idx="2">
-            <a:schemeClr val="accent4"/>
-          </a:fillRef>
-          <a:effectRef idx="1">
-            <a:schemeClr val="accent4"/>
-          </a:effectRef>
-          <a:fontRef idx="minor">
-            <a:schemeClr val="dk1"/>
-          </a:fontRef>
-        </p:style>
-        <p:txBody>
-          <a:bodyPr rtlCol="0" anchor="ctr"/>
-          <a:lstStyle/>
-          <a:p>
-            <a:pPr algn="ctr"/>
-            <a:r>
-              <a:rPr lang="en-US" smtClean="0"/>
-              <a:t>w</a:t>
-            </a:r>
-            <a:endParaRPr lang="en-US"/>
-          </a:p>
-        </p:txBody>
-      </p:sp>
-      <p:sp>
-        <p:nvSpPr>
-          <p:cNvPr id="12" name="Rectangle 11"/>
-          <p:cNvSpPr/>
-          <p:nvPr/>
-        </p:nvSpPr>
-        <p:spPr>
-          <a:xfrm>
-            <a:off x="5538352" y="2743200"/>
-            <a:ext cx="390617" cy="497149"/>
-          </a:xfrm>
-          <a:prstGeom prst="rect">
-            <a:avLst/>
-          </a:prstGeom>
-          <a:solidFill>
-            <a:schemeClr val="bg1"/>
-          </a:solidFill>
-          <a:ln>
-            <a:solidFill>
-              <a:schemeClr val="tx1"/>
-            </a:solidFill>
-          </a:ln>
-        </p:spPr>
-        <p:style>
-          <a:lnRef idx="1">
-            <a:schemeClr val="accent4"/>
-          </a:lnRef>
-          <a:fillRef idx="2">
-            <a:schemeClr val="accent4"/>
-          </a:fillRef>
-          <a:effectRef idx="1">
-            <a:schemeClr val="accent4"/>
-          </a:effectRef>
-          <a:fontRef idx="minor">
-            <a:schemeClr val="dk1"/>
-          </a:fontRef>
-        </p:style>
-        <p:txBody>
-          <a:bodyPr rtlCol="0" anchor="ctr"/>
-          <a:lstStyle/>
-          <a:p>
-            <a:pPr algn="ctr"/>
-            <a:r>
-              <a:rPr lang="en-US"/>
-              <a:t>o</a:t>
-            </a:r>
-          </a:p>
-        </p:txBody>
-      </p:sp>
-      <p:sp>
-        <p:nvSpPr>
-          <p:cNvPr id="13" name="Rectangle 12"/>
-          <p:cNvSpPr/>
-          <p:nvPr/>
-        </p:nvSpPr>
-        <p:spPr>
-          <a:xfrm>
-            <a:off x="5928969" y="2743200"/>
-            <a:ext cx="390617" cy="497149"/>
-          </a:xfrm>
-          <a:prstGeom prst="rect">
-            <a:avLst/>
-          </a:prstGeom>
-          <a:solidFill>
-            <a:schemeClr val="bg1"/>
-          </a:solidFill>
-          <a:ln>
-            <a:solidFill>
-              <a:schemeClr val="tx1"/>
-            </a:solidFill>
-          </a:ln>
-        </p:spPr>
-        <p:style>
-          <a:lnRef idx="1">
-            <a:schemeClr val="accent4"/>
-          </a:lnRef>
-          <a:fillRef idx="2">
-            <a:schemeClr val="accent4"/>
-          </a:fillRef>
-          <a:effectRef idx="1">
-            <a:schemeClr val="accent4"/>
-          </a:effectRef>
-          <a:fontRef idx="minor">
-            <a:schemeClr val="dk1"/>
-          </a:fontRef>
-        </p:style>
-        <p:txBody>
-          <a:bodyPr rtlCol="0" anchor="ctr"/>
-          <a:lstStyle/>
-          <a:p>
-            <a:pPr algn="ctr"/>
-            <a:r>
-              <a:rPr lang="en-US" smtClean="0"/>
-              <a:t>r</a:t>
-            </a:r>
-            <a:endParaRPr lang="en-US"/>
-          </a:p>
-        </p:txBody>
-      </p:sp>
-      <p:sp>
-        <p:nvSpPr>
-          <p:cNvPr id="14" name="Rectangle 13"/>
-          <p:cNvSpPr/>
-          <p:nvPr/>
-        </p:nvSpPr>
-        <p:spPr>
-          <a:xfrm>
-            <a:off x="6319585" y="2743200"/>
-            <a:ext cx="390617" cy="497149"/>
-          </a:xfrm>
-          <a:prstGeom prst="rect">
-            <a:avLst/>
-          </a:prstGeom>
-          <a:solidFill>
-            <a:schemeClr val="bg1"/>
-          </a:solidFill>
-          <a:ln>
-            <a:solidFill>
-              <a:schemeClr val="tx1"/>
-            </a:solidFill>
-          </a:ln>
-        </p:spPr>
-        <p:style>
-          <a:lnRef idx="1">
-            <a:schemeClr val="accent4"/>
-          </a:lnRef>
-          <a:fillRef idx="2">
-            <a:schemeClr val="accent4"/>
-          </a:fillRef>
-          <a:effectRef idx="1">
-            <a:schemeClr val="accent4"/>
-          </a:effectRef>
-          <a:fontRef idx="minor">
-            <a:schemeClr val="dk1"/>
-          </a:fontRef>
-        </p:style>
-        <p:txBody>
-          <a:bodyPr rtlCol="0" anchor="ctr"/>
-          <a:lstStyle/>
-          <a:p>
-            <a:pPr algn="ctr"/>
-            <a:r>
-              <a:rPr lang="en-US"/>
-              <a:t>l</a:t>
-            </a:r>
-          </a:p>
-        </p:txBody>
-      </p:sp>
-      <p:sp>
-        <p:nvSpPr>
-          <p:cNvPr id="15" name="Rectangle 14"/>
-          <p:cNvSpPr/>
-          <p:nvPr/>
-        </p:nvSpPr>
-        <p:spPr>
-          <a:xfrm>
-            <a:off x="6710202" y="2743200"/>
-            <a:ext cx="390617" cy="497149"/>
-          </a:xfrm>
-          <a:prstGeom prst="rect">
-            <a:avLst/>
-          </a:prstGeom>
-          <a:solidFill>
-            <a:schemeClr val="bg1"/>
-          </a:solidFill>
-          <a:ln>
-            <a:solidFill>
-              <a:schemeClr val="tx1"/>
-            </a:solidFill>
-          </a:ln>
-        </p:spPr>
-        <p:style>
-          <a:lnRef idx="1">
-            <a:schemeClr val="accent4"/>
-          </a:lnRef>
-          <a:fillRef idx="2">
-            <a:schemeClr val="accent4"/>
-          </a:fillRef>
-          <a:effectRef idx="1">
-            <a:schemeClr val="accent4"/>
-          </a:effectRef>
-          <a:fontRef idx="minor">
-            <a:schemeClr val="dk1"/>
-          </a:fontRef>
-        </p:style>
-        <p:txBody>
-          <a:bodyPr rtlCol="0" anchor="ctr"/>
-          <a:lstStyle/>
-          <a:p>
-            <a:pPr algn="ctr"/>
-            <a:r>
-              <a:rPr lang="en-US" smtClean="0"/>
-              <a:t>d</a:t>
-            </a:r>
-            <a:endParaRPr lang="en-US"/>
-          </a:p>
-        </p:txBody>
-      </p:sp>
-      <p:sp>
-        <p:nvSpPr>
-          <p:cNvPr id="16" name="Rectangle 15"/>
-          <p:cNvSpPr/>
-          <p:nvPr/>
-        </p:nvSpPr>
-        <p:spPr>
-          <a:xfrm>
-            <a:off x="7100818" y="2743200"/>
-            <a:ext cx="390617" cy="497149"/>
-          </a:xfrm>
-          <a:prstGeom prst="rect">
-            <a:avLst/>
-          </a:prstGeom>
-          <a:solidFill>
-            <a:schemeClr val="bg1"/>
-          </a:solidFill>
-          <a:ln>
-            <a:solidFill>
-              <a:schemeClr val="tx1"/>
-            </a:solidFill>
-          </a:ln>
-        </p:spPr>
-        <p:style>
-          <a:lnRef idx="1">
-            <a:schemeClr val="accent4"/>
-          </a:lnRef>
-          <a:fillRef idx="2">
-            <a:schemeClr val="accent4"/>
-          </a:fillRef>
-          <a:effectRef idx="1">
-            <a:schemeClr val="accent4"/>
-          </a:effectRef>
-          <a:fontRef idx="minor">
-            <a:schemeClr val="dk1"/>
-          </a:fontRef>
-        </p:style>
-        <p:txBody>
-          <a:bodyPr rtlCol="0" anchor="ctr"/>
-          <a:lstStyle/>
-          <a:p>
-            <a:pPr algn="ctr"/>
-            <a:r>
-              <a:rPr lang="en-US" smtClean="0"/>
-              <a:t>!</a:t>
-            </a:r>
-            <a:endParaRPr lang="en-US"/>
-          </a:p>
-        </p:txBody>
-      </p:sp>
-      <p:sp>
-        <p:nvSpPr>
-          <p:cNvPr id="17" name="Rectangle 16"/>
-          <p:cNvSpPr/>
-          <p:nvPr/>
-        </p:nvSpPr>
-        <p:spPr>
-          <a:xfrm>
-            <a:off x="7491435" y="2743200"/>
-            <a:ext cx="470528" cy="497149"/>
-          </a:xfrm>
-          <a:prstGeom prst="rect">
-            <a:avLst/>
-          </a:prstGeom>
-          <a:solidFill>
-            <a:schemeClr val="bg1"/>
-          </a:solidFill>
-          <a:ln>
-            <a:solidFill>
-              <a:schemeClr val="tx1"/>
-            </a:solidFill>
-          </a:ln>
-        </p:spPr>
-        <p:style>
-          <a:lnRef idx="1">
-            <a:schemeClr val="accent4"/>
-          </a:lnRef>
-          <a:fillRef idx="2">
-            <a:schemeClr val="accent4"/>
-          </a:fillRef>
-          <a:effectRef idx="1">
-            <a:schemeClr val="accent4"/>
-          </a:effectRef>
-          <a:fontRef idx="minor">
-            <a:schemeClr val="dk1"/>
-          </a:fontRef>
-        </p:style>
-        <p:txBody>
-          <a:bodyPr rtlCol="0" anchor="ctr"/>
-          <a:lstStyle/>
-          <a:p>
-            <a:pPr algn="ctr"/>
-            <a:r>
-              <a:rPr lang="en-US" smtClean="0">
-                <a:latin typeface="Consolas" panose="020B0609020204030204" pitchFamily="49" charset="0"/>
-              </a:rPr>
-              <a:t>\0</a:t>
-            </a:r>
-            <a:endParaRPr lang="en-US">
-              <a:latin typeface="Consolas" panose="020B0609020204030204" pitchFamily="49" charset="0"/>
-            </a:endParaRPr>
-          </a:p>
-        </p:txBody>
-      </p:sp>
-      <p:sp>
-        <p:nvSpPr>
-          <p:cNvPr id="18" name="Content Placeholder 2"/>
+      <p:sp>
+        <p:nvSpPr>
+          <p:cNvPr id="5" name="Content Placeholder 2"/>
           <p:cNvSpPr txBox="1">
             <a:spLocks/>
           </p:cNvSpPr>
@@ -31264,8 +28393,8 @@
         </p:nvSpPr>
         <p:spPr>
           <a:xfrm>
-            <a:off x="1142999" y="3541450"/>
-            <a:ext cx="9872871" cy="1194490"/>
+            <a:off x="1207008" y="2646073"/>
+            <a:ext cx="5268861" cy="3758184"/>
           </a:xfrm>
           <a:prstGeom prst="rect">
             <a:avLst/>
@@ -31500,9 +28629,221 @@
             </a:lvl9pPr>
           </a:lstStyle>
           <a:p>
+            <a:pPr marL="45720" indent="0">
+              <a:buFont typeface="Corbel" pitchFamily="34" charset="0"/>
+              <a:buNone/>
+            </a:pPr>
+            <a:r>
+              <a:rPr lang="en-US" smtClean="0">
+                <a:latin typeface="Consolas" panose="020B0609020204030204" pitchFamily="49" charset="0"/>
+              </a:rPr>
+              <a:t>class string {</a:t>
+            </a:r>
+            <a:br>
+              <a:rPr lang="en-US" smtClean="0">
+                <a:latin typeface="Consolas" panose="020B0609020204030204" pitchFamily="49" charset="0"/>
+              </a:rPr>
+            </a:br>
+            <a:r>
+              <a:rPr lang="en-US" smtClean="0">
+                <a:latin typeface="Consolas" panose="020B0609020204030204" pitchFamily="49" charset="0"/>
+              </a:rPr>
+              <a:t>  size_type m_size;</a:t>
+            </a:r>
+            <a:br>
+              <a:rPr lang="en-US" smtClean="0">
+                <a:latin typeface="Consolas" panose="020B0609020204030204" pitchFamily="49" charset="0"/>
+              </a:rPr>
+            </a:br>
+            <a:r>
+              <a:rPr lang="en-US" smtClean="0">
+                <a:latin typeface="Consolas" panose="020B0609020204030204" pitchFamily="49" charset="0"/>
+              </a:rPr>
+              <a:t>  union {</a:t>
+            </a:r>
+            <a:br>
+              <a:rPr lang="en-US" smtClean="0">
+                <a:latin typeface="Consolas" panose="020B0609020204030204" pitchFamily="49" charset="0"/>
+              </a:rPr>
+            </a:br>
+            <a:r>
+              <a:rPr lang="en-US" smtClean="0">
+                <a:latin typeface="Consolas" panose="020B0609020204030204" pitchFamily="49" charset="0"/>
+              </a:rPr>
+              <a:t>    class {</a:t>
+            </a:r>
+            <a:br>
+              <a:rPr lang="en-US" smtClean="0">
+                <a:latin typeface="Consolas" panose="020B0609020204030204" pitchFamily="49" charset="0"/>
+              </a:rPr>
+            </a:br>
+            <a:r>
+              <a:rPr lang="en-US" smtClean="0">
+                <a:latin typeface="Consolas" panose="020B0609020204030204" pitchFamily="49" charset="0"/>
+              </a:rPr>
+              <a:t>      char *m_data;</a:t>
+            </a:r>
+            <a:br>
+              <a:rPr lang="en-US" smtClean="0">
+                <a:latin typeface="Consolas" panose="020B0609020204030204" pitchFamily="49" charset="0"/>
+              </a:rPr>
+            </a:br>
+            <a:r>
+              <a:rPr lang="en-US" smtClean="0">
+                <a:latin typeface="Consolas" panose="020B0609020204030204" pitchFamily="49" charset="0"/>
+              </a:rPr>
+              <a:t>      size_type m_capacity;</a:t>
+            </a:r>
+            <a:br>
+              <a:rPr lang="en-US" smtClean="0">
+                <a:latin typeface="Consolas" panose="020B0609020204030204" pitchFamily="49" charset="0"/>
+              </a:rPr>
+            </a:br>
+            <a:r>
+              <a:rPr lang="en-US" smtClean="0">
+                <a:latin typeface="Consolas" panose="020B0609020204030204" pitchFamily="49" charset="0"/>
+              </a:rPr>
+              <a:t>    } m_large;</a:t>
+            </a:r>
+            <a:br>
+              <a:rPr lang="en-US" smtClean="0">
+                <a:latin typeface="Consolas" panose="020B0609020204030204" pitchFamily="49" charset="0"/>
+              </a:rPr>
+            </a:br>
+            <a:r>
+              <a:rPr lang="en-US" smtClean="0">
+                <a:latin typeface="Consolas" panose="020B0609020204030204" pitchFamily="49" charset="0"/>
+              </a:rPr>
+              <a:t>    char m_small[sizeof(m_large)];</a:t>
+            </a:r>
+            <a:br>
+              <a:rPr lang="en-US" smtClean="0">
+                <a:latin typeface="Consolas" panose="020B0609020204030204" pitchFamily="49" charset="0"/>
+              </a:rPr>
+            </a:br>
+            <a:r>
+              <a:rPr lang="en-US" smtClean="0">
+                <a:latin typeface="Consolas" panose="020B0609020204030204" pitchFamily="49" charset="0"/>
+              </a:rPr>
+              <a:t>  };</a:t>
+            </a:r>
+            <a:br>
+              <a:rPr lang="en-US" smtClean="0">
+                <a:latin typeface="Consolas" panose="020B0609020204030204" pitchFamily="49" charset="0"/>
+              </a:rPr>
+            </a:br>
+            <a:r>
+              <a:rPr lang="en-US" smtClean="0">
+                <a:latin typeface="Consolas" panose="020B0609020204030204" pitchFamily="49" charset="0"/>
+              </a:rPr>
+              <a:t>// </a:t>
+            </a:r>
+            <a:r>
+              <a:rPr lang="ru-RU" smtClean="0">
+                <a:latin typeface="Consolas" panose="020B0609020204030204" pitchFamily="49" charset="0"/>
+              </a:rPr>
+              <a:t>ну и так далее</a:t>
+            </a:r>
+            <a:endParaRPr lang="en-US">
+              <a:latin typeface="Consolas" panose="020B0609020204030204" pitchFamily="49" charset="0"/>
+            </a:endParaRPr>
+          </a:p>
+        </p:txBody>
+      </p:sp>
+    </p:spTree>
+    <p:extLst>
+      <p:ext uri="{BB962C8B-B14F-4D97-AF65-F5344CB8AC3E}">
+        <p14:creationId xmlns:p14="http://schemas.microsoft.com/office/powerpoint/2010/main" val="3090612456"/>
+      </p:ext>
+    </p:extLst>
+  </p:cSld>
+  <p:clrMapOvr>
+    <a:masterClrMapping/>
+  </p:clrMapOvr>
+</p:sld>
+</file>
+
+<file path=ppt/slides/slide51.xml><?xml version="1.0" encoding="utf-8"?>
+<p:sld xmlns:a="http://schemas.openxmlformats.org/drawingml/2006/main" xmlns:r="http://schemas.openxmlformats.org/officeDocument/2006/relationships" xmlns:p="http://schemas.openxmlformats.org/presentationml/2006/main">
+  <p:cSld>
+    <p:spTree>
+      <p:nvGrpSpPr>
+        <p:cNvPr id="1" name=""/>
+        <p:cNvGrpSpPr/>
+        <p:nvPr/>
+      </p:nvGrpSpPr>
+      <p:grpSpPr>
+        <a:xfrm>
+          <a:off x="0" y="0"/>
+          <a:ext cx="0" cy="0"/>
+          <a:chOff x="0" y="0"/>
+          <a:chExt cx="0" cy="0"/>
+        </a:xfrm>
+      </p:grpSpPr>
+      <p:sp>
+        <p:nvSpPr>
+          <p:cNvPr id="2" name="Title 1"/>
+          <p:cNvSpPr>
+            <a:spLocks noGrp="1"/>
+          </p:cNvSpPr>
+          <p:nvPr>
+            <p:ph type="title"/>
+          </p:nvPr>
+        </p:nvSpPr>
+        <p:spPr/>
+        <p:txBody>
+          <a:bodyPr/>
+          <a:lstStyle/>
+          <a:p>
             <a:r>
               <a:rPr lang="ru-RU" smtClean="0"/>
-              <a:t>Но строка могла быть устроена</a:t>
+              <a:t>Обсуждение</a:t>
+            </a:r>
+            <a:endParaRPr lang="en-US"/>
+          </a:p>
+        </p:txBody>
+      </p:sp>
+      <p:sp>
+        <p:nvSpPr>
+          <p:cNvPr id="3" name="Content Placeholder 2"/>
+          <p:cNvSpPr>
+            <a:spLocks noGrp="1"/>
+          </p:cNvSpPr>
+          <p:nvPr>
+            <p:ph idx="1"/>
+          </p:nvPr>
+        </p:nvSpPr>
+        <p:spPr/>
+        <p:txBody>
+          <a:bodyPr/>
+          <a:lstStyle/>
+          <a:p>
+            <a:r>
+              <a:rPr lang="ru-RU" smtClean="0"/>
+              <a:t>Какие </a:t>
+            </a:r>
+            <a:r>
+              <a:rPr lang="ru-RU" b="1" smtClean="0"/>
+              <a:t>минусы</a:t>
+            </a:r>
+            <a:r>
+              <a:rPr lang="ru-RU" smtClean="0"/>
+              <a:t> вы видите </a:t>
+            </a:r>
+            <a:r>
+              <a:rPr lang="ru-RU" smtClean="0"/>
+              <a:t>в таком подходе к </a:t>
+            </a:r>
+            <a:r>
+              <a:rPr lang="en-US" smtClean="0"/>
+              <a:t>SSO?</a:t>
+            </a:r>
+            <a:endParaRPr lang="ru-RU" smtClean="0"/>
+          </a:p>
+          <a:p>
+            <a:r>
+              <a:rPr lang="ru-RU" smtClean="0"/>
+              <a:t>Усложняется копирование</a:t>
             </a:r>
             <a:r>
               <a:rPr lang="en-US" smtClean="0"/>
@@ -31510,23 +28851,2129 @@
             </a:r>
             <a:r>
               <a:rPr lang="ru-RU" smtClean="0"/>
-              <a:t>в памяти и иначе. Например предваряться размером</a:t>
-            </a:r>
-          </a:p>
-          <a:p>
+              <a:t>и (что важнее) перемещение</a:t>
+            </a:r>
+          </a:p>
+          <a:p>
+            <a:r>
+              <a:rPr lang="ru-RU" smtClean="0">
+                <a:solidFill>
+                  <a:srgbClr val="FF0000"/>
+                </a:solidFill>
+              </a:rPr>
+              <a:t>Добавляется время на выбор </a:t>
+            </a:r>
+            <a:r>
+              <a:rPr lang="en-US" smtClean="0">
+                <a:solidFill>
+                  <a:srgbClr val="FF0000"/>
+                </a:solidFill>
+              </a:rPr>
+              <a:t>m_small / m_large </a:t>
+            </a:r>
+            <a:r>
+              <a:rPr lang="ru-RU" smtClean="0">
+                <a:solidFill>
+                  <a:srgbClr val="FF0000"/>
+                </a:solidFill>
+              </a:rPr>
+              <a:t>при каждом доступе (в том числе чтении) с проверкой размера</a:t>
+            </a:r>
+          </a:p>
+          <a:p>
+            <a:r>
+              <a:rPr lang="ru-RU" smtClean="0"/>
+              <a:t>Вторая проблема серьёзней. Можно ли с этим что-нибудь сделать?</a:t>
+            </a:r>
+          </a:p>
+        </p:txBody>
+      </p:sp>
+    </p:spTree>
+    <p:extLst>
+      <p:ext uri="{BB962C8B-B14F-4D97-AF65-F5344CB8AC3E}">
+        <p14:creationId xmlns:p14="http://schemas.microsoft.com/office/powerpoint/2010/main" val="182304058"/>
+      </p:ext>
+    </p:extLst>
+  </p:cSld>
+  <p:clrMapOvr>
+    <a:masterClrMapping/>
+  </p:clrMapOvr>
+</p:sld>
+</file>
+
+<file path=ppt/slides/slide52.xml><?xml version="1.0" encoding="utf-8"?>
+<p:sld xmlns:a="http://schemas.openxmlformats.org/drawingml/2006/main" xmlns:r="http://schemas.openxmlformats.org/officeDocument/2006/relationships" xmlns:p="http://schemas.openxmlformats.org/presentationml/2006/main">
+  <p:cSld>
+    <p:spTree>
+      <p:nvGrpSpPr>
+        <p:cNvPr id="1" name=""/>
+        <p:cNvGrpSpPr/>
+        <p:nvPr/>
+      </p:nvGrpSpPr>
+      <p:grpSpPr>
+        <a:xfrm>
+          <a:off x="0" y="0"/>
+          <a:ext cx="0" cy="0"/>
+          <a:chOff x="0" y="0"/>
+          <a:chExt cx="0" cy="0"/>
+        </a:xfrm>
+      </p:grpSpPr>
+      <p:sp>
+        <p:nvSpPr>
+          <p:cNvPr id="2" name="Title 1"/>
+          <p:cNvSpPr>
+            <a:spLocks noGrp="1"/>
+          </p:cNvSpPr>
+          <p:nvPr>
+            <p:ph type="title"/>
+          </p:nvPr>
+        </p:nvSpPr>
+        <p:spPr/>
+        <p:txBody>
+          <a:bodyPr/>
+          <a:lstStyle/>
+          <a:p>
+            <a:r>
+              <a:rPr lang="ru-RU" smtClean="0"/>
+              <a:t>Как устроена строка в </a:t>
+            </a:r>
+            <a:r>
+              <a:rPr lang="en-US" smtClean="0"/>
+              <a:t>libstdc++</a:t>
+            </a:r>
             <a:endParaRPr lang="en-US"/>
           </a:p>
         </p:txBody>
       </p:sp>
       <p:sp>
         <p:nvSpPr>
-          <p:cNvPr id="19" name="Rectangle 18"/>
+          <p:cNvPr id="5" name="Rectangle 4"/>
           <p:cNvSpPr/>
           <p:nvPr/>
         </p:nvSpPr>
         <p:spPr>
           <a:xfrm>
-            <a:off x="2998040" y="4478489"/>
+            <a:off x="3313453" y="2601814"/>
+            <a:ext cx="2773539" cy="497149"/>
+          </a:xfrm>
+          <a:prstGeom prst="rect">
+            <a:avLst/>
+          </a:prstGeom>
+          <a:solidFill>
+            <a:schemeClr val="bg1"/>
+          </a:solidFill>
+          <a:ln w="22225">
+            <a:solidFill>
+              <a:schemeClr val="tx1"/>
+            </a:solidFill>
+          </a:ln>
+        </p:spPr>
+        <p:style>
+          <a:lnRef idx="1">
+            <a:schemeClr val="accent4"/>
+          </a:lnRef>
+          <a:fillRef idx="2">
+            <a:schemeClr val="accent4"/>
+          </a:fillRef>
+          <a:effectRef idx="1">
+            <a:schemeClr val="accent4"/>
+          </a:effectRef>
+          <a:fontRef idx="minor">
+            <a:schemeClr val="dk1"/>
+          </a:fontRef>
+        </p:style>
+        <p:txBody>
+          <a:bodyPr rtlCol="0" anchor="ctr"/>
+          <a:lstStyle/>
+          <a:p>
+            <a:pPr algn="ctr"/>
+            <a:r>
+              <a:rPr lang="en-US" smtClean="0"/>
+              <a:t>size &gt; 15</a:t>
+            </a:r>
+            <a:endParaRPr lang="en-US"/>
+          </a:p>
+        </p:txBody>
+      </p:sp>
+      <p:sp>
+        <p:nvSpPr>
+          <p:cNvPr id="6" name="Rectangle 5"/>
+          <p:cNvSpPr/>
+          <p:nvPr/>
+        </p:nvSpPr>
+        <p:spPr>
+          <a:xfrm>
+            <a:off x="6081705" y="2599277"/>
+            <a:ext cx="2773541" cy="497149"/>
+          </a:xfrm>
+          <a:prstGeom prst="rect">
+            <a:avLst/>
+          </a:prstGeom>
+          <a:solidFill>
+            <a:schemeClr val="bg1"/>
+          </a:solidFill>
+          <a:ln w="22225">
+            <a:solidFill>
+              <a:schemeClr val="tx1"/>
+            </a:solidFill>
+          </a:ln>
+        </p:spPr>
+        <p:style>
+          <a:lnRef idx="1">
+            <a:schemeClr val="accent4"/>
+          </a:lnRef>
+          <a:fillRef idx="2">
+            <a:schemeClr val="accent4"/>
+          </a:fillRef>
+          <a:effectRef idx="1">
+            <a:schemeClr val="accent4"/>
+          </a:effectRef>
+          <a:fontRef idx="minor">
+            <a:schemeClr val="dk1"/>
+          </a:fontRef>
+        </p:style>
+        <p:txBody>
+          <a:bodyPr rtlCol="0" anchor="ctr"/>
+          <a:lstStyle/>
+          <a:p>
+            <a:pPr algn="ctr"/>
+            <a:r>
+              <a:rPr lang="en-US" smtClean="0"/>
+              <a:t>capacity</a:t>
+            </a:r>
+            <a:endParaRPr lang="en-US"/>
+          </a:p>
+        </p:txBody>
+      </p:sp>
+      <p:sp>
+        <p:nvSpPr>
+          <p:cNvPr id="7" name="Rectangle 6"/>
+          <p:cNvSpPr/>
+          <p:nvPr/>
+        </p:nvSpPr>
+        <p:spPr>
+          <a:xfrm>
+            <a:off x="539914" y="2601815"/>
+            <a:ext cx="2773539" cy="497149"/>
+          </a:xfrm>
+          <a:prstGeom prst="rect">
+            <a:avLst/>
+          </a:prstGeom>
+          <a:solidFill>
+            <a:schemeClr val="bg1"/>
+          </a:solidFill>
+          <a:ln w="22225">
+            <a:solidFill>
+              <a:schemeClr val="tx1"/>
+            </a:solidFill>
+          </a:ln>
+        </p:spPr>
+        <p:style>
+          <a:lnRef idx="1">
+            <a:schemeClr val="accent4"/>
+          </a:lnRef>
+          <a:fillRef idx="2">
+            <a:schemeClr val="accent4"/>
+          </a:fillRef>
+          <a:effectRef idx="1">
+            <a:schemeClr val="accent4"/>
+          </a:effectRef>
+          <a:fontRef idx="minor">
+            <a:schemeClr val="dk1"/>
+          </a:fontRef>
+        </p:style>
+        <p:txBody>
+          <a:bodyPr rtlCol="0" anchor="ctr"/>
+          <a:lstStyle/>
+          <a:p>
+            <a:pPr algn="ctr"/>
+            <a:r>
+              <a:rPr lang="en-US" smtClean="0"/>
+              <a:t>data: points to heap</a:t>
+            </a:r>
+            <a:endParaRPr lang="en-US"/>
+          </a:p>
+        </p:txBody>
+      </p:sp>
+      <p:sp>
+        <p:nvSpPr>
+          <p:cNvPr id="8" name="Rectangle 7"/>
+          <p:cNvSpPr/>
+          <p:nvPr/>
+        </p:nvSpPr>
+        <p:spPr>
+          <a:xfrm>
+            <a:off x="8848067" y="2599277"/>
+            <a:ext cx="2773539" cy="497149"/>
+          </a:xfrm>
+          <a:prstGeom prst="rect">
+            <a:avLst/>
+          </a:prstGeom>
+          <a:solidFill>
+            <a:schemeClr val="bg1"/>
+          </a:solidFill>
+          <a:ln w="22225">
+            <a:solidFill>
+              <a:schemeClr val="tx1"/>
+            </a:solidFill>
+          </a:ln>
+        </p:spPr>
+        <p:style>
+          <a:lnRef idx="1">
+            <a:schemeClr val="accent4"/>
+          </a:lnRef>
+          <a:fillRef idx="2">
+            <a:schemeClr val="accent4"/>
+          </a:fillRef>
+          <a:effectRef idx="1">
+            <a:schemeClr val="accent4"/>
+          </a:effectRef>
+          <a:fontRef idx="minor">
+            <a:schemeClr val="dk1"/>
+          </a:fontRef>
+        </p:style>
+        <p:txBody>
+          <a:bodyPr rtlCol="0" anchor="ctr"/>
+          <a:lstStyle/>
+          <a:p>
+            <a:pPr algn="ctr"/>
+            <a:r>
+              <a:rPr lang="en-US" smtClean="0"/>
+              <a:t>padding</a:t>
+            </a:r>
+            <a:endParaRPr lang="en-US"/>
+          </a:p>
+        </p:txBody>
+      </p:sp>
+      <p:cxnSp>
+        <p:nvCxnSpPr>
+          <p:cNvPr id="9" name="Straight Arrow Connector 8"/>
+          <p:cNvCxnSpPr/>
+          <p:nvPr/>
+        </p:nvCxnSpPr>
+        <p:spPr>
+          <a:xfrm flipV="1">
+            <a:off x="539914" y="2167128"/>
+            <a:ext cx="11081692" cy="0"/>
+          </a:xfrm>
+          <a:prstGeom prst="straightConnector1">
+            <a:avLst/>
+          </a:prstGeom>
+          <a:ln w="22225">
+            <a:headEnd type="triangle" w="lg" len="lg"/>
+            <a:tailEnd type="triangle" w="lg" len="lg"/>
+          </a:ln>
+        </p:spPr>
+        <p:style>
+          <a:lnRef idx="1">
+            <a:schemeClr val="dk1"/>
+          </a:lnRef>
+          <a:fillRef idx="0">
+            <a:schemeClr val="dk1"/>
+          </a:fillRef>
+          <a:effectRef idx="0">
+            <a:schemeClr val="dk1"/>
+          </a:effectRef>
+          <a:fontRef idx="minor">
+            <a:schemeClr val="tx1"/>
+          </a:fontRef>
+        </p:style>
+      </p:cxnSp>
+      <p:sp>
+        <p:nvSpPr>
+          <p:cNvPr id="12" name="Rectangle 11"/>
+          <p:cNvSpPr/>
+          <p:nvPr/>
+        </p:nvSpPr>
+        <p:spPr>
+          <a:xfrm>
+            <a:off x="5020068" y="1678564"/>
+            <a:ext cx="1902571" cy="497149"/>
+          </a:xfrm>
+          <a:prstGeom prst="rect">
+            <a:avLst/>
+          </a:prstGeom>
+          <a:noFill/>
+          <a:ln w="22225">
+            <a:noFill/>
+          </a:ln>
+        </p:spPr>
+        <p:style>
+          <a:lnRef idx="1">
+            <a:schemeClr val="accent4"/>
+          </a:lnRef>
+          <a:fillRef idx="2">
+            <a:schemeClr val="accent4"/>
+          </a:fillRef>
+          <a:effectRef idx="1">
+            <a:schemeClr val="accent4"/>
+          </a:effectRef>
+          <a:fontRef idx="minor">
+            <a:schemeClr val="dk1"/>
+          </a:fontRef>
+        </p:style>
+        <p:txBody>
+          <a:bodyPr rtlCol="0" anchor="ctr"/>
+          <a:lstStyle/>
+          <a:p>
+            <a:pPr algn="ctr"/>
+            <a:r>
+              <a:rPr lang="en-US" smtClean="0"/>
+              <a:t>size</a:t>
+            </a:r>
+            <a:r>
+              <a:rPr lang="ru-RU" smtClean="0"/>
+              <a:t> = </a:t>
+            </a:r>
+            <a:r>
+              <a:rPr lang="en-US" smtClean="0"/>
+              <a:t>3</a:t>
+            </a:r>
+            <a:r>
+              <a:rPr lang="ru-RU" smtClean="0"/>
+              <a:t>2 </a:t>
+            </a:r>
+            <a:r>
+              <a:rPr lang="en-US" smtClean="0"/>
+              <a:t>bytes</a:t>
+            </a:r>
+            <a:endParaRPr lang="en-US"/>
+          </a:p>
+        </p:txBody>
+      </p:sp>
+      <p:sp>
+        <p:nvSpPr>
+          <p:cNvPr id="13" name="Rectangle 12"/>
+          <p:cNvSpPr/>
+          <p:nvPr/>
+        </p:nvSpPr>
+        <p:spPr>
+          <a:xfrm>
+            <a:off x="3313453" y="4196934"/>
+            <a:ext cx="2773539" cy="497149"/>
+          </a:xfrm>
+          <a:prstGeom prst="rect">
+            <a:avLst/>
+          </a:prstGeom>
+          <a:solidFill>
+            <a:schemeClr val="bg1"/>
+          </a:solidFill>
+          <a:ln w="22225">
+            <a:solidFill>
+              <a:schemeClr val="tx1"/>
+            </a:solidFill>
+          </a:ln>
+        </p:spPr>
+        <p:style>
+          <a:lnRef idx="1">
+            <a:schemeClr val="accent4"/>
+          </a:lnRef>
+          <a:fillRef idx="2">
+            <a:schemeClr val="accent4"/>
+          </a:fillRef>
+          <a:effectRef idx="1">
+            <a:schemeClr val="accent4"/>
+          </a:effectRef>
+          <a:fontRef idx="minor">
+            <a:schemeClr val="dk1"/>
+          </a:fontRef>
+        </p:style>
+        <p:txBody>
+          <a:bodyPr rtlCol="0" anchor="ctr"/>
+          <a:lstStyle/>
+          <a:p>
+            <a:pPr algn="ctr"/>
+            <a:r>
+              <a:rPr lang="en-US" smtClean="0"/>
+              <a:t>size &lt;= 15</a:t>
+            </a:r>
+            <a:endParaRPr lang="en-US"/>
+          </a:p>
+        </p:txBody>
+      </p:sp>
+      <p:sp>
+        <p:nvSpPr>
+          <p:cNvPr id="14" name="Rectangle 13"/>
+          <p:cNvSpPr/>
+          <p:nvPr/>
+        </p:nvSpPr>
+        <p:spPr>
+          <a:xfrm>
+            <a:off x="6081705" y="4194397"/>
+            <a:ext cx="5539901" cy="497149"/>
+          </a:xfrm>
+          <a:prstGeom prst="rect">
+            <a:avLst/>
+          </a:prstGeom>
+          <a:solidFill>
+            <a:schemeClr val="bg1"/>
+          </a:solidFill>
+          <a:ln w="22225">
+            <a:solidFill>
+              <a:schemeClr val="tx1"/>
+            </a:solidFill>
+          </a:ln>
+        </p:spPr>
+        <p:style>
+          <a:lnRef idx="1">
+            <a:schemeClr val="accent4"/>
+          </a:lnRef>
+          <a:fillRef idx="2">
+            <a:schemeClr val="accent4"/>
+          </a:fillRef>
+          <a:effectRef idx="1">
+            <a:schemeClr val="accent4"/>
+          </a:effectRef>
+          <a:fontRef idx="minor">
+            <a:schemeClr val="dk1"/>
+          </a:fontRef>
+        </p:style>
+        <p:txBody>
+          <a:bodyPr rtlCol="0" anchor="ctr"/>
+          <a:lstStyle/>
+          <a:p>
+            <a:pPr algn="ctr"/>
+            <a:r>
+              <a:rPr lang="en-US" smtClean="0"/>
+              <a:t>small string</a:t>
+            </a:r>
+            <a:endParaRPr lang="en-US"/>
+          </a:p>
+        </p:txBody>
+      </p:sp>
+      <p:sp>
+        <p:nvSpPr>
+          <p:cNvPr id="15" name="Rectangle 14"/>
+          <p:cNvSpPr/>
+          <p:nvPr/>
+        </p:nvSpPr>
+        <p:spPr>
+          <a:xfrm>
+            <a:off x="539914" y="4196935"/>
+            <a:ext cx="2773539" cy="497149"/>
+          </a:xfrm>
+          <a:prstGeom prst="rect">
+            <a:avLst/>
+          </a:prstGeom>
+          <a:solidFill>
+            <a:schemeClr val="bg1"/>
+          </a:solidFill>
+          <a:ln w="22225">
+            <a:solidFill>
+              <a:schemeClr val="tx1"/>
+            </a:solidFill>
+          </a:ln>
+        </p:spPr>
+        <p:style>
+          <a:lnRef idx="1">
+            <a:schemeClr val="accent4"/>
+          </a:lnRef>
+          <a:fillRef idx="2">
+            <a:schemeClr val="accent4"/>
+          </a:fillRef>
+          <a:effectRef idx="1">
+            <a:schemeClr val="accent4"/>
+          </a:effectRef>
+          <a:fontRef idx="minor">
+            <a:schemeClr val="dk1"/>
+          </a:fontRef>
+        </p:style>
+        <p:txBody>
+          <a:bodyPr rtlCol="0" anchor="ctr"/>
+          <a:lstStyle/>
+          <a:p>
+            <a:pPr algn="ctr"/>
+            <a:r>
+              <a:rPr lang="en-US" smtClean="0"/>
+              <a:t>data: points to small string</a:t>
+            </a:r>
+            <a:endParaRPr lang="en-US"/>
+          </a:p>
+        </p:txBody>
+      </p:sp>
+      <p:cxnSp>
+        <p:nvCxnSpPr>
+          <p:cNvPr id="30" name="Straight Arrow Connector 29"/>
+          <p:cNvCxnSpPr/>
+          <p:nvPr/>
+        </p:nvCxnSpPr>
+        <p:spPr>
+          <a:xfrm flipV="1">
+            <a:off x="6080760" y="3843528"/>
+            <a:ext cx="5540846" cy="0"/>
+          </a:xfrm>
+          <a:prstGeom prst="straightConnector1">
+            <a:avLst/>
+          </a:prstGeom>
+          <a:ln w="22225">
+            <a:headEnd type="triangle" w="lg" len="lg"/>
+            <a:tailEnd type="triangle" w="lg" len="lg"/>
+          </a:ln>
+        </p:spPr>
+        <p:style>
+          <a:lnRef idx="1">
+            <a:schemeClr val="dk1"/>
+          </a:lnRef>
+          <a:fillRef idx="0">
+            <a:schemeClr val="dk1"/>
+          </a:fillRef>
+          <a:effectRef idx="0">
+            <a:schemeClr val="dk1"/>
+          </a:effectRef>
+          <a:fontRef idx="minor">
+            <a:schemeClr val="tx1"/>
+          </a:fontRef>
+        </p:style>
+      </p:cxnSp>
+      <p:sp>
+        <p:nvSpPr>
+          <p:cNvPr id="32" name="Rectangle 31"/>
+          <p:cNvSpPr/>
+          <p:nvPr/>
+        </p:nvSpPr>
+        <p:spPr>
+          <a:xfrm>
+            <a:off x="7702308" y="3343842"/>
+            <a:ext cx="1902571" cy="497149"/>
+          </a:xfrm>
+          <a:prstGeom prst="rect">
+            <a:avLst/>
+          </a:prstGeom>
+          <a:noFill/>
+          <a:ln w="22225">
+            <a:noFill/>
+          </a:ln>
+        </p:spPr>
+        <p:style>
+          <a:lnRef idx="1">
+            <a:schemeClr val="accent4"/>
+          </a:lnRef>
+          <a:fillRef idx="2">
+            <a:schemeClr val="accent4"/>
+          </a:fillRef>
+          <a:effectRef idx="1">
+            <a:schemeClr val="accent4"/>
+          </a:effectRef>
+          <a:fontRef idx="minor">
+            <a:schemeClr val="dk1"/>
+          </a:fontRef>
+        </p:style>
+        <p:txBody>
+          <a:bodyPr rtlCol="0" anchor="ctr"/>
+          <a:lstStyle/>
+          <a:p>
+            <a:pPr algn="ctr"/>
+            <a:r>
+              <a:rPr lang="en-US" smtClean="0"/>
+              <a:t>size</a:t>
+            </a:r>
+            <a:r>
+              <a:rPr lang="ru-RU" smtClean="0"/>
+              <a:t> = </a:t>
+            </a:r>
+            <a:r>
+              <a:rPr lang="en-US" smtClean="0"/>
+              <a:t>16</a:t>
+            </a:r>
+            <a:r>
+              <a:rPr lang="ru-RU" smtClean="0"/>
+              <a:t> </a:t>
+            </a:r>
+            <a:r>
+              <a:rPr lang="en-US" smtClean="0"/>
+              <a:t>bytes</a:t>
+            </a:r>
+            <a:endParaRPr lang="en-US"/>
+          </a:p>
+        </p:txBody>
+      </p:sp>
+      <p:sp>
+        <p:nvSpPr>
+          <p:cNvPr id="33" name="Content Placeholder 2"/>
+          <p:cNvSpPr>
+            <a:spLocks noGrp="1"/>
+          </p:cNvSpPr>
+          <p:nvPr>
+            <p:ph idx="1"/>
+          </p:nvPr>
+        </p:nvSpPr>
+        <p:spPr>
+          <a:xfrm>
+            <a:off x="1143000" y="5120640"/>
+            <a:ext cx="9872871" cy="975360"/>
+          </a:xfrm>
+        </p:spPr>
+        <p:txBody>
+          <a:bodyPr/>
+          <a:lstStyle/>
+          <a:p>
+            <a:r>
+              <a:rPr lang="ru-RU" smtClean="0"/>
+              <a:t>Это решение позволяет избежать потерь времени при доступе, но уменьшает размер самой строки</a:t>
+            </a:r>
+          </a:p>
+        </p:txBody>
+      </p:sp>
+    </p:spTree>
+    <p:extLst>
+      <p:ext uri="{BB962C8B-B14F-4D97-AF65-F5344CB8AC3E}">
+        <p14:creationId xmlns:p14="http://schemas.microsoft.com/office/powerpoint/2010/main" val="1739377952"/>
+      </p:ext>
+    </p:extLst>
+  </p:cSld>
+  <p:clrMapOvr>
+    <a:masterClrMapping/>
+  </p:clrMapOvr>
+</p:sld>
+</file>
+
+<file path=ppt/slides/slide53.xml><?xml version="1.0" encoding="utf-8"?>
+<p:sld xmlns:a="http://schemas.openxmlformats.org/drawingml/2006/main" xmlns:r="http://schemas.openxmlformats.org/officeDocument/2006/relationships" xmlns:p="http://schemas.openxmlformats.org/presentationml/2006/main">
+  <p:cSld>
+    <p:spTree>
+      <p:nvGrpSpPr>
+        <p:cNvPr id="1" name=""/>
+        <p:cNvGrpSpPr/>
+        <p:nvPr/>
+      </p:nvGrpSpPr>
+      <p:grpSpPr>
+        <a:xfrm>
+          <a:off x="0" y="0"/>
+          <a:ext cx="0" cy="0"/>
+          <a:chOff x="0" y="0"/>
+          <a:chExt cx="0" cy="0"/>
+        </a:xfrm>
+      </p:grpSpPr>
+      <p:sp>
+        <p:nvSpPr>
+          <p:cNvPr id="2" name="Title 1"/>
+          <p:cNvSpPr>
+            <a:spLocks noGrp="1"/>
+          </p:cNvSpPr>
+          <p:nvPr>
+            <p:ph type="title"/>
+          </p:nvPr>
+        </p:nvSpPr>
+        <p:spPr/>
+        <p:txBody>
+          <a:bodyPr/>
+          <a:lstStyle/>
+          <a:p>
+            <a:r>
+              <a:rPr lang="ru-RU" smtClean="0"/>
+              <a:t>Проблема: а теперь учтём </a:t>
+            </a:r>
+            <a:r>
+              <a:rPr lang="en-US" smtClean="0"/>
+              <a:t>UTF32</a:t>
+            </a:r>
+            <a:endParaRPr lang="en-US"/>
+          </a:p>
+        </p:txBody>
+      </p:sp>
+      <p:sp>
+        <p:nvSpPr>
+          <p:cNvPr id="3" name="Content Placeholder 2"/>
+          <p:cNvSpPr>
+            <a:spLocks noGrp="1"/>
+          </p:cNvSpPr>
+          <p:nvPr>
+            <p:ph idx="1"/>
+          </p:nvPr>
+        </p:nvSpPr>
+        <p:spPr/>
+        <p:txBody>
+          <a:bodyPr/>
+          <a:lstStyle/>
+          <a:p>
+            <a:r>
+              <a:rPr lang="ru-RU" smtClean="0"/>
+              <a:t>В случае если один символ занимает не один байт (а, например, четыре) у </a:t>
+            </a:r>
+            <a:r>
+              <a:rPr lang="en-US" smtClean="0"/>
+              <a:t>SSO </a:t>
+            </a:r>
+            <a:r>
+              <a:rPr lang="ru-RU" smtClean="0"/>
+              <a:t>проблемы.</a:t>
+            </a:r>
+          </a:p>
+          <a:p>
+            <a:r>
+              <a:rPr lang="ru-RU" smtClean="0"/>
+              <a:t>Но в первую очередь проблемы у нас. Как обобщить разработанную строчку на символы разных размеров?</a:t>
+            </a:r>
+          </a:p>
+          <a:p>
+            <a:r>
+              <a:rPr lang="ru-RU" smtClean="0"/>
+              <a:t>Первая идея: написать три разных класса: </a:t>
+            </a:r>
+            <a:r>
+              <a:rPr lang="en-US" smtClean="0"/>
+              <a:t>utf8string, </a:t>
+            </a:r>
+            <a:r>
+              <a:rPr lang="ru-RU" smtClean="0"/>
+              <a:t> </a:t>
+            </a:r>
+            <a:r>
+              <a:rPr lang="en-US" smtClean="0"/>
+              <a:t>utf16string</a:t>
+            </a:r>
+            <a:r>
+              <a:rPr lang="ru-RU" smtClean="0"/>
+              <a:t> и </a:t>
+            </a:r>
+            <a:r>
+              <a:rPr lang="en-US" smtClean="0"/>
+              <a:t>utf32string</a:t>
+            </a:r>
+          </a:p>
+          <a:p>
+            <a:r>
+              <a:rPr lang="ru-RU" smtClean="0"/>
+              <a:t>Покритикуйте эту идею</a:t>
+            </a:r>
+            <a:endParaRPr lang="en-US"/>
+          </a:p>
+        </p:txBody>
+      </p:sp>
+    </p:spTree>
+    <p:extLst>
+      <p:ext uri="{BB962C8B-B14F-4D97-AF65-F5344CB8AC3E}">
+        <p14:creationId xmlns:p14="http://schemas.microsoft.com/office/powerpoint/2010/main" val="656697118"/>
+      </p:ext>
+    </p:extLst>
+  </p:cSld>
+  <p:clrMapOvr>
+    <a:masterClrMapping/>
+  </p:clrMapOvr>
+</p:sld>
+</file>
+
+<file path=ppt/slides/slide54.xml><?xml version="1.0" encoding="utf-8"?>
+<p:sld xmlns:a="http://schemas.openxmlformats.org/drawingml/2006/main" xmlns:r="http://schemas.openxmlformats.org/officeDocument/2006/relationships" xmlns:p="http://schemas.openxmlformats.org/presentationml/2006/main">
+  <p:cSld>
+    <p:spTree>
+      <p:nvGrpSpPr>
+        <p:cNvPr id="1" name=""/>
+        <p:cNvGrpSpPr/>
+        <p:nvPr/>
+      </p:nvGrpSpPr>
+      <p:grpSpPr>
+        <a:xfrm>
+          <a:off x="0" y="0"/>
+          <a:ext cx="0" cy="0"/>
+          <a:chOff x="0" y="0"/>
+          <a:chExt cx="0" cy="0"/>
+        </a:xfrm>
+      </p:grpSpPr>
+      <p:sp>
+        <p:nvSpPr>
+          <p:cNvPr id="3" name="Content Placeholder 2"/>
+          <p:cNvSpPr>
+            <a:spLocks noGrp="1"/>
+          </p:cNvSpPr>
+          <p:nvPr>
+            <p:ph idx="1"/>
+          </p:nvPr>
+        </p:nvSpPr>
+        <p:spPr>
+          <a:xfrm>
+            <a:off x="1143000" y="742122"/>
+            <a:ext cx="9872871" cy="5353878"/>
+          </a:xfrm>
+        </p:spPr>
+        <p:txBody>
+          <a:bodyPr>
+            <a:noAutofit/>
+          </a:bodyPr>
+          <a:lstStyle/>
+          <a:p>
+            <a:pPr>
+              <a:lnSpc>
+                <a:spcPct val="150000"/>
+              </a:lnSpc>
+              <a:buFont typeface="Wingdings" panose="05000000000000000000" pitchFamily="2" charset="2"/>
+              <a:buChar char="q"/>
+            </a:pPr>
+            <a:r>
+              <a:rPr lang="ru-RU" sz="4800" smtClean="0"/>
+              <a:t> Строки в стиле </a:t>
+            </a:r>
+            <a:r>
+              <a:rPr lang="en-US" sz="4800" smtClean="0"/>
+              <a:t>C</a:t>
+            </a:r>
+            <a:endParaRPr lang="ru-RU" sz="4800" smtClean="0"/>
+          </a:p>
+          <a:p>
+            <a:pPr>
+              <a:lnSpc>
+                <a:spcPct val="150000"/>
+              </a:lnSpc>
+              <a:buFont typeface="Wingdings" panose="05000000000000000000" pitchFamily="2" charset="2"/>
+              <a:buChar char="q"/>
+            </a:pPr>
+            <a:r>
+              <a:rPr lang="ru-RU" sz="4800" smtClean="0"/>
+              <a:t> Класс строки</a:t>
+            </a:r>
+          </a:p>
+          <a:p>
+            <a:pPr>
+              <a:lnSpc>
+                <a:spcPct val="150000"/>
+              </a:lnSpc>
+              <a:buFont typeface="Wingdings" panose="05000000000000000000" pitchFamily="2" charset="2"/>
+              <a:buChar char="q"/>
+            </a:pPr>
+            <a:r>
+              <a:rPr lang="ru-RU" sz="4800" smtClean="0"/>
+              <a:t> Оптимизации: </a:t>
+            </a:r>
+            <a:r>
+              <a:rPr lang="en-US" sz="4800" smtClean="0"/>
+              <a:t>COW </a:t>
+            </a:r>
+            <a:r>
+              <a:rPr lang="ru-RU" sz="4800" smtClean="0"/>
+              <a:t>и </a:t>
+            </a:r>
+            <a:r>
+              <a:rPr lang="en-US" sz="4800" smtClean="0"/>
+              <a:t>SSO</a:t>
+            </a:r>
+            <a:endParaRPr lang="ru-RU" sz="4800" smtClean="0"/>
+          </a:p>
+          <a:p>
+            <a:pPr>
+              <a:lnSpc>
+                <a:spcPct val="150000"/>
+              </a:lnSpc>
+              <a:buFont typeface="Wingdings" panose="05000000000000000000" pitchFamily="2" charset="2"/>
+              <a:buChar char="Ø"/>
+            </a:pPr>
+            <a:r>
+              <a:rPr lang="ru-RU" sz="4800" smtClean="0"/>
+              <a:t> Шаблон класса строки</a:t>
+            </a:r>
+          </a:p>
+        </p:txBody>
+      </p:sp>
+    </p:spTree>
+    <p:extLst>
+      <p:ext uri="{BB962C8B-B14F-4D97-AF65-F5344CB8AC3E}">
+        <p14:creationId xmlns:p14="http://schemas.microsoft.com/office/powerpoint/2010/main" val="420010737"/>
+      </p:ext>
+    </p:extLst>
+  </p:cSld>
+  <p:clrMapOvr>
+    <a:masterClrMapping/>
+  </p:clrMapOvr>
+</p:sld>
+</file>
+
+<file path=ppt/slides/slide55.xml><?xml version="1.0" encoding="utf-8"?>
+<p:sld xmlns:a="http://schemas.openxmlformats.org/drawingml/2006/main" xmlns:r="http://schemas.openxmlformats.org/officeDocument/2006/relationships" xmlns:p="http://schemas.openxmlformats.org/presentationml/2006/main">
+  <p:cSld>
+    <p:spTree>
+      <p:nvGrpSpPr>
+        <p:cNvPr id="1" name=""/>
+        <p:cNvGrpSpPr/>
+        <p:nvPr/>
+      </p:nvGrpSpPr>
+      <p:grpSpPr>
+        <a:xfrm>
+          <a:off x="0" y="0"/>
+          <a:ext cx="0" cy="0"/>
+          <a:chOff x="0" y="0"/>
+          <a:chExt cx="0" cy="0"/>
+        </a:xfrm>
+      </p:grpSpPr>
+      <p:sp>
+        <p:nvSpPr>
+          <p:cNvPr id="2" name="Title 1"/>
+          <p:cNvSpPr>
+            <a:spLocks noGrp="1"/>
+          </p:cNvSpPr>
+          <p:nvPr>
+            <p:ph type="title"/>
+          </p:nvPr>
+        </p:nvSpPr>
+        <p:spPr/>
+        <p:txBody>
+          <a:bodyPr/>
+          <a:lstStyle/>
+          <a:p>
+            <a:r>
+              <a:rPr lang="ru-RU" smtClean="0"/>
+              <a:t>Шаблон класса строки</a:t>
+            </a:r>
+            <a:endParaRPr lang="en-US"/>
+          </a:p>
+        </p:txBody>
+      </p:sp>
+      <p:sp>
+        <p:nvSpPr>
+          <p:cNvPr id="3" name="Content Placeholder 2"/>
+          <p:cNvSpPr>
+            <a:spLocks noGrp="1"/>
+          </p:cNvSpPr>
+          <p:nvPr>
+            <p:ph idx="1"/>
+          </p:nvPr>
+        </p:nvSpPr>
+        <p:spPr/>
+        <p:txBody>
+          <a:bodyPr/>
+          <a:lstStyle/>
+          <a:p>
+            <a:r>
+              <a:rPr lang="ru-RU" smtClean="0"/>
+              <a:t>Как </a:t>
+            </a:r>
+            <a:r>
+              <a:rPr lang="ru-RU" smtClean="0">
+                <a:solidFill>
+                  <a:srgbClr val="FF0000"/>
+                </a:solidFill>
+              </a:rPr>
+              <a:t>в принципе</a:t>
+            </a:r>
+            <a:r>
+              <a:rPr lang="ru-RU" smtClean="0"/>
+              <a:t> устроен </a:t>
+            </a:r>
+            <a:r>
+              <a:rPr lang="en-US" smtClean="0"/>
+              <a:t>basic_string</a:t>
+            </a:r>
+          </a:p>
+          <a:p>
+            <a:pPr marL="45720" indent="0">
+              <a:buNone/>
+            </a:pPr>
+            <a:r>
+              <a:rPr lang="en-US" smtClean="0">
+                <a:latin typeface="Consolas" panose="020B0609020204030204" pitchFamily="49" charset="0"/>
+              </a:rPr>
+              <a:t>template &lt;typename </a:t>
+            </a:r>
+            <a:r>
+              <a:rPr lang="en-US" smtClean="0">
+                <a:solidFill>
+                  <a:srgbClr val="0000FF"/>
+                </a:solidFill>
+                <a:latin typeface="Consolas" panose="020B0609020204030204" pitchFamily="49" charset="0"/>
+              </a:rPr>
+              <a:t>CharT</a:t>
+            </a:r>
+            <a:r>
+              <a:rPr lang="en-US" smtClean="0">
+                <a:latin typeface="Consolas" panose="020B0609020204030204" pitchFamily="49" charset="0"/>
+              </a:rPr>
+              <a:t>&gt; class basic_string {</a:t>
+            </a:r>
+            <a:br>
+              <a:rPr lang="en-US" smtClean="0">
+                <a:latin typeface="Consolas" panose="020B0609020204030204" pitchFamily="49" charset="0"/>
+              </a:rPr>
+            </a:br>
+            <a:r>
+              <a:rPr lang="ru-RU" smtClean="0">
+                <a:latin typeface="Consolas" panose="020B0609020204030204" pitchFamily="49" charset="0"/>
+              </a:rPr>
+              <a:t>  </a:t>
+            </a:r>
+            <a:r>
+              <a:rPr lang="en-US" smtClean="0">
+                <a:solidFill>
+                  <a:srgbClr val="0000FF"/>
+                </a:solidFill>
+                <a:latin typeface="Consolas" panose="020B0609020204030204" pitchFamily="49" charset="0"/>
+              </a:rPr>
+              <a:t>CharT</a:t>
+            </a:r>
+            <a:r>
+              <a:rPr lang="en-US" smtClean="0">
+                <a:latin typeface="Consolas" panose="020B0609020204030204" pitchFamily="49" charset="0"/>
+              </a:rPr>
+              <a:t> *data;</a:t>
+            </a:r>
+            <a:br>
+              <a:rPr lang="en-US" smtClean="0">
+                <a:latin typeface="Consolas" panose="020B0609020204030204" pitchFamily="49" charset="0"/>
+              </a:rPr>
+            </a:br>
+            <a:r>
+              <a:rPr lang="en-US" smtClean="0">
+                <a:latin typeface="Consolas" panose="020B0609020204030204" pitchFamily="49" charset="0"/>
+              </a:rPr>
+              <a:t>  size_t size;</a:t>
+            </a:r>
+            <a:br>
+              <a:rPr lang="en-US" smtClean="0">
+                <a:latin typeface="Consolas" panose="020B0609020204030204" pitchFamily="49" charset="0"/>
+              </a:rPr>
+            </a:br>
+            <a:r>
+              <a:rPr lang="en-US" smtClean="0">
+                <a:latin typeface="Consolas" panose="020B0609020204030204" pitchFamily="49" charset="0"/>
+              </a:rPr>
+              <a:t>  union {</a:t>
+            </a:r>
+            <a:br>
+              <a:rPr lang="en-US" smtClean="0">
+                <a:latin typeface="Consolas" panose="020B0609020204030204" pitchFamily="49" charset="0"/>
+              </a:rPr>
+            </a:br>
+            <a:r>
+              <a:rPr lang="en-US" smtClean="0">
+                <a:latin typeface="Consolas" panose="020B0609020204030204" pitchFamily="49" charset="0"/>
+              </a:rPr>
+              <a:t>    size_t capacity;</a:t>
+            </a:r>
+            <a:br>
+              <a:rPr lang="en-US" smtClean="0">
+                <a:latin typeface="Consolas" panose="020B0609020204030204" pitchFamily="49" charset="0"/>
+              </a:rPr>
+            </a:br>
+            <a:r>
+              <a:rPr lang="en-US" smtClean="0">
+                <a:latin typeface="Consolas" panose="020B0609020204030204" pitchFamily="49" charset="0"/>
+              </a:rPr>
+              <a:t>    enum {SZ = (sizeof(data) + 2*sizeof(size_t) + 31) / 32;};</a:t>
+            </a:r>
+            <a:br>
+              <a:rPr lang="en-US" smtClean="0">
+                <a:latin typeface="Consolas" panose="020B0609020204030204" pitchFamily="49" charset="0"/>
+              </a:rPr>
+            </a:br>
+            <a:r>
+              <a:rPr lang="en-US" smtClean="0">
+                <a:latin typeface="Consolas" panose="020B0609020204030204" pitchFamily="49" charset="0"/>
+              </a:rPr>
+              <a:t>    </a:t>
+            </a:r>
+            <a:r>
+              <a:rPr lang="en-US" smtClean="0">
+                <a:solidFill>
+                  <a:srgbClr val="0000FF"/>
+                </a:solidFill>
+                <a:latin typeface="Consolas" panose="020B0609020204030204" pitchFamily="49" charset="0"/>
+              </a:rPr>
+              <a:t>CharT</a:t>
+            </a:r>
+            <a:r>
+              <a:rPr lang="en-US" smtClean="0">
+                <a:latin typeface="Consolas" panose="020B0609020204030204" pitchFamily="49" charset="0"/>
+              </a:rPr>
+              <a:t> small_str[SZ];</a:t>
+            </a:r>
+            <a:br>
+              <a:rPr lang="en-US" smtClean="0">
+                <a:latin typeface="Consolas" panose="020B0609020204030204" pitchFamily="49" charset="0"/>
+              </a:rPr>
+            </a:br>
+            <a:r>
+              <a:rPr lang="en-US" smtClean="0">
+                <a:latin typeface="Consolas" panose="020B0609020204030204" pitchFamily="49" charset="0"/>
+              </a:rPr>
+              <a:t>  } sso;</a:t>
+            </a:r>
+            <a:r>
+              <a:rPr lang="ru-RU" smtClean="0">
+                <a:latin typeface="Consolas" panose="020B0609020204030204" pitchFamily="49" charset="0"/>
+              </a:rPr>
+              <a:t/>
+            </a:r>
+            <a:br>
+              <a:rPr lang="ru-RU" smtClean="0">
+                <a:latin typeface="Consolas" panose="020B0609020204030204" pitchFamily="49" charset="0"/>
+              </a:rPr>
+            </a:br>
+            <a:r>
+              <a:rPr lang="en-US" smtClean="0">
+                <a:latin typeface="Consolas" panose="020B0609020204030204" pitchFamily="49" charset="0"/>
+              </a:rPr>
+              <a:t>public:</a:t>
+            </a:r>
+            <a:br>
+              <a:rPr lang="en-US" smtClean="0">
+                <a:latin typeface="Consolas" panose="020B0609020204030204" pitchFamily="49" charset="0"/>
+              </a:rPr>
+            </a:br>
+            <a:r>
+              <a:rPr lang="en-US" smtClean="0">
+                <a:latin typeface="Consolas" panose="020B0609020204030204" pitchFamily="49" charset="0"/>
+              </a:rPr>
+              <a:t>  // </a:t>
+            </a:r>
+            <a:r>
+              <a:rPr lang="ru-RU" smtClean="0">
+                <a:latin typeface="Consolas" panose="020B0609020204030204" pitchFamily="49" charset="0"/>
+              </a:rPr>
+              <a:t>тут все его 89 методов</a:t>
+            </a:r>
+            <a:r>
+              <a:rPr lang="en-US" smtClean="0">
+                <a:latin typeface="Consolas" panose="020B0609020204030204" pitchFamily="49" charset="0"/>
+              </a:rPr>
+              <a:t/>
+            </a:r>
+            <a:br>
+              <a:rPr lang="en-US" smtClean="0">
+                <a:latin typeface="Consolas" panose="020B0609020204030204" pitchFamily="49" charset="0"/>
+              </a:rPr>
+            </a:br>
+            <a:r>
+              <a:rPr lang="en-US" smtClean="0">
+                <a:latin typeface="Consolas" panose="020B0609020204030204" pitchFamily="49" charset="0"/>
+              </a:rPr>
+              <a:t>};</a:t>
+            </a:r>
+            <a:endParaRPr lang="ru-RU" smtClean="0">
+              <a:latin typeface="Consolas" panose="020B0609020204030204" pitchFamily="49" charset="0"/>
+            </a:endParaRPr>
+          </a:p>
+          <a:p>
+            <a:r>
+              <a:rPr lang="ru-RU" smtClean="0"/>
+              <a:t>Это позволяет делать разные строки для разных типов символов</a:t>
+            </a:r>
+            <a:endParaRPr lang="en-US"/>
+          </a:p>
+        </p:txBody>
+      </p:sp>
+    </p:spTree>
+    <p:extLst>
+      <p:ext uri="{BB962C8B-B14F-4D97-AF65-F5344CB8AC3E}">
+        <p14:creationId xmlns:p14="http://schemas.microsoft.com/office/powerpoint/2010/main" val="3077955316"/>
+      </p:ext>
+    </p:extLst>
+  </p:cSld>
+  <p:clrMapOvr>
+    <a:masterClrMapping/>
+  </p:clrMapOvr>
+</p:sld>
+</file>
+
+<file path=ppt/slides/slide56.xml><?xml version="1.0" encoding="utf-8"?>
+<p:sld xmlns:a="http://schemas.openxmlformats.org/drawingml/2006/main" xmlns:r="http://schemas.openxmlformats.org/officeDocument/2006/relationships" xmlns:p="http://schemas.openxmlformats.org/presentationml/2006/main">
+  <p:cSld>
+    <p:spTree>
+      <p:nvGrpSpPr>
+        <p:cNvPr id="1" name=""/>
+        <p:cNvGrpSpPr/>
+        <p:nvPr/>
+      </p:nvGrpSpPr>
+      <p:grpSpPr>
+        <a:xfrm>
+          <a:off x="0" y="0"/>
+          <a:ext cx="0" cy="0"/>
+          <a:chOff x="0" y="0"/>
+          <a:chExt cx="0" cy="0"/>
+        </a:xfrm>
+      </p:grpSpPr>
+      <p:sp>
+        <p:nvSpPr>
+          <p:cNvPr id="2" name="Title 1"/>
+          <p:cNvSpPr>
+            <a:spLocks noGrp="1"/>
+          </p:cNvSpPr>
+          <p:nvPr>
+            <p:ph type="title"/>
+          </p:nvPr>
+        </p:nvSpPr>
+        <p:spPr/>
+        <p:txBody>
+          <a:bodyPr/>
+          <a:lstStyle/>
+          <a:p>
+            <a:r>
+              <a:rPr lang="ru-RU" smtClean="0"/>
+              <a:t>Определения для удобства</a:t>
+            </a:r>
+            <a:endParaRPr lang="en-US"/>
+          </a:p>
+        </p:txBody>
+      </p:sp>
+      <p:sp>
+        <p:nvSpPr>
+          <p:cNvPr id="3" name="Content Placeholder 2"/>
+          <p:cNvSpPr>
+            <a:spLocks noGrp="1"/>
+          </p:cNvSpPr>
+          <p:nvPr>
+            <p:ph idx="1"/>
+          </p:nvPr>
+        </p:nvSpPr>
+        <p:spPr/>
+        <p:txBody>
+          <a:bodyPr/>
+          <a:lstStyle/>
+          <a:p>
+            <a:pPr marL="45720" indent="0">
+              <a:buNone/>
+            </a:pPr>
+            <a:r>
+              <a:rPr lang="en-US" smtClean="0">
+                <a:latin typeface="Consolas" panose="020B0609020204030204" pitchFamily="49" charset="0"/>
+              </a:rPr>
+              <a:t>typedef basic_string&lt;char&gt; string;</a:t>
+            </a:r>
+          </a:p>
+          <a:p>
+            <a:pPr marL="45720" indent="0">
+              <a:buNone/>
+            </a:pPr>
+            <a:r>
+              <a:rPr lang="en-US">
+                <a:latin typeface="Consolas" panose="020B0609020204030204" pitchFamily="49" charset="0"/>
+              </a:rPr>
+              <a:t>typedef </a:t>
+            </a:r>
+            <a:r>
+              <a:rPr lang="en-US" smtClean="0">
+                <a:latin typeface="Consolas" panose="020B0609020204030204" pitchFamily="49" charset="0"/>
+              </a:rPr>
+              <a:t>basic_string&lt;u16char_t&gt; u16string</a:t>
+            </a:r>
+            <a:r>
+              <a:rPr lang="en-US">
+                <a:latin typeface="Consolas" panose="020B0609020204030204" pitchFamily="49" charset="0"/>
+              </a:rPr>
+              <a:t>;</a:t>
+            </a:r>
+          </a:p>
+          <a:p>
+            <a:pPr marL="45720" indent="0">
+              <a:buNone/>
+            </a:pPr>
+            <a:r>
+              <a:rPr lang="en-US" smtClean="0">
+                <a:latin typeface="Consolas" panose="020B0609020204030204" pitchFamily="49" charset="0"/>
+              </a:rPr>
+              <a:t>typedef basic_string&lt;u32char_t&gt; u32string</a:t>
+            </a:r>
+            <a:r>
+              <a:rPr lang="en-US">
+                <a:latin typeface="Consolas" panose="020B0609020204030204" pitchFamily="49" charset="0"/>
+              </a:rPr>
+              <a:t>;</a:t>
+            </a:r>
+          </a:p>
+          <a:p>
+            <a:pPr marL="45720" indent="0">
+              <a:buNone/>
+            </a:pPr>
+            <a:r>
+              <a:rPr lang="en-US" smtClean="0">
+                <a:latin typeface="Consolas" panose="020B0609020204030204" pitchFamily="49" charset="0"/>
+              </a:rPr>
+              <a:t>typedef basic_string&lt;wchar_t&gt; wstring;</a:t>
+            </a:r>
+          </a:p>
+          <a:p>
+            <a:r>
+              <a:rPr lang="ru-RU" smtClean="0"/>
+              <a:t>Тут сознательно использован </a:t>
+            </a:r>
+            <a:r>
+              <a:rPr lang="en-US" smtClean="0"/>
+              <a:t>typedef </a:t>
+            </a:r>
+            <a:r>
+              <a:rPr lang="ru-RU" smtClean="0"/>
+              <a:t>а не </a:t>
+            </a:r>
+            <a:r>
+              <a:rPr lang="en-US" smtClean="0"/>
+              <a:t>using. </a:t>
+            </a:r>
+            <a:r>
+              <a:rPr lang="ru-RU" smtClean="0"/>
+              <a:t>Вы должны быть одинаковы хорошо знакомы с обоими способами определения синонимов</a:t>
+            </a:r>
+          </a:p>
+          <a:p>
+            <a:r>
+              <a:rPr lang="ru-RU" smtClean="0"/>
+              <a:t>Обсуждение: что насчёт </a:t>
+            </a:r>
+            <a:r>
+              <a:rPr lang="en-US" smtClean="0">
+                <a:latin typeface="Consolas" panose="020B0609020204030204" pitchFamily="49" charset="0"/>
+              </a:rPr>
+              <a:t>basic_string&lt;float</a:t>
+            </a:r>
+            <a:r>
+              <a:rPr lang="en-US" smtClean="0">
+                <a:latin typeface="Consolas" panose="020B0609020204030204" pitchFamily="49" charset="0"/>
+              </a:rPr>
+              <a:t>&gt;</a:t>
+            </a:r>
+            <a:r>
+              <a:rPr lang="en-US" smtClean="0"/>
+              <a:t>?</a:t>
+            </a:r>
+            <a:r>
+              <a:rPr lang="ru-RU"/>
+              <a:t> </a:t>
+            </a:r>
+            <a:r>
+              <a:rPr lang="ru-RU" smtClean="0"/>
+              <a:t>Как там со сравнением на равенство?</a:t>
+            </a:r>
+            <a:r>
+              <a:rPr lang="ru-RU" smtClean="0"/>
+              <a:t> </a:t>
+            </a:r>
+            <a:r>
+              <a:rPr lang="ru-RU" smtClean="0"/>
+              <a:t>Ч</a:t>
+            </a:r>
+            <a:r>
+              <a:rPr lang="ru-RU" smtClean="0"/>
+              <a:t>то </a:t>
+            </a:r>
+            <a:r>
+              <a:rPr lang="ru-RU" smtClean="0"/>
+              <a:t>с завершающим символом?</a:t>
+            </a:r>
+            <a:endParaRPr lang="en-US"/>
+          </a:p>
+        </p:txBody>
+      </p:sp>
+    </p:spTree>
+    <p:extLst>
+      <p:ext uri="{BB962C8B-B14F-4D97-AF65-F5344CB8AC3E}">
+        <p14:creationId xmlns:p14="http://schemas.microsoft.com/office/powerpoint/2010/main" val="3272053172"/>
+      </p:ext>
+    </p:extLst>
+  </p:cSld>
+  <p:clrMapOvr>
+    <a:masterClrMapping/>
+  </p:clrMapOvr>
+</p:sld>
+</file>
+
+<file path=ppt/slides/slide57.xml><?xml version="1.0" encoding="utf-8"?>
+<p:sld xmlns:a="http://schemas.openxmlformats.org/drawingml/2006/main" xmlns:r="http://schemas.openxmlformats.org/officeDocument/2006/relationships" xmlns:p="http://schemas.openxmlformats.org/presentationml/2006/main">
+  <p:cSld>
+    <p:spTree>
+      <p:nvGrpSpPr>
+        <p:cNvPr id="1" name=""/>
+        <p:cNvGrpSpPr/>
+        <p:nvPr/>
+      </p:nvGrpSpPr>
+      <p:grpSpPr>
+        <a:xfrm>
+          <a:off x="0" y="0"/>
+          <a:ext cx="0" cy="0"/>
+          <a:chOff x="0" y="0"/>
+          <a:chExt cx="0" cy="0"/>
+        </a:xfrm>
+      </p:grpSpPr>
+      <p:sp>
+        <p:nvSpPr>
+          <p:cNvPr id="2" name="Title 1"/>
+          <p:cNvSpPr>
+            <a:spLocks noGrp="1"/>
+          </p:cNvSpPr>
+          <p:nvPr>
+            <p:ph type="title"/>
+          </p:nvPr>
+        </p:nvSpPr>
+        <p:spPr/>
+        <p:txBody>
+          <a:bodyPr/>
+          <a:lstStyle/>
+          <a:p>
+            <a:r>
+              <a:rPr lang="ru-RU" smtClean="0"/>
+              <a:t>Характеристики типов</a:t>
+            </a:r>
+            <a:endParaRPr lang="en-US"/>
+          </a:p>
+        </p:txBody>
+      </p:sp>
+      <p:sp>
+        <p:nvSpPr>
+          <p:cNvPr id="3" name="Content Placeholder 2"/>
+          <p:cNvSpPr>
+            <a:spLocks noGrp="1"/>
+          </p:cNvSpPr>
+          <p:nvPr>
+            <p:ph idx="1"/>
+          </p:nvPr>
+        </p:nvSpPr>
+        <p:spPr/>
+        <p:txBody>
+          <a:bodyPr/>
+          <a:lstStyle/>
+          <a:p>
+            <a:r>
+              <a:rPr lang="ru-RU" smtClean="0"/>
+              <a:t>Есть много вопросов, ответы на которые </a:t>
+            </a:r>
+            <a:r>
+              <a:rPr lang="ru-RU" smtClean="0"/>
+              <a:t>разные для разных строк с разными типами символов</a:t>
+            </a:r>
+            <a:endParaRPr lang="en-US" smtClean="0"/>
+          </a:p>
+          <a:p>
+            <a:r>
+              <a:rPr lang="ru-RU" smtClean="0"/>
+              <a:t>Разумно свести всё это в класс </a:t>
+            </a:r>
+            <a:endParaRPr lang="en-US" smtClean="0"/>
+          </a:p>
+          <a:p>
+            <a:pPr marL="45720" indent="0">
+              <a:buNone/>
+            </a:pPr>
+            <a:r>
+              <a:rPr lang="en-US">
+                <a:latin typeface="Consolas" panose="020B0609020204030204" pitchFamily="49" charset="0"/>
+              </a:rPr>
+              <a:t>t</a:t>
+            </a:r>
+            <a:r>
+              <a:rPr lang="en-US" smtClean="0">
+                <a:latin typeface="Consolas" panose="020B0609020204030204" pitchFamily="49" charset="0"/>
+              </a:rPr>
+              <a:t>emplate&lt;class</a:t>
+            </a:r>
+            <a:r>
+              <a:rPr lang="en-US">
+                <a:latin typeface="Consolas" panose="020B0609020204030204" pitchFamily="49" charset="0"/>
+              </a:rPr>
+              <a:t> </a:t>
+            </a:r>
+            <a:r>
+              <a:rPr lang="en-US" smtClean="0">
+                <a:latin typeface="Consolas" panose="020B0609020204030204" pitchFamily="49" charset="0"/>
+              </a:rPr>
+              <a:t>CharT</a:t>
+            </a:r>
+            <a:r>
+              <a:rPr lang="en-US">
+                <a:latin typeface="Consolas" panose="020B0609020204030204" pitchFamily="49" charset="0"/>
+              </a:rPr>
+              <a:t>&gt; class char_traits</a:t>
+            </a:r>
+            <a:r>
+              <a:rPr lang="en-US" smtClean="0">
+                <a:latin typeface="Consolas" panose="020B0609020204030204" pitchFamily="49" charset="0"/>
+              </a:rPr>
+              <a:t>;</a:t>
+            </a:r>
+          </a:p>
+          <a:p>
+            <a:r>
+              <a:rPr lang="ru-RU" smtClean="0"/>
+              <a:t>Основные методы:</a:t>
+            </a:r>
+          </a:p>
+          <a:p>
+            <a:r>
+              <a:rPr lang="en-US" smtClean="0"/>
+              <a:t>assign, eq, lt, move, compare, find, eof, ....</a:t>
+            </a:r>
+          </a:p>
+          <a:p>
+            <a:pPr marL="45720" indent="0">
+              <a:buNone/>
+            </a:pPr>
+            <a:r>
+              <a:rPr lang="en-US">
+                <a:latin typeface="Consolas" panose="020B0609020204030204" pitchFamily="49" charset="0"/>
+              </a:rPr>
+              <a:t>template &lt;typename </a:t>
+            </a:r>
+            <a:r>
+              <a:rPr lang="en-US" smtClean="0">
+                <a:solidFill>
+                  <a:srgbClr val="0000FF"/>
+                </a:solidFill>
+                <a:latin typeface="Consolas" panose="020B0609020204030204" pitchFamily="49" charset="0"/>
+              </a:rPr>
+              <a:t>CharT</a:t>
+            </a:r>
+            <a:r>
+              <a:rPr lang="en-US" smtClean="0">
+                <a:latin typeface="Consolas" panose="020B0609020204030204" pitchFamily="49" charset="0"/>
+              </a:rPr>
+              <a:t>,</a:t>
+            </a:r>
+            <a:br>
+              <a:rPr lang="en-US" smtClean="0">
+                <a:latin typeface="Consolas" panose="020B0609020204030204" pitchFamily="49" charset="0"/>
+              </a:rPr>
+            </a:br>
+            <a:r>
+              <a:rPr lang="en-US" smtClean="0">
+                <a:latin typeface="Consolas" panose="020B0609020204030204" pitchFamily="49" charset="0"/>
+              </a:rPr>
+              <a:t>          typename </a:t>
+            </a:r>
+            <a:r>
+              <a:rPr lang="en-US" smtClean="0">
+                <a:solidFill>
+                  <a:srgbClr val="0000FF"/>
+                </a:solidFill>
+                <a:latin typeface="Consolas" panose="020B0609020204030204" pitchFamily="49" charset="0"/>
+              </a:rPr>
+              <a:t>Traits</a:t>
+            </a:r>
+            <a:r>
+              <a:rPr lang="en-US" smtClean="0">
+                <a:latin typeface="Consolas" panose="020B0609020204030204" pitchFamily="49" charset="0"/>
+              </a:rPr>
+              <a:t> = std::char_traits&lt;</a:t>
+            </a:r>
+            <a:r>
+              <a:rPr lang="en-US" smtClean="0">
+                <a:solidFill>
+                  <a:srgbClr val="0000FF"/>
+                </a:solidFill>
+                <a:latin typeface="Consolas" panose="020B0609020204030204" pitchFamily="49" charset="0"/>
+              </a:rPr>
+              <a:t>CharT</a:t>
+            </a:r>
+            <a:r>
+              <a:rPr lang="en-US" smtClean="0">
+                <a:latin typeface="Consolas" panose="020B0609020204030204" pitchFamily="49" charset="0"/>
+              </a:rPr>
+              <a:t>&gt;&gt; </a:t>
+            </a:r>
+            <a:br>
+              <a:rPr lang="en-US" smtClean="0">
+                <a:latin typeface="Consolas" panose="020B0609020204030204" pitchFamily="49" charset="0"/>
+              </a:rPr>
+            </a:br>
+            <a:r>
+              <a:rPr lang="en-US" smtClean="0">
+                <a:latin typeface="Consolas" panose="020B0609020204030204" pitchFamily="49" charset="0"/>
+              </a:rPr>
+              <a:t>class </a:t>
+            </a:r>
+            <a:r>
+              <a:rPr lang="en-US">
+                <a:latin typeface="Consolas" panose="020B0609020204030204" pitchFamily="49" charset="0"/>
+              </a:rPr>
+              <a:t>basic_string </a:t>
+            </a:r>
+            <a:r>
+              <a:rPr lang="en-US" smtClean="0">
+                <a:latin typeface="Consolas" panose="020B0609020204030204" pitchFamily="49" charset="0"/>
+              </a:rPr>
+              <a:t>{</a:t>
+            </a:r>
+          </a:p>
+          <a:p>
+            <a:pPr marL="45720" indent="0">
+              <a:buNone/>
+            </a:pPr>
+            <a:r>
+              <a:rPr lang="en-US" smtClean="0">
+                <a:latin typeface="Consolas" panose="020B0609020204030204" pitchFamily="49" charset="0"/>
+              </a:rPr>
+              <a:t>// </a:t>
+            </a:r>
+            <a:r>
+              <a:rPr lang="ru-RU" smtClean="0">
+                <a:latin typeface="Consolas" panose="020B0609020204030204" pitchFamily="49" charset="0"/>
+              </a:rPr>
+              <a:t>тут всё точно так же</a:t>
+            </a:r>
+            <a:r>
+              <a:rPr lang="en-US" smtClean="0">
+                <a:latin typeface="Consolas" panose="020B0609020204030204" pitchFamily="49" charset="0"/>
+              </a:rPr>
+              <a:t> </a:t>
+            </a:r>
+            <a:r>
+              <a:rPr lang="ru-RU">
+                <a:latin typeface="Consolas" panose="020B0609020204030204" pitchFamily="49" charset="0"/>
+              </a:rPr>
+              <a:t>но с использованием </a:t>
+            </a:r>
+            <a:r>
+              <a:rPr lang="en-US">
+                <a:latin typeface="Consolas" panose="020B0609020204030204" pitchFamily="49" charset="0"/>
+              </a:rPr>
+              <a:t>Traits</a:t>
+            </a:r>
+            <a:endParaRPr lang="en-US"/>
+          </a:p>
+        </p:txBody>
+      </p:sp>
+    </p:spTree>
+    <p:extLst>
+      <p:ext uri="{BB962C8B-B14F-4D97-AF65-F5344CB8AC3E}">
+        <p14:creationId xmlns:p14="http://schemas.microsoft.com/office/powerpoint/2010/main" val="1082010606"/>
+      </p:ext>
+    </p:extLst>
+  </p:cSld>
+  <p:clrMapOvr>
+    <a:masterClrMapping/>
+  </p:clrMapOvr>
+</p:sld>
+</file>
+
+<file path=ppt/slides/slide58.xml><?xml version="1.0" encoding="utf-8"?>
+<p:sld xmlns:a="http://schemas.openxmlformats.org/drawingml/2006/main" xmlns:r="http://schemas.openxmlformats.org/officeDocument/2006/relationships" xmlns:p="http://schemas.openxmlformats.org/presentationml/2006/main">
+  <p:cSld>
+    <p:spTree>
+      <p:nvGrpSpPr>
+        <p:cNvPr id="1" name=""/>
+        <p:cNvGrpSpPr/>
+        <p:nvPr/>
+      </p:nvGrpSpPr>
+      <p:grpSpPr>
+        <a:xfrm>
+          <a:off x="0" y="0"/>
+          <a:ext cx="0" cy="0"/>
+          <a:chOff x="0" y="0"/>
+          <a:chExt cx="0" cy="0"/>
+        </a:xfrm>
+      </p:grpSpPr>
+      <p:sp>
+        <p:nvSpPr>
+          <p:cNvPr id="2" name="Title 1"/>
+          <p:cNvSpPr>
+            <a:spLocks noGrp="1"/>
+          </p:cNvSpPr>
+          <p:nvPr>
+            <p:ph type="title"/>
+          </p:nvPr>
+        </p:nvSpPr>
+        <p:spPr/>
+        <p:txBody>
+          <a:bodyPr/>
+          <a:lstStyle/>
+          <a:p>
+            <a:r>
+              <a:rPr lang="ru-RU" smtClean="0"/>
+              <a:t>Обсуждение</a:t>
+            </a:r>
+            <a:endParaRPr lang="en-US"/>
+          </a:p>
+        </p:txBody>
+      </p:sp>
+      <p:sp>
+        <p:nvSpPr>
+          <p:cNvPr id="3" name="Content Placeholder 2"/>
+          <p:cNvSpPr>
+            <a:spLocks noGrp="1"/>
+          </p:cNvSpPr>
+          <p:nvPr>
+            <p:ph idx="1"/>
+          </p:nvPr>
+        </p:nvSpPr>
+        <p:spPr/>
+        <p:txBody>
+          <a:bodyPr/>
+          <a:lstStyle/>
+          <a:p>
+            <a:r>
+              <a:rPr lang="ru-RU" smtClean="0"/>
+              <a:t>Является ли способ выделения памяти на символ характеристикой символа?</a:t>
+            </a:r>
+            <a:endParaRPr lang="en-US"/>
+          </a:p>
+        </p:txBody>
+      </p:sp>
+    </p:spTree>
+    <p:extLst>
+      <p:ext uri="{BB962C8B-B14F-4D97-AF65-F5344CB8AC3E}">
+        <p14:creationId xmlns:p14="http://schemas.microsoft.com/office/powerpoint/2010/main" val="2925693569"/>
+      </p:ext>
+    </p:extLst>
+  </p:cSld>
+  <p:clrMapOvr>
+    <a:masterClrMapping/>
+  </p:clrMapOvr>
+</p:sld>
+</file>
+
+<file path=ppt/slides/slide59.xml><?xml version="1.0" encoding="utf-8"?>
+<p:sld xmlns:a="http://schemas.openxmlformats.org/drawingml/2006/main" xmlns:r="http://schemas.openxmlformats.org/officeDocument/2006/relationships" xmlns:p="http://schemas.openxmlformats.org/presentationml/2006/main">
+  <p:cSld>
+    <p:spTree>
+      <p:nvGrpSpPr>
+        <p:cNvPr id="1" name=""/>
+        <p:cNvGrpSpPr/>
+        <p:nvPr/>
+      </p:nvGrpSpPr>
+      <p:grpSpPr>
+        <a:xfrm>
+          <a:off x="0" y="0"/>
+          <a:ext cx="0" cy="0"/>
+          <a:chOff x="0" y="0"/>
+          <a:chExt cx="0" cy="0"/>
+        </a:xfrm>
+      </p:grpSpPr>
+      <p:sp>
+        <p:nvSpPr>
+          <p:cNvPr id="2" name="Title 1"/>
+          <p:cNvSpPr>
+            <a:spLocks noGrp="1"/>
+          </p:cNvSpPr>
+          <p:nvPr>
+            <p:ph type="title"/>
+          </p:nvPr>
+        </p:nvSpPr>
+        <p:spPr/>
+        <p:txBody>
+          <a:bodyPr/>
+          <a:lstStyle/>
+          <a:p>
+            <a:r>
+              <a:rPr lang="ru-RU" smtClean="0"/>
+              <a:t>Аллокаторы</a:t>
+            </a:r>
+            <a:endParaRPr lang="en-US"/>
+          </a:p>
+        </p:txBody>
+      </p:sp>
+      <p:sp>
+        <p:nvSpPr>
+          <p:cNvPr id="3" name="Content Placeholder 2"/>
+          <p:cNvSpPr>
+            <a:spLocks noGrp="1"/>
+          </p:cNvSpPr>
+          <p:nvPr>
+            <p:ph idx="1"/>
+          </p:nvPr>
+        </p:nvSpPr>
+        <p:spPr/>
+        <p:txBody>
+          <a:bodyPr/>
+          <a:lstStyle/>
+          <a:p>
+            <a:r>
+              <a:rPr lang="ru-RU" smtClean="0"/>
+              <a:t>Выделение памяти абстрагирует аллокатор. Стандартный аллокатор сводится к </a:t>
+            </a:r>
+            <a:r>
+              <a:rPr lang="en-US" smtClean="0"/>
+              <a:t>malloc.</a:t>
+            </a:r>
+          </a:p>
+          <a:p>
+            <a:pPr marL="45720" indent="0">
+              <a:buNone/>
+            </a:pPr>
+            <a:r>
+              <a:rPr lang="en-US" smtClean="0">
+                <a:latin typeface="Consolas" panose="020B0609020204030204" pitchFamily="49" charset="0"/>
+              </a:rPr>
+              <a:t>template </a:t>
+            </a:r>
+            <a:r>
+              <a:rPr lang="en-US">
+                <a:latin typeface="Consolas" panose="020B0609020204030204" pitchFamily="49" charset="0"/>
+              </a:rPr>
+              <a:t>&lt;typename </a:t>
+            </a:r>
+            <a:r>
+              <a:rPr lang="en-US" smtClean="0">
+                <a:solidFill>
+                  <a:srgbClr val="0000FF"/>
+                </a:solidFill>
+                <a:latin typeface="Consolas" panose="020B0609020204030204" pitchFamily="49" charset="0"/>
+              </a:rPr>
+              <a:t>CharT</a:t>
+            </a:r>
+            <a:r>
+              <a:rPr lang="en-US" smtClean="0">
+                <a:latin typeface="Consolas" panose="020B0609020204030204" pitchFamily="49" charset="0"/>
+              </a:rPr>
+              <a:t>,</a:t>
+            </a:r>
+            <a:br>
+              <a:rPr lang="en-US" smtClean="0">
+                <a:latin typeface="Consolas" panose="020B0609020204030204" pitchFamily="49" charset="0"/>
+              </a:rPr>
+            </a:br>
+            <a:r>
+              <a:rPr lang="en-US" smtClean="0">
+                <a:latin typeface="Consolas" panose="020B0609020204030204" pitchFamily="49" charset="0"/>
+              </a:rPr>
+              <a:t>          typename </a:t>
+            </a:r>
+            <a:r>
+              <a:rPr lang="en-US" smtClean="0">
+                <a:solidFill>
+                  <a:srgbClr val="0000FF"/>
+                </a:solidFill>
+                <a:latin typeface="Consolas" panose="020B0609020204030204" pitchFamily="49" charset="0"/>
+              </a:rPr>
+              <a:t>Traits</a:t>
+            </a:r>
+            <a:r>
+              <a:rPr lang="en-US" smtClean="0">
+                <a:latin typeface="Consolas" panose="020B0609020204030204" pitchFamily="49" charset="0"/>
+              </a:rPr>
+              <a:t> = std::char_traits&lt;</a:t>
+            </a:r>
+            <a:r>
+              <a:rPr lang="en-US" smtClean="0">
+                <a:solidFill>
+                  <a:srgbClr val="0000FF"/>
+                </a:solidFill>
+                <a:latin typeface="Consolas" panose="020B0609020204030204" pitchFamily="49" charset="0"/>
+              </a:rPr>
+              <a:t>CharT</a:t>
+            </a:r>
+            <a:r>
+              <a:rPr lang="en-US" smtClean="0">
+                <a:latin typeface="Consolas" panose="020B0609020204030204" pitchFamily="49" charset="0"/>
+              </a:rPr>
+              <a:t>&gt;</a:t>
+            </a:r>
+            <a:br>
+              <a:rPr lang="en-US" smtClean="0">
+                <a:latin typeface="Consolas" panose="020B0609020204030204" pitchFamily="49" charset="0"/>
+              </a:rPr>
+            </a:br>
+            <a:r>
+              <a:rPr lang="en-US" smtClean="0">
+                <a:latin typeface="Consolas" panose="020B0609020204030204" pitchFamily="49" charset="0"/>
+              </a:rPr>
+              <a:t>          typename </a:t>
+            </a:r>
+            <a:r>
+              <a:rPr lang="en-US" smtClean="0">
+                <a:solidFill>
+                  <a:srgbClr val="0000FF"/>
+                </a:solidFill>
+                <a:latin typeface="Consolas" panose="020B0609020204030204" pitchFamily="49" charset="0"/>
+              </a:rPr>
+              <a:t>Allocator</a:t>
+            </a:r>
+            <a:r>
+              <a:rPr lang="en-US" smtClean="0">
+                <a:latin typeface="Consolas" panose="020B0609020204030204" pitchFamily="49" charset="0"/>
+              </a:rPr>
+              <a:t> = std::allocator</a:t>
+            </a:r>
+            <a:r>
+              <a:rPr lang="en-US">
+                <a:latin typeface="Consolas" panose="020B0609020204030204" pitchFamily="49" charset="0"/>
+              </a:rPr>
+              <a:t>&lt;</a:t>
+            </a:r>
+            <a:r>
+              <a:rPr lang="en-US">
+                <a:solidFill>
+                  <a:srgbClr val="0000FF"/>
+                </a:solidFill>
+                <a:latin typeface="Consolas" panose="020B0609020204030204" pitchFamily="49" charset="0"/>
+              </a:rPr>
+              <a:t>CharT</a:t>
+            </a:r>
+            <a:r>
+              <a:rPr lang="en-US">
+                <a:latin typeface="Consolas" panose="020B0609020204030204" pitchFamily="49" charset="0"/>
+              </a:rPr>
+              <a:t>&gt;</a:t>
+            </a:r>
+            <a:r>
+              <a:rPr lang="en-US" smtClean="0">
+                <a:latin typeface="Consolas" panose="020B0609020204030204" pitchFamily="49" charset="0"/>
+              </a:rPr>
+              <a:t>&gt; </a:t>
+            </a:r>
+          </a:p>
+          <a:p>
+            <a:pPr marL="45720" indent="0">
+              <a:buNone/>
+            </a:pPr>
+            <a:r>
+              <a:rPr lang="en-US" smtClean="0">
+                <a:latin typeface="Consolas" panose="020B0609020204030204" pitchFamily="49" charset="0"/>
+              </a:rPr>
+              <a:t>class </a:t>
+            </a:r>
+            <a:r>
+              <a:rPr lang="en-US">
+                <a:latin typeface="Consolas" panose="020B0609020204030204" pitchFamily="49" charset="0"/>
+              </a:rPr>
+              <a:t>basic_string </a:t>
+            </a:r>
+            <a:r>
+              <a:rPr lang="en-US" smtClean="0">
+                <a:latin typeface="Consolas" panose="020B0609020204030204" pitchFamily="49" charset="0"/>
+              </a:rPr>
+              <a:t>{</a:t>
+            </a:r>
+          </a:p>
+          <a:p>
+            <a:pPr marL="45720" indent="0">
+              <a:buNone/>
+            </a:pPr>
+            <a:r>
+              <a:rPr lang="en-US" smtClean="0">
+                <a:latin typeface="Consolas" panose="020B0609020204030204" pitchFamily="49" charset="0"/>
+              </a:rPr>
+              <a:t>// </a:t>
+            </a:r>
+            <a:r>
+              <a:rPr lang="ru-RU" smtClean="0">
+                <a:latin typeface="Consolas" panose="020B0609020204030204" pitchFamily="49" charset="0"/>
+              </a:rPr>
+              <a:t>тут всё точно так же</a:t>
+            </a:r>
+            <a:r>
+              <a:rPr lang="en-US" smtClean="0">
+                <a:latin typeface="Consolas" panose="020B0609020204030204" pitchFamily="49" charset="0"/>
+              </a:rPr>
+              <a:t> </a:t>
+            </a:r>
+            <a:r>
+              <a:rPr lang="ru-RU" smtClean="0">
+                <a:latin typeface="Consolas" panose="020B0609020204030204" pitchFamily="49" charset="0"/>
+              </a:rPr>
+              <a:t>но с использованием </a:t>
+            </a:r>
+            <a:r>
+              <a:rPr lang="en-US" smtClean="0">
+                <a:latin typeface="Consolas" panose="020B0609020204030204" pitchFamily="49" charset="0"/>
+              </a:rPr>
+              <a:t>Traits </a:t>
+            </a:r>
+            <a:r>
+              <a:rPr lang="ru-RU" smtClean="0">
+                <a:latin typeface="Consolas" panose="020B0609020204030204" pitchFamily="49" charset="0"/>
+              </a:rPr>
+              <a:t>и </a:t>
+            </a:r>
+            <a:r>
+              <a:rPr lang="en-US" smtClean="0">
+                <a:latin typeface="Consolas" panose="020B0609020204030204" pitchFamily="49" charset="0"/>
+              </a:rPr>
+              <a:t>Allocator</a:t>
+            </a:r>
+            <a:endParaRPr lang="en-US"/>
+          </a:p>
+        </p:txBody>
+      </p:sp>
+    </p:spTree>
+    <p:extLst>
+      <p:ext uri="{BB962C8B-B14F-4D97-AF65-F5344CB8AC3E}">
+        <p14:creationId xmlns:p14="http://schemas.microsoft.com/office/powerpoint/2010/main" val="1167509049"/>
+      </p:ext>
+    </p:extLst>
+  </p:cSld>
+  <p:clrMapOvr>
+    <a:masterClrMapping/>
+  </p:clrMapOvr>
+</p:sld>
+</file>
+
+<file path=ppt/slides/slide6.xml><?xml version="1.0" encoding="utf-8"?>
+<p:sld xmlns:a="http://schemas.openxmlformats.org/drawingml/2006/main" xmlns:r="http://schemas.openxmlformats.org/officeDocument/2006/relationships" xmlns:p="http://schemas.openxmlformats.org/presentationml/2006/main">
+  <p:cSld>
+    <p:spTree>
+      <p:nvGrpSpPr>
+        <p:cNvPr id="1" name=""/>
+        <p:cNvGrpSpPr/>
+        <p:nvPr/>
+      </p:nvGrpSpPr>
+      <p:grpSpPr>
+        <a:xfrm>
+          <a:off x="0" y="0"/>
+          <a:ext cx="0" cy="0"/>
+          <a:chOff x="0" y="0"/>
+          <a:chExt cx="0" cy="0"/>
+        </a:xfrm>
+      </p:grpSpPr>
+      <p:sp>
+        <p:nvSpPr>
+          <p:cNvPr id="2" name="Title 1"/>
+          <p:cNvSpPr>
+            <a:spLocks noGrp="1"/>
+          </p:cNvSpPr>
+          <p:nvPr>
+            <p:ph type="title"/>
+          </p:nvPr>
+        </p:nvSpPr>
+        <p:spPr/>
+        <p:txBody>
+          <a:bodyPr/>
+          <a:lstStyle/>
+          <a:p>
+            <a:r>
+              <a:rPr lang="en-US" smtClean="0"/>
+              <a:t>C-</a:t>
+            </a:r>
+            <a:r>
+              <a:rPr lang="ru-RU" smtClean="0"/>
+              <a:t>строки</a:t>
+            </a:r>
+            <a:endParaRPr lang="en-US"/>
+          </a:p>
+        </p:txBody>
+      </p:sp>
+      <p:sp>
+        <p:nvSpPr>
+          <p:cNvPr id="3" name="Content Placeholder 2"/>
+          <p:cNvSpPr>
+            <a:spLocks noGrp="1"/>
+          </p:cNvSpPr>
+          <p:nvPr>
+            <p:ph idx="1"/>
+          </p:nvPr>
+        </p:nvSpPr>
+        <p:spPr>
+          <a:xfrm>
+            <a:off x="1143000" y="2057400"/>
+            <a:ext cx="9872871" cy="747944"/>
+          </a:xfrm>
+        </p:spPr>
+        <p:txBody>
+          <a:bodyPr/>
+          <a:lstStyle/>
+          <a:p>
+            <a:r>
+              <a:rPr lang="en-US" smtClean="0"/>
+              <a:t>C</a:t>
+            </a:r>
+            <a:r>
+              <a:rPr lang="ru-RU" smtClean="0"/>
+              <a:t>троки в </a:t>
+            </a:r>
+            <a:r>
+              <a:rPr lang="en-US" smtClean="0"/>
+              <a:t>C++ </a:t>
+            </a:r>
+            <a:r>
+              <a:rPr lang="ru-RU" smtClean="0"/>
+              <a:t>исторически также завершаются нулевым символом</a:t>
+            </a:r>
+          </a:p>
+          <a:p>
+            <a:endParaRPr lang="en-US"/>
+          </a:p>
+        </p:txBody>
+      </p:sp>
+      <p:sp>
+        <p:nvSpPr>
+          <p:cNvPr id="4" name="Rectangle 3"/>
+          <p:cNvSpPr/>
+          <p:nvPr/>
+        </p:nvSpPr>
+        <p:spPr>
+          <a:xfrm>
+            <a:off x="2413420" y="2743200"/>
             <a:ext cx="390617" cy="497149"/>
           </a:xfrm>
           <a:prstGeom prst="rect">
@@ -31570,13 +31017,13 @@
       </p:sp>
       <p:sp>
         <p:nvSpPr>
-          <p:cNvPr id="20" name="Rectangle 19"/>
+          <p:cNvPr id="5" name="Rectangle 4"/>
           <p:cNvSpPr/>
           <p:nvPr/>
         </p:nvSpPr>
         <p:spPr>
           <a:xfrm>
-            <a:off x="3388657" y="4478489"/>
+            <a:off x="2804037" y="2743200"/>
             <a:ext cx="390617" cy="497149"/>
           </a:xfrm>
           <a:prstGeom prst="rect">
@@ -31620,13 +31067,13 @@
       </p:sp>
       <p:sp>
         <p:nvSpPr>
-          <p:cNvPr id="21" name="Rectangle 20"/>
+          <p:cNvPr id="6" name="Rectangle 5"/>
           <p:cNvSpPr/>
           <p:nvPr/>
         </p:nvSpPr>
         <p:spPr>
           <a:xfrm>
-            <a:off x="3779273" y="4478489"/>
+            <a:off x="3194653" y="2743200"/>
             <a:ext cx="390617" cy="497149"/>
           </a:xfrm>
           <a:prstGeom prst="rect">
@@ -31670,13 +31117,13 @@
       </p:sp>
       <p:sp>
         <p:nvSpPr>
-          <p:cNvPr id="22" name="Rectangle 21"/>
+          <p:cNvPr id="7" name="Rectangle 6"/>
           <p:cNvSpPr/>
           <p:nvPr/>
         </p:nvSpPr>
         <p:spPr>
           <a:xfrm>
-            <a:off x="4169890" y="4478489"/>
+            <a:off x="3585270" y="2743200"/>
             <a:ext cx="390617" cy="497149"/>
           </a:xfrm>
           <a:prstGeom prst="rect">
@@ -31719,13 +31166,13 @@
       </p:sp>
       <p:sp>
         <p:nvSpPr>
-          <p:cNvPr id="23" name="Rectangle 22"/>
+          <p:cNvPr id="8" name="Rectangle 7"/>
           <p:cNvSpPr/>
           <p:nvPr/>
         </p:nvSpPr>
         <p:spPr>
           <a:xfrm>
-            <a:off x="4560506" y="4478489"/>
+            <a:off x="3975886" y="2743200"/>
             <a:ext cx="390617" cy="497149"/>
           </a:xfrm>
           <a:prstGeom prst="rect">
@@ -31769,13 +31216,13 @@
       </p:sp>
       <p:sp>
         <p:nvSpPr>
-          <p:cNvPr id="24" name="Rectangle 23"/>
+          <p:cNvPr id="9" name="Rectangle 8"/>
           <p:cNvSpPr/>
           <p:nvPr/>
         </p:nvSpPr>
         <p:spPr>
           <a:xfrm>
-            <a:off x="4951123" y="4478489"/>
+            <a:off x="4366503" y="2743200"/>
             <a:ext cx="390617" cy="497149"/>
           </a:xfrm>
           <a:prstGeom prst="rect">
@@ -31819,13 +31266,13 @@
       </p:sp>
       <p:sp>
         <p:nvSpPr>
-          <p:cNvPr id="25" name="Rectangle 24"/>
+          <p:cNvPr id="10" name="Rectangle 9"/>
           <p:cNvSpPr/>
           <p:nvPr/>
         </p:nvSpPr>
         <p:spPr>
           <a:xfrm>
-            <a:off x="5341739" y="4478489"/>
+            <a:off x="4757119" y="2743200"/>
             <a:ext cx="390617" cy="497149"/>
           </a:xfrm>
           <a:prstGeom prst="rect">
@@ -31865,13 +31312,13 @@
       </p:sp>
       <p:sp>
         <p:nvSpPr>
-          <p:cNvPr id="26" name="Rectangle 25"/>
+          <p:cNvPr id="11" name="Rectangle 10"/>
           <p:cNvSpPr/>
           <p:nvPr/>
         </p:nvSpPr>
         <p:spPr>
           <a:xfrm>
-            <a:off x="5732356" y="4478489"/>
+            <a:off x="5147736" y="2743200"/>
             <a:ext cx="390617" cy="497149"/>
           </a:xfrm>
           <a:prstGeom prst="rect">
@@ -31915,13 +31362,13 @@
       </p:sp>
       <p:sp>
         <p:nvSpPr>
-          <p:cNvPr id="27" name="Rectangle 26"/>
+          <p:cNvPr id="12" name="Rectangle 11"/>
           <p:cNvSpPr/>
           <p:nvPr/>
         </p:nvSpPr>
         <p:spPr>
           <a:xfrm>
-            <a:off x="6122972" y="4478489"/>
+            <a:off x="5538352" y="2743200"/>
             <a:ext cx="390617" cy="497149"/>
           </a:xfrm>
           <a:prstGeom prst="rect">
@@ -31964,13 +31411,13 @@
       </p:sp>
       <p:sp>
         <p:nvSpPr>
-          <p:cNvPr id="28" name="Rectangle 27"/>
+          <p:cNvPr id="13" name="Rectangle 12"/>
           <p:cNvSpPr/>
           <p:nvPr/>
         </p:nvSpPr>
         <p:spPr>
           <a:xfrm>
-            <a:off x="6513589" y="4478489"/>
+            <a:off x="5928969" y="2743200"/>
             <a:ext cx="390617" cy="497149"/>
           </a:xfrm>
           <a:prstGeom prst="rect">
@@ -32014,13 +31461,13 @@
       </p:sp>
       <p:sp>
         <p:nvSpPr>
-          <p:cNvPr id="29" name="Rectangle 28"/>
+          <p:cNvPr id="14" name="Rectangle 13"/>
           <p:cNvSpPr/>
           <p:nvPr/>
         </p:nvSpPr>
         <p:spPr>
           <a:xfrm>
-            <a:off x="6904205" y="4478489"/>
+            <a:off x="6319585" y="2743200"/>
             <a:ext cx="390617" cy="497149"/>
           </a:xfrm>
           <a:prstGeom prst="rect">
@@ -32063,13 +31510,13 @@
       </p:sp>
       <p:sp>
         <p:nvSpPr>
-          <p:cNvPr id="30" name="Rectangle 29"/>
+          <p:cNvPr id="15" name="Rectangle 14"/>
           <p:cNvSpPr/>
           <p:nvPr/>
         </p:nvSpPr>
         <p:spPr>
           <a:xfrm>
-            <a:off x="7294822" y="4478489"/>
+            <a:off x="6710202" y="2743200"/>
             <a:ext cx="390617" cy="497149"/>
           </a:xfrm>
           <a:prstGeom prst="rect">
@@ -32113,13 +31560,13 @@
       </p:sp>
       <p:sp>
         <p:nvSpPr>
-          <p:cNvPr id="31" name="Rectangle 30"/>
+          <p:cNvPr id="16" name="Rectangle 15"/>
           <p:cNvSpPr/>
           <p:nvPr/>
         </p:nvSpPr>
         <p:spPr>
           <a:xfrm>
-            <a:off x="7685438" y="4478489"/>
+            <a:off x="7100818" y="2743200"/>
             <a:ext cx="390617" cy="497149"/>
           </a:xfrm>
           <a:prstGeom prst="rect">
@@ -32163,14 +31610,14 @@
       </p:sp>
       <p:sp>
         <p:nvSpPr>
-          <p:cNvPr id="32" name="Rectangle 31"/>
+          <p:cNvPr id="17" name="Rectangle 16"/>
           <p:cNvSpPr/>
           <p:nvPr/>
         </p:nvSpPr>
         <p:spPr>
           <a:xfrm>
-            <a:off x="2413420" y="4478489"/>
-            <a:ext cx="584619" cy="497149"/>
+            <a:off x="7491435" y="2743200"/>
+            <a:ext cx="470528" cy="497149"/>
           </a:xfrm>
           <a:prstGeom prst="rect">
             <a:avLst/>
@@ -32207,13 +31654,7 @@
               <a:rPr lang="en-US" smtClean="0">
                 <a:latin typeface="Consolas" panose="020B0609020204030204" pitchFamily="49" charset="0"/>
               </a:rPr>
-              <a:t>\</a:t>
-            </a:r>
-            <a:r>
-              <a:rPr lang="ru-RU" smtClean="0">
-                <a:latin typeface="Consolas" panose="020B0609020204030204" pitchFamily="49" charset="0"/>
-              </a:rPr>
-              <a:t>13</a:t>
+              <a:t>\0</a:t>
             </a:r>
             <a:endParaRPr lang="en-US">
               <a:latin typeface="Consolas" panose="020B0609020204030204" pitchFamily="49" charset="0"/>
@@ -32223,7 +31664,7 @@
       </p:sp>
       <p:sp>
         <p:nvSpPr>
-          <p:cNvPr id="33" name="Content Placeholder 2"/>
+          <p:cNvPr id="18" name="Content Placeholder 2"/>
           <p:cNvSpPr txBox="1">
             <a:spLocks/>
           </p:cNvSpPr>
@@ -32231,8 +31672,8 @@
         </p:nvSpPr>
         <p:spPr>
           <a:xfrm>
-            <a:off x="1142998" y="5264458"/>
-            <a:ext cx="9872871" cy="1141964"/>
+            <a:off x="1142999" y="3541450"/>
+            <a:ext cx="9872871" cy="1194490"/>
           </a:xfrm>
           <a:prstGeom prst="rect">
             <a:avLst/>
@@ -32469,6 +31910,973 @@
           <a:p>
             <a:r>
               <a:rPr lang="ru-RU" smtClean="0"/>
+              <a:t>Но строка могла быть устроена</a:t>
+            </a:r>
+            <a:r>
+              <a:rPr lang="en-US" smtClean="0"/>
+              <a:t> </a:t>
+            </a:r>
+            <a:r>
+              <a:rPr lang="ru-RU" smtClean="0"/>
+              <a:t>в памяти и иначе. Например предваряться размером</a:t>
+            </a:r>
+          </a:p>
+          <a:p>
+            <a:endParaRPr lang="en-US"/>
+          </a:p>
+        </p:txBody>
+      </p:sp>
+      <p:sp>
+        <p:nvSpPr>
+          <p:cNvPr id="19" name="Rectangle 18"/>
+          <p:cNvSpPr/>
+          <p:nvPr/>
+        </p:nvSpPr>
+        <p:spPr>
+          <a:xfrm>
+            <a:off x="2998040" y="4478489"/>
+            <a:ext cx="390617" cy="497149"/>
+          </a:xfrm>
+          <a:prstGeom prst="rect">
+            <a:avLst/>
+          </a:prstGeom>
+          <a:solidFill>
+            <a:schemeClr val="bg1"/>
+          </a:solidFill>
+          <a:ln>
+            <a:solidFill>
+              <a:schemeClr val="tx1"/>
+            </a:solidFill>
+          </a:ln>
+        </p:spPr>
+        <p:style>
+          <a:lnRef idx="1">
+            <a:schemeClr val="accent4"/>
+          </a:lnRef>
+          <a:fillRef idx="2">
+            <a:schemeClr val="accent4"/>
+          </a:fillRef>
+          <a:effectRef idx="1">
+            <a:schemeClr val="accent4"/>
+          </a:effectRef>
+          <a:fontRef idx="minor">
+            <a:schemeClr val="dk1"/>
+          </a:fontRef>
+        </p:style>
+        <p:txBody>
+          <a:bodyPr rtlCol="0" anchor="ctr"/>
+          <a:lstStyle/>
+          <a:p>
+            <a:pPr algn="ctr"/>
+            <a:r>
+              <a:rPr lang="en-US" smtClean="0"/>
+              <a:t>H</a:t>
+            </a:r>
+            <a:endParaRPr lang="en-US"/>
+          </a:p>
+        </p:txBody>
+      </p:sp>
+      <p:sp>
+        <p:nvSpPr>
+          <p:cNvPr id="20" name="Rectangle 19"/>
+          <p:cNvSpPr/>
+          <p:nvPr/>
+        </p:nvSpPr>
+        <p:spPr>
+          <a:xfrm>
+            <a:off x="3388657" y="4478489"/>
+            <a:ext cx="390617" cy="497149"/>
+          </a:xfrm>
+          <a:prstGeom prst="rect">
+            <a:avLst/>
+          </a:prstGeom>
+          <a:solidFill>
+            <a:schemeClr val="bg1"/>
+          </a:solidFill>
+          <a:ln>
+            <a:solidFill>
+              <a:schemeClr val="tx1"/>
+            </a:solidFill>
+          </a:ln>
+        </p:spPr>
+        <p:style>
+          <a:lnRef idx="1">
+            <a:schemeClr val="accent4"/>
+          </a:lnRef>
+          <a:fillRef idx="2">
+            <a:schemeClr val="accent4"/>
+          </a:fillRef>
+          <a:effectRef idx="1">
+            <a:schemeClr val="accent4"/>
+          </a:effectRef>
+          <a:fontRef idx="minor">
+            <a:schemeClr val="dk1"/>
+          </a:fontRef>
+        </p:style>
+        <p:txBody>
+          <a:bodyPr rtlCol="0" anchor="ctr"/>
+          <a:lstStyle/>
+          <a:p>
+            <a:pPr algn="ctr"/>
+            <a:r>
+              <a:rPr lang="en-US" smtClean="0"/>
+              <a:t>e</a:t>
+            </a:r>
+            <a:endParaRPr lang="en-US"/>
+          </a:p>
+        </p:txBody>
+      </p:sp>
+      <p:sp>
+        <p:nvSpPr>
+          <p:cNvPr id="21" name="Rectangle 20"/>
+          <p:cNvSpPr/>
+          <p:nvPr/>
+        </p:nvSpPr>
+        <p:spPr>
+          <a:xfrm>
+            <a:off x="3779273" y="4478489"/>
+            <a:ext cx="390617" cy="497149"/>
+          </a:xfrm>
+          <a:prstGeom prst="rect">
+            <a:avLst/>
+          </a:prstGeom>
+          <a:solidFill>
+            <a:schemeClr val="bg1"/>
+          </a:solidFill>
+          <a:ln>
+            <a:solidFill>
+              <a:schemeClr val="tx1"/>
+            </a:solidFill>
+          </a:ln>
+        </p:spPr>
+        <p:style>
+          <a:lnRef idx="1">
+            <a:schemeClr val="accent4"/>
+          </a:lnRef>
+          <a:fillRef idx="2">
+            <a:schemeClr val="accent4"/>
+          </a:fillRef>
+          <a:effectRef idx="1">
+            <a:schemeClr val="accent4"/>
+          </a:effectRef>
+          <a:fontRef idx="minor">
+            <a:schemeClr val="dk1"/>
+          </a:fontRef>
+        </p:style>
+        <p:txBody>
+          <a:bodyPr rtlCol="0" anchor="ctr"/>
+          <a:lstStyle/>
+          <a:p>
+            <a:pPr algn="ctr"/>
+            <a:r>
+              <a:rPr lang="en-US" smtClean="0"/>
+              <a:t>l</a:t>
+            </a:r>
+            <a:endParaRPr lang="en-US"/>
+          </a:p>
+        </p:txBody>
+      </p:sp>
+      <p:sp>
+        <p:nvSpPr>
+          <p:cNvPr id="22" name="Rectangle 21"/>
+          <p:cNvSpPr/>
+          <p:nvPr/>
+        </p:nvSpPr>
+        <p:spPr>
+          <a:xfrm>
+            <a:off x="4169890" y="4478489"/>
+            <a:ext cx="390617" cy="497149"/>
+          </a:xfrm>
+          <a:prstGeom prst="rect">
+            <a:avLst/>
+          </a:prstGeom>
+          <a:solidFill>
+            <a:schemeClr val="bg1"/>
+          </a:solidFill>
+          <a:ln>
+            <a:solidFill>
+              <a:schemeClr val="tx1"/>
+            </a:solidFill>
+          </a:ln>
+        </p:spPr>
+        <p:style>
+          <a:lnRef idx="1">
+            <a:schemeClr val="accent4"/>
+          </a:lnRef>
+          <a:fillRef idx="2">
+            <a:schemeClr val="accent4"/>
+          </a:fillRef>
+          <a:effectRef idx="1">
+            <a:schemeClr val="accent4"/>
+          </a:effectRef>
+          <a:fontRef idx="minor">
+            <a:schemeClr val="dk1"/>
+          </a:fontRef>
+        </p:style>
+        <p:txBody>
+          <a:bodyPr rtlCol="0" anchor="ctr"/>
+          <a:lstStyle/>
+          <a:p>
+            <a:pPr algn="ctr"/>
+            <a:r>
+              <a:rPr lang="en-US"/>
+              <a:t>l</a:t>
+            </a:r>
+          </a:p>
+        </p:txBody>
+      </p:sp>
+      <p:sp>
+        <p:nvSpPr>
+          <p:cNvPr id="23" name="Rectangle 22"/>
+          <p:cNvSpPr/>
+          <p:nvPr/>
+        </p:nvSpPr>
+        <p:spPr>
+          <a:xfrm>
+            <a:off x="4560506" y="4478489"/>
+            <a:ext cx="390617" cy="497149"/>
+          </a:xfrm>
+          <a:prstGeom prst="rect">
+            <a:avLst/>
+          </a:prstGeom>
+          <a:solidFill>
+            <a:schemeClr val="bg1"/>
+          </a:solidFill>
+          <a:ln>
+            <a:solidFill>
+              <a:schemeClr val="tx1"/>
+            </a:solidFill>
+          </a:ln>
+        </p:spPr>
+        <p:style>
+          <a:lnRef idx="1">
+            <a:schemeClr val="accent4"/>
+          </a:lnRef>
+          <a:fillRef idx="2">
+            <a:schemeClr val="accent4"/>
+          </a:fillRef>
+          <a:effectRef idx="1">
+            <a:schemeClr val="accent4"/>
+          </a:effectRef>
+          <a:fontRef idx="minor">
+            <a:schemeClr val="dk1"/>
+          </a:fontRef>
+        </p:style>
+        <p:txBody>
+          <a:bodyPr rtlCol="0" anchor="ctr"/>
+          <a:lstStyle/>
+          <a:p>
+            <a:pPr algn="ctr"/>
+            <a:r>
+              <a:rPr lang="en-US" smtClean="0"/>
+              <a:t>o</a:t>
+            </a:r>
+            <a:endParaRPr lang="en-US"/>
+          </a:p>
+        </p:txBody>
+      </p:sp>
+      <p:sp>
+        <p:nvSpPr>
+          <p:cNvPr id="24" name="Rectangle 23"/>
+          <p:cNvSpPr/>
+          <p:nvPr/>
+        </p:nvSpPr>
+        <p:spPr>
+          <a:xfrm>
+            <a:off x="4951123" y="4478489"/>
+            <a:ext cx="390617" cy="497149"/>
+          </a:xfrm>
+          <a:prstGeom prst="rect">
+            <a:avLst/>
+          </a:prstGeom>
+          <a:solidFill>
+            <a:schemeClr val="bg1"/>
+          </a:solidFill>
+          <a:ln>
+            <a:solidFill>
+              <a:schemeClr val="tx1"/>
+            </a:solidFill>
+          </a:ln>
+        </p:spPr>
+        <p:style>
+          <a:lnRef idx="1">
+            <a:schemeClr val="accent4"/>
+          </a:lnRef>
+          <a:fillRef idx="2">
+            <a:schemeClr val="accent4"/>
+          </a:fillRef>
+          <a:effectRef idx="1">
+            <a:schemeClr val="accent4"/>
+          </a:effectRef>
+          <a:fontRef idx="minor">
+            <a:schemeClr val="dk1"/>
+          </a:fontRef>
+        </p:style>
+        <p:txBody>
+          <a:bodyPr rtlCol="0" anchor="ctr"/>
+          <a:lstStyle/>
+          <a:p>
+            <a:pPr algn="ctr"/>
+            <a:r>
+              <a:rPr lang="en-US" smtClean="0"/>
+              <a:t>,</a:t>
+            </a:r>
+            <a:endParaRPr lang="en-US"/>
+          </a:p>
+        </p:txBody>
+      </p:sp>
+      <p:sp>
+        <p:nvSpPr>
+          <p:cNvPr id="25" name="Rectangle 24"/>
+          <p:cNvSpPr/>
+          <p:nvPr/>
+        </p:nvSpPr>
+        <p:spPr>
+          <a:xfrm>
+            <a:off x="5341739" y="4478489"/>
+            <a:ext cx="390617" cy="497149"/>
+          </a:xfrm>
+          <a:prstGeom prst="rect">
+            <a:avLst/>
+          </a:prstGeom>
+          <a:solidFill>
+            <a:schemeClr val="bg1"/>
+          </a:solidFill>
+          <a:ln>
+            <a:solidFill>
+              <a:schemeClr val="tx1"/>
+            </a:solidFill>
+          </a:ln>
+        </p:spPr>
+        <p:style>
+          <a:lnRef idx="1">
+            <a:schemeClr val="accent4"/>
+          </a:lnRef>
+          <a:fillRef idx="2">
+            <a:schemeClr val="accent4"/>
+          </a:fillRef>
+          <a:effectRef idx="1">
+            <a:schemeClr val="accent4"/>
+          </a:effectRef>
+          <a:fontRef idx="minor">
+            <a:schemeClr val="dk1"/>
+          </a:fontRef>
+        </p:style>
+        <p:txBody>
+          <a:bodyPr rtlCol="0" anchor="ctr"/>
+          <a:lstStyle/>
+          <a:p>
+            <a:pPr algn="ctr"/>
+            <a:endParaRPr lang="en-US"/>
+          </a:p>
+        </p:txBody>
+      </p:sp>
+      <p:sp>
+        <p:nvSpPr>
+          <p:cNvPr id="26" name="Rectangle 25"/>
+          <p:cNvSpPr/>
+          <p:nvPr/>
+        </p:nvSpPr>
+        <p:spPr>
+          <a:xfrm>
+            <a:off x="5732356" y="4478489"/>
+            <a:ext cx="390617" cy="497149"/>
+          </a:xfrm>
+          <a:prstGeom prst="rect">
+            <a:avLst/>
+          </a:prstGeom>
+          <a:solidFill>
+            <a:schemeClr val="bg1"/>
+          </a:solidFill>
+          <a:ln>
+            <a:solidFill>
+              <a:schemeClr val="tx1"/>
+            </a:solidFill>
+          </a:ln>
+        </p:spPr>
+        <p:style>
+          <a:lnRef idx="1">
+            <a:schemeClr val="accent4"/>
+          </a:lnRef>
+          <a:fillRef idx="2">
+            <a:schemeClr val="accent4"/>
+          </a:fillRef>
+          <a:effectRef idx="1">
+            <a:schemeClr val="accent4"/>
+          </a:effectRef>
+          <a:fontRef idx="minor">
+            <a:schemeClr val="dk1"/>
+          </a:fontRef>
+        </p:style>
+        <p:txBody>
+          <a:bodyPr rtlCol="0" anchor="ctr"/>
+          <a:lstStyle/>
+          <a:p>
+            <a:pPr algn="ctr"/>
+            <a:r>
+              <a:rPr lang="en-US" smtClean="0"/>
+              <a:t>w</a:t>
+            </a:r>
+            <a:endParaRPr lang="en-US"/>
+          </a:p>
+        </p:txBody>
+      </p:sp>
+      <p:sp>
+        <p:nvSpPr>
+          <p:cNvPr id="27" name="Rectangle 26"/>
+          <p:cNvSpPr/>
+          <p:nvPr/>
+        </p:nvSpPr>
+        <p:spPr>
+          <a:xfrm>
+            <a:off x="6122972" y="4478489"/>
+            <a:ext cx="390617" cy="497149"/>
+          </a:xfrm>
+          <a:prstGeom prst="rect">
+            <a:avLst/>
+          </a:prstGeom>
+          <a:solidFill>
+            <a:schemeClr val="bg1"/>
+          </a:solidFill>
+          <a:ln>
+            <a:solidFill>
+              <a:schemeClr val="tx1"/>
+            </a:solidFill>
+          </a:ln>
+        </p:spPr>
+        <p:style>
+          <a:lnRef idx="1">
+            <a:schemeClr val="accent4"/>
+          </a:lnRef>
+          <a:fillRef idx="2">
+            <a:schemeClr val="accent4"/>
+          </a:fillRef>
+          <a:effectRef idx="1">
+            <a:schemeClr val="accent4"/>
+          </a:effectRef>
+          <a:fontRef idx="minor">
+            <a:schemeClr val="dk1"/>
+          </a:fontRef>
+        </p:style>
+        <p:txBody>
+          <a:bodyPr rtlCol="0" anchor="ctr"/>
+          <a:lstStyle/>
+          <a:p>
+            <a:pPr algn="ctr"/>
+            <a:r>
+              <a:rPr lang="en-US"/>
+              <a:t>o</a:t>
+            </a:r>
+          </a:p>
+        </p:txBody>
+      </p:sp>
+      <p:sp>
+        <p:nvSpPr>
+          <p:cNvPr id="28" name="Rectangle 27"/>
+          <p:cNvSpPr/>
+          <p:nvPr/>
+        </p:nvSpPr>
+        <p:spPr>
+          <a:xfrm>
+            <a:off x="6513589" y="4478489"/>
+            <a:ext cx="390617" cy="497149"/>
+          </a:xfrm>
+          <a:prstGeom prst="rect">
+            <a:avLst/>
+          </a:prstGeom>
+          <a:solidFill>
+            <a:schemeClr val="bg1"/>
+          </a:solidFill>
+          <a:ln>
+            <a:solidFill>
+              <a:schemeClr val="tx1"/>
+            </a:solidFill>
+          </a:ln>
+        </p:spPr>
+        <p:style>
+          <a:lnRef idx="1">
+            <a:schemeClr val="accent4"/>
+          </a:lnRef>
+          <a:fillRef idx="2">
+            <a:schemeClr val="accent4"/>
+          </a:fillRef>
+          <a:effectRef idx="1">
+            <a:schemeClr val="accent4"/>
+          </a:effectRef>
+          <a:fontRef idx="minor">
+            <a:schemeClr val="dk1"/>
+          </a:fontRef>
+        </p:style>
+        <p:txBody>
+          <a:bodyPr rtlCol="0" anchor="ctr"/>
+          <a:lstStyle/>
+          <a:p>
+            <a:pPr algn="ctr"/>
+            <a:r>
+              <a:rPr lang="en-US" smtClean="0"/>
+              <a:t>r</a:t>
+            </a:r>
+            <a:endParaRPr lang="en-US"/>
+          </a:p>
+        </p:txBody>
+      </p:sp>
+      <p:sp>
+        <p:nvSpPr>
+          <p:cNvPr id="29" name="Rectangle 28"/>
+          <p:cNvSpPr/>
+          <p:nvPr/>
+        </p:nvSpPr>
+        <p:spPr>
+          <a:xfrm>
+            <a:off x="6904205" y="4478489"/>
+            <a:ext cx="390617" cy="497149"/>
+          </a:xfrm>
+          <a:prstGeom prst="rect">
+            <a:avLst/>
+          </a:prstGeom>
+          <a:solidFill>
+            <a:schemeClr val="bg1"/>
+          </a:solidFill>
+          <a:ln>
+            <a:solidFill>
+              <a:schemeClr val="tx1"/>
+            </a:solidFill>
+          </a:ln>
+        </p:spPr>
+        <p:style>
+          <a:lnRef idx="1">
+            <a:schemeClr val="accent4"/>
+          </a:lnRef>
+          <a:fillRef idx="2">
+            <a:schemeClr val="accent4"/>
+          </a:fillRef>
+          <a:effectRef idx="1">
+            <a:schemeClr val="accent4"/>
+          </a:effectRef>
+          <a:fontRef idx="minor">
+            <a:schemeClr val="dk1"/>
+          </a:fontRef>
+        </p:style>
+        <p:txBody>
+          <a:bodyPr rtlCol="0" anchor="ctr"/>
+          <a:lstStyle/>
+          <a:p>
+            <a:pPr algn="ctr"/>
+            <a:r>
+              <a:rPr lang="en-US"/>
+              <a:t>l</a:t>
+            </a:r>
+          </a:p>
+        </p:txBody>
+      </p:sp>
+      <p:sp>
+        <p:nvSpPr>
+          <p:cNvPr id="30" name="Rectangle 29"/>
+          <p:cNvSpPr/>
+          <p:nvPr/>
+        </p:nvSpPr>
+        <p:spPr>
+          <a:xfrm>
+            <a:off x="7294822" y="4478489"/>
+            <a:ext cx="390617" cy="497149"/>
+          </a:xfrm>
+          <a:prstGeom prst="rect">
+            <a:avLst/>
+          </a:prstGeom>
+          <a:solidFill>
+            <a:schemeClr val="bg1"/>
+          </a:solidFill>
+          <a:ln>
+            <a:solidFill>
+              <a:schemeClr val="tx1"/>
+            </a:solidFill>
+          </a:ln>
+        </p:spPr>
+        <p:style>
+          <a:lnRef idx="1">
+            <a:schemeClr val="accent4"/>
+          </a:lnRef>
+          <a:fillRef idx="2">
+            <a:schemeClr val="accent4"/>
+          </a:fillRef>
+          <a:effectRef idx="1">
+            <a:schemeClr val="accent4"/>
+          </a:effectRef>
+          <a:fontRef idx="minor">
+            <a:schemeClr val="dk1"/>
+          </a:fontRef>
+        </p:style>
+        <p:txBody>
+          <a:bodyPr rtlCol="0" anchor="ctr"/>
+          <a:lstStyle/>
+          <a:p>
+            <a:pPr algn="ctr"/>
+            <a:r>
+              <a:rPr lang="en-US" smtClean="0"/>
+              <a:t>d</a:t>
+            </a:r>
+            <a:endParaRPr lang="en-US"/>
+          </a:p>
+        </p:txBody>
+      </p:sp>
+      <p:sp>
+        <p:nvSpPr>
+          <p:cNvPr id="31" name="Rectangle 30"/>
+          <p:cNvSpPr/>
+          <p:nvPr/>
+        </p:nvSpPr>
+        <p:spPr>
+          <a:xfrm>
+            <a:off x="7685438" y="4478489"/>
+            <a:ext cx="390617" cy="497149"/>
+          </a:xfrm>
+          <a:prstGeom prst="rect">
+            <a:avLst/>
+          </a:prstGeom>
+          <a:solidFill>
+            <a:schemeClr val="bg1"/>
+          </a:solidFill>
+          <a:ln>
+            <a:solidFill>
+              <a:schemeClr val="tx1"/>
+            </a:solidFill>
+          </a:ln>
+        </p:spPr>
+        <p:style>
+          <a:lnRef idx="1">
+            <a:schemeClr val="accent4"/>
+          </a:lnRef>
+          <a:fillRef idx="2">
+            <a:schemeClr val="accent4"/>
+          </a:fillRef>
+          <a:effectRef idx="1">
+            <a:schemeClr val="accent4"/>
+          </a:effectRef>
+          <a:fontRef idx="minor">
+            <a:schemeClr val="dk1"/>
+          </a:fontRef>
+        </p:style>
+        <p:txBody>
+          <a:bodyPr rtlCol="0" anchor="ctr"/>
+          <a:lstStyle/>
+          <a:p>
+            <a:pPr algn="ctr"/>
+            <a:r>
+              <a:rPr lang="en-US" smtClean="0"/>
+              <a:t>!</a:t>
+            </a:r>
+            <a:endParaRPr lang="en-US"/>
+          </a:p>
+        </p:txBody>
+      </p:sp>
+      <p:sp>
+        <p:nvSpPr>
+          <p:cNvPr id="32" name="Rectangle 31"/>
+          <p:cNvSpPr/>
+          <p:nvPr/>
+        </p:nvSpPr>
+        <p:spPr>
+          <a:xfrm>
+            <a:off x="2413420" y="4478489"/>
+            <a:ext cx="584619" cy="497149"/>
+          </a:xfrm>
+          <a:prstGeom prst="rect">
+            <a:avLst/>
+          </a:prstGeom>
+          <a:solidFill>
+            <a:schemeClr val="bg1"/>
+          </a:solidFill>
+          <a:ln>
+            <a:solidFill>
+              <a:schemeClr val="tx1"/>
+            </a:solidFill>
+          </a:ln>
+        </p:spPr>
+        <p:style>
+          <a:lnRef idx="1">
+            <a:schemeClr val="accent4"/>
+          </a:lnRef>
+          <a:fillRef idx="2">
+            <a:schemeClr val="accent4"/>
+          </a:fillRef>
+          <a:effectRef idx="1">
+            <a:schemeClr val="accent4"/>
+          </a:effectRef>
+          <a:fontRef idx="minor">
+            <a:schemeClr val="dk1"/>
+          </a:fontRef>
+        </p:style>
+        <p:txBody>
+          <a:bodyPr rtlCol="0" anchor="ctr"/>
+          <a:lstStyle/>
+          <a:p>
+            <a:pPr algn="ctr"/>
+            <a:r>
+              <a:rPr lang="en-US" smtClean="0">
+                <a:latin typeface="Consolas" panose="020B0609020204030204" pitchFamily="49" charset="0"/>
+              </a:rPr>
+              <a:t>\</a:t>
+            </a:r>
+            <a:r>
+              <a:rPr lang="ru-RU" smtClean="0">
+                <a:latin typeface="Consolas" panose="020B0609020204030204" pitchFamily="49" charset="0"/>
+              </a:rPr>
+              <a:t>13</a:t>
+            </a:r>
+            <a:endParaRPr lang="en-US">
+              <a:latin typeface="Consolas" panose="020B0609020204030204" pitchFamily="49" charset="0"/>
+            </a:endParaRPr>
+          </a:p>
+        </p:txBody>
+      </p:sp>
+      <p:sp>
+        <p:nvSpPr>
+          <p:cNvPr id="33" name="Content Placeholder 2"/>
+          <p:cNvSpPr txBox="1">
+            <a:spLocks/>
+          </p:cNvSpPr>
+          <p:nvPr/>
+        </p:nvSpPr>
+        <p:spPr>
+          <a:xfrm>
+            <a:off x="1142998" y="5264458"/>
+            <a:ext cx="9872871" cy="1141964"/>
+          </a:xfrm>
+          <a:prstGeom prst="rect">
+            <a:avLst/>
+          </a:prstGeom>
+        </p:spPr>
+        <p:txBody>
+          <a:bodyPr vert="horz" lIns="91440" tIns="45720" rIns="91440" bIns="45720" rtlCol="0">
+            <a:normAutofit/>
+          </a:bodyPr>
+          <a:lstStyle>
+            <a:lvl1pPr marL="228600" indent="-182880" algn="l" defTabSz="914400" rtl="0" eaLnBrk="1" latinLnBrk="0" hangingPunct="1">
+              <a:lnSpc>
+                <a:spcPct val="90000"/>
+              </a:lnSpc>
+              <a:spcBef>
+                <a:spcPts val="1400"/>
+              </a:spcBef>
+              <a:buClr>
+                <a:schemeClr val="tx1"/>
+              </a:buClr>
+              <a:buSzPct val="80000"/>
+              <a:buFont typeface="Corbel" pitchFamily="34" charset="0"/>
+              <a:buChar char="•"/>
+              <a:defRPr sz="2200" kern="1200">
+                <a:solidFill>
+                  <a:schemeClr val="tx1"/>
+                </a:solidFill>
+                <a:latin typeface="+mn-lt"/>
+                <a:ea typeface="+mn-ea"/>
+                <a:cs typeface="+mn-cs"/>
+              </a:defRPr>
+            </a:lvl1pPr>
+            <a:lvl2pPr marL="457200" indent="-182880" algn="l" defTabSz="914400" rtl="0" eaLnBrk="1" latinLnBrk="0" hangingPunct="1">
+              <a:lnSpc>
+                <a:spcPct val="90000"/>
+              </a:lnSpc>
+              <a:spcBef>
+                <a:spcPts val="200"/>
+              </a:spcBef>
+              <a:spcAft>
+                <a:spcPts val="400"/>
+              </a:spcAft>
+              <a:buClr>
+                <a:schemeClr val="tx1"/>
+              </a:buClr>
+              <a:buSzPct val="80000"/>
+              <a:buFont typeface="Corbel" pitchFamily="34" charset="0"/>
+              <a:buChar char="•"/>
+              <a:defRPr sz="2000" kern="1200">
+                <a:solidFill>
+                  <a:schemeClr val="tx1"/>
+                </a:solidFill>
+                <a:latin typeface="+mn-lt"/>
+                <a:ea typeface="+mn-ea"/>
+                <a:cs typeface="+mn-cs"/>
+              </a:defRPr>
+            </a:lvl2pPr>
+            <a:lvl3pPr marL="731520" indent="-182880" algn="l" defTabSz="914400" rtl="0" eaLnBrk="1" latinLnBrk="0" hangingPunct="1">
+              <a:lnSpc>
+                <a:spcPct val="90000"/>
+              </a:lnSpc>
+              <a:spcBef>
+                <a:spcPts val="200"/>
+              </a:spcBef>
+              <a:spcAft>
+                <a:spcPts val="400"/>
+              </a:spcAft>
+              <a:buClr>
+                <a:schemeClr val="tx1"/>
+              </a:buClr>
+              <a:buSzPct val="80000"/>
+              <a:buFont typeface="Corbel" pitchFamily="34" charset="0"/>
+              <a:buChar char="•"/>
+              <a:defRPr sz="1800" kern="1200">
+                <a:solidFill>
+                  <a:schemeClr val="tx1"/>
+                </a:solidFill>
+                <a:latin typeface="+mn-lt"/>
+                <a:ea typeface="+mn-ea"/>
+                <a:cs typeface="+mn-cs"/>
+              </a:defRPr>
+            </a:lvl3pPr>
+            <a:lvl4pPr marL="1005840" indent="-182880" algn="l" defTabSz="914400" rtl="0" eaLnBrk="1" latinLnBrk="0" hangingPunct="1">
+              <a:lnSpc>
+                <a:spcPct val="90000"/>
+              </a:lnSpc>
+              <a:spcBef>
+                <a:spcPts val="200"/>
+              </a:spcBef>
+              <a:spcAft>
+                <a:spcPts val="400"/>
+              </a:spcAft>
+              <a:buClr>
+                <a:schemeClr val="tx1"/>
+              </a:buClr>
+              <a:buSzPct val="80000"/>
+              <a:buFont typeface="Corbel" pitchFamily="34" charset="0"/>
+              <a:buChar char="•"/>
+              <a:defRPr sz="1600" kern="1200">
+                <a:solidFill>
+                  <a:schemeClr val="tx1"/>
+                </a:solidFill>
+                <a:latin typeface="+mn-lt"/>
+                <a:ea typeface="+mn-ea"/>
+                <a:cs typeface="+mn-cs"/>
+              </a:defRPr>
+            </a:lvl4pPr>
+            <a:lvl5pPr marL="1280160" indent="-182880" algn="l" defTabSz="914400" rtl="0" eaLnBrk="1" latinLnBrk="0" hangingPunct="1">
+              <a:lnSpc>
+                <a:spcPct val="90000"/>
+              </a:lnSpc>
+              <a:spcBef>
+                <a:spcPts val="200"/>
+              </a:spcBef>
+              <a:spcAft>
+                <a:spcPts val="400"/>
+              </a:spcAft>
+              <a:buClr>
+                <a:schemeClr val="tx1"/>
+              </a:buClr>
+              <a:buSzPct val="80000"/>
+              <a:buFont typeface="Corbel" pitchFamily="34" charset="0"/>
+              <a:buChar char="•"/>
+              <a:defRPr sz="1600" kern="1200">
+                <a:solidFill>
+                  <a:schemeClr val="tx1"/>
+                </a:solidFill>
+                <a:latin typeface="+mn-lt"/>
+                <a:ea typeface="+mn-ea"/>
+                <a:cs typeface="+mn-cs"/>
+              </a:defRPr>
+            </a:lvl5pPr>
+            <a:lvl6pPr marL="1600000" indent="-228600" algn="l" defTabSz="914400" rtl="0" eaLnBrk="1" latinLnBrk="0" hangingPunct="1">
+              <a:lnSpc>
+                <a:spcPct val="90000"/>
+              </a:lnSpc>
+              <a:spcBef>
+                <a:spcPts val="200"/>
+              </a:spcBef>
+              <a:spcAft>
+                <a:spcPts val="400"/>
+              </a:spcAft>
+              <a:buClr>
+                <a:schemeClr val="tx1"/>
+              </a:buClr>
+              <a:buSzPct val="80000"/>
+              <a:buFont typeface="Corbel" pitchFamily="34" charset="0"/>
+              <a:buChar char="•"/>
+              <a:defRPr sz="1600" kern="1200">
+                <a:solidFill>
+                  <a:schemeClr val="tx1"/>
+                </a:solidFill>
+                <a:latin typeface="+mn-lt"/>
+                <a:ea typeface="+mn-ea"/>
+                <a:cs typeface="+mn-cs"/>
+              </a:defRPr>
+            </a:lvl6pPr>
+            <a:lvl7pPr marL="1900000" indent="-228600" algn="l" defTabSz="914400" rtl="0" eaLnBrk="1" latinLnBrk="0" hangingPunct="1">
+              <a:lnSpc>
+                <a:spcPct val="90000"/>
+              </a:lnSpc>
+              <a:spcBef>
+                <a:spcPts val="200"/>
+              </a:spcBef>
+              <a:spcAft>
+                <a:spcPts val="400"/>
+              </a:spcAft>
+              <a:buClr>
+                <a:schemeClr val="tx1"/>
+              </a:buClr>
+              <a:buSzPct val="80000"/>
+              <a:buFont typeface="Corbel" pitchFamily="34" charset="0"/>
+              <a:buChar char="•"/>
+              <a:defRPr sz="1600" kern="1200">
+                <a:solidFill>
+                  <a:schemeClr val="tx1"/>
+                </a:solidFill>
+                <a:latin typeface="+mn-lt"/>
+                <a:ea typeface="+mn-ea"/>
+                <a:cs typeface="+mn-cs"/>
+              </a:defRPr>
+            </a:lvl7pPr>
+            <a:lvl8pPr marL="2200000" indent="-228600" algn="l" defTabSz="914400" rtl="0" eaLnBrk="1" latinLnBrk="0" hangingPunct="1">
+              <a:lnSpc>
+                <a:spcPct val="90000"/>
+              </a:lnSpc>
+              <a:spcBef>
+                <a:spcPts val="200"/>
+              </a:spcBef>
+              <a:spcAft>
+                <a:spcPts val="400"/>
+              </a:spcAft>
+              <a:buClr>
+                <a:schemeClr val="tx1"/>
+              </a:buClr>
+              <a:buSzPct val="80000"/>
+              <a:buFont typeface="Corbel" pitchFamily="34" charset="0"/>
+              <a:buChar char="•"/>
+              <a:defRPr sz="1600" kern="1200">
+                <a:solidFill>
+                  <a:schemeClr val="tx1"/>
+                </a:solidFill>
+                <a:latin typeface="+mn-lt"/>
+                <a:ea typeface="+mn-ea"/>
+                <a:cs typeface="+mn-cs"/>
+              </a:defRPr>
+            </a:lvl8pPr>
+            <a:lvl9pPr marL="2500000" indent="-228600" algn="l" defTabSz="914400" rtl="0" eaLnBrk="1" latinLnBrk="0" hangingPunct="1">
+              <a:lnSpc>
+                <a:spcPct val="90000"/>
+              </a:lnSpc>
+              <a:spcBef>
+                <a:spcPts val="200"/>
+              </a:spcBef>
+              <a:spcAft>
+                <a:spcPts val="400"/>
+              </a:spcAft>
+              <a:buClr>
+                <a:schemeClr val="tx1"/>
+              </a:buClr>
+              <a:buSzPct val="80000"/>
+              <a:buFont typeface="Corbel" pitchFamily="34" charset="0"/>
+              <a:buChar char="•"/>
+              <a:defRPr sz="1600" kern="1200">
+                <a:solidFill>
+                  <a:schemeClr val="tx1"/>
+                </a:solidFill>
+                <a:latin typeface="+mn-lt"/>
+                <a:ea typeface="+mn-ea"/>
+                <a:cs typeface="+mn-cs"/>
+              </a:defRPr>
+            </a:lvl9pPr>
+          </a:lstStyle>
+          <a:p>
+            <a:r>
+              <a:rPr lang="ru-RU" smtClean="0"/>
               <a:t>Обсуждение: эволюционные преимущества </a:t>
             </a:r>
             <a:r>
@@ -32539,6 +32947,378 @@
           <a:p>
             <a:r>
               <a:rPr lang="ru-RU" smtClean="0"/>
+              <a:t>Проблема-тизер</a:t>
+            </a:r>
+            <a:endParaRPr lang="en-US"/>
+          </a:p>
+        </p:txBody>
+      </p:sp>
+      <p:sp>
+        <p:nvSpPr>
+          <p:cNvPr id="3" name="Content Placeholder 2"/>
+          <p:cNvSpPr>
+            <a:spLocks noGrp="1"/>
+          </p:cNvSpPr>
+          <p:nvPr>
+            <p:ph idx="1"/>
+          </p:nvPr>
+        </p:nvSpPr>
+        <p:spPr/>
+        <p:txBody>
+          <a:bodyPr/>
+          <a:lstStyle/>
+          <a:p>
+            <a:r>
+              <a:rPr lang="ru-RU" smtClean="0"/>
+              <a:t>Напишите для </a:t>
+            </a:r>
+            <a:r>
+              <a:rPr lang="en-US" smtClean="0"/>
+              <a:t>basic_string </a:t>
+            </a:r>
+            <a:r>
+              <a:rPr lang="ru-RU" smtClean="0"/>
+              <a:t>сравнение (</a:t>
+            </a:r>
+            <a:r>
+              <a:rPr lang="en-US"/>
+              <a:t>o</a:t>
+            </a:r>
+            <a:r>
+              <a:rPr lang="en-US" smtClean="0"/>
+              <a:t>perator==)</a:t>
+            </a:r>
+          </a:p>
+          <a:p>
+            <a:r>
+              <a:rPr lang="ru-RU" smtClean="0"/>
+              <a:t>Сделаете ли вы этот оператор методом класса или свободной функцией?</a:t>
+            </a:r>
+          </a:p>
+          <a:p>
+            <a:r>
+              <a:rPr lang="ru-RU" smtClean="0"/>
+              <a:t>Как должны сравниваться строки с одинаковым </a:t>
+            </a:r>
+            <a:r>
+              <a:rPr lang="en-US" smtClean="0"/>
+              <a:t>CharT</a:t>
+            </a:r>
+            <a:r>
+              <a:rPr lang="ru-RU" smtClean="0"/>
+              <a:t>, но разными </a:t>
+            </a:r>
+            <a:r>
+              <a:rPr lang="en-US" smtClean="0"/>
+              <a:t>Traits?</a:t>
+            </a:r>
+          </a:p>
+          <a:p>
+            <a:r>
+              <a:rPr lang="en-US" smtClean="0"/>
+              <a:t> </a:t>
+            </a:r>
+            <a:r>
+              <a:rPr lang="ru-RU" smtClean="0"/>
+              <a:t>А если у них одинаковые </a:t>
+            </a:r>
+            <a:r>
+              <a:rPr lang="en-US" smtClean="0"/>
+              <a:t>CharT </a:t>
+            </a:r>
+            <a:r>
+              <a:rPr lang="ru-RU" smtClean="0"/>
+              <a:t>и </a:t>
+            </a:r>
+            <a:r>
+              <a:rPr lang="en-US" smtClean="0"/>
+              <a:t>Traits, </a:t>
+            </a:r>
+            <a:r>
+              <a:rPr lang="ru-RU" smtClean="0"/>
+              <a:t>но разные аллокаторы?</a:t>
+            </a:r>
+            <a:endParaRPr lang="en-US"/>
+          </a:p>
+        </p:txBody>
+      </p:sp>
+    </p:spTree>
+    <p:extLst>
+      <p:ext uri="{BB962C8B-B14F-4D97-AF65-F5344CB8AC3E}">
+        <p14:creationId xmlns:p14="http://schemas.microsoft.com/office/powerpoint/2010/main" val="2109787075"/>
+      </p:ext>
+    </p:extLst>
+  </p:cSld>
+  <p:clrMapOvr>
+    <a:masterClrMapping/>
+  </p:clrMapOvr>
+</p:sld>
+</file>
+
+<file path=ppt/slides/slide61.xml><?xml version="1.0" encoding="utf-8"?>
+<p:sld xmlns:a="http://schemas.openxmlformats.org/drawingml/2006/main" xmlns:r="http://schemas.openxmlformats.org/officeDocument/2006/relationships" xmlns:p="http://schemas.openxmlformats.org/presentationml/2006/main">
+  <p:cSld>
+    <p:spTree>
+      <p:nvGrpSpPr>
+        <p:cNvPr id="1" name=""/>
+        <p:cNvGrpSpPr/>
+        <p:nvPr/>
+      </p:nvGrpSpPr>
+      <p:grpSpPr>
+        <a:xfrm>
+          <a:off x="0" y="0"/>
+          <a:ext cx="0" cy="0"/>
+          <a:chOff x="0" y="0"/>
+          <a:chExt cx="0" cy="0"/>
+        </a:xfrm>
+      </p:grpSpPr>
+      <p:sp>
+        <p:nvSpPr>
+          <p:cNvPr id="2" name="Title 1"/>
+          <p:cNvSpPr>
+            <a:spLocks noGrp="1"/>
+          </p:cNvSpPr>
+          <p:nvPr>
+            <p:ph type="title"/>
+          </p:nvPr>
+        </p:nvSpPr>
+        <p:spPr/>
+        <p:txBody>
+          <a:bodyPr/>
+          <a:lstStyle/>
+          <a:p>
+            <a:r>
+              <a:rPr lang="ru-RU" smtClean="0"/>
+              <a:t>Проблема-тизер</a:t>
+            </a:r>
+            <a:endParaRPr lang="en-US"/>
+          </a:p>
+        </p:txBody>
+      </p:sp>
+      <p:sp>
+        <p:nvSpPr>
+          <p:cNvPr id="3" name="Content Placeholder 2"/>
+          <p:cNvSpPr>
+            <a:spLocks noGrp="1"/>
+          </p:cNvSpPr>
+          <p:nvPr>
+            <p:ph idx="1"/>
+          </p:nvPr>
+        </p:nvSpPr>
+        <p:spPr>
+          <a:xfrm>
+            <a:off x="1143000" y="2057400"/>
+            <a:ext cx="10241280" cy="4038600"/>
+          </a:xfrm>
+        </p:spPr>
+        <p:txBody>
+          <a:bodyPr/>
+          <a:lstStyle/>
+          <a:p>
+            <a:r>
+              <a:rPr lang="ru-RU" smtClean="0"/>
+              <a:t>Напишите для </a:t>
+            </a:r>
+            <a:r>
+              <a:rPr lang="en-US" smtClean="0"/>
+              <a:t>basic_string </a:t>
+            </a:r>
+            <a:r>
+              <a:rPr lang="ru-RU" smtClean="0"/>
+              <a:t>сравнение (</a:t>
+            </a:r>
+            <a:r>
+              <a:rPr lang="en-US"/>
+              <a:t>o</a:t>
+            </a:r>
+            <a:r>
+              <a:rPr lang="en-US" smtClean="0"/>
+              <a:t>perator==)</a:t>
+            </a:r>
+          </a:p>
+          <a:p>
+            <a:r>
+              <a:rPr lang="ru-RU" smtClean="0"/>
+              <a:t>Сделаете ли вы этот оператор методом класса или свободной функцией?</a:t>
+            </a:r>
+          </a:p>
+          <a:p>
+            <a:pPr lvl="1"/>
+            <a:r>
+              <a:rPr lang="ru-RU"/>
+              <a:t>О</a:t>
+            </a:r>
+            <a:r>
+              <a:rPr lang="ru-RU" smtClean="0"/>
+              <a:t>чевидно свободной функцией</a:t>
+            </a:r>
+            <a:r>
+              <a:rPr lang="en-US" smtClean="0"/>
+              <a:t>, </a:t>
+            </a:r>
+            <a:r>
+              <a:rPr lang="ru-RU" smtClean="0"/>
+              <a:t>подумайте о </a:t>
+            </a:r>
+            <a:r>
+              <a:rPr lang="en-US" smtClean="0"/>
+              <a:t>if ("hello" == s)</a:t>
+            </a:r>
+            <a:r>
+              <a:rPr lang="ru-RU" smtClean="0"/>
+              <a:t> и т.п.</a:t>
+            </a:r>
+          </a:p>
+          <a:p>
+            <a:pPr lvl="1"/>
+            <a:r>
+              <a:rPr lang="ru-RU" smtClean="0"/>
+              <a:t>Эта функция должна быть обобщённой. Т.е. это либо макрос либо шаблонная функция</a:t>
+            </a:r>
+          </a:p>
+          <a:p>
+            <a:pPr lvl="1"/>
+            <a:r>
+              <a:rPr lang="ru-RU" smtClean="0"/>
+              <a:t>Следующая лекция как раз будет посвящена небольшим шаблонным функциям (ну и макросам), их возможностям и ограничениям</a:t>
+            </a:r>
+          </a:p>
+          <a:p>
+            <a:r>
+              <a:rPr lang="ru-RU" smtClean="0"/>
+              <a:t>Как должны сравниваться строки с одинаковым </a:t>
+            </a:r>
+            <a:r>
+              <a:rPr lang="en-US" smtClean="0"/>
+              <a:t>CharT</a:t>
+            </a:r>
+            <a:r>
+              <a:rPr lang="ru-RU" smtClean="0"/>
+              <a:t>, но разными </a:t>
+            </a:r>
+            <a:r>
+              <a:rPr lang="en-US" smtClean="0"/>
+              <a:t>Traits?</a:t>
+            </a:r>
+            <a:endParaRPr lang="ru-RU" smtClean="0"/>
+          </a:p>
+          <a:p>
+            <a:pPr lvl="1"/>
+            <a:r>
+              <a:rPr lang="ru-RU" smtClean="0"/>
+              <a:t>Неочевидно. Поскольку именно </a:t>
+            </a:r>
+            <a:r>
+              <a:rPr lang="en-US" smtClean="0"/>
+              <a:t>Traits </a:t>
+            </a:r>
+            <a:r>
+              <a:rPr lang="ru-RU" smtClean="0"/>
+              <a:t>отвечают за копирование</a:t>
+            </a:r>
+          </a:p>
+          <a:p>
+            <a:pPr lvl="1"/>
+            <a:r>
+              <a:rPr lang="ru-RU" smtClean="0"/>
+              <a:t>Кстати: а если одинаковые </a:t>
+            </a:r>
+            <a:r>
+              <a:rPr lang="en-US" smtClean="0"/>
+              <a:t>Traits </a:t>
+            </a:r>
+            <a:r>
+              <a:rPr lang="ru-RU" smtClean="0"/>
+              <a:t>и разные </a:t>
+            </a:r>
+            <a:r>
+              <a:rPr lang="en-US" smtClean="0"/>
+              <a:t>CharT? </a:t>
+            </a:r>
+          </a:p>
+          <a:p>
+            <a:r>
+              <a:rPr lang="en-US" smtClean="0"/>
+              <a:t> </a:t>
+            </a:r>
+            <a:r>
+              <a:rPr lang="ru-RU" smtClean="0"/>
+              <a:t>А если у них одинаковые </a:t>
+            </a:r>
+            <a:r>
+              <a:rPr lang="en-US" smtClean="0"/>
+              <a:t>CharT </a:t>
+            </a:r>
+            <a:r>
+              <a:rPr lang="ru-RU" smtClean="0"/>
+              <a:t>и </a:t>
+            </a:r>
+            <a:r>
+              <a:rPr lang="en-US" smtClean="0"/>
+              <a:t>Traits, </a:t>
+            </a:r>
+            <a:r>
+              <a:rPr lang="ru-RU" smtClean="0"/>
+              <a:t>но разные аллокаторы?</a:t>
+            </a:r>
+          </a:p>
+          <a:p>
+            <a:pPr lvl="1"/>
+            <a:r>
+              <a:rPr lang="ru-RU" smtClean="0"/>
+              <a:t>Кажется, тут нет особых проблем</a:t>
+            </a:r>
+            <a:endParaRPr lang="en-US"/>
+          </a:p>
+        </p:txBody>
+      </p:sp>
+    </p:spTree>
+    <p:extLst>
+      <p:ext uri="{BB962C8B-B14F-4D97-AF65-F5344CB8AC3E}">
+        <p14:creationId xmlns:p14="http://schemas.microsoft.com/office/powerpoint/2010/main" val="4005943499"/>
+      </p:ext>
+    </p:extLst>
+  </p:cSld>
+  <p:clrMapOvr>
+    <a:masterClrMapping/>
+  </p:clrMapOvr>
+</p:sld>
+</file>
+
+<file path=ppt/slides/slide62.xml><?xml version="1.0" encoding="utf-8"?>
+<p:sld xmlns:a="http://schemas.openxmlformats.org/drawingml/2006/main" xmlns:r="http://schemas.openxmlformats.org/officeDocument/2006/relationships" xmlns:p="http://schemas.openxmlformats.org/presentationml/2006/main">
+  <p:cSld>
+    <p:spTree>
+      <p:nvGrpSpPr>
+        <p:cNvPr id="1" name=""/>
+        <p:cNvGrpSpPr/>
+        <p:nvPr/>
+      </p:nvGrpSpPr>
+      <p:grpSpPr>
+        <a:xfrm>
+          <a:off x="0" y="0"/>
+          <a:ext cx="0" cy="0"/>
+          <a:chOff x="0" y="0"/>
+          <a:chExt cx="0" cy="0"/>
+        </a:xfrm>
+      </p:grpSpPr>
+      <p:sp>
+        <p:nvSpPr>
+          <p:cNvPr id="2" name="Title 1"/>
+          <p:cNvSpPr>
+            <a:spLocks noGrp="1"/>
+          </p:cNvSpPr>
+          <p:nvPr>
+            <p:ph type="title"/>
+          </p:nvPr>
+        </p:nvSpPr>
+        <p:spPr/>
+        <p:txBody>
+          <a:bodyPr/>
+          <a:lstStyle/>
+          <a:p>
+            <a:r>
+              <a:rPr lang="ru-RU" smtClean="0"/>
               <a:t>Обсуждение</a:t>
             </a:r>
             <a:endParaRPr lang="en-US"/>
@@ -32593,7 +33373,7 @@
 </p:sld>
 </file>
 
-<file path=ppt/slides/slide61.xml><?xml version="1.0" encoding="utf-8"?>
+<file path=ppt/slides/slide63.xml><?xml version="1.0" encoding="utf-8"?>
 <p:sld xmlns:a="http://schemas.openxmlformats.org/drawingml/2006/main" xmlns:r="http://schemas.openxmlformats.org/officeDocument/2006/relationships" xmlns:p="http://schemas.openxmlformats.org/presentationml/2006/main">
   <p:cSld>
     <p:spTree>

--- a/trunk/slides/sep2017/01-strings.pptx
+++ b/trunk/slides/sep2017/01-strings.pptx
@@ -262,7 +262,7 @@
           <a:p>
             <a:fld id="{D0F53610-742D-41DE-86D1-B4A263AA8643}" type="datetimeFigureOut">
               <a:rPr lang="en-US" smtClean="0"/>
-              <a:t>9/3/2017</a:t>
+              <a:t>9/6/2017</a:t>
             </a:fld>
             <a:endParaRPr lang="en-US"/>
           </a:p>
@@ -811,7 +811,7 @@
             <a:fld id="{96DFF08F-DC6B-4601-B491-B0F83F6DD2DA}" type="datetimeFigureOut">
               <a:rPr lang="en-US" dirty="0"/>
               <a:pPr/>
-              <a:t>9/3/2017</a:t>
+              <a:t>9/6/2017</a:t>
             </a:fld>
             <a:endParaRPr lang="en-US" dirty="0"/>
           </a:p>
@@ -1028,7 +1028,7 @@
           <a:p>
             <a:fld id="{96DFF08F-DC6B-4601-B491-B0F83F6DD2DA}" type="datetimeFigureOut">
               <a:rPr lang="en-US" dirty="0"/>
-              <a:t>9/3/2017</a:t>
+              <a:t>9/6/2017</a:t>
             </a:fld>
             <a:endParaRPr lang="en-US" dirty="0"/>
           </a:p>
@@ -1203,7 +1203,7 @@
           <a:p>
             <a:fld id="{96DFF08F-DC6B-4601-B491-B0F83F6DD2DA}" type="datetimeFigureOut">
               <a:rPr lang="en-US" dirty="0"/>
-              <a:t>9/3/2017</a:t>
+              <a:t>9/6/2017</a:t>
             </a:fld>
             <a:endParaRPr lang="en-US" dirty="0"/>
           </a:p>
@@ -1368,7 +1368,7 @@
           <a:p>
             <a:fld id="{96DFF08F-DC6B-4601-B491-B0F83F6DD2DA}" type="datetimeFigureOut">
               <a:rPr lang="en-US" dirty="0"/>
-              <a:t>9/3/2017</a:t>
+              <a:t>9/6/2017</a:t>
             </a:fld>
             <a:endParaRPr lang="en-US" dirty="0"/>
           </a:p>
@@ -1614,7 +1614,7 @@
           <a:p>
             <a:fld id="{96DFF08F-DC6B-4601-B491-B0F83F6DD2DA}" type="datetimeFigureOut">
               <a:rPr lang="en-US" dirty="0"/>
-              <a:t>9/3/2017</a:t>
+              <a:t>9/6/2017</a:t>
             </a:fld>
             <a:endParaRPr lang="en-US" dirty="0"/>
           </a:p>
@@ -1932,7 +1932,7 @@
           <a:p>
             <a:fld id="{96DFF08F-DC6B-4601-B491-B0F83F6DD2DA}" type="datetimeFigureOut">
               <a:rPr lang="en-US" dirty="0"/>
-              <a:t>9/3/2017</a:t>
+              <a:t>9/6/2017</a:t>
             </a:fld>
             <a:endParaRPr lang="en-US" dirty="0"/>
           </a:p>
@@ -2351,7 +2351,7 @@
           <a:p>
             <a:fld id="{96DFF08F-DC6B-4601-B491-B0F83F6DD2DA}" type="datetimeFigureOut">
               <a:rPr lang="en-US" dirty="0"/>
-              <a:t>9/3/2017</a:t>
+              <a:t>9/6/2017</a:t>
             </a:fld>
             <a:endParaRPr lang="en-US" dirty="0"/>
           </a:p>
@@ -2464,7 +2464,7 @@
           <a:p>
             <a:fld id="{96DFF08F-DC6B-4601-B491-B0F83F6DD2DA}" type="datetimeFigureOut">
               <a:rPr lang="en-US" dirty="0"/>
-              <a:t>9/3/2017</a:t>
+              <a:t>9/6/2017</a:t>
             </a:fld>
             <a:endParaRPr lang="en-US" dirty="0"/>
           </a:p>
@@ -2554,7 +2554,7 @@
           <a:p>
             <a:fld id="{96DFF08F-DC6B-4601-B491-B0F83F6DD2DA}" type="datetimeFigureOut">
               <a:rPr lang="en-US" dirty="0"/>
-              <a:t>9/3/2017</a:t>
+              <a:t>9/6/2017</a:t>
             </a:fld>
             <a:endParaRPr lang="en-US" dirty="0"/>
           </a:p>
@@ -2839,7 +2839,7 @@
           <a:p>
             <a:fld id="{96DFF08F-DC6B-4601-B491-B0F83F6DD2DA}" type="datetimeFigureOut">
               <a:rPr lang="en-US" dirty="0"/>
-              <a:t>9/3/2017</a:t>
+              <a:t>9/6/2017</a:t>
             </a:fld>
             <a:endParaRPr lang="en-US" dirty="0"/>
           </a:p>
@@ -3106,7 +3106,7 @@
           <a:p>
             <a:fld id="{96DFF08F-DC6B-4601-B491-B0F83F6DD2DA}" type="datetimeFigureOut">
               <a:rPr lang="en-US" dirty="0"/>
-              <a:t>9/3/2017</a:t>
+              <a:t>9/6/2017</a:t>
             </a:fld>
             <a:endParaRPr lang="en-US" dirty="0"/>
           </a:p>
@@ -3355,7 +3355,7 @@
             <a:fld id="{96DFF08F-DC6B-4601-B491-B0F83F6DD2DA}" type="datetimeFigureOut">
               <a:rPr lang="en-US" dirty="0"/>
               <a:pPr/>
-              <a:t>9/3/2017</a:t>
+              <a:t>9/6/2017</a:t>
             </a:fld>
             <a:endParaRPr lang="en-US" dirty="0"/>
           </a:p>
@@ -4138,6 +4138,13 @@
   <p:clrMapOvr>
     <a:masterClrMapping/>
   </p:clrMapOvr>
+  <p:timing>
+    <p:tnLst>
+      <p:par>
+        <p:cTn id="1" dur="indefinite" restart="never" nodeType="tmRoot"/>
+      </p:par>
+    </p:tnLst>
+  </p:timing>
 </p:sld>
 </file>
 
@@ -5760,6 +5767,13 @@
   <p:clrMapOvr>
     <a:masterClrMapping/>
   </p:clrMapOvr>
+  <p:timing>
+    <p:tnLst>
+      <p:par>
+        <p:cTn id="1" dur="indefinite" restart="never" nodeType="tmRoot"/>
+      </p:par>
+    </p:tnLst>
+  </p:timing>
 </p:sld>
 </file>
 
@@ -6286,11 +6300,7 @@
           <a:p>
             <a:r>
               <a:rPr lang="ru-RU" smtClean="0"/>
-              <a:t>Работает </a:t>
-            </a:r>
-            <a:r>
-              <a:rPr lang="ru-RU" smtClean="0"/>
-              <a:t>ли этот вариант?</a:t>
+              <a:t>Работает ли этот вариант?</a:t>
             </a:r>
             <a:endParaRPr lang="en-US"/>
           </a:p>
@@ -6388,13 +6398,7 @@
               <a:rPr lang="en-US" smtClean="0">
                 <a:latin typeface="Consolas" panose="020B0609020204030204" pitchFamily="49" charset="0"/>
               </a:rPr>
-              <a:t>char* strncpy </a:t>
-            </a:r>
-            <a:r>
-              <a:rPr lang="en-US" smtClean="0">
-                <a:latin typeface="Consolas" panose="020B0609020204030204" pitchFamily="49" charset="0"/>
-              </a:rPr>
-              <a:t>(char *dst, const char *src, </a:t>
+              <a:t>char* strncpy (char *dst, const char *src, </a:t>
             </a:r>
             <a:r>
               <a:rPr lang="en-US" smtClean="0">
@@ -6438,13 +6442,7 @@
               <a:rPr lang="fr-FR">
                 <a:latin typeface="Consolas" panose="020B0609020204030204" pitchFamily="49" charset="0"/>
               </a:rPr>
-              <a:t>const </a:t>
-            </a:r>
-            <a:r>
-              <a:rPr lang="fr-FR">
-                <a:latin typeface="Consolas" panose="020B0609020204030204" pitchFamily="49" charset="0"/>
-              </a:rPr>
-              <a:t>char </a:t>
+              <a:t>const char </a:t>
             </a:r>
             <a:r>
               <a:rPr lang="fr-FR" smtClean="0">
@@ -6500,13 +6498,7 @@
               <a:rPr lang="fr-FR">
                 <a:latin typeface="Consolas" panose="020B0609020204030204" pitchFamily="49" charset="0"/>
               </a:rPr>
-              <a:t>const char </a:t>
-            </a:r>
-            <a:r>
-              <a:rPr lang="fr-FR">
-                <a:latin typeface="Consolas" panose="020B0609020204030204" pitchFamily="49" charset="0"/>
-              </a:rPr>
-              <a:t>*</a:t>
+              <a:t>const char *</a:t>
             </a:r>
             <a:r>
               <a:rPr lang="fr-FR" smtClean="0">
@@ -6710,6 +6702,13 @@
   <p:clrMapOvr>
     <a:masterClrMapping/>
   </p:clrMapOvr>
+  <p:timing>
+    <p:tnLst>
+      <p:par>
+        <p:cTn id="1" dur="indefinite" restart="never" nodeType="tmRoot"/>
+      </p:par>
+    </p:tnLst>
+  </p:timing>
 </p:sld>
 </file>
 
@@ -6833,6 +6832,13 @@
   <p:clrMapOvr>
     <a:masterClrMapping/>
   </p:clrMapOvr>
+  <p:timing>
+    <p:tnLst>
+      <p:par>
+        <p:cTn id="1" dur="indefinite" restart="never" nodeType="tmRoot"/>
+      </p:par>
+    </p:tnLst>
+  </p:timing>
 </p:sld>
 </file>
 
@@ -6909,6 +6915,13 @@
   <p:clrMapOvr>
     <a:masterClrMapping/>
   </p:clrMapOvr>
+  <p:timing>
+    <p:tnLst>
+      <p:par>
+        <p:cTn id="1" dur="indefinite" restart="never" nodeType="tmRoot"/>
+      </p:par>
+    </p:tnLst>
+  </p:timing>
 </p:sld>
 </file>
 
@@ -7029,6 +7042,13 @@
   <p:clrMapOvr>
     <a:masterClrMapping/>
   </p:clrMapOvr>
+  <p:timing>
+    <p:tnLst>
+      <p:par>
+        <p:cTn id="1" dur="indefinite" restart="never" nodeType="tmRoot"/>
+      </p:par>
+    </p:tnLst>
+  </p:timing>
 </p:sld>
 </file>
 
@@ -8927,6 +8947,13 @@
   <p:clrMapOvr>
     <a:masterClrMapping/>
   </p:clrMapOvr>
+  <p:timing>
+    <p:tnLst>
+      <p:par>
+        <p:cTn id="1" dur="indefinite" restart="never" nodeType="tmRoot"/>
+      </p:par>
+    </p:tnLst>
+  </p:timing>
 </p:sld>
 </file>
 
@@ -9050,6 +9077,13 @@
   <p:clrMapOvr>
     <a:masterClrMapping/>
   </p:clrMapOvr>
+  <p:timing>
+    <p:tnLst>
+      <p:par>
+        <p:cTn id="1" dur="indefinite" restart="never" nodeType="tmRoot"/>
+      </p:par>
+    </p:tnLst>
+  </p:timing>
 </p:sld>
 </file>
 
@@ -9579,6 +9613,13 @@
   <p:clrMapOvr>
     <a:masterClrMapping/>
   </p:clrMapOvr>
+  <p:timing>
+    <p:tnLst>
+      <p:par>
+        <p:cTn id="1" dur="indefinite" restart="never" nodeType="tmRoot"/>
+      </p:par>
+    </p:tnLst>
+  </p:timing>
 </p:sld>
 </file>
 
@@ -11415,6 +11456,13 @@
   <p:clrMapOvr>
     <a:masterClrMapping/>
   </p:clrMapOvr>
+  <p:timing>
+    <p:tnLst>
+      <p:par>
+        <p:cTn id="1" dur="indefinite" restart="never" nodeType="tmRoot"/>
+      </p:par>
+    </p:tnLst>
+  </p:timing>
 </p:sld>
 </file>
 
@@ -13270,6 +13318,13 @@
   <p:clrMapOvr>
     <a:masterClrMapping/>
   </p:clrMapOvr>
+  <p:timing>
+    <p:tnLst>
+      <p:par>
+        <p:cTn id="1" dur="indefinite" restart="never" nodeType="tmRoot"/>
+      </p:par>
+    </p:tnLst>
+  </p:timing>
 </p:sld>
 </file>
 
@@ -13664,15 +13719,7 @@
                             <a:srgbClr val="FF0000"/>
                           </a:solidFill>
                         </a:rPr>
-                        <a:t>boost</a:t>
-                      </a:r>
-                      <a:r>
-                        <a:rPr lang="en-US" smtClean="0">
-                          <a:solidFill>
-                            <a:srgbClr val="FF0000"/>
-                          </a:solidFill>
-                        </a:rPr>
-                        <a:t>::tokenizer</a:t>
+                        <a:t>boost::tokenizer</a:t>
                       </a:r>
                       <a:endParaRPr lang="en-US">
                         <a:solidFill>
@@ -13942,6 +13989,13 @@
   <p:clrMapOvr>
     <a:masterClrMapping/>
   </p:clrMapOvr>
+  <p:timing>
+    <p:tnLst>
+      <p:par>
+        <p:cTn id="1" dur="indefinite" restart="never" nodeType="tmRoot"/>
+      </p:par>
+    </p:tnLst>
+  </p:timing>
 </p:sld>
 </file>
 
@@ -15020,6 +15074,13 @@
   <p:clrMapOvr>
     <a:masterClrMapping/>
   </p:clrMapOvr>
+  <p:timing>
+    <p:tnLst>
+      <p:par>
+        <p:cTn id="1" dur="indefinite" restart="never" nodeType="tmRoot"/>
+      </p:par>
+    </p:tnLst>
+  </p:timing>
 </p:sld>
 </file>
 
@@ -16589,6 +16650,13 @@
   <p:clrMapOvr>
     <a:masterClrMapping/>
   </p:clrMapOvr>
+  <p:timing>
+    <p:tnLst>
+      <p:par>
+        <p:cTn id="1" dur="indefinite" restart="never" nodeType="tmRoot"/>
+      </p:par>
+    </p:tnLst>
+  </p:timing>
 </p:sld>
 </file>
 
@@ -16864,6 +16932,13 @@
   <p:clrMapOvr>
     <a:masterClrMapping/>
   </p:clrMapOvr>
+  <p:timing>
+    <p:tnLst>
+      <p:par>
+        <p:cTn id="1" dur="indefinite" restart="never" nodeType="tmRoot"/>
+      </p:par>
+    </p:tnLst>
+  </p:timing>
 </p:sld>
 </file>
 
@@ -16940,6 +17015,13 @@
   <p:clrMapOvr>
     <a:masterClrMapping/>
   </p:clrMapOvr>
+  <p:timing>
+    <p:tnLst>
+      <p:par>
+        <p:cTn id="1" dur="indefinite" restart="never" nodeType="tmRoot"/>
+      </p:par>
+    </p:tnLst>
+  </p:timing>
 </p:sld>
 </file>
 
@@ -18037,6 +18119,13 @@
   <p:clrMapOvr>
     <a:masterClrMapping/>
   </p:clrMapOvr>
+  <p:timing>
+    <p:tnLst>
+      <p:par>
+        <p:cTn id="1" dur="indefinite" restart="never" nodeType="tmRoot"/>
+      </p:par>
+    </p:tnLst>
+  </p:timing>
 </p:sld>
 </file>
 
@@ -18178,6 +18267,13 @@
   <p:clrMapOvr>
     <a:masterClrMapping/>
   </p:clrMapOvr>
+  <p:timing>
+    <p:tnLst>
+      <p:par>
+        <p:cTn id="1" dur="indefinite" restart="never" nodeType="tmRoot"/>
+      </p:par>
+    </p:tnLst>
+  </p:timing>
 </p:sld>
 </file>
 
@@ -18278,6 +18374,13 @@
   <p:clrMapOvr>
     <a:masterClrMapping/>
   </p:clrMapOvr>
+  <p:timing>
+    <p:tnLst>
+      <p:par>
+        <p:cTn id="1" dur="indefinite" restart="never" nodeType="tmRoot"/>
+      </p:par>
+    </p:tnLst>
+  </p:timing>
 </p:sld>
 </file>
 
@@ -18437,6 +18540,13 @@
   <p:clrMapOvr>
     <a:masterClrMapping/>
   </p:clrMapOvr>
+  <p:timing>
+    <p:tnLst>
+      <p:par>
+        <p:cTn id="1" dur="indefinite" restart="never" nodeType="tmRoot"/>
+      </p:par>
+    </p:tnLst>
+  </p:timing>
 </p:sld>
 </file>
 
@@ -18579,6 +18689,13 @@
   <p:clrMapOvr>
     <a:masterClrMapping/>
   </p:clrMapOvr>
+  <p:timing>
+    <p:tnLst>
+      <p:par>
+        <p:cTn id="1" dur="indefinite" restart="never" nodeType="tmRoot"/>
+      </p:par>
+    </p:tnLst>
+  </p:timing>
 </p:sld>
 </file>
 
@@ -18729,6 +18846,13 @@
   <p:clrMapOvr>
     <a:masterClrMapping/>
   </p:clrMapOvr>
+  <p:timing>
+    <p:tnLst>
+      <p:par>
+        <p:cTn id="1" dur="indefinite" restart="never" nodeType="tmRoot"/>
+      </p:par>
+    </p:tnLst>
+  </p:timing>
 </p:sld>
 </file>
 
@@ -18909,6 +19033,13 @@
   <p:clrMapOvr>
     <a:masterClrMapping/>
   </p:clrMapOvr>
+  <p:timing>
+    <p:tnLst>
+      <p:par>
+        <p:cTn id="1" dur="indefinite" restart="never" nodeType="tmRoot"/>
+      </p:par>
+    </p:tnLst>
+  </p:timing>
 </p:sld>
 </file>
 
@@ -20502,6 +20633,13 @@
   <p:clrMapOvr>
     <a:masterClrMapping/>
   </p:clrMapOvr>
+  <p:timing>
+    <p:tnLst>
+      <p:par>
+        <p:cTn id="1" dur="indefinite" restart="never" nodeType="tmRoot"/>
+      </p:par>
+    </p:tnLst>
+  </p:timing>
 </p:sld>
 </file>
 
@@ -21010,6 +21148,13 @@
   <p:clrMapOvr>
     <a:masterClrMapping/>
   </p:clrMapOvr>
+  <p:timing>
+    <p:tnLst>
+      <p:par>
+        <p:cTn id="1" dur="indefinite" restart="never" nodeType="tmRoot"/>
+      </p:par>
+    </p:tnLst>
+  </p:timing>
 </p:sld>
 </file>
 
@@ -21087,7 +21232,7 @@
               <a:rPr lang="en-US" smtClean="0">
                 <a:latin typeface="Consolas" panose="020B0609020204030204" pitchFamily="49" charset="0"/>
               </a:rPr>
-              <a:t>std::string a = ssl ? "http" : "https";</a:t>
+              <a:t>std::string a = ssl ? "https" : "http";</a:t>
             </a:r>
           </a:p>
           <a:p>
@@ -21113,6 +21258,13 @@
   <p:clrMapOvr>
     <a:masterClrMapping/>
   </p:clrMapOvr>
+  <p:timing>
+    <p:tnLst>
+      <p:par>
+        <p:cTn id="1" dur="indefinite" restart="never" nodeType="tmRoot"/>
+      </p:par>
+    </p:tnLst>
+  </p:timing>
 </p:sld>
 </file>
 
@@ -21190,7 +21342,7 @@
               <a:rPr lang="en-US" smtClean="0">
                 <a:latin typeface="Consolas" panose="020B0609020204030204" pitchFamily="49" charset="0"/>
               </a:rPr>
-              <a:t>std::string a = ssl ? "http" : "https";</a:t>
+              <a:t>std::string a = ssl ? "https" : "http";</a:t>
             </a:r>
           </a:p>
           <a:p>
@@ -21256,13 +21408,25 @@
               <a:rPr lang="en-US">
                 <a:latin typeface="Consolas" panose="020B0609020204030204" pitchFamily="49" charset="0"/>
               </a:rPr>
-              <a:t>? "http" : "https</a:t>
-            </a:r>
-            <a:r>
-              <a:rPr lang="en-US" smtClean="0">
-                <a:latin typeface="Consolas" panose="020B0609020204030204" pitchFamily="49" charset="0"/>
-              </a:rPr>
-              <a:t>", </a:t>
+              <a:t>? "</a:t>
+            </a:r>
+            <a:r>
+              <a:rPr lang="en-US" smtClean="0">
+                <a:latin typeface="Consolas" panose="020B0609020204030204" pitchFamily="49" charset="0"/>
+              </a:rPr>
+              <a:t>https" </a:t>
+            </a:r>
+            <a:r>
+              <a:rPr lang="en-US">
+                <a:latin typeface="Consolas" panose="020B0609020204030204" pitchFamily="49" charset="0"/>
+              </a:rPr>
+              <a:t>: "</a:t>
+            </a:r>
+            <a:r>
+              <a:rPr lang="en-US" smtClean="0">
+                <a:latin typeface="Consolas" panose="020B0609020204030204" pitchFamily="49" charset="0"/>
+              </a:rPr>
+              <a:t>http", </a:t>
             </a:r>
             <a:br>
               <a:rPr lang="en-US" smtClean="0">
@@ -21306,6 +21470,13 @@
   <p:clrMapOvr>
     <a:masterClrMapping/>
   </p:clrMapOvr>
+  <p:timing>
+    <p:tnLst>
+      <p:par>
+        <p:cTn id="1" dur="indefinite" restart="never" nodeType="tmRoot"/>
+      </p:par>
+    </p:tnLst>
+  </p:timing>
 </p:sld>
 </file>
 
@@ -21363,7 +21534,12 @@
             <p:ph idx="1"/>
           </p:nvPr>
         </p:nvSpPr>
-        <p:spPr/>
+        <p:spPr>
+          <a:xfrm>
+            <a:off x="1143000" y="2057400"/>
+            <a:ext cx="10368643" cy="4038600"/>
+          </a:xfrm>
+        </p:spPr>
         <p:txBody>
           <a:bodyPr/>
           <a:lstStyle/>
@@ -21405,7 +21581,43 @@
               <a:rPr lang="en-US">
                 <a:latin typeface="Consolas" panose="020B0609020204030204" pitchFamily="49" charset="0"/>
               </a:rPr>
-              <a:t>ss &lt;&lt; ssl ? "http" : "https" &lt;&lt; "://" &lt;&lt; path &lt;&lt; "/" &lt;&lt; query;</a:t>
+              <a:t>ss &lt;&lt; </a:t>
+            </a:r>
+            <a:r>
+              <a:rPr lang="en-US" smtClean="0">
+                <a:latin typeface="Consolas" panose="020B0609020204030204" pitchFamily="49" charset="0"/>
+              </a:rPr>
+              <a:t>(ssl </a:t>
+            </a:r>
+            <a:r>
+              <a:rPr lang="en-US">
+                <a:latin typeface="Consolas" panose="020B0609020204030204" pitchFamily="49" charset="0"/>
+              </a:rPr>
+              <a:t>? "</a:t>
+            </a:r>
+            <a:r>
+              <a:rPr lang="en-US" smtClean="0">
+                <a:latin typeface="Consolas" panose="020B0609020204030204" pitchFamily="49" charset="0"/>
+              </a:rPr>
+              <a:t>https" </a:t>
+            </a:r>
+            <a:r>
+              <a:rPr lang="en-US">
+                <a:latin typeface="Consolas" panose="020B0609020204030204" pitchFamily="49" charset="0"/>
+              </a:rPr>
+              <a:t>: "</a:t>
+            </a:r>
+            <a:r>
+              <a:rPr lang="en-US" smtClean="0">
+                <a:latin typeface="Consolas" panose="020B0609020204030204" pitchFamily="49" charset="0"/>
+              </a:rPr>
+              <a:t>http") </a:t>
+            </a:r>
+            <a:r>
+              <a:rPr lang="en-US">
+                <a:latin typeface="Consolas" panose="020B0609020204030204" pitchFamily="49" charset="0"/>
+              </a:rPr>
+              <a:t>&lt;&lt; "://" &lt;&lt; path &lt;&lt; "/" &lt;&lt; query;</a:t>
             </a:r>
           </a:p>
           <a:p>
@@ -21459,6 +21671,13 @@
   <p:clrMapOvr>
     <a:masterClrMapping/>
   </p:clrMapOvr>
+  <p:timing>
+    <p:tnLst>
+      <p:par>
+        <p:cTn id="1" dur="indefinite" restart="never" nodeType="tmRoot"/>
+      </p:par>
+    </p:tnLst>
+  </p:timing>
 </p:sld>
 </file>
 
@@ -23109,6 +23328,13 @@
   <p:clrMapOvr>
     <a:masterClrMapping/>
   </p:clrMapOvr>
+  <p:timing>
+    <p:tnLst>
+      <p:par>
+        <p:cTn id="1" dur="indefinite" restart="never" nodeType="tmRoot"/>
+      </p:par>
+    </p:tnLst>
+  </p:timing>
 </p:sld>
 </file>
 
@@ -23331,6 +23557,13 @@
   <p:clrMapOvr>
     <a:masterClrMapping/>
   </p:clrMapOvr>
+  <p:timing>
+    <p:tnLst>
+      <p:par>
+        <p:cTn id="1" dur="indefinite" restart="never" nodeType="tmRoot"/>
+      </p:par>
+    </p:tnLst>
+  </p:timing>
 </p:sld>
 </file>
 
@@ -23454,6 +23687,13 @@
   <p:clrMapOvr>
     <a:masterClrMapping/>
   </p:clrMapOvr>
+  <p:timing>
+    <p:tnLst>
+      <p:par>
+        <p:cTn id="1" dur="indefinite" restart="never" nodeType="tmRoot"/>
+      </p:par>
+    </p:tnLst>
+  </p:timing>
 </p:sld>
 </file>
 
@@ -24744,6 +24984,13 @@
   <p:clrMapOvr>
     <a:masterClrMapping/>
   </p:clrMapOvr>
+  <p:timing>
+    <p:tnLst>
+      <p:par>
+        <p:cTn id="1" dur="indefinite" restart="never" nodeType="tmRoot"/>
+      </p:par>
+    </p:tnLst>
+  </p:timing>
 </p:sld>
 </file>
 
@@ -24781,11 +25028,7 @@
           <a:p>
             <a:r>
               <a:rPr lang="en-US" smtClean="0"/>
-              <a:t>GCC string (version &lt; 5</a:t>
-            </a:r>
-            <a:r>
-              <a:rPr lang="en-US" smtClean="0"/>
-              <a:t>), libstdc++</a:t>
+              <a:t>GCC string (version &lt; 5), libstdc++</a:t>
             </a:r>
             <a:endParaRPr lang="en-US"/>
           </a:p>
@@ -25877,6 +26120,13 @@
   <p:clrMapOvr>
     <a:masterClrMapping/>
   </p:clrMapOvr>
+  <p:timing>
+    <p:tnLst>
+      <p:par>
+        <p:cTn id="1" dur="indefinite" restart="never" nodeType="tmRoot"/>
+      </p:par>
+    </p:tnLst>
+  </p:timing>
 </p:sld>
 </file>
 
@@ -25963,6 +26213,13 @@
   <p:clrMapOvr>
     <a:masterClrMapping/>
   </p:clrMapOvr>
+  <p:timing>
+    <p:tnLst>
+      <p:par>
+        <p:cTn id="1" dur="indefinite" restart="never" nodeType="tmRoot"/>
+      </p:par>
+    </p:tnLst>
+  </p:timing>
 </p:sld>
 </file>
 
@@ -26142,6 +26399,13 @@
   <p:clrMapOvr>
     <a:masterClrMapping/>
   </p:clrMapOvr>
+  <p:timing>
+    <p:tnLst>
+      <p:par>
+        <p:cTn id="1" dur="indefinite" restart="never" nodeType="tmRoot"/>
+      </p:par>
+    </p:tnLst>
+  </p:timing>
 </p:sld>
 </file>
 
@@ -26297,6 +26561,13 @@
   <p:clrMapOvr>
     <a:masterClrMapping/>
   </p:clrMapOvr>
+  <p:timing>
+    <p:tnLst>
+      <p:par>
+        <p:cTn id="1" dur="indefinite" restart="never" nodeType="tmRoot"/>
+      </p:par>
+    </p:tnLst>
+  </p:timing>
 </p:sld>
 </file>
 
@@ -26513,6 +26784,13 @@
   <p:clrMapOvr>
     <a:masterClrMapping/>
   </p:clrMapOvr>
+  <p:timing>
+    <p:tnLst>
+      <p:par>
+        <p:cTn id="1" dur="indefinite" restart="never" nodeType="tmRoot"/>
+      </p:par>
+    </p:tnLst>
+  </p:timing>
 </p:sld>
 </file>
 
@@ -26757,6 +27035,13 @@
   <p:clrMapOvr>
     <a:masterClrMapping/>
   </p:clrMapOvr>
+  <p:timing>
+    <p:tnLst>
+      <p:par>
+        <p:cTn id="1" dur="indefinite" restart="never" nodeType="tmRoot"/>
+      </p:par>
+    </p:tnLst>
+  </p:timing>
 </p:sld>
 </file>
 
@@ -28308,6 +28593,13 @@
   <p:clrMapOvr>
     <a:masterClrMapping/>
   </p:clrMapOvr>
+  <p:timing>
+    <p:tnLst>
+      <p:par>
+        <p:cTn id="1" dur="indefinite" restart="never" nodeType="tmRoot"/>
+      </p:par>
+    </p:tnLst>
+  </p:timing>
 </p:sld>
 </file>
 
@@ -29492,6 +29784,13 @@
   <p:clrMapOvr>
     <a:masterClrMapping/>
   </p:clrMapOvr>
+  <p:timing>
+    <p:tnLst>
+      <p:par>
+        <p:cTn id="1" dur="indefinite" restart="never" nodeType="tmRoot"/>
+      </p:par>
+    </p:tnLst>
+  </p:timing>
 </p:sld>
 </file>
 
@@ -29947,6 +30246,13 @@
   <p:clrMapOvr>
     <a:masterClrMapping/>
   </p:clrMapOvr>
+  <p:timing>
+    <p:tnLst>
+      <p:par>
+        <p:cTn id="1" dur="indefinite" restart="never" nodeType="tmRoot"/>
+      </p:par>
+    </p:tnLst>
+  </p:timing>
 </p:sld>
 </file>
 
@@ -30081,6 +30387,13 @@
   <p:clrMapOvr>
     <a:masterClrMapping/>
   </p:clrMapOvr>
+  <p:timing>
+    <p:tnLst>
+      <p:par>
+        <p:cTn id="1" dur="indefinite" restart="never" nodeType="tmRoot"/>
+      </p:par>
+    </p:tnLst>
+  </p:timing>
 </p:sld>
 </file>
 
@@ -30703,6 +31016,13 @@
   <p:clrMapOvr>
     <a:masterClrMapping/>
   </p:clrMapOvr>
+  <p:timing>
+    <p:tnLst>
+      <p:par>
+        <p:cTn id="1" dur="indefinite" restart="never" nodeType="tmRoot"/>
+      </p:par>
+    </p:tnLst>
+  </p:timing>
 </p:sld>
 </file>
 
@@ -30829,6 +31149,13 @@
   <p:clrMapOvr>
     <a:masterClrMapping/>
   </p:clrMapOvr>
+  <p:timing>
+    <p:tnLst>
+      <p:par>
+        <p:cTn id="1" dur="indefinite" restart="never" nodeType="tmRoot"/>
+      </p:par>
+    </p:tnLst>
+  </p:timing>
 </p:sld>
 </file>
 
@@ -30952,6 +31279,13 @@
   <p:clrMapOvr>
     <a:masterClrMapping/>
   </p:clrMapOvr>
+  <p:timing>
+    <p:tnLst>
+      <p:par>
+        <p:cTn id="1" dur="indefinite" restart="never" nodeType="tmRoot"/>
+      </p:par>
+    </p:tnLst>
+  </p:timing>
 </p:sld>
 </file>
 
@@ -31237,6 +31571,13 @@
   <p:clrMapOvr>
     <a:masterClrMapping/>
   </p:clrMapOvr>
+  <p:timing>
+    <p:tnLst>
+      <p:par>
+        <p:cTn id="1" dur="indefinite" restart="never" nodeType="tmRoot"/>
+      </p:par>
+    </p:tnLst>
+  </p:timing>
 </p:sld>
 </file>
 
@@ -31415,6 +31756,13 @@
   <p:clrMapOvr>
     <a:masterClrMapping/>
   </p:clrMapOvr>
+  <p:timing>
+    <p:tnLst>
+      <p:par>
+        <p:cTn id="1" dur="indefinite" restart="never" nodeType="tmRoot"/>
+      </p:par>
+    </p:tnLst>
+  </p:timing>
 </p:sld>
 </file>
 
@@ -31677,6 +32025,13 @@
   <p:clrMapOvr>
     <a:masterClrMapping/>
   </p:clrMapOvr>
+  <p:timing>
+    <p:tnLst>
+      <p:par>
+        <p:cTn id="1" dur="indefinite" restart="never" nodeType="tmRoot"/>
+      </p:par>
+    </p:tnLst>
+  </p:timing>
 </p:sld>
 </file>
 
@@ -31753,6 +32108,13 @@
   <p:clrMapOvr>
     <a:masterClrMapping/>
   </p:clrMapOvr>
+  <p:timing>
+    <p:tnLst>
+      <p:par>
+        <p:cTn id="1" dur="indefinite" restart="never" nodeType="tmRoot"/>
+      </p:par>
+    </p:tnLst>
+  </p:timing>
 </p:sld>
 </file>
 
@@ -34063,6 +34425,13 @@
   <p:clrMapOvr>
     <a:masterClrMapping/>
   </p:clrMapOvr>
+  <p:timing>
+    <p:tnLst>
+      <p:par>
+        <p:cTn id="1" dur="indefinite" restart="never" nodeType="tmRoot"/>
+      </p:par>
+    </p:tnLst>
+  </p:timing>
 </p:sld>
 </file>
 
@@ -34147,6 +34516,13 @@
   <p:clrMapOvr>
     <a:masterClrMapping/>
   </p:clrMapOvr>
+  <p:timing>
+    <p:tnLst>
+      <p:par>
+        <p:cTn id="1" dur="indefinite" restart="never" nodeType="tmRoot"/>
+      </p:par>
+    </p:tnLst>
+  </p:timing>
 </p:sld>
 </file>
 
@@ -34232,13 +34608,7 @@
               <a:rPr lang="en-US">
                 <a:latin typeface="Consolas" panose="020B0609020204030204" pitchFamily="49" charset="0"/>
               </a:rPr>
-              <a:t>str = ";;Hello|world||-foo--</a:t>
-            </a:r>
-            <a:r>
-              <a:rPr lang="en-US">
-                <a:latin typeface="Consolas" panose="020B0609020204030204" pitchFamily="49" charset="0"/>
-              </a:rPr>
-              <a:t>bar;yow;baz</a:t>
+              <a:t>str = ";;Hello|world||-foo--bar;yow;baz</a:t>
             </a:r>
             <a:r>
               <a:rPr lang="en-US" smtClean="0">
@@ -34261,13 +34631,7 @@
               <a:rPr lang="en-US">
                 <a:latin typeface="Consolas" panose="020B0609020204030204" pitchFamily="49" charset="0"/>
               </a:rPr>
-              <a:t>&gt; </a:t>
-            </a:r>
-            <a:r>
-              <a:rPr lang="en-US">
-                <a:latin typeface="Consolas" panose="020B0609020204030204" pitchFamily="49" charset="0"/>
-              </a:rPr>
-              <a:t>sep</a:t>
+              <a:t>&gt; sep</a:t>
             </a:r>
             <a:r>
               <a:rPr lang="en-US" smtClean="0">
@@ -34302,13 +34666,7 @@
               <a:rPr lang="en-US">
                 <a:latin typeface="Consolas" panose="020B0609020204030204" pitchFamily="49" charset="0"/>
               </a:rPr>
-              <a:t> tokens(str, </a:t>
-            </a:r>
-            <a:r>
-              <a:rPr lang="en-US">
-                <a:latin typeface="Consolas" panose="020B0609020204030204" pitchFamily="49" charset="0"/>
-              </a:rPr>
-              <a:t>sep</a:t>
+              <a:t> tokens(str, sep</a:t>
             </a:r>
             <a:r>
               <a:rPr lang="en-US" smtClean="0">
@@ -34331,19 +34689,36 @@
               <a:rPr lang="en-US">
                 <a:latin typeface="Consolas" panose="020B0609020204030204" pitchFamily="49" charset="0"/>
               </a:rPr>
-              <a:t>(auto tok </a:t>
+              <a:t>(auto tok : </a:t>
+            </a:r>
+            <a:r>
+              <a:rPr lang="en-US" smtClean="0">
+                <a:latin typeface="Consolas" panose="020B0609020204030204" pitchFamily="49" charset="0"/>
+              </a:rPr>
+              <a:t>tokens)</a:t>
+            </a:r>
+            <a:br>
+              <a:rPr lang="en-US" smtClean="0">
+                <a:latin typeface="Consolas" panose="020B0609020204030204" pitchFamily="49" charset="0"/>
+              </a:rPr>
+            </a:br>
+            <a:r>
+              <a:rPr lang="en-US" smtClean="0">
+                <a:latin typeface="Consolas" panose="020B0609020204030204" pitchFamily="49" charset="0"/>
+              </a:rPr>
+              <a:t>  cout </a:t>
             </a:r>
             <a:r>
               <a:rPr lang="en-US">
                 <a:latin typeface="Consolas" panose="020B0609020204030204" pitchFamily="49" charset="0"/>
               </a:rPr>
-              <a:t>: </a:t>
-            </a:r>
-            <a:r>
-              <a:rPr lang="en-US" smtClean="0">
-                <a:latin typeface="Consolas" panose="020B0609020204030204" pitchFamily="49" charset="0"/>
-              </a:rPr>
-              <a:t>tokens)</a:t>
+              <a:t>&lt;&lt; "&lt;" &lt;&lt; tok &lt;&lt; "&gt; </a:t>
+            </a:r>
+            <a:r>
+              <a:rPr lang="en-US" smtClean="0">
+                <a:latin typeface="Consolas" panose="020B0609020204030204" pitchFamily="49" charset="0"/>
+              </a:rPr>
+              <a:t>";</a:t>
             </a:r>
             <a:br>
               <a:rPr lang="en-US" smtClean="0">
@@ -34354,48 +34729,13 @@
               <a:rPr lang="en-US" smtClean="0">
                 <a:latin typeface="Consolas" panose="020B0609020204030204" pitchFamily="49" charset="0"/>
               </a:rPr>
-              <a:t>  cout </a:t>
+              <a:t>cout </a:t>
             </a:r>
             <a:r>
               <a:rPr lang="en-US">
                 <a:latin typeface="Consolas" panose="020B0609020204030204" pitchFamily="49" charset="0"/>
               </a:rPr>
-              <a:t>&lt;&lt; "&lt;" &lt;&lt; tok &lt;&lt; </a:t>
-            </a:r>
-            <a:r>
-              <a:rPr lang="en-US">
-                <a:latin typeface="Consolas" panose="020B0609020204030204" pitchFamily="49" charset="0"/>
-              </a:rPr>
-              <a:t>"&gt; </a:t>
-            </a:r>
-            <a:r>
-              <a:rPr lang="en-US" smtClean="0">
-                <a:latin typeface="Consolas" panose="020B0609020204030204" pitchFamily="49" charset="0"/>
-              </a:rPr>
-              <a:t>";</a:t>
-            </a:r>
-            <a:br>
-              <a:rPr lang="en-US" smtClean="0">
-                <a:latin typeface="Consolas" panose="020B0609020204030204" pitchFamily="49" charset="0"/>
-              </a:rPr>
-            </a:br>
-            <a:r>
-              <a:rPr lang="en-US" smtClean="0">
-                <a:latin typeface="Consolas" panose="020B0609020204030204" pitchFamily="49" charset="0"/>
-              </a:rPr>
-              <a:t>cout </a:t>
-            </a:r>
-            <a:r>
-              <a:rPr lang="en-US">
-                <a:latin typeface="Consolas" panose="020B0609020204030204" pitchFamily="49" charset="0"/>
-              </a:rPr>
-              <a:t>&lt;&lt; </a:t>
-            </a:r>
-            <a:r>
-              <a:rPr lang="en-US">
-                <a:latin typeface="Consolas" panose="020B0609020204030204" pitchFamily="49" charset="0"/>
-              </a:rPr>
-              <a:t>endl</a:t>
+              <a:t>&lt;&lt; endl</a:t>
             </a:r>
             <a:r>
               <a:rPr lang="en-US" smtClean="0">
@@ -34423,6 +34763,13 @@
   <p:clrMapOvr>
     <a:masterClrMapping/>
   </p:clrMapOvr>
+  <p:timing>
+    <p:tnLst>
+      <p:par>
+        <p:cTn id="1" dur="indefinite" restart="never" nodeType="tmRoot"/>
+      </p:par>
+    </p:tnLst>
+  </p:timing>
 </p:sld>
 </file>
 
@@ -34565,6 +34912,13 @@
   <p:clrMapOvr>
     <a:masterClrMapping/>
   </p:clrMapOvr>
+  <p:timing>
+    <p:tnLst>
+      <p:par>
+        <p:cTn id="1" dur="indefinite" restart="never" nodeType="tmRoot"/>
+      </p:par>
+    </p:tnLst>
+  </p:timing>
 </p:sld>
 </file>
 
@@ -34795,6 +35149,13 @@
   <p:clrMapOvr>
     <a:masterClrMapping/>
   </p:clrMapOvr>
+  <p:timing>
+    <p:tnLst>
+      <p:par>
+        <p:cTn id="1" dur="indefinite" restart="never" nodeType="tmRoot"/>
+      </p:par>
+    </p:tnLst>
+  </p:timing>
 </p:sld>
 </file>
 
@@ -34883,6 +35244,13 @@
   <p:clrMapOvr>
     <a:masterClrMapping/>
   </p:clrMapOvr>
+  <p:timing>
+    <p:tnLst>
+      <p:par>
+        <p:cTn id="1" dur="indefinite" restart="never" nodeType="tmRoot"/>
+      </p:par>
+    </p:tnLst>
+  </p:timing>
 </p:sld>
 </file>
 
@@ -34950,8 +35318,12 @@
           <a:p>
             <a:pPr lvl="0"/>
             <a:r>
+              <a:rPr lang="en-US" smtClean="0"/>
+              <a:t>Bjarne Stroustrup, The </a:t>
+            </a:r>
+            <a:r>
               <a:rPr lang="en-US" dirty="0"/>
-              <a:t>The C++ Programming Language (4th </a:t>
+              <a:t>C++ Programming Language (4th </a:t>
             </a:r>
             <a:r>
               <a:rPr lang="en-US"/>
@@ -35044,6 +35416,13 @@
   <p:clrMapOvr>
     <a:masterClrMapping/>
   </p:clrMapOvr>
+  <p:timing>
+    <p:tnLst>
+      <p:par>
+        <p:cTn id="1" dur="indefinite" restart="never" nodeType="tmRoot"/>
+      </p:par>
+    </p:tnLst>
+  </p:timing>
 </p:sld>
 </file>
 
